--- a/Assignments/Presentations/2015.05.20Presentation_2.pptx
+++ b/Assignments/Presentations/2015.05.20Presentation_2.pptx
@@ -5,20 +5,19 @@
     <p:sldMasterId id="2147483696" r:id="rId1"/>
   </p:sldMasterIdLst>
   <p:notesMasterIdLst>
-    <p:notesMasterId r:id="rId13"/>
+    <p:notesMasterId r:id="rId12"/>
   </p:notesMasterIdLst>
   <p:sldIdLst>
     <p:sldId id="285" r:id="rId2"/>
     <p:sldId id="286" r:id="rId3"/>
     <p:sldId id="287" r:id="rId4"/>
-    <p:sldId id="288" r:id="rId5"/>
+    <p:sldId id="297" r:id="rId5"/>
     <p:sldId id="291" r:id="rId6"/>
     <p:sldId id="292" r:id="rId7"/>
     <p:sldId id="296" r:id="rId8"/>
     <p:sldId id="293" r:id="rId9"/>
     <p:sldId id="295" r:id="rId10"/>
     <p:sldId id="294" r:id="rId11"/>
-    <p:sldId id="284" r:id="rId12"/>
   </p:sldIdLst>
   <p:sldSz cx="12192000" cy="6858000"/>
   <p:notesSz cx="6858000" cy="9144000"/>
@@ -139,7 +138,7 @@
 <file path=ppt/charts/chart1.xml><?xml version="1.0" encoding="utf-8"?>
 <c:chartSpace xmlns:c="http://schemas.openxmlformats.org/drawingml/2006/chart" xmlns:a="http://schemas.openxmlformats.org/drawingml/2006/main" xmlns:r="http://schemas.openxmlformats.org/officeDocument/2006/relationships">
   <c:date1904 val="0"/>
-  <c:lang val="en-US"/>
+  <c:lang val="fr-FR"/>
   <c:roundedCorners val="0"/>
   <mc:AlternateContent xmlns:mc="http://schemas.openxmlformats.org/markup-compatibility/2006">
     <mc:Choice xmlns:c14="http://schemas.microsoft.com/office/drawing/2007/8/2/chart" Requires="c14">
@@ -199,7 +198,7 @@
                     <a:cs typeface="+mn-cs"/>
                   </a:defRPr>
                 </a:pPr>
-                <a:endParaRPr lang="en-US"/>
+                <a:endParaRPr lang="fr-FR"/>
               </a:p>
             </c:txPr>
             <c:dLblPos val="ctr"/>
@@ -354,7 +353,7 @@
                     <a:cs typeface="+mn-cs"/>
                   </a:defRPr>
                 </a:pPr>
-                <a:endParaRPr lang="en-US"/>
+                <a:endParaRPr lang="fr-FR"/>
               </a:p>
             </c:txPr>
             <c:dLblPos val="ctr"/>
@@ -478,8 +477,8 @@
         </c:dLbls>
         <c:gapWidth val="150"/>
         <c:overlap val="100"/>
-        <c:axId val="213400320"/>
-        <c:axId val="213401408"/>
+        <c:axId val="1164739312"/>
+        <c:axId val="1164739856"/>
         <c:extLst>
           <c:ext xmlns:c15="http://schemas.microsoft.com/office/drawing/2012/chart" uri="{02D57815-91ED-43cb-92C2-25804820EDAC}">
             <c15:filteredBarSeries>
@@ -525,7 +524,7 @@
                           <a:cs typeface="+mn-cs"/>
                         </a:defRPr>
                       </a:pPr>
-                      <a:endParaRPr lang="en-US"/>
+                      <a:endParaRPr lang="fr-FR"/>
                     </a:p>
                   </c:txPr>
                   <c:dLblPos val="ctr"/>
@@ -636,7 +635,7 @@
         </c:extLst>
       </c:barChart>
       <c:catAx>
-        <c:axId val="213400320"/>
+        <c:axId val="1164739312"/>
         <c:scaling>
           <c:orientation val="minMax"/>
         </c:scaling>
@@ -676,10 +675,10 @@
                 <a:cs typeface="+mn-cs"/>
               </a:defRPr>
             </a:pPr>
-            <a:endParaRPr lang="en-US"/>
+            <a:endParaRPr lang="fr-FR"/>
           </a:p>
         </c:txPr>
-        <c:crossAx val="213401408"/>
+        <c:crossAx val="1164739856"/>
         <c:crosses val="autoZero"/>
         <c:auto val="1"/>
         <c:lblAlgn val="ctr"/>
@@ -687,7 +686,7 @@
         <c:noMultiLvlLbl val="0"/>
       </c:catAx>
       <c:valAx>
-        <c:axId val="213401408"/>
+        <c:axId val="1164739856"/>
         <c:scaling>
           <c:orientation val="minMax"/>
         </c:scaling>
@@ -721,10 +720,10 @@
                 <a:cs typeface="+mn-cs"/>
               </a:defRPr>
             </a:pPr>
-            <a:endParaRPr lang="en-US"/>
+            <a:endParaRPr lang="fr-FR"/>
           </a:p>
         </c:txPr>
-        <c:crossAx val="213400320"/>
+        <c:crossAx val="1164739312"/>
         <c:crosses val="autoZero"/>
         <c:crossBetween val="between"/>
       </c:valAx>
@@ -764,7 +763,7 @@
               <a:cs typeface="+mn-cs"/>
             </a:defRPr>
           </a:pPr>
-          <a:endParaRPr lang="en-US"/>
+          <a:endParaRPr lang="fr-FR"/>
         </a:p>
       </c:txPr>
     </c:legend>
@@ -786,7 +785,7 @@
       <a:pPr>
         <a:defRPr/>
       </a:pPr>
-      <a:endParaRPr lang="en-US"/>
+      <a:endParaRPr lang="fr-FR"/>
     </a:p>
   </c:txPr>
   <c:externalData r:id="rId3">
@@ -1328,68 +1327,86 @@
 </file>
 
 <file path=ppt/diagrams/colors1.xml><?xml version="1.0" encoding="utf-8"?>
-<dgm:colorsDef xmlns:dgm="http://schemas.openxmlformats.org/drawingml/2006/diagram" xmlns:a="http://schemas.openxmlformats.org/drawingml/2006/main" uniqueId="urn:microsoft.com/office/officeart/2005/8/colors/accent1_2">
+<dgm:colorsDef xmlns:dgm="http://schemas.openxmlformats.org/drawingml/2006/diagram" xmlns:a="http://schemas.openxmlformats.org/drawingml/2006/main" uniqueId="urn:microsoft.com/office/officeart/2005/8/colors/accent3_1">
   <dgm:title val=""/>
   <dgm:desc val=""/>
   <dgm:catLst>
-    <dgm:cat type="accent1" pri="11200"/>
+    <dgm:cat type="accent3" pri="11100"/>
   </dgm:catLst>
   <dgm:styleLbl name="node0">
     <dgm:fillClrLst meth="repeat">
-      <a:schemeClr val="accent1"/>
+      <a:schemeClr val="lt1"/>
     </dgm:fillClrLst>
     <dgm:linClrLst meth="repeat">
-      <a:schemeClr val="lt1"/>
+      <a:schemeClr val="accent3">
+        <a:shade val="80000"/>
+      </a:schemeClr>
     </dgm:linClrLst>
     <dgm:effectClrLst/>
     <dgm:txLinClrLst/>
-    <dgm:txFillClrLst/>
+    <dgm:txFillClrLst meth="repeat">
+      <a:schemeClr val="dk1"/>
+    </dgm:txFillClrLst>
+    <dgm:txEffectClrLst/>
+  </dgm:styleLbl>
+  <dgm:styleLbl name="node1">
+    <dgm:fillClrLst meth="repeat">
+      <a:schemeClr val="lt1"/>
+    </dgm:fillClrLst>
+    <dgm:linClrLst meth="repeat">
+      <a:schemeClr val="accent3">
+        <a:shade val="80000"/>
+      </a:schemeClr>
+    </dgm:linClrLst>
+    <dgm:effectClrLst/>
+    <dgm:txLinClrLst/>
+    <dgm:txFillClrLst meth="repeat">
+      <a:schemeClr val="dk1"/>
+    </dgm:txFillClrLst>
     <dgm:txEffectClrLst/>
   </dgm:styleLbl>
   <dgm:styleLbl name="alignNode1">
     <dgm:fillClrLst meth="repeat">
-      <a:schemeClr val="accent1"/>
+      <a:schemeClr val="lt1"/>
     </dgm:fillClrLst>
     <dgm:linClrLst meth="repeat">
-      <a:schemeClr val="accent1"/>
+      <a:schemeClr val="accent3">
+        <a:shade val="80000"/>
+      </a:schemeClr>
     </dgm:linClrLst>
     <dgm:effectClrLst/>
     <dgm:txLinClrLst/>
-    <dgm:txFillClrLst/>
-    <dgm:txEffectClrLst/>
-  </dgm:styleLbl>
-  <dgm:styleLbl name="node1">
-    <dgm:fillClrLst meth="repeat">
-      <a:schemeClr val="accent1"/>
-    </dgm:fillClrLst>
-    <dgm:linClrLst meth="repeat">
-      <a:schemeClr val="lt1"/>
-    </dgm:linClrLst>
-    <dgm:effectClrLst/>
-    <dgm:txLinClrLst/>
-    <dgm:txFillClrLst/>
+    <dgm:txFillClrLst meth="repeat">
+      <a:schemeClr val="dk1"/>
+    </dgm:txFillClrLst>
     <dgm:txEffectClrLst/>
   </dgm:styleLbl>
   <dgm:styleLbl name="lnNode1">
     <dgm:fillClrLst meth="repeat">
-      <a:schemeClr val="accent1"/>
+      <a:schemeClr val="lt1"/>
     </dgm:fillClrLst>
     <dgm:linClrLst meth="repeat">
-      <a:schemeClr val="lt1"/>
+      <a:schemeClr val="accent3">
+        <a:shade val="80000"/>
+      </a:schemeClr>
     </dgm:linClrLst>
     <dgm:effectClrLst/>
     <dgm:txLinClrLst/>
-    <dgm:txFillClrLst/>
+    <dgm:txFillClrLst meth="repeat">
+      <a:schemeClr val="dk1"/>
+    </dgm:txFillClrLst>
     <dgm:txEffectClrLst/>
   </dgm:styleLbl>
   <dgm:styleLbl name="vennNode1">
     <dgm:fillClrLst meth="repeat">
-      <a:schemeClr val="accent1">
+      <a:schemeClr val="lt1">
         <a:alpha val="50000"/>
       </a:schemeClr>
     </dgm:fillClrLst>
     <dgm:linClrLst meth="repeat">
-      <a:schemeClr val="lt1"/>
+      <a:schemeClr val="accent3">
+        <a:shade val="80000"/>
+      </a:schemeClr>
     </dgm:linClrLst>
     <dgm:effectClrLst/>
     <dgm:txLinClrLst/>
@@ -1398,48 +1415,62 @@
   </dgm:styleLbl>
   <dgm:styleLbl name="node2">
     <dgm:fillClrLst meth="repeat">
-      <a:schemeClr val="accent1"/>
+      <a:schemeClr val="lt1"/>
     </dgm:fillClrLst>
     <dgm:linClrLst meth="repeat">
-      <a:schemeClr val="lt1"/>
+      <a:schemeClr val="accent3">
+        <a:shade val="80000"/>
+      </a:schemeClr>
     </dgm:linClrLst>
     <dgm:effectClrLst/>
     <dgm:txLinClrLst/>
-    <dgm:txFillClrLst/>
+    <dgm:txFillClrLst meth="repeat">
+      <a:schemeClr val="dk1"/>
+    </dgm:txFillClrLst>
     <dgm:txEffectClrLst/>
   </dgm:styleLbl>
   <dgm:styleLbl name="node3">
     <dgm:fillClrLst meth="repeat">
-      <a:schemeClr val="accent1"/>
+      <a:schemeClr val="lt1"/>
     </dgm:fillClrLst>
     <dgm:linClrLst meth="repeat">
-      <a:schemeClr val="lt1"/>
+      <a:schemeClr val="accent3">
+        <a:shade val="80000"/>
+      </a:schemeClr>
     </dgm:linClrLst>
     <dgm:effectClrLst/>
     <dgm:txLinClrLst/>
-    <dgm:txFillClrLst/>
+    <dgm:txFillClrLst meth="repeat">
+      <a:schemeClr val="dk1"/>
+    </dgm:txFillClrLst>
     <dgm:txEffectClrLst/>
   </dgm:styleLbl>
   <dgm:styleLbl name="node4">
     <dgm:fillClrLst meth="repeat">
-      <a:schemeClr val="accent1"/>
+      <a:schemeClr val="lt1"/>
     </dgm:fillClrLst>
     <dgm:linClrLst meth="repeat">
-      <a:schemeClr val="lt1"/>
+      <a:schemeClr val="accent3">
+        <a:shade val="80000"/>
+      </a:schemeClr>
     </dgm:linClrLst>
     <dgm:effectClrLst/>
     <dgm:txLinClrLst/>
-    <dgm:txFillClrLst/>
+    <dgm:txFillClrLst meth="repeat">
+      <a:schemeClr val="dk1"/>
+    </dgm:txFillClrLst>
     <dgm:txEffectClrLst/>
   </dgm:styleLbl>
   <dgm:styleLbl name="fgImgPlace1">
     <dgm:fillClrLst meth="repeat">
-      <a:schemeClr val="accent1">
-        <a:tint val="50000"/>
+      <a:schemeClr val="accent3">
+        <a:tint val="40000"/>
       </a:schemeClr>
     </dgm:fillClrLst>
     <dgm:linClrLst meth="repeat">
-      <a:schemeClr val="lt1"/>
+      <a:schemeClr val="accent3">
+        <a:shade val="80000"/>
+      </a:schemeClr>
     </dgm:linClrLst>
     <dgm:effectClrLst/>
     <dgm:txLinClrLst/>
@@ -1450,12 +1481,14 @@
   </dgm:styleLbl>
   <dgm:styleLbl name="alignImgPlace1">
     <dgm:fillClrLst meth="repeat">
-      <a:schemeClr val="accent1">
-        <a:tint val="50000"/>
+      <a:schemeClr val="accent3">
+        <a:tint val="40000"/>
       </a:schemeClr>
     </dgm:fillClrLst>
     <dgm:linClrLst meth="repeat">
-      <a:schemeClr val="lt1"/>
+      <a:schemeClr val="accent3">
+        <a:shade val="80000"/>
+      </a:schemeClr>
     </dgm:linClrLst>
     <dgm:effectClrLst/>
     <dgm:txLinClrLst/>
@@ -1466,12 +1499,14 @@
   </dgm:styleLbl>
   <dgm:styleLbl name="bgImgPlace1">
     <dgm:fillClrLst meth="repeat">
-      <a:schemeClr val="accent1">
-        <a:tint val="50000"/>
+      <a:schemeClr val="accent3">
+        <a:tint val="40000"/>
       </a:schemeClr>
     </dgm:fillClrLst>
     <dgm:linClrLst meth="repeat">
-      <a:schemeClr val="lt1"/>
+      <a:schemeClr val="accent3">
+        <a:shade val="80000"/>
+      </a:schemeClr>
     </dgm:linClrLst>
     <dgm:effectClrLst/>
     <dgm:txLinClrLst/>
@@ -1482,58 +1517,64 @@
   </dgm:styleLbl>
   <dgm:styleLbl name="sibTrans2D1">
     <dgm:fillClrLst meth="repeat">
-      <a:schemeClr val="accent1">
+      <a:schemeClr val="accent3">
         <a:tint val="60000"/>
       </a:schemeClr>
     </dgm:fillClrLst>
     <dgm:linClrLst meth="repeat">
-      <a:schemeClr val="accent1">
+      <a:schemeClr val="accent3">
         <a:tint val="60000"/>
       </a:schemeClr>
     </dgm:linClrLst>
     <dgm:effectClrLst/>
     <dgm:txLinClrLst/>
-    <dgm:txFillClrLst/>
+    <dgm:txFillClrLst meth="repeat">
+      <a:schemeClr val="dk1"/>
+    </dgm:txFillClrLst>
     <dgm:txEffectClrLst/>
   </dgm:styleLbl>
   <dgm:styleLbl name="fgSibTrans2D1">
     <dgm:fillClrLst meth="repeat">
-      <a:schemeClr val="accent1">
+      <a:schemeClr val="accent3">
         <a:tint val="60000"/>
       </a:schemeClr>
     </dgm:fillClrLst>
     <dgm:linClrLst meth="repeat">
-      <a:schemeClr val="accent1">
+      <a:schemeClr val="accent3">
         <a:tint val="60000"/>
       </a:schemeClr>
     </dgm:linClrLst>
     <dgm:effectClrLst/>
     <dgm:txLinClrLst/>
-    <dgm:txFillClrLst/>
+    <dgm:txFillClrLst meth="repeat">
+      <a:schemeClr val="dk1"/>
+    </dgm:txFillClrLst>
     <dgm:txEffectClrLst/>
   </dgm:styleLbl>
   <dgm:styleLbl name="bgSibTrans2D1">
     <dgm:fillClrLst meth="repeat">
-      <a:schemeClr val="accent1">
+      <a:schemeClr val="accent3">
         <a:tint val="60000"/>
       </a:schemeClr>
     </dgm:fillClrLst>
     <dgm:linClrLst meth="repeat">
-      <a:schemeClr val="accent1">
+      <a:schemeClr val="accent3">
         <a:tint val="60000"/>
       </a:schemeClr>
     </dgm:linClrLst>
     <dgm:effectClrLst/>
     <dgm:txLinClrLst/>
-    <dgm:txFillClrLst/>
+    <dgm:txFillClrLst meth="repeat">
+      <a:schemeClr val="dk1"/>
+    </dgm:txFillClrLst>
     <dgm:txEffectClrLst/>
   </dgm:styleLbl>
   <dgm:styleLbl name="sibTrans1D1">
     <dgm:fillClrLst meth="repeat">
-      <a:schemeClr val="accent1"/>
+      <a:schemeClr val="accent3"/>
     </dgm:fillClrLst>
     <dgm:linClrLst meth="repeat">
-      <a:schemeClr val="accent1"/>
+      <a:schemeClr val="accent3"/>
     </dgm:linClrLst>
     <dgm:effectClrLst/>
     <dgm:txLinClrLst/>
@@ -1544,12 +1585,10 @@
   </dgm:styleLbl>
   <dgm:styleLbl name="callout">
     <dgm:fillClrLst meth="repeat">
-      <a:schemeClr val="accent1"/>
+      <a:schemeClr val="accent3"/>
     </dgm:fillClrLst>
     <dgm:linClrLst meth="repeat">
-      <a:schemeClr val="accent1">
-        <a:tint val="50000"/>
-      </a:schemeClr>
+      <a:schemeClr val="accent3"/>
     </dgm:linClrLst>
     <dgm:effectClrLst/>
     <dgm:txLinClrLst/>
@@ -1560,116 +1599,130 @@
   </dgm:styleLbl>
   <dgm:styleLbl name="asst0">
     <dgm:fillClrLst meth="repeat">
-      <a:schemeClr val="accent1"/>
+      <a:schemeClr val="lt1"/>
     </dgm:fillClrLst>
     <dgm:linClrLst meth="repeat">
+      <a:schemeClr val="accent3">
+        <a:shade val="80000"/>
+      </a:schemeClr>
+    </dgm:linClrLst>
+    <dgm:effectClrLst/>
+    <dgm:txLinClrLst/>
+    <dgm:txFillClrLst meth="repeat">
+      <a:schemeClr val="dk1"/>
+    </dgm:txFillClrLst>
+    <dgm:txEffectClrLst/>
+  </dgm:styleLbl>
+  <dgm:styleLbl name="asst1">
+    <dgm:fillClrLst meth="repeat">
       <a:schemeClr val="lt1"/>
+    </dgm:fillClrLst>
+    <dgm:linClrLst meth="repeat">
+      <a:schemeClr val="accent3">
+        <a:shade val="80000"/>
+      </a:schemeClr>
+    </dgm:linClrLst>
+    <dgm:effectClrLst/>
+    <dgm:txLinClrLst/>
+    <dgm:txFillClrLst meth="repeat">
+      <a:schemeClr val="dk1"/>
+    </dgm:txFillClrLst>
+    <dgm:txEffectClrLst/>
+  </dgm:styleLbl>
+  <dgm:styleLbl name="asst2">
+    <dgm:fillClrLst meth="repeat">
+      <a:schemeClr val="lt1"/>
+    </dgm:fillClrLst>
+    <dgm:linClrLst meth="repeat">
+      <a:schemeClr val="accent3">
+        <a:shade val="80000"/>
+      </a:schemeClr>
+    </dgm:linClrLst>
+    <dgm:effectClrLst/>
+    <dgm:txLinClrLst/>
+    <dgm:txFillClrLst meth="repeat">
+      <a:schemeClr val="dk1"/>
+    </dgm:txFillClrLst>
+    <dgm:txEffectClrLst/>
+  </dgm:styleLbl>
+  <dgm:styleLbl name="asst3">
+    <dgm:fillClrLst meth="repeat">
+      <a:schemeClr val="lt1"/>
+    </dgm:fillClrLst>
+    <dgm:linClrLst meth="repeat">
+      <a:schemeClr val="accent3">
+        <a:shade val="80000"/>
+      </a:schemeClr>
+    </dgm:linClrLst>
+    <dgm:effectClrLst/>
+    <dgm:txLinClrLst/>
+    <dgm:txFillClrLst meth="repeat">
+      <a:schemeClr val="dk1"/>
+    </dgm:txFillClrLst>
+    <dgm:txEffectClrLst/>
+  </dgm:styleLbl>
+  <dgm:styleLbl name="asst4">
+    <dgm:fillClrLst meth="repeat">
+      <a:schemeClr val="lt1"/>
+    </dgm:fillClrLst>
+    <dgm:linClrLst meth="repeat">
+      <a:schemeClr val="accent3">
+        <a:shade val="80000"/>
+      </a:schemeClr>
+    </dgm:linClrLst>
+    <dgm:effectClrLst/>
+    <dgm:txLinClrLst/>
+    <dgm:txFillClrLst meth="repeat">
+      <a:schemeClr val="dk1"/>
+    </dgm:txFillClrLst>
+    <dgm:txEffectClrLst/>
+  </dgm:styleLbl>
+  <dgm:styleLbl name="parChTrans2D1">
+    <dgm:fillClrLst meth="repeat">
+      <a:schemeClr val="accent3">
+        <a:tint val="60000"/>
+      </a:schemeClr>
+    </dgm:fillClrLst>
+    <dgm:linClrLst meth="repeat">
+      <a:schemeClr val="accent3">
+        <a:tint val="60000"/>
+      </a:schemeClr>
     </dgm:linClrLst>
     <dgm:effectClrLst/>
     <dgm:txLinClrLst/>
     <dgm:txFillClrLst/>
     <dgm:txEffectClrLst/>
   </dgm:styleLbl>
-  <dgm:styleLbl name="asst1">
+  <dgm:styleLbl name="parChTrans2D2">
     <dgm:fillClrLst meth="repeat">
-      <a:schemeClr val="accent1"/>
+      <a:schemeClr val="accent3"/>
     </dgm:fillClrLst>
     <dgm:linClrLst meth="repeat">
-      <a:schemeClr val="lt1"/>
+      <a:schemeClr val="accent3"/>
     </dgm:linClrLst>
     <dgm:effectClrLst/>
     <dgm:txLinClrLst/>
     <dgm:txFillClrLst/>
     <dgm:txEffectClrLst/>
   </dgm:styleLbl>
-  <dgm:styleLbl name="asst2">
+  <dgm:styleLbl name="parChTrans2D3">
     <dgm:fillClrLst meth="repeat">
-      <a:schemeClr val="accent1"/>
+      <a:schemeClr val="accent3"/>
     </dgm:fillClrLst>
     <dgm:linClrLst meth="repeat">
-      <a:schemeClr val="lt1"/>
+      <a:schemeClr val="accent3"/>
     </dgm:linClrLst>
     <dgm:effectClrLst/>
     <dgm:txLinClrLst/>
     <dgm:txFillClrLst/>
     <dgm:txEffectClrLst/>
   </dgm:styleLbl>
-  <dgm:styleLbl name="asst3">
+  <dgm:styleLbl name="parChTrans2D4">
     <dgm:fillClrLst meth="repeat">
-      <a:schemeClr val="accent1"/>
+      <a:schemeClr val="accent3"/>
     </dgm:fillClrLst>
     <dgm:linClrLst meth="repeat">
-      <a:schemeClr val="lt1"/>
-    </dgm:linClrLst>
-    <dgm:effectClrLst/>
-    <dgm:txLinClrLst/>
-    <dgm:txFillClrLst/>
-    <dgm:txEffectClrLst/>
-  </dgm:styleLbl>
-  <dgm:styleLbl name="asst4">
-    <dgm:fillClrLst meth="repeat">
-      <a:schemeClr val="accent1"/>
-    </dgm:fillClrLst>
-    <dgm:linClrLst meth="repeat">
-      <a:schemeClr val="lt1"/>
-    </dgm:linClrLst>
-    <dgm:effectClrLst/>
-    <dgm:txLinClrLst/>
-    <dgm:txFillClrLst/>
-    <dgm:txEffectClrLst/>
-  </dgm:styleLbl>
-  <dgm:styleLbl name="parChTrans2D1">
-    <dgm:fillClrLst meth="repeat">
-      <a:schemeClr val="accent1">
-        <a:tint val="60000"/>
-      </a:schemeClr>
-    </dgm:fillClrLst>
-    <dgm:linClrLst meth="repeat">
-      <a:schemeClr val="accent1">
-        <a:tint val="60000"/>
-      </a:schemeClr>
-    </dgm:linClrLst>
-    <dgm:effectClrLst/>
-    <dgm:txLinClrLst/>
-    <dgm:txFillClrLst meth="repeat">
-      <a:schemeClr val="lt1"/>
-    </dgm:txFillClrLst>
-    <dgm:txEffectClrLst/>
-  </dgm:styleLbl>
-  <dgm:styleLbl name="parChTrans2D2">
-    <dgm:fillClrLst meth="repeat">
-      <a:schemeClr val="accent1"/>
-    </dgm:fillClrLst>
-    <dgm:linClrLst meth="repeat">
-      <a:schemeClr val="accent1"/>
-    </dgm:linClrLst>
-    <dgm:effectClrLst/>
-    <dgm:txLinClrLst/>
-    <dgm:txFillClrLst meth="repeat">
-      <a:schemeClr val="lt1"/>
-    </dgm:txFillClrLst>
-    <dgm:txEffectClrLst/>
-  </dgm:styleLbl>
-  <dgm:styleLbl name="parChTrans2D3">
-    <dgm:fillClrLst meth="repeat">
-      <a:schemeClr val="accent1"/>
-    </dgm:fillClrLst>
-    <dgm:linClrLst meth="repeat">
-      <a:schemeClr val="accent1"/>
-    </dgm:linClrLst>
-    <dgm:effectClrLst/>
-    <dgm:txLinClrLst/>
-    <dgm:txFillClrLst meth="repeat">
-      <a:schemeClr val="lt1"/>
-    </dgm:txFillClrLst>
-    <dgm:txEffectClrLst/>
-  </dgm:styleLbl>
-  <dgm:styleLbl name="parChTrans2D4">
-    <dgm:fillClrLst meth="repeat">
-      <a:schemeClr val="accent1"/>
-    </dgm:fillClrLst>
-    <dgm:linClrLst meth="repeat">
-      <a:schemeClr val="accent1"/>
+      <a:schemeClr val="accent3"/>
     </dgm:linClrLst>
     <dgm:effectClrLst/>
     <dgm:txLinClrLst/>
@@ -1680,10 +1733,10 @@
   </dgm:styleLbl>
   <dgm:styleLbl name="parChTrans1D1">
     <dgm:fillClrLst meth="repeat">
-      <a:schemeClr val="accent1"/>
+      <a:schemeClr val="accent3"/>
     </dgm:fillClrLst>
     <dgm:linClrLst meth="repeat">
-      <a:schemeClr val="accent1">
+      <a:schemeClr val="accent3">
         <a:shade val="60000"/>
       </a:schemeClr>
     </dgm:linClrLst>
@@ -1696,10 +1749,10 @@
   </dgm:styleLbl>
   <dgm:styleLbl name="parChTrans1D2">
     <dgm:fillClrLst meth="repeat">
-      <a:schemeClr val="accent1"/>
+      <a:schemeClr val="accent3"/>
     </dgm:fillClrLst>
     <dgm:linClrLst meth="repeat">
-      <a:schemeClr val="accent1">
+      <a:schemeClr val="accent3">
         <a:shade val="60000"/>
       </a:schemeClr>
     </dgm:linClrLst>
@@ -1712,10 +1765,10 @@
   </dgm:styleLbl>
   <dgm:styleLbl name="parChTrans1D3">
     <dgm:fillClrLst meth="repeat">
-      <a:schemeClr val="accent1"/>
+      <a:schemeClr val="accent3"/>
     </dgm:fillClrLst>
     <dgm:linClrLst meth="repeat">
-      <a:schemeClr val="accent1">
+      <a:schemeClr val="accent3">
         <a:shade val="80000"/>
       </a:schemeClr>
     </dgm:linClrLst>
@@ -1728,10 +1781,10 @@
   </dgm:styleLbl>
   <dgm:styleLbl name="parChTrans1D4">
     <dgm:fillClrLst meth="repeat">
-      <a:schemeClr val="accent1"/>
+      <a:schemeClr val="accent3"/>
     </dgm:fillClrLst>
     <dgm:linClrLst meth="repeat">
-      <a:schemeClr val="accent1">
+      <a:schemeClr val="accent3">
         <a:shade val="80000"/>
       </a:schemeClr>
     </dgm:linClrLst>
@@ -1744,12 +1797,13 @@
   </dgm:styleLbl>
   <dgm:styleLbl name="fgAcc1">
     <dgm:fillClrLst meth="repeat">
-      <a:schemeClr val="lt1">
+      <a:schemeClr val="accent3">
         <a:alpha val="90000"/>
+        <a:tint val="40000"/>
       </a:schemeClr>
     </dgm:fillClrLst>
     <dgm:linClrLst meth="repeat">
-      <a:schemeClr val="accent1"/>
+      <a:schemeClr val="accent3"/>
     </dgm:linClrLst>
     <dgm:effectClrLst/>
     <dgm:txLinClrLst/>
@@ -1760,12 +1814,13 @@
   </dgm:styleLbl>
   <dgm:styleLbl name="conFgAcc1">
     <dgm:fillClrLst meth="repeat">
-      <a:schemeClr val="lt1">
+      <a:schemeClr val="accent3">
         <a:alpha val="90000"/>
+        <a:tint val="40000"/>
       </a:schemeClr>
     </dgm:fillClrLst>
     <dgm:linClrLst meth="repeat">
-      <a:schemeClr val="accent1"/>
+      <a:schemeClr val="accent3"/>
     </dgm:linClrLst>
     <dgm:effectClrLst/>
     <dgm:txLinClrLst/>
@@ -1776,12 +1831,13 @@
   </dgm:styleLbl>
   <dgm:styleLbl name="alignAcc1">
     <dgm:fillClrLst meth="repeat">
-      <a:schemeClr val="lt1">
+      <a:schemeClr val="accent3">
         <a:alpha val="90000"/>
+        <a:tint val="40000"/>
       </a:schemeClr>
     </dgm:fillClrLst>
     <dgm:linClrLst meth="repeat">
-      <a:schemeClr val="accent1"/>
+      <a:schemeClr val="accent3"/>
     </dgm:linClrLst>
     <dgm:effectClrLst/>
     <dgm:txLinClrLst/>
@@ -1792,12 +1848,13 @@
   </dgm:styleLbl>
   <dgm:styleLbl name="trAlignAcc1">
     <dgm:fillClrLst meth="repeat">
-      <a:schemeClr val="lt1">
+      <a:schemeClr val="accent3">
         <a:alpha val="40000"/>
+        <a:tint val="40000"/>
       </a:schemeClr>
     </dgm:fillClrLst>
     <dgm:linClrLst meth="repeat">
-      <a:schemeClr val="accent1"/>
+      <a:schemeClr val="accent3"/>
     </dgm:linClrLst>
     <dgm:effectClrLst/>
     <dgm:txLinClrLst/>
@@ -1808,12 +1865,13 @@
   </dgm:styleLbl>
   <dgm:styleLbl name="bgAcc1">
     <dgm:fillClrLst meth="repeat">
-      <a:schemeClr val="lt1">
+      <a:schemeClr val="accent3">
         <a:alpha val="90000"/>
+        <a:tint val="40000"/>
       </a:schemeClr>
     </dgm:fillClrLst>
     <dgm:linClrLst meth="repeat">
-      <a:schemeClr val="accent1"/>
+      <a:schemeClr val="accent3"/>
     </dgm:linClrLst>
     <dgm:effectClrLst/>
     <dgm:txLinClrLst/>
@@ -1827,7 +1885,7 @@
       <a:schemeClr val="lt1"/>
     </dgm:fillClrLst>
     <dgm:linClrLst meth="repeat">
-      <a:schemeClr val="accent1"/>
+      <a:schemeClr val="accent3"/>
     </dgm:linClrLst>
     <dgm:effectClrLst/>
     <dgm:txLinClrLst/>
@@ -1841,7 +1899,7 @@
       <a:schemeClr val="lt1"/>
     </dgm:fillClrLst>
     <dgm:linClrLst meth="repeat">
-      <a:schemeClr val="accent1"/>
+      <a:schemeClr val="accent3"/>
     </dgm:linClrLst>
     <dgm:effectClrLst/>
     <dgm:txLinClrLst/>
@@ -1855,7 +1913,7 @@
       <a:schemeClr val="lt1"/>
     </dgm:fillClrLst>
     <dgm:linClrLst meth="repeat">
-      <a:schemeClr val="accent1"/>
+      <a:schemeClr val="accent3"/>
     </dgm:linClrLst>
     <dgm:effectClrLst/>
     <dgm:txLinClrLst/>
@@ -1866,15 +1924,14 @@
   </dgm:styleLbl>
   <dgm:styleLbl name="fgAccFollowNode1">
     <dgm:fillClrLst meth="repeat">
-      <a:schemeClr val="accent1">
+      <a:schemeClr val="lt1">
         <a:alpha val="90000"/>
         <a:tint val="40000"/>
       </a:schemeClr>
     </dgm:fillClrLst>
     <dgm:linClrLst meth="repeat">
-      <a:schemeClr val="accent1">
+      <a:schemeClr val="accent3">
         <a:alpha val="90000"/>
-        <a:tint val="40000"/>
       </a:schemeClr>
     </dgm:linClrLst>
     <dgm:effectClrLst/>
@@ -1886,15 +1943,14 @@
   </dgm:styleLbl>
   <dgm:styleLbl name="alignAccFollowNode1">
     <dgm:fillClrLst meth="repeat">
-      <a:schemeClr val="accent1">
+      <a:schemeClr val="lt1">
         <a:alpha val="90000"/>
         <a:tint val="40000"/>
       </a:schemeClr>
     </dgm:fillClrLst>
     <dgm:linClrLst meth="repeat">
-      <a:schemeClr val="accent1">
+      <a:schemeClr val="accent3">
         <a:alpha val="90000"/>
-        <a:tint val="40000"/>
       </a:schemeClr>
     </dgm:linClrLst>
     <dgm:effectClrLst/>
@@ -1906,15 +1962,14 @@
   </dgm:styleLbl>
   <dgm:styleLbl name="bgAccFollowNode1">
     <dgm:fillClrLst meth="repeat">
-      <a:schemeClr val="accent1">
+      <a:schemeClr val="lt1">
         <a:alpha val="90000"/>
         <a:tint val="40000"/>
       </a:schemeClr>
     </dgm:fillClrLst>
     <dgm:linClrLst meth="repeat">
-      <a:schemeClr val="accent1">
+      <a:schemeClr val="accent3">
         <a:alpha val="90000"/>
-        <a:tint val="40000"/>
       </a:schemeClr>
     </dgm:linClrLst>
     <dgm:effectClrLst/>
@@ -1926,12 +1981,13 @@
   </dgm:styleLbl>
   <dgm:styleLbl name="fgAcc0">
     <dgm:fillClrLst meth="repeat">
-      <a:schemeClr val="lt1">
+      <a:schemeClr val="accent3">
         <a:alpha val="90000"/>
+        <a:tint val="40000"/>
       </a:schemeClr>
     </dgm:fillClrLst>
     <dgm:linClrLst meth="repeat">
-      <a:schemeClr val="accent1"/>
+      <a:schemeClr val="accent3"/>
     </dgm:linClrLst>
     <dgm:effectClrLst/>
     <dgm:txLinClrLst/>
@@ -1942,12 +1998,13 @@
   </dgm:styleLbl>
   <dgm:styleLbl name="fgAcc2">
     <dgm:fillClrLst meth="repeat">
-      <a:schemeClr val="lt1">
+      <a:schemeClr val="accent3">
         <a:alpha val="90000"/>
+        <a:tint val="40000"/>
       </a:schemeClr>
     </dgm:fillClrLst>
     <dgm:linClrLst meth="repeat">
-      <a:schemeClr val="accent1"/>
+      <a:schemeClr val="accent3"/>
     </dgm:linClrLst>
     <dgm:effectClrLst/>
     <dgm:txLinClrLst/>
@@ -1958,12 +2015,13 @@
   </dgm:styleLbl>
   <dgm:styleLbl name="fgAcc3">
     <dgm:fillClrLst meth="repeat">
-      <a:schemeClr val="lt1">
+      <a:schemeClr val="accent3">
         <a:alpha val="90000"/>
+        <a:tint val="40000"/>
       </a:schemeClr>
     </dgm:fillClrLst>
     <dgm:linClrLst meth="repeat">
-      <a:schemeClr val="accent1"/>
+      <a:schemeClr val="accent3"/>
     </dgm:linClrLst>
     <dgm:effectClrLst/>
     <dgm:txLinClrLst/>
@@ -1974,12 +2032,13 @@
   </dgm:styleLbl>
   <dgm:styleLbl name="fgAcc4">
     <dgm:fillClrLst meth="repeat">
-      <a:schemeClr val="lt1">
+      <a:schemeClr val="accent3">
         <a:alpha val="90000"/>
+        <a:tint val="40000"/>
       </a:schemeClr>
     </dgm:fillClrLst>
     <dgm:linClrLst meth="repeat">
-      <a:schemeClr val="accent1"/>
+      <a:schemeClr val="accent3"/>
     </dgm:linClrLst>
     <dgm:effectClrLst/>
     <dgm:txLinClrLst/>
@@ -1990,12 +2049,12 @@
   </dgm:styleLbl>
   <dgm:styleLbl name="bgShp">
     <dgm:fillClrLst meth="repeat">
-      <a:schemeClr val="accent1">
+      <a:schemeClr val="accent3">
         <a:tint val="40000"/>
       </a:schemeClr>
     </dgm:fillClrLst>
     <dgm:linClrLst meth="repeat">
-      <a:schemeClr val="accent1"/>
+      <a:schemeClr val="accent3"/>
     </dgm:linClrLst>
     <dgm:effectClrLst/>
     <dgm:txLinClrLst/>
@@ -2006,12 +2065,12 @@
   </dgm:styleLbl>
   <dgm:styleLbl name="dkBgShp">
     <dgm:fillClrLst meth="repeat">
-      <a:schemeClr val="accent1">
+      <a:schemeClr val="accent3">
         <a:shade val="80000"/>
       </a:schemeClr>
     </dgm:fillClrLst>
     <dgm:linClrLst meth="repeat">
-      <a:schemeClr val="accent1"/>
+      <a:schemeClr val="accent3"/>
     </dgm:linClrLst>
     <dgm:effectClrLst/>
     <dgm:txLinClrLst/>
@@ -2022,13 +2081,13 @@
   </dgm:styleLbl>
   <dgm:styleLbl name="trBgShp">
     <dgm:fillClrLst meth="repeat">
-      <a:schemeClr val="accent1">
+      <a:schemeClr val="accent3">
         <a:tint val="50000"/>
         <a:alpha val="40000"/>
       </a:schemeClr>
     </dgm:fillClrLst>
     <dgm:linClrLst meth="repeat">
-      <a:schemeClr val="accent1"/>
+      <a:schemeClr val="accent3"/>
     </dgm:linClrLst>
     <dgm:effectClrLst/>
     <dgm:txLinClrLst/>
@@ -2039,7 +2098,7 @@
   </dgm:styleLbl>
   <dgm:styleLbl name="fgShp">
     <dgm:fillClrLst meth="repeat">
-      <a:schemeClr val="accent1">
+      <a:schemeClr val="accent3">
         <a:tint val="60000"/>
       </a:schemeClr>
     </dgm:fillClrLst>
@@ -2077,8 +2136,8 @@
 <file path=ppt/diagrams/data1.xml><?xml version="1.0" encoding="utf-8"?>
 <dgm:dataModel xmlns:dgm="http://schemas.openxmlformats.org/drawingml/2006/diagram" xmlns:a="http://schemas.openxmlformats.org/drawingml/2006/main">
   <dgm:ptLst>
-    <dgm:pt modelId="{B0E30588-1614-4F1A-B863-E835765ED56C}" type="doc">
-      <dgm:prSet loTypeId="urn:microsoft.com/office/officeart/2005/8/layout/hList6" loCatId="list" qsTypeId="urn:microsoft.com/office/officeart/2005/8/quickstyle/simple1" qsCatId="simple" csTypeId="urn:microsoft.com/office/officeart/2005/8/colors/accent1_2" csCatId="accent1" phldr="1"/>
+    <dgm:pt modelId="{5252D8DF-F7ED-47A9-8F1F-1C3DE6A4722F}" type="doc">
+      <dgm:prSet loTypeId="urn:microsoft.com/office/officeart/2005/8/layout/hList6" loCatId="list" qsTypeId="urn:microsoft.com/office/officeart/2005/8/quickstyle/simple1" qsCatId="simple" csTypeId="urn:microsoft.com/office/officeart/2005/8/colors/accent3_1" csCatId="accent3" phldr="1"/>
       <dgm:spPr/>
       <dgm:t>
         <a:bodyPr/>
@@ -2088,7 +2147,7 @@
         </a:p>
       </dgm:t>
     </dgm:pt>
-    <dgm:pt modelId="{4BC937DE-DF2D-4FFA-B88A-E5338D433781}">
+    <dgm:pt modelId="{72C3D7C4-1FD3-4E91-B977-28931B3F5ABA}">
       <dgm:prSet phldrT="[Texte]" custT="1"/>
       <dgm:spPr/>
       <dgm:t>
@@ -2096,36 +2155,60 @@
         <a:lstStyle/>
         <a:p>
           <a:r>
-            <a:rPr lang="fr-FR" sz="2000" b="0" i="0" u="none" dirty="0" err="1" smtClean="0"/>
-            <a:t>Resources</a:t>
+            <a:rPr lang="fr-FR" sz="1400" smtClean="0">
+              <a:solidFill>
+                <a:schemeClr val="accent3">
+                  <a:lumMod val="75000"/>
+                </a:schemeClr>
+              </a:solidFill>
+            </a:rPr>
+            <a:t>RESOURCES</a:t>
           </a:r>
-          <a:endParaRPr lang="fr-FR" sz="1700" i="0" dirty="0"/>
+          <a:endParaRPr lang="fr-FR" sz="1400" dirty="0">
+            <a:solidFill>
+              <a:schemeClr val="accent3">
+                <a:lumMod val="75000"/>
+              </a:schemeClr>
+            </a:solidFill>
+          </a:endParaRPr>
         </a:p>
       </dgm:t>
     </dgm:pt>
-    <dgm:pt modelId="{1835388E-52BA-4E72-8792-3A12EDB4C03B}" type="parTrans" cxnId="{B5C73BD3-7E4C-40C2-A95E-ADF73D8B2256}">
+    <dgm:pt modelId="{C7E336E9-2747-4995-A749-2C4A0C296DB1}" type="parTrans" cxnId="{383F837F-9DCE-4D5D-B5F0-67D53EEA6EDB}">
       <dgm:prSet/>
       <dgm:spPr/>
       <dgm:t>
         <a:bodyPr/>
         <a:lstStyle/>
         <a:p>
-          <a:endParaRPr lang="fr-FR"/>
+          <a:endParaRPr lang="fr-FR" sz="2000">
+            <a:solidFill>
+              <a:schemeClr val="accent3">
+                <a:lumMod val="75000"/>
+              </a:schemeClr>
+            </a:solidFill>
+          </a:endParaRPr>
         </a:p>
       </dgm:t>
     </dgm:pt>
-    <dgm:pt modelId="{F59B1304-AA1E-4810-9E72-0861E45F8AE6}" type="sibTrans" cxnId="{B5C73BD3-7E4C-40C2-A95E-ADF73D8B2256}">
+    <dgm:pt modelId="{C47984D0-4B72-491D-8DA1-F5AEAAF743E6}" type="sibTrans" cxnId="{383F837F-9DCE-4D5D-B5F0-67D53EEA6EDB}">
       <dgm:prSet/>
       <dgm:spPr/>
       <dgm:t>
         <a:bodyPr/>
         <a:lstStyle/>
         <a:p>
-          <a:endParaRPr lang="fr-FR"/>
+          <a:endParaRPr lang="fr-FR" sz="2000">
+            <a:solidFill>
+              <a:schemeClr val="accent3">
+                <a:lumMod val="75000"/>
+              </a:schemeClr>
+            </a:solidFill>
+          </a:endParaRPr>
         </a:p>
       </dgm:t>
     </dgm:pt>
-    <dgm:pt modelId="{5D5A5A7A-2479-432D-B9E6-B45F78D27CE5}">
+    <dgm:pt modelId="{932CC87A-C2AA-4521-8FB3-6CE78FE8DC22}">
       <dgm:prSet phldrT="[Texte]" custT="1"/>
       <dgm:spPr/>
       <dgm:t>
@@ -2133,40 +2216,60 @@
         <a:lstStyle/>
         <a:p>
           <a:r>
-            <a:rPr lang="fr-FR" sz="1300" b="0" i="0" u="none" strike="sngStrike" dirty="0" smtClean="0"/>
-            <a:t>4 Team </a:t>
+            <a:rPr lang="fr-FR" sz="1050" smtClean="0">
+              <a:solidFill>
+                <a:schemeClr val="accent3">
+                  <a:lumMod val="75000"/>
+                </a:schemeClr>
+              </a:solidFill>
+            </a:rPr>
+            <a:t>20 Contributors</a:t>
           </a:r>
-          <a:r>
-            <a:rPr lang="fr-FR" sz="1300" b="0" i="0" u="none" strike="sngStrike" dirty="0" err="1" smtClean="0"/>
-            <a:t>members</a:t>
-          </a:r>
-          <a:endParaRPr lang="fr-FR" sz="1300" b="0" i="0" u="none" strike="sngStrike" dirty="0"/>
+          <a:endParaRPr lang="fr-FR" sz="1050" dirty="0">
+            <a:solidFill>
+              <a:schemeClr val="accent3">
+                <a:lumMod val="75000"/>
+              </a:schemeClr>
+            </a:solidFill>
+          </a:endParaRPr>
         </a:p>
       </dgm:t>
     </dgm:pt>
-    <dgm:pt modelId="{AF8022CA-2430-4D45-AF80-C8A2250D1DDE}" type="parTrans" cxnId="{6FD66FB2-4BBD-41E5-8B29-C08F0C2F1235}">
+    <dgm:pt modelId="{A5ABD709-9B38-42A8-BE20-D8E88E6354BF}" type="parTrans" cxnId="{2DE10510-D95E-41EC-BCC8-3A1320FC5027}">
       <dgm:prSet/>
       <dgm:spPr/>
       <dgm:t>
         <a:bodyPr/>
         <a:lstStyle/>
         <a:p>
-          <a:endParaRPr lang="fr-FR"/>
+          <a:endParaRPr lang="fr-FR" sz="2000">
+            <a:solidFill>
+              <a:schemeClr val="accent3">
+                <a:lumMod val="75000"/>
+              </a:schemeClr>
+            </a:solidFill>
+          </a:endParaRPr>
         </a:p>
       </dgm:t>
     </dgm:pt>
-    <dgm:pt modelId="{453A98B2-D262-4DFF-9306-9A4A4C5EA18E}" type="sibTrans" cxnId="{6FD66FB2-4BBD-41E5-8B29-C08F0C2F1235}">
+    <dgm:pt modelId="{0FA7DA1A-927F-4D20-BBAC-3EFD84B1F43C}" type="sibTrans" cxnId="{2DE10510-D95E-41EC-BCC8-3A1320FC5027}">
       <dgm:prSet/>
       <dgm:spPr/>
       <dgm:t>
         <a:bodyPr/>
         <a:lstStyle/>
         <a:p>
-          <a:endParaRPr lang="fr-FR"/>
+          <a:endParaRPr lang="fr-FR" sz="2000">
+            <a:solidFill>
+              <a:schemeClr val="accent3">
+                <a:lumMod val="75000"/>
+              </a:schemeClr>
+            </a:solidFill>
+          </a:endParaRPr>
         </a:p>
       </dgm:t>
     </dgm:pt>
-    <dgm:pt modelId="{A6A559D5-1DBD-4A1B-9C84-11DD56731C42}">
+    <dgm:pt modelId="{E3D830AE-2CF7-4029-9D57-5763C8E9CF43}">
       <dgm:prSet phldrT="[Texte]" custT="1"/>
       <dgm:spPr/>
       <dgm:t>
@@ -2174,36 +2277,60 @@
         <a:lstStyle/>
         <a:p>
           <a:r>
-            <a:rPr lang="fr-FR" sz="2000" b="0" i="0" u="none" dirty="0" err="1" smtClean="0"/>
-            <a:t>Activities</a:t>
+            <a:rPr lang="fr-FR" sz="1050" smtClean="0">
+              <a:solidFill>
+                <a:schemeClr val="accent3">
+                  <a:lumMod val="75000"/>
+                </a:schemeClr>
+              </a:solidFill>
+            </a:rPr>
+            <a:t>4 Authors</a:t>
           </a:r>
-          <a:endParaRPr lang="fr-FR" sz="1700" dirty="0"/>
+          <a:endParaRPr lang="fr-FR" sz="1050" dirty="0">
+            <a:solidFill>
+              <a:schemeClr val="accent3">
+                <a:lumMod val="75000"/>
+              </a:schemeClr>
+            </a:solidFill>
+          </a:endParaRPr>
         </a:p>
       </dgm:t>
     </dgm:pt>
-    <dgm:pt modelId="{E9CD7B0A-A9C5-40E3-8CD5-A97713D4689B}" type="parTrans" cxnId="{0C3CBF50-B7AD-4EDC-BE45-297706ED79D1}">
+    <dgm:pt modelId="{C28EB5E2-53AA-4518-868C-95C0988E2D49}" type="parTrans" cxnId="{BACD229E-0353-4206-A854-B57F59A792CF}">
       <dgm:prSet/>
       <dgm:spPr/>
       <dgm:t>
         <a:bodyPr/>
         <a:lstStyle/>
         <a:p>
-          <a:endParaRPr lang="fr-FR"/>
+          <a:endParaRPr lang="fr-FR" sz="2000">
+            <a:solidFill>
+              <a:schemeClr val="accent3">
+                <a:lumMod val="75000"/>
+              </a:schemeClr>
+            </a:solidFill>
+          </a:endParaRPr>
         </a:p>
       </dgm:t>
     </dgm:pt>
-    <dgm:pt modelId="{F60A93E9-AA93-4486-A62B-5CD6148AEC90}" type="sibTrans" cxnId="{0C3CBF50-B7AD-4EDC-BE45-297706ED79D1}">
+    <dgm:pt modelId="{588A4F85-56EE-4932-B928-50039EFE1D31}" type="sibTrans" cxnId="{BACD229E-0353-4206-A854-B57F59A792CF}">
       <dgm:prSet/>
       <dgm:spPr/>
       <dgm:t>
         <a:bodyPr/>
         <a:lstStyle/>
         <a:p>
-          <a:endParaRPr lang="fr-FR"/>
+          <a:endParaRPr lang="fr-FR" sz="2000">
+            <a:solidFill>
+              <a:schemeClr val="accent3">
+                <a:lumMod val="75000"/>
+              </a:schemeClr>
+            </a:solidFill>
+          </a:endParaRPr>
         </a:p>
       </dgm:t>
     </dgm:pt>
-    <dgm:pt modelId="{D5D44B7F-AA41-424D-A05E-93AA86CAC2AD}">
+    <dgm:pt modelId="{1EFEFBA2-B851-4A8A-BB22-00008FF41747}">
       <dgm:prSet phldrT="[Texte]" custT="1"/>
       <dgm:spPr/>
       <dgm:t>
@@ -2211,36 +2338,60 @@
         <a:lstStyle/>
         <a:p>
           <a:r>
-            <a:rPr lang="fr-FR" sz="1300" b="0" i="0" u="none" strike="sngStrike" smtClean="0"/>
-            <a:t>Read IAR, extract structure</a:t>
+            <a:rPr lang="fr-FR" sz="1400" smtClean="0">
+              <a:solidFill>
+                <a:schemeClr val="accent3">
+                  <a:lumMod val="75000"/>
+                </a:schemeClr>
+              </a:solidFill>
+            </a:rPr>
+            <a:t>ACTIVITIES</a:t>
           </a:r>
-          <a:endParaRPr lang="fr-FR" sz="1300" b="0" i="0" u="none" strike="sngStrike" dirty="0"/>
+          <a:endParaRPr lang="fr-FR" sz="1400">
+            <a:solidFill>
+              <a:schemeClr val="accent3">
+                <a:lumMod val="75000"/>
+              </a:schemeClr>
+            </a:solidFill>
+          </a:endParaRPr>
         </a:p>
       </dgm:t>
     </dgm:pt>
-    <dgm:pt modelId="{7D6CC85D-1A55-48FC-8B24-98362ACCB633}" type="parTrans" cxnId="{95477E30-4688-40A7-B74E-F4BEC8BFC79F}">
+    <dgm:pt modelId="{5237344E-3C45-4CD5-8679-16503A91AA7C}" type="parTrans" cxnId="{35AE9547-F862-45D3-BE5A-E6241C543C34}">
       <dgm:prSet/>
       <dgm:spPr/>
       <dgm:t>
         <a:bodyPr/>
         <a:lstStyle/>
         <a:p>
-          <a:endParaRPr lang="fr-FR"/>
+          <a:endParaRPr lang="fr-FR" sz="2000">
+            <a:solidFill>
+              <a:schemeClr val="accent3">
+                <a:lumMod val="75000"/>
+              </a:schemeClr>
+            </a:solidFill>
+          </a:endParaRPr>
         </a:p>
       </dgm:t>
     </dgm:pt>
-    <dgm:pt modelId="{B6529680-4D05-4FBF-A607-3BB1FC919F3C}" type="sibTrans" cxnId="{95477E30-4688-40A7-B74E-F4BEC8BFC79F}">
+    <dgm:pt modelId="{E95B4B51-66E9-4F52-9C30-23146904BC20}" type="sibTrans" cxnId="{35AE9547-F862-45D3-BE5A-E6241C543C34}">
       <dgm:prSet/>
       <dgm:spPr/>
       <dgm:t>
         <a:bodyPr/>
         <a:lstStyle/>
         <a:p>
-          <a:endParaRPr lang="fr-FR"/>
+          <a:endParaRPr lang="fr-FR" sz="2000">
+            <a:solidFill>
+              <a:schemeClr val="accent3">
+                <a:lumMod val="75000"/>
+              </a:schemeClr>
+            </a:solidFill>
+          </a:endParaRPr>
         </a:p>
       </dgm:t>
     </dgm:pt>
-    <dgm:pt modelId="{173A95D6-627F-4EE4-B440-3E9FBF53A473}">
+    <dgm:pt modelId="{E3F19D58-2847-4B41-8C69-FF677ACDED7B}">
       <dgm:prSet phldrT="[Texte]" custT="1"/>
       <dgm:spPr/>
       <dgm:t>
@@ -2248,266 +2399,60 @@
         <a:lstStyle/>
         <a:p>
           <a:r>
-            <a:rPr lang="fr-FR" sz="2000" dirty="0" err="1" smtClean="0"/>
-            <a:t>Outcomes</a:t>
+            <a:rPr lang="fr-FR" sz="1050" smtClean="0">
+              <a:solidFill>
+                <a:schemeClr val="accent3">
+                  <a:lumMod val="75000"/>
+                </a:schemeClr>
+              </a:solidFill>
+            </a:rPr>
+            <a:t>Extract IAR structure from existing reports</a:t>
           </a:r>
-          <a:endParaRPr lang="fr-FR" sz="1700" dirty="0"/>
+          <a:endParaRPr lang="fr-FR" sz="1050" dirty="0">
+            <a:solidFill>
+              <a:schemeClr val="accent3">
+                <a:lumMod val="75000"/>
+              </a:schemeClr>
+            </a:solidFill>
+          </a:endParaRPr>
         </a:p>
       </dgm:t>
     </dgm:pt>
-    <dgm:pt modelId="{EF491163-C474-4FE6-9611-CBC8688EE962}" type="parTrans" cxnId="{5547B623-2397-4102-849D-E1933C084766}">
+    <dgm:pt modelId="{7CB18FEC-F689-43FE-9BE5-84EDDE928C59}" type="parTrans" cxnId="{6D9CDF47-5255-477F-A408-150A25B9C789}">
       <dgm:prSet/>
       <dgm:spPr/>
       <dgm:t>
         <a:bodyPr/>
         <a:lstStyle/>
         <a:p>
-          <a:endParaRPr lang="fr-FR"/>
+          <a:endParaRPr lang="fr-FR" sz="2000">
+            <a:solidFill>
+              <a:schemeClr val="accent3">
+                <a:lumMod val="75000"/>
+              </a:schemeClr>
+            </a:solidFill>
+          </a:endParaRPr>
         </a:p>
       </dgm:t>
     </dgm:pt>
-    <dgm:pt modelId="{A86BF36B-FF95-4A8D-A3B3-8897AC9FD386}" type="sibTrans" cxnId="{5547B623-2397-4102-849D-E1933C084766}">
+    <dgm:pt modelId="{333CF11C-87F5-4F52-9AE6-1EC6B538DB93}" type="sibTrans" cxnId="{6D9CDF47-5255-477F-A408-150A25B9C789}">
       <dgm:prSet/>
       <dgm:spPr/>
       <dgm:t>
         <a:bodyPr/>
         <a:lstStyle/>
         <a:p>
-          <a:endParaRPr lang="fr-FR"/>
+          <a:endParaRPr lang="fr-FR" sz="2000">
+            <a:solidFill>
+              <a:schemeClr val="accent3">
+                <a:lumMod val="75000"/>
+              </a:schemeClr>
+            </a:solidFill>
+          </a:endParaRPr>
         </a:p>
       </dgm:t>
     </dgm:pt>
-    <dgm:pt modelId="{D06940CB-7C21-4684-9A28-0F376CFC6BB8}">
-      <dgm:prSet phldrT="[Texte]"/>
-      <dgm:spPr/>
-      <dgm:t>
-        <a:bodyPr/>
-        <a:lstStyle/>
-        <a:p>
-          <a:r>
-            <a:rPr lang="fr-FR" sz="1300" b="0" i="0" u="none" dirty="0" smtClean="0"/>
-            <a:t>IAR</a:t>
-          </a:r>
-          <a:endParaRPr lang="fr-FR" sz="1300" dirty="0"/>
-        </a:p>
-      </dgm:t>
-    </dgm:pt>
-    <dgm:pt modelId="{B6547EBC-6C49-4161-BCE7-441B352A2CAF}" type="parTrans" cxnId="{E27A3E35-0074-4994-8618-9A87552FAD80}">
-      <dgm:prSet/>
-      <dgm:spPr/>
-      <dgm:t>
-        <a:bodyPr/>
-        <a:lstStyle/>
-        <a:p>
-          <a:endParaRPr lang="fr-FR"/>
-        </a:p>
-      </dgm:t>
-    </dgm:pt>
-    <dgm:pt modelId="{725F1AA7-33C5-4E46-B6D5-297EACADC6A4}" type="sibTrans" cxnId="{E27A3E35-0074-4994-8618-9A87552FAD80}">
-      <dgm:prSet/>
-      <dgm:spPr/>
-      <dgm:t>
-        <a:bodyPr/>
-        <a:lstStyle/>
-        <a:p>
-          <a:endParaRPr lang="fr-FR"/>
-        </a:p>
-      </dgm:t>
-    </dgm:pt>
-    <dgm:pt modelId="{22B59ABE-7B41-47B6-A407-81A19262CE66}">
-      <dgm:prSet custT="1"/>
-      <dgm:spPr/>
-      <dgm:t>
-        <a:bodyPr/>
-        <a:lstStyle/>
-        <a:p>
-          <a:r>
-            <a:rPr lang="fr-FR" sz="1300" b="0" i="0" u="none" strike="sngStrike" dirty="0" err="1" smtClean="0"/>
-            <a:t>Lab</a:t>
-          </a:r>
-          <a:r>
-            <a:rPr lang="fr-FR" sz="1300" b="0" i="0" u="none" strike="sngStrike" dirty="0" smtClean="0"/>
-            <a:t> &amp; </a:t>
-          </a:r>
-          <a:r>
-            <a:rPr lang="fr-FR" sz="1300" b="0" i="0" u="none" strike="sngStrike" dirty="0" err="1" smtClean="0"/>
-            <a:t>Supervisor</a:t>
-          </a:r>
-          <a:endParaRPr lang="fr-FR" sz="1300" b="0" i="0" u="none" strike="sngStrike" dirty="0"/>
-        </a:p>
-      </dgm:t>
-    </dgm:pt>
-    <dgm:pt modelId="{FFC8A0A0-DA05-4C51-A6DF-654FC9074ED9}" type="parTrans" cxnId="{72583967-306D-4D3C-ADE0-5F735D1217A6}">
-      <dgm:prSet/>
-      <dgm:spPr/>
-      <dgm:t>
-        <a:bodyPr/>
-        <a:lstStyle/>
-        <a:p>
-          <a:endParaRPr lang="fr-FR"/>
-        </a:p>
-      </dgm:t>
-    </dgm:pt>
-    <dgm:pt modelId="{01077D91-D154-4F19-86EA-A3B70045744D}" type="sibTrans" cxnId="{72583967-306D-4D3C-ADE0-5F735D1217A6}">
-      <dgm:prSet/>
-      <dgm:spPr/>
-      <dgm:t>
-        <a:bodyPr/>
-        <a:lstStyle/>
-        <a:p>
-          <a:endParaRPr lang="fr-FR"/>
-        </a:p>
-      </dgm:t>
-    </dgm:pt>
-    <dgm:pt modelId="{E66BEFBB-91E6-4BA8-BDAD-7EE83CE7BD62}">
-      <dgm:prSet custT="1"/>
-      <dgm:spPr/>
-      <dgm:t>
-        <a:bodyPr/>
-        <a:lstStyle/>
-        <a:p>
-          <a:r>
-            <a:rPr lang="fr-FR" sz="1300" b="0" i="0" u="none" strike="sngStrike" dirty="0" smtClean="0"/>
-            <a:t>Documentation about IAR</a:t>
-          </a:r>
-          <a:endParaRPr lang="fr-FR" sz="1300" b="0" i="0" u="none" strike="sngStrike" dirty="0"/>
-        </a:p>
-      </dgm:t>
-    </dgm:pt>
-    <dgm:pt modelId="{87C757B1-63BC-4E3D-9FCC-639033204A74}" type="parTrans" cxnId="{89584823-BCEA-4DBA-9C3D-6238F441635E}">
-      <dgm:prSet/>
-      <dgm:spPr/>
-      <dgm:t>
-        <a:bodyPr/>
-        <a:lstStyle/>
-        <a:p>
-          <a:endParaRPr lang="fr-FR"/>
-        </a:p>
-      </dgm:t>
-    </dgm:pt>
-    <dgm:pt modelId="{8C8A6D43-4DAE-480F-A5CB-A86932B02202}" type="sibTrans" cxnId="{89584823-BCEA-4DBA-9C3D-6238F441635E}">
-      <dgm:prSet/>
-      <dgm:spPr/>
-      <dgm:t>
-        <a:bodyPr/>
-        <a:lstStyle/>
-        <a:p>
-          <a:endParaRPr lang="fr-FR"/>
-        </a:p>
-      </dgm:t>
-    </dgm:pt>
-    <dgm:pt modelId="{DF67D3F8-523E-4C91-BB8A-E88FF3BFFE71}">
-      <dgm:prSet custT="1"/>
-      <dgm:spPr/>
-      <dgm:t>
-        <a:bodyPr/>
-        <a:lstStyle/>
-        <a:p>
-          <a:r>
-            <a:rPr lang="fr-FR" sz="1300" b="0" i="0" u="none" dirty="0" smtClean="0"/>
-            <a:t>Documentation about fuel </a:t>
-          </a:r>
-          <a:r>
-            <a:rPr lang="fr-FR" sz="1300" b="0" i="0" u="none" dirty="0" err="1" smtClean="0"/>
-            <a:t>cells</a:t>
-          </a:r>
-          <a:endParaRPr lang="fr-FR" sz="1300" b="0" i="0" u="none" dirty="0"/>
-        </a:p>
-      </dgm:t>
-    </dgm:pt>
-    <dgm:pt modelId="{776E9636-B39C-4C43-9485-EA8BE7D27246}" type="parTrans" cxnId="{A03E7F38-CE1C-495F-BAEA-335F84444089}">
-      <dgm:prSet/>
-      <dgm:spPr/>
-      <dgm:t>
-        <a:bodyPr/>
-        <a:lstStyle/>
-        <a:p>
-          <a:endParaRPr lang="fr-FR"/>
-        </a:p>
-      </dgm:t>
-    </dgm:pt>
-    <dgm:pt modelId="{3A784D4E-F6F9-4F82-8C2D-28CB5494BDA9}" type="sibTrans" cxnId="{A03E7F38-CE1C-495F-BAEA-335F84444089}">
-      <dgm:prSet/>
-      <dgm:spPr/>
-      <dgm:t>
-        <a:bodyPr/>
-        <a:lstStyle/>
-        <a:p>
-          <a:endParaRPr lang="fr-FR"/>
-        </a:p>
-      </dgm:t>
-    </dgm:pt>
-    <dgm:pt modelId="{2C240D2F-E71A-43C1-9CF6-01F5C8127177}">
-      <dgm:prSet custT="1"/>
-      <dgm:spPr/>
-      <dgm:t>
-        <a:bodyPr/>
-        <a:lstStyle/>
-        <a:p>
-          <a:r>
-            <a:rPr lang="fr-FR" sz="1300" b="0" i="0" u="none" strike="sngStrike" dirty="0" smtClean="0"/>
-            <a:t>Office supplies</a:t>
-          </a:r>
-          <a:endParaRPr lang="fr-FR" sz="1300" b="0" i="0" u="none" strike="sngStrike" dirty="0"/>
-        </a:p>
-      </dgm:t>
-    </dgm:pt>
-    <dgm:pt modelId="{C0188AC4-A908-47B5-8DE7-AF4DD94CF073}" type="parTrans" cxnId="{27099ECE-98EC-4745-8572-5BDA4D0605BF}">
-      <dgm:prSet/>
-      <dgm:spPr/>
-      <dgm:t>
-        <a:bodyPr/>
-        <a:lstStyle/>
-        <a:p>
-          <a:endParaRPr lang="fr-FR"/>
-        </a:p>
-      </dgm:t>
-    </dgm:pt>
-    <dgm:pt modelId="{891E9F7B-9985-40C1-8405-B72318407D6E}" type="sibTrans" cxnId="{27099ECE-98EC-4745-8572-5BDA4D0605BF}">
-      <dgm:prSet/>
-      <dgm:spPr/>
-      <dgm:t>
-        <a:bodyPr/>
-        <a:lstStyle/>
-        <a:p>
-          <a:endParaRPr lang="fr-FR"/>
-        </a:p>
-      </dgm:t>
-    </dgm:pt>
-    <dgm:pt modelId="{08CB5A2F-393F-464E-A882-D9ED7D44C396}">
-      <dgm:prSet phldrT="[Texte]" custT="1"/>
-      <dgm:spPr/>
-      <dgm:t>
-        <a:bodyPr/>
-        <a:lstStyle/>
-        <a:p>
-          <a:endParaRPr lang="fr-FR" sz="1300" b="0" i="0" u="none" dirty="0"/>
-        </a:p>
-      </dgm:t>
-    </dgm:pt>
-    <dgm:pt modelId="{5887957B-0BDB-40DD-B8EC-5B47EB70F435}" type="parTrans" cxnId="{FC72A840-6E04-4E04-A82C-A8427ACEBB0B}">
-      <dgm:prSet/>
-      <dgm:spPr/>
-      <dgm:t>
-        <a:bodyPr/>
-        <a:lstStyle/>
-        <a:p>
-          <a:endParaRPr lang="fr-FR"/>
-        </a:p>
-      </dgm:t>
-    </dgm:pt>
-    <dgm:pt modelId="{11C585BF-CB51-49FC-9361-F99BABB0ECCA}" type="sibTrans" cxnId="{FC72A840-6E04-4E04-A82C-A8427ACEBB0B}">
-      <dgm:prSet/>
-      <dgm:spPr/>
-      <dgm:t>
-        <a:bodyPr/>
-        <a:lstStyle/>
-        <a:p>
-          <a:endParaRPr lang="fr-FR"/>
-        </a:p>
-      </dgm:t>
-    </dgm:pt>
-    <dgm:pt modelId="{C9B12C90-8B57-400E-AFDB-85B1CC8B63C9}">
+    <dgm:pt modelId="{2BE55610-4D28-42E0-8267-558A7085E18F}">
       <dgm:prSet phldrT="[Texte]" custT="1"/>
       <dgm:spPr/>
       <dgm:t>
@@ -2515,451 +2460,1139 @@
         <a:lstStyle/>
         <a:p>
           <a:r>
-            <a:rPr lang="fr-FR" sz="2000" dirty="0" smtClean="0"/>
-            <a:t>Outputs</a:t>
+            <a:rPr lang="fr-FR" sz="1400" smtClean="0">
+              <a:solidFill>
+                <a:schemeClr val="accent3">
+                  <a:lumMod val="75000"/>
+                </a:schemeClr>
+              </a:solidFill>
+            </a:rPr>
+            <a:t>OUTCOMES</a:t>
           </a:r>
-          <a:endParaRPr lang="fr-FR" sz="1700" dirty="0"/>
+          <a:endParaRPr lang="fr-FR" sz="1400">
+            <a:solidFill>
+              <a:schemeClr val="accent3">
+                <a:lumMod val="75000"/>
+              </a:schemeClr>
+            </a:solidFill>
+          </a:endParaRPr>
         </a:p>
       </dgm:t>
     </dgm:pt>
-    <dgm:pt modelId="{56DB51E0-DF7A-4B42-ACCE-4C7D43E700A1}" type="parTrans" cxnId="{9DB96096-1C57-4336-B9DC-0ACE8F45FEB6}">
+    <dgm:pt modelId="{0412D34D-808E-40C7-8F02-8DB8FF4954D5}" type="parTrans" cxnId="{DE556CC3-DF24-4E13-A34B-765D89621F82}">
       <dgm:prSet/>
       <dgm:spPr/>
       <dgm:t>
         <a:bodyPr/>
         <a:lstStyle/>
         <a:p>
-          <a:endParaRPr lang="fr-FR"/>
+          <a:endParaRPr lang="fr-FR" sz="2000">
+            <a:solidFill>
+              <a:schemeClr val="accent3">
+                <a:lumMod val="75000"/>
+              </a:schemeClr>
+            </a:solidFill>
+          </a:endParaRPr>
         </a:p>
       </dgm:t>
     </dgm:pt>
-    <dgm:pt modelId="{B42BB320-369F-4AE7-A909-6BE85982F83C}" type="sibTrans" cxnId="{9DB96096-1C57-4336-B9DC-0ACE8F45FEB6}">
+    <dgm:pt modelId="{6F471C58-641B-49B6-9FAA-ED99D26EF7F1}" type="sibTrans" cxnId="{DE556CC3-DF24-4E13-A34B-765D89621F82}">
       <dgm:prSet/>
       <dgm:spPr/>
       <dgm:t>
         <a:bodyPr/>
         <a:lstStyle/>
         <a:p>
-          <a:endParaRPr lang="fr-FR"/>
+          <a:endParaRPr lang="fr-FR" sz="2000">
+            <a:solidFill>
+              <a:schemeClr val="accent3">
+                <a:lumMod val="75000"/>
+              </a:schemeClr>
+            </a:solidFill>
+          </a:endParaRPr>
         </a:p>
       </dgm:t>
     </dgm:pt>
-    <dgm:pt modelId="{26C7AD60-0846-4829-95EF-6583E73D0D36}">
-      <dgm:prSet phldrT="[Texte]"/>
+    <dgm:pt modelId="{498996AE-4AE4-493E-85FE-F243E011573C}">
+      <dgm:prSet phldrT="[Texte]" custT="1"/>
       <dgm:spPr/>
       <dgm:t>
         <a:bodyPr/>
         <a:lstStyle/>
         <a:p>
           <a:r>
-            <a:rPr lang="en-US" sz="1300" b="0" i="0" u="none" dirty="0" smtClean="0"/>
-            <a:t>Have knowledge about global fuel cell industry (e.g. technology, application, manufacturers, risks, opportunities</a:t>
+            <a:rPr lang="fr-FR" sz="1050" smtClean="0">
+              <a:solidFill>
+                <a:schemeClr val="accent3">
+                  <a:lumMod val="75000"/>
+                </a:schemeClr>
+              </a:solidFill>
+            </a:rPr>
+            <a:t>IAR</a:t>
           </a:r>
-          <a:endParaRPr lang="fr-FR" sz="1300" dirty="0"/>
+          <a:endParaRPr lang="fr-FR" sz="1050">
+            <a:solidFill>
+              <a:schemeClr val="accent3">
+                <a:lumMod val="75000"/>
+              </a:schemeClr>
+            </a:solidFill>
+          </a:endParaRPr>
         </a:p>
       </dgm:t>
     </dgm:pt>
-    <dgm:pt modelId="{EAAAA668-267A-43EB-B99E-EE7ECDB0FF43}" type="parTrans" cxnId="{81214B5E-1E77-4401-A8B2-667E0A6FC00E}">
+    <dgm:pt modelId="{083F37AC-F742-4756-9721-03926A31C2E0}" type="parTrans" cxnId="{628E5962-57DF-4D87-97D9-0192FBFDD090}">
       <dgm:prSet/>
       <dgm:spPr/>
       <dgm:t>
         <a:bodyPr/>
         <a:lstStyle/>
         <a:p>
-          <a:endParaRPr lang="fr-FR"/>
+          <a:endParaRPr lang="fr-FR" sz="2000">
+            <a:solidFill>
+              <a:schemeClr val="accent3">
+                <a:lumMod val="75000"/>
+              </a:schemeClr>
+            </a:solidFill>
+          </a:endParaRPr>
         </a:p>
       </dgm:t>
     </dgm:pt>
-    <dgm:pt modelId="{1B670C0F-69C8-493E-97A2-A21B8EEA14C6}" type="sibTrans" cxnId="{81214B5E-1E77-4401-A8B2-667E0A6FC00E}">
+    <dgm:pt modelId="{48AF3B71-218F-4F8C-B4DE-6B2DE20F7BC5}" type="sibTrans" cxnId="{628E5962-57DF-4D87-97D9-0192FBFDD090}">
       <dgm:prSet/>
       <dgm:spPr/>
       <dgm:t>
         <a:bodyPr/>
         <a:lstStyle/>
         <a:p>
-          <a:endParaRPr lang="fr-FR"/>
+          <a:endParaRPr lang="fr-FR" sz="2000">
+            <a:solidFill>
+              <a:schemeClr val="accent3">
+                <a:lumMod val="75000"/>
+              </a:schemeClr>
+            </a:solidFill>
+          </a:endParaRPr>
         </a:p>
       </dgm:t>
     </dgm:pt>
-    <dgm:pt modelId="{CE19F13A-CB44-4A8D-A9DE-3451DBC6BCD6}">
-      <dgm:prSet phldrT="[Texte]"/>
+    <dgm:pt modelId="{E2D62E3A-FDC4-4F36-AE7D-2F26CF1B12CA}">
+      <dgm:prSet phldrT="[Texte]" custT="1"/>
       <dgm:spPr/>
       <dgm:t>
         <a:bodyPr/>
         <a:lstStyle/>
         <a:p>
-          <a:endParaRPr lang="fr-FR" sz="1300"/>
+          <a:r>
+            <a:rPr lang="fr-FR" sz="1050" smtClean="0">
+              <a:solidFill>
+                <a:schemeClr val="accent3">
+                  <a:lumMod val="75000"/>
+                </a:schemeClr>
+              </a:solidFill>
+            </a:rPr>
+            <a:t>Interaction with other conributors</a:t>
+          </a:r>
+          <a:endParaRPr lang="fr-FR" sz="1050">
+            <a:solidFill>
+              <a:schemeClr val="accent3">
+                <a:lumMod val="75000"/>
+              </a:schemeClr>
+            </a:solidFill>
+          </a:endParaRPr>
         </a:p>
       </dgm:t>
     </dgm:pt>
-    <dgm:pt modelId="{DE6CC97B-3969-4183-9935-0C842BC9FAEF}" type="parTrans" cxnId="{41C06A62-37A2-41B4-A3F8-4E2FC012162B}">
+    <dgm:pt modelId="{9C700315-F604-4033-988D-EBD753E3D226}" type="parTrans" cxnId="{4E6ED13A-5541-444B-A154-C8F6CC8F9A7D}">
       <dgm:prSet/>
       <dgm:spPr/>
       <dgm:t>
         <a:bodyPr/>
         <a:lstStyle/>
         <a:p>
-          <a:endParaRPr lang="fr-FR"/>
+          <a:endParaRPr lang="fr-FR" sz="2000">
+            <a:solidFill>
+              <a:schemeClr val="accent3">
+                <a:lumMod val="75000"/>
+              </a:schemeClr>
+            </a:solidFill>
+          </a:endParaRPr>
         </a:p>
       </dgm:t>
     </dgm:pt>
-    <dgm:pt modelId="{2B0DBB9F-FCD7-4D62-A977-AC24BBB702DE}" type="sibTrans" cxnId="{41C06A62-37A2-41B4-A3F8-4E2FC012162B}">
+    <dgm:pt modelId="{5F154C8F-0C4C-4EBD-A659-69DD126C9C40}" type="sibTrans" cxnId="{4E6ED13A-5541-444B-A154-C8F6CC8F9A7D}">
       <dgm:prSet/>
       <dgm:spPr/>
       <dgm:t>
         <a:bodyPr/>
         <a:lstStyle/>
         <a:p>
-          <a:endParaRPr lang="fr-FR"/>
+          <a:endParaRPr lang="fr-FR" sz="2000">
+            <a:solidFill>
+              <a:schemeClr val="accent3">
+                <a:lumMod val="75000"/>
+              </a:schemeClr>
+            </a:solidFill>
+          </a:endParaRPr>
         </a:p>
       </dgm:t>
     </dgm:pt>
-    <dgm:pt modelId="{924F9493-B6F4-4681-98A9-DF6C585A595D}">
-      <dgm:prSet custT="1"/>
+    <dgm:pt modelId="{3C62CD8E-8D76-477F-9DB6-910BDF743BA0}">
+      <dgm:prSet phldrT="[Texte]" custT="1"/>
       <dgm:spPr/>
       <dgm:t>
         <a:bodyPr/>
         <a:lstStyle/>
         <a:p>
           <a:r>
-            <a:rPr lang="en-US" sz="1300" b="0" i="0" u="none" strike="sngStrike" smtClean="0"/>
-            <a:t>Build a structure for our IAR</a:t>
+            <a:rPr lang="fr-FR" sz="1050" smtClean="0">
+              <a:solidFill>
+                <a:schemeClr val="accent3">
+                  <a:lumMod val="75000"/>
+                </a:schemeClr>
+              </a:solidFill>
+            </a:rPr>
+            <a:t>1 Supervisor</a:t>
           </a:r>
-          <a:endParaRPr lang="en-US" sz="1300" b="0" i="0" u="none" strike="sngStrike" dirty="0"/>
+          <a:endParaRPr lang="fr-FR" sz="1050">
+            <a:solidFill>
+              <a:schemeClr val="accent3">
+                <a:lumMod val="75000"/>
+              </a:schemeClr>
+            </a:solidFill>
+          </a:endParaRPr>
         </a:p>
       </dgm:t>
     </dgm:pt>
-    <dgm:pt modelId="{A520016C-8EAA-4AE5-82EF-925B6EBECA66}" type="parTrans" cxnId="{9DEDE0B0-F2D5-44CC-BCD4-4B0A8CD8E28A}">
+    <dgm:pt modelId="{ACB6940E-F7AB-4B27-A4AF-138986DD3A81}" type="parTrans" cxnId="{8019387C-88C3-4DCF-810D-DE8619DEB540}">
       <dgm:prSet/>
       <dgm:spPr/>
       <dgm:t>
         <a:bodyPr/>
         <a:lstStyle/>
         <a:p>
-          <a:endParaRPr lang="fr-FR"/>
+          <a:endParaRPr lang="fr-FR" sz="2000">
+            <a:solidFill>
+              <a:schemeClr val="accent3">
+                <a:lumMod val="75000"/>
+              </a:schemeClr>
+            </a:solidFill>
+          </a:endParaRPr>
         </a:p>
       </dgm:t>
     </dgm:pt>
-    <dgm:pt modelId="{DC434730-29E2-4201-BB96-5CE99D4247F9}" type="sibTrans" cxnId="{9DEDE0B0-F2D5-44CC-BCD4-4B0A8CD8E28A}">
+    <dgm:pt modelId="{15123142-6E4E-45E4-807A-07C399AF1AF7}" type="sibTrans" cxnId="{8019387C-88C3-4DCF-810D-DE8619DEB540}">
       <dgm:prSet/>
       <dgm:spPr/>
       <dgm:t>
         <a:bodyPr/>
         <a:lstStyle/>
         <a:p>
-          <a:endParaRPr lang="fr-FR"/>
+          <a:endParaRPr lang="fr-FR" sz="2000">
+            <a:solidFill>
+              <a:schemeClr val="accent3">
+                <a:lumMod val="75000"/>
+              </a:schemeClr>
+            </a:solidFill>
+          </a:endParaRPr>
         </a:p>
       </dgm:t>
     </dgm:pt>
-    <dgm:pt modelId="{127057A1-3005-47EE-9DA0-5BB7EF177F1C}">
-      <dgm:prSet custT="1"/>
+    <dgm:pt modelId="{6EC9B295-79FA-4462-A038-98147B5B15E8}">
+      <dgm:prSet phldrT="[Texte]" custT="1"/>
       <dgm:spPr/>
       <dgm:t>
         <a:bodyPr/>
         <a:lstStyle/>
         <a:p>
           <a:r>
-            <a:rPr lang="en-US" sz="1600" b="1" i="0" u="none" dirty="0" smtClean="0"/>
-            <a:t>Read about fuel cell and surrounding industry</a:t>
+            <a:rPr lang="fr-FR" sz="1050" smtClean="0">
+              <a:solidFill>
+                <a:schemeClr val="accent3">
+                  <a:lumMod val="75000"/>
+                </a:schemeClr>
+              </a:solidFill>
+            </a:rPr>
+            <a:t>Documetation anout IAR</a:t>
           </a:r>
-          <a:endParaRPr lang="en-US" sz="1600" b="1" i="0" u="none" dirty="0"/>
+          <a:endParaRPr lang="fr-FR" sz="1050">
+            <a:solidFill>
+              <a:schemeClr val="accent3">
+                <a:lumMod val="75000"/>
+              </a:schemeClr>
+            </a:solidFill>
+          </a:endParaRPr>
         </a:p>
       </dgm:t>
     </dgm:pt>
-    <dgm:pt modelId="{9D16DEC4-F8E8-4856-8AEA-113C6AD38A38}" type="parTrans" cxnId="{DA694487-5C68-4FCE-8B32-F1A86F93E8B1}">
+    <dgm:pt modelId="{5B8E65CC-A994-45C4-BB7F-2703D8EA6267}" type="parTrans" cxnId="{AF1EF758-F111-4214-89C5-F09B074974A9}">
       <dgm:prSet/>
       <dgm:spPr/>
       <dgm:t>
         <a:bodyPr/>
         <a:lstStyle/>
         <a:p>
-          <a:endParaRPr lang="fr-FR"/>
+          <a:endParaRPr lang="fr-FR" sz="2000">
+            <a:solidFill>
+              <a:schemeClr val="accent3">
+                <a:lumMod val="75000"/>
+              </a:schemeClr>
+            </a:solidFill>
+          </a:endParaRPr>
         </a:p>
       </dgm:t>
     </dgm:pt>
-    <dgm:pt modelId="{6C12C3BE-D1E7-4B42-A1DE-7B098BAFB04F}" type="sibTrans" cxnId="{DA694487-5C68-4FCE-8B32-F1A86F93E8B1}">
+    <dgm:pt modelId="{5BF83123-2528-47C3-AC79-7A084658B426}" type="sibTrans" cxnId="{AF1EF758-F111-4214-89C5-F09B074974A9}">
       <dgm:prSet/>
       <dgm:spPr/>
       <dgm:t>
         <a:bodyPr/>
         <a:lstStyle/>
         <a:p>
-          <a:endParaRPr lang="fr-FR"/>
+          <a:endParaRPr lang="fr-FR" sz="2000">
+            <a:solidFill>
+              <a:schemeClr val="accent3">
+                <a:lumMod val="75000"/>
+              </a:schemeClr>
+            </a:solidFill>
+          </a:endParaRPr>
         </a:p>
       </dgm:t>
     </dgm:pt>
-    <dgm:pt modelId="{79BB08CC-B1E6-4B7E-AAC7-C38E3794C471}">
-      <dgm:prSet custT="1"/>
+    <dgm:pt modelId="{DE4E638D-80BE-4A69-86ED-9C45972347A1}">
+      <dgm:prSet phldrT="[Texte]" custT="1"/>
       <dgm:spPr/>
       <dgm:t>
         <a:bodyPr/>
         <a:lstStyle/>
         <a:p>
           <a:r>
-            <a:rPr lang="fr-FR" sz="1600" b="1" i="0" u="none" dirty="0" err="1" smtClean="0"/>
-            <a:t>Collect</a:t>
+            <a:rPr lang="fr-FR" sz="1050" smtClean="0">
+              <a:solidFill>
+                <a:schemeClr val="accent3">
+                  <a:lumMod val="75000"/>
+                </a:schemeClr>
+              </a:solidFill>
+            </a:rPr>
+            <a:t>Documentation about Fuel Cells</a:t>
           </a:r>
-          <a:r>
-            <a:rPr lang="fr-FR" sz="1600" b="1" i="0" u="none" dirty="0" smtClean="0"/>
-            <a:t> data</a:t>
-          </a:r>
-          <a:endParaRPr lang="fr-FR" sz="1600" b="1" i="0" u="none" dirty="0"/>
+          <a:endParaRPr lang="fr-FR" sz="1050">
+            <a:solidFill>
+              <a:schemeClr val="accent3">
+                <a:lumMod val="75000"/>
+              </a:schemeClr>
+            </a:solidFill>
+          </a:endParaRPr>
         </a:p>
       </dgm:t>
     </dgm:pt>
-    <dgm:pt modelId="{79FCF712-FC52-4ADC-8363-FF580A03414F}" type="parTrans" cxnId="{EA964E5A-0F21-4B5C-A64D-CA89E6288569}">
+    <dgm:pt modelId="{61772DFC-735C-4A4E-9CFE-5491B99DCEB1}" type="parTrans" cxnId="{879A2153-EA60-4773-A529-3FC45218335B}">
       <dgm:prSet/>
       <dgm:spPr/>
       <dgm:t>
         <a:bodyPr/>
         <a:lstStyle/>
         <a:p>
-          <a:endParaRPr lang="fr-FR"/>
+          <a:endParaRPr lang="fr-FR" sz="2000">
+            <a:solidFill>
+              <a:schemeClr val="accent3">
+                <a:lumMod val="75000"/>
+              </a:schemeClr>
+            </a:solidFill>
+          </a:endParaRPr>
         </a:p>
       </dgm:t>
     </dgm:pt>
-    <dgm:pt modelId="{F81AD888-DC39-470D-9E86-5AFCF642058A}" type="sibTrans" cxnId="{EA964E5A-0F21-4B5C-A64D-CA89E6288569}">
+    <dgm:pt modelId="{A6DF42EE-B7F0-448B-AAB7-CB2D0ED8CA16}" type="sibTrans" cxnId="{879A2153-EA60-4773-A529-3FC45218335B}">
       <dgm:prSet/>
       <dgm:spPr/>
       <dgm:t>
         <a:bodyPr/>
         <a:lstStyle/>
         <a:p>
-          <a:endParaRPr lang="fr-FR"/>
+          <a:endParaRPr lang="fr-FR" sz="2000">
+            <a:solidFill>
+              <a:schemeClr val="accent3">
+                <a:lumMod val="75000"/>
+              </a:schemeClr>
+            </a:solidFill>
+          </a:endParaRPr>
         </a:p>
       </dgm:t>
     </dgm:pt>
-    <dgm:pt modelId="{7EDB0E82-0C3F-4570-AE44-2ADE5BD8875A}">
+    <dgm:pt modelId="{36ABFEC0-2B17-4E77-A2C7-C0FE9FBDA7E1}">
+      <dgm:prSet phldrT="[Texte]" custT="1"/>
+      <dgm:spPr/>
+      <dgm:t>
+        <a:bodyPr/>
+        <a:lstStyle/>
+        <a:p>
+          <a:r>
+            <a:rPr lang="fr-FR" sz="1050" smtClean="0">
+              <a:solidFill>
+                <a:schemeClr val="accent3">
+                  <a:lumMod val="75000"/>
+                </a:schemeClr>
+              </a:solidFill>
+            </a:rPr>
+            <a:t>Online data sharing platform</a:t>
+          </a:r>
+          <a:endParaRPr lang="fr-FR" sz="1050">
+            <a:solidFill>
+              <a:schemeClr val="accent3">
+                <a:lumMod val="75000"/>
+              </a:schemeClr>
+            </a:solidFill>
+          </a:endParaRPr>
+        </a:p>
+      </dgm:t>
+    </dgm:pt>
+    <dgm:pt modelId="{EE816ADF-6421-4B5A-938E-8013FE13857F}" type="parTrans" cxnId="{4300DD3D-BF39-45DB-9048-597C02992529}">
       <dgm:prSet/>
       <dgm:spPr/>
       <dgm:t>
         <a:bodyPr/>
         <a:lstStyle/>
         <a:p>
-          <a:r>
-            <a:rPr lang="fr-FR" sz="1300" b="0" i="0" u="none" dirty="0" smtClean="0"/>
-            <a:t>Collaboration </a:t>
-          </a:r>
-          <a:r>
-            <a:rPr lang="fr-FR" sz="1300" b="0" i="0" u="none" dirty="0" err="1" smtClean="0"/>
-            <a:t>with</a:t>
-          </a:r>
-          <a:r>
-            <a:rPr lang="fr-FR" sz="1300" b="0" i="0" u="none" dirty="0" smtClean="0"/>
-            <a:t> </a:t>
-          </a:r>
-          <a:r>
-            <a:rPr lang="fr-FR" sz="1300" b="0" i="0" u="none" dirty="0" err="1" smtClean="0"/>
-            <a:t>chemistry</a:t>
-          </a:r>
-          <a:r>
-            <a:rPr lang="fr-FR" sz="1300" b="0" i="0" u="none" dirty="0" smtClean="0"/>
-            <a:t> </a:t>
-          </a:r>
-          <a:r>
-            <a:rPr lang="fr-FR" sz="1300" b="0" i="0" u="none" dirty="0" err="1" smtClean="0"/>
-            <a:t>lab</a:t>
-          </a:r>
-          <a:endParaRPr lang="fr-FR" sz="1300" dirty="0"/>
+          <a:endParaRPr lang="fr-FR" sz="2000">
+            <a:solidFill>
+              <a:schemeClr val="accent3">
+                <a:lumMod val="75000"/>
+              </a:schemeClr>
+            </a:solidFill>
+          </a:endParaRPr>
         </a:p>
       </dgm:t>
     </dgm:pt>
-    <dgm:pt modelId="{8DACBAF6-298B-4E56-85CF-A70C60893CF4}" type="parTrans" cxnId="{860E6A07-10A9-4F32-9CC8-BF5127198212}">
+    <dgm:pt modelId="{BD918787-7934-4406-AB9E-59CAFEA713D8}" type="sibTrans" cxnId="{4300DD3D-BF39-45DB-9048-597C02992529}">
       <dgm:prSet/>
       <dgm:spPr/>
       <dgm:t>
         <a:bodyPr/>
         <a:lstStyle/>
         <a:p>
-          <a:endParaRPr lang="fr-FR"/>
+          <a:endParaRPr lang="fr-FR" sz="2000">
+            <a:solidFill>
+              <a:schemeClr val="accent3">
+                <a:lumMod val="75000"/>
+              </a:schemeClr>
+            </a:solidFill>
+          </a:endParaRPr>
         </a:p>
       </dgm:t>
     </dgm:pt>
-    <dgm:pt modelId="{C34F397A-67E9-48FF-B84B-B87BFF785F57}" type="sibTrans" cxnId="{860E6A07-10A9-4F32-9CC8-BF5127198212}">
+    <dgm:pt modelId="{DBD0BA76-6275-4A2D-ADE2-0F6036822509}">
+      <dgm:prSet phldrT="[Texte]" custT="1"/>
+      <dgm:spPr/>
+      <dgm:t>
+        <a:bodyPr/>
+        <a:lstStyle/>
+        <a:p>
+          <a:r>
+            <a:rPr lang="fr-FR" sz="1050" smtClean="0">
+              <a:solidFill>
+                <a:schemeClr val="accent3">
+                  <a:lumMod val="75000"/>
+                </a:schemeClr>
+              </a:solidFill>
+            </a:rPr>
+            <a:t>Build a personalized outline for the IAR</a:t>
+          </a:r>
+          <a:endParaRPr lang="fr-FR" sz="1050">
+            <a:solidFill>
+              <a:schemeClr val="accent3">
+                <a:lumMod val="75000"/>
+              </a:schemeClr>
+            </a:solidFill>
+          </a:endParaRPr>
+        </a:p>
+      </dgm:t>
+    </dgm:pt>
+    <dgm:pt modelId="{E3C44805-5A5C-4C66-B673-803F99E83A96}" type="parTrans" cxnId="{833D941F-C529-4BB5-8121-804F7324C543}">
       <dgm:prSet/>
       <dgm:spPr/>
       <dgm:t>
         <a:bodyPr/>
         <a:lstStyle/>
         <a:p>
-          <a:endParaRPr lang="fr-FR"/>
+          <a:endParaRPr lang="fr-FR" sz="2000">
+            <a:solidFill>
+              <a:schemeClr val="accent3">
+                <a:lumMod val="75000"/>
+              </a:schemeClr>
+            </a:solidFill>
+          </a:endParaRPr>
         </a:p>
       </dgm:t>
     </dgm:pt>
-    <dgm:pt modelId="{A446800D-2712-4870-A860-B80692232F7F}">
+    <dgm:pt modelId="{FFCA3E7D-8C38-4855-8AC3-F2676E945F28}" type="sibTrans" cxnId="{833D941F-C529-4BB5-8121-804F7324C543}">
       <dgm:prSet/>
       <dgm:spPr/>
       <dgm:t>
         <a:bodyPr/>
         <a:lstStyle/>
         <a:p>
-          <a:r>
-            <a:rPr lang="en-US" sz="1300" b="0" i="0" u="none" smtClean="0"/>
-            <a:t>Being able to identify needs of the market</a:t>
-          </a:r>
-          <a:endParaRPr lang="en-US" sz="1300"/>
+          <a:endParaRPr lang="fr-FR" sz="2000">
+            <a:solidFill>
+              <a:schemeClr val="accent3">
+                <a:lumMod val="75000"/>
+              </a:schemeClr>
+            </a:solidFill>
+          </a:endParaRPr>
         </a:p>
       </dgm:t>
     </dgm:pt>
-    <dgm:pt modelId="{D5CB3F02-2D52-4C7C-B42D-1F2F79D73300}" type="parTrans" cxnId="{AA84AAB7-CA17-40C5-A465-15DA0C289E43}">
+    <dgm:pt modelId="{27B8F497-EEFE-4724-A7DB-6F628DE3891D}">
+      <dgm:prSet phldrT="[Texte]" custT="1"/>
+      <dgm:spPr/>
+      <dgm:t>
+        <a:bodyPr/>
+        <a:lstStyle/>
+        <a:p>
+          <a:r>
+            <a:rPr lang="fr-FR" sz="1050" smtClean="0">
+              <a:solidFill>
+                <a:schemeClr val="accent3">
+                  <a:lumMod val="75000"/>
+                </a:schemeClr>
+              </a:solidFill>
+            </a:rPr>
+            <a:t>Review Fuel Cell information</a:t>
+          </a:r>
+          <a:endParaRPr lang="fr-FR" sz="1050" dirty="0">
+            <a:solidFill>
+              <a:schemeClr val="accent3">
+                <a:lumMod val="75000"/>
+              </a:schemeClr>
+            </a:solidFill>
+          </a:endParaRPr>
+        </a:p>
+      </dgm:t>
+    </dgm:pt>
+    <dgm:pt modelId="{326F6861-A2B9-4697-8835-2FE6175350B9}" type="parTrans" cxnId="{AE803186-1124-46E1-8F1A-37AB7FE2A10B}">
       <dgm:prSet/>
       <dgm:spPr/>
       <dgm:t>
         <a:bodyPr/>
         <a:lstStyle/>
         <a:p>
-          <a:endParaRPr lang="fr-FR"/>
+          <a:endParaRPr lang="fr-FR" sz="2000">
+            <a:solidFill>
+              <a:schemeClr val="accent3">
+                <a:lumMod val="75000"/>
+              </a:schemeClr>
+            </a:solidFill>
+          </a:endParaRPr>
         </a:p>
       </dgm:t>
     </dgm:pt>
-    <dgm:pt modelId="{21E781E9-0AC7-4C2B-9DB1-F96922E5188D}" type="sibTrans" cxnId="{AA84AAB7-CA17-40C5-A465-15DA0C289E43}">
+    <dgm:pt modelId="{CBB21267-DEF5-4514-82CE-4C0594486F84}" type="sibTrans" cxnId="{AE803186-1124-46E1-8F1A-37AB7FE2A10B}">
       <dgm:prSet/>
       <dgm:spPr/>
       <dgm:t>
         <a:bodyPr/>
         <a:lstStyle/>
         <a:p>
-          <a:endParaRPr lang="fr-FR"/>
+          <a:endParaRPr lang="fr-FR" sz="2000">
+            <a:solidFill>
+              <a:schemeClr val="accent3">
+                <a:lumMod val="75000"/>
+              </a:schemeClr>
+            </a:solidFill>
+          </a:endParaRPr>
         </a:p>
       </dgm:t>
     </dgm:pt>
-    <dgm:pt modelId="{340ABA22-01E9-4FF1-993F-9F90A8EDD93C}">
+    <dgm:pt modelId="{B7C59D5E-E827-4F99-9F60-2B0420DCE559}">
+      <dgm:prSet phldrT="[Texte]" custT="1"/>
+      <dgm:spPr/>
+      <dgm:t>
+        <a:bodyPr/>
+        <a:lstStyle/>
+        <a:p>
+          <a:r>
+            <a:rPr lang="fr-FR" sz="1050" smtClean="0">
+              <a:solidFill>
+                <a:schemeClr val="accent3">
+                  <a:lumMod val="75000"/>
+                </a:schemeClr>
+              </a:solidFill>
+            </a:rPr>
+            <a:t>Collect data</a:t>
+          </a:r>
+          <a:endParaRPr lang="fr-FR" sz="1050">
+            <a:solidFill>
+              <a:schemeClr val="accent3">
+                <a:lumMod val="75000"/>
+              </a:schemeClr>
+            </a:solidFill>
+          </a:endParaRPr>
+        </a:p>
+      </dgm:t>
+    </dgm:pt>
+    <dgm:pt modelId="{B724FF86-B1A3-42EA-A800-CE3C165326BC}" type="parTrans" cxnId="{3232FB35-98D6-48CA-A362-7A0C714424D0}">
       <dgm:prSet/>
       <dgm:spPr/>
       <dgm:t>
         <a:bodyPr/>
         <a:lstStyle/>
         <a:p>
-          <a:r>
-            <a:rPr lang="en-US" sz="1300" b="0" i="0" u="none" smtClean="0"/>
-            <a:t>Ability to write an IAR</a:t>
-          </a:r>
-          <a:endParaRPr lang="en-US" sz="1300"/>
+          <a:endParaRPr lang="fr-FR" sz="2000">
+            <a:solidFill>
+              <a:schemeClr val="accent3">
+                <a:lumMod val="75000"/>
+              </a:schemeClr>
+            </a:solidFill>
+          </a:endParaRPr>
         </a:p>
       </dgm:t>
     </dgm:pt>
-    <dgm:pt modelId="{5A45E56C-469B-437B-87B6-2731BE76489F}" type="parTrans" cxnId="{E360E79E-4455-477E-AFF0-18B1A6AA90E3}">
+    <dgm:pt modelId="{51BB2072-31A7-4D40-AD47-EE65451F162F}" type="sibTrans" cxnId="{3232FB35-98D6-48CA-A362-7A0C714424D0}">
       <dgm:prSet/>
       <dgm:spPr/>
       <dgm:t>
         <a:bodyPr/>
         <a:lstStyle/>
         <a:p>
-          <a:endParaRPr lang="fr-FR"/>
+          <a:endParaRPr lang="fr-FR" sz="2000">
+            <a:solidFill>
+              <a:schemeClr val="accent3">
+                <a:lumMod val="75000"/>
+              </a:schemeClr>
+            </a:solidFill>
+          </a:endParaRPr>
         </a:p>
       </dgm:t>
     </dgm:pt>
-    <dgm:pt modelId="{705F9002-865E-4D4A-9DD4-9FF937E35BC7}" type="sibTrans" cxnId="{E360E79E-4455-477E-AFF0-18B1A6AA90E3}">
+    <dgm:pt modelId="{9DB0AEFC-F7C0-4A47-A9D2-B66B67BDF166}">
+      <dgm:prSet phldrT="[Texte]" custT="1"/>
+      <dgm:spPr/>
+      <dgm:t>
+        <a:bodyPr/>
+        <a:lstStyle/>
+        <a:p>
+          <a:r>
+            <a:rPr lang="fr-FR" sz="1400" smtClean="0">
+              <a:solidFill>
+                <a:schemeClr val="accent3">
+                  <a:lumMod val="75000"/>
+                </a:schemeClr>
+              </a:solidFill>
+            </a:rPr>
+            <a:t>OUTPUTS</a:t>
+          </a:r>
+          <a:endParaRPr lang="fr-FR" sz="1400">
+            <a:solidFill>
+              <a:schemeClr val="accent3">
+                <a:lumMod val="75000"/>
+              </a:schemeClr>
+            </a:solidFill>
+          </a:endParaRPr>
+        </a:p>
+      </dgm:t>
+    </dgm:pt>
+    <dgm:pt modelId="{A4CF8F00-895D-40E4-8450-D92BA3CAA82B}" type="parTrans" cxnId="{5681C565-D35A-4FEA-A0B2-C51EC399EE0C}">
       <dgm:prSet/>
       <dgm:spPr/>
       <dgm:t>
         <a:bodyPr/>
         <a:lstStyle/>
         <a:p>
-          <a:endParaRPr lang="fr-FR"/>
+          <a:endParaRPr lang="fr-FR" sz="2000">
+            <a:solidFill>
+              <a:schemeClr val="accent3">
+                <a:lumMod val="75000"/>
+              </a:schemeClr>
+            </a:solidFill>
+          </a:endParaRPr>
         </a:p>
       </dgm:t>
     </dgm:pt>
-    <dgm:pt modelId="{6F30B221-5C40-4FBA-9427-2F0B5413EADD}">
+    <dgm:pt modelId="{89C62A47-94B4-428D-B017-3F9FAE42CBB2}" type="sibTrans" cxnId="{5681C565-D35A-4FEA-A0B2-C51EC399EE0C}">
       <dgm:prSet/>
       <dgm:spPr/>
       <dgm:t>
         <a:bodyPr/>
         <a:lstStyle/>
         <a:p>
-          <a:r>
-            <a:rPr lang="en-US" sz="1300" b="0" i="0" u="none" dirty="0" smtClean="0"/>
-            <a:t>IAR available for other people</a:t>
-          </a:r>
-          <a:endParaRPr lang="en-US" sz="1300" dirty="0"/>
+          <a:endParaRPr lang="fr-FR" sz="2000">
+            <a:solidFill>
+              <a:schemeClr val="accent3">
+                <a:lumMod val="75000"/>
+              </a:schemeClr>
+            </a:solidFill>
+          </a:endParaRPr>
         </a:p>
       </dgm:t>
     </dgm:pt>
-    <dgm:pt modelId="{6A9AA358-48AC-4FC2-9543-0955AE191018}" type="parTrans" cxnId="{8922FE34-5936-40CF-A124-57538CA090E7}">
+    <dgm:pt modelId="{0EB01263-FD3B-4AC7-BF83-D803022CDB57}">
+      <dgm:prSet phldrT="[Texte]" custT="1"/>
+      <dgm:spPr/>
+      <dgm:t>
+        <a:bodyPr/>
+        <a:lstStyle/>
+        <a:p>
+          <a:r>
+            <a:rPr lang="fr-FR" sz="1050" smtClean="0">
+              <a:solidFill>
+                <a:schemeClr val="accent3">
+                  <a:lumMod val="75000"/>
+                </a:schemeClr>
+              </a:solidFill>
+            </a:rPr>
+            <a:t>Know about the fuel cell industry</a:t>
+          </a:r>
+          <a:endParaRPr lang="fr-FR" sz="1050">
+            <a:solidFill>
+              <a:schemeClr val="accent3">
+                <a:lumMod val="75000"/>
+              </a:schemeClr>
+            </a:solidFill>
+          </a:endParaRPr>
+        </a:p>
+      </dgm:t>
+    </dgm:pt>
+    <dgm:pt modelId="{B7ADEEA4-5653-4A7C-A171-75A7C360D0C6}" type="parTrans" cxnId="{ED06762B-FC36-4EB7-BB42-21BF2D41A4BC}">
       <dgm:prSet/>
       <dgm:spPr/>
       <dgm:t>
         <a:bodyPr/>
         <a:lstStyle/>
         <a:p>
-          <a:endParaRPr lang="fr-FR"/>
+          <a:endParaRPr lang="fr-FR" sz="2000">
+            <a:solidFill>
+              <a:schemeClr val="accent3">
+                <a:lumMod val="75000"/>
+              </a:schemeClr>
+            </a:solidFill>
+          </a:endParaRPr>
         </a:p>
       </dgm:t>
     </dgm:pt>
-    <dgm:pt modelId="{5268864B-A751-4738-994C-C7296370875B}" type="sibTrans" cxnId="{8922FE34-5936-40CF-A124-57538CA090E7}">
+    <dgm:pt modelId="{EF439DA5-2B90-41D6-942D-A9D10364DF29}" type="sibTrans" cxnId="{ED06762B-FC36-4EB7-BB42-21BF2D41A4BC}">
       <dgm:prSet/>
       <dgm:spPr/>
       <dgm:t>
         <a:bodyPr/>
         <a:lstStyle/>
         <a:p>
-          <a:endParaRPr lang="fr-FR"/>
+          <a:endParaRPr lang="fr-FR" sz="2000">
+            <a:solidFill>
+              <a:schemeClr val="accent3">
+                <a:lumMod val="75000"/>
+              </a:schemeClr>
+            </a:solidFill>
+          </a:endParaRPr>
         </a:p>
       </dgm:t>
     </dgm:pt>
-    <dgm:pt modelId="{5F008396-1FAF-4AD2-93C9-694E6D2BF1F8}">
-      <dgm:prSet custT="1"/>
+    <dgm:pt modelId="{5732FBE2-2EEB-4A56-AC2C-A920226FDEC5}">
+      <dgm:prSet phldrT="[Texte]" custT="1"/>
       <dgm:spPr/>
       <dgm:t>
         <a:bodyPr/>
         <a:lstStyle/>
         <a:p>
           <a:r>
-            <a:rPr lang="fr-FR" sz="1600" b="1" i="0" u="none" dirty="0" err="1" smtClean="0"/>
-            <a:t>Interact</a:t>
+            <a:rPr lang="fr-FR" sz="1050" smtClean="0">
+              <a:solidFill>
+                <a:schemeClr val="accent3">
+                  <a:lumMod val="75000"/>
+                </a:schemeClr>
+              </a:solidFill>
+            </a:rPr>
+            <a:t>Know the state and needs of the market</a:t>
           </a:r>
-          <a:r>
-            <a:rPr lang="fr-FR" sz="1600" b="1" i="0" u="none" dirty="0" smtClean="0"/>
-            <a:t> </a:t>
-          </a:r>
-          <a:r>
-            <a:rPr lang="fr-FR" sz="1600" b="1" i="0" u="none" dirty="0" err="1" smtClean="0"/>
-            <a:t>with</a:t>
-          </a:r>
-          <a:r>
-            <a:rPr lang="fr-FR" sz="1600" b="1" i="0" u="none" dirty="0" smtClean="0"/>
-            <a:t> the </a:t>
-          </a:r>
-          <a:r>
-            <a:rPr lang="fr-FR" sz="1600" b="1" i="0" u="none" dirty="0" err="1" smtClean="0"/>
-            <a:t>chemistry</a:t>
-          </a:r>
-          <a:r>
-            <a:rPr lang="fr-FR" sz="1600" b="1" i="0" u="none" dirty="0" smtClean="0"/>
-            <a:t> </a:t>
-          </a:r>
-          <a:r>
-            <a:rPr lang="fr-FR" sz="1600" b="1" i="0" u="none" dirty="0" err="1" smtClean="0"/>
-            <a:t>lab</a:t>
-          </a:r>
-          <a:endParaRPr lang="fr-FR" sz="1600" b="1" i="0" u="none" dirty="0"/>
+          <a:endParaRPr lang="fr-FR" sz="1050">
+            <a:solidFill>
+              <a:schemeClr val="accent3">
+                <a:lumMod val="75000"/>
+              </a:schemeClr>
+            </a:solidFill>
+          </a:endParaRPr>
         </a:p>
       </dgm:t>
     </dgm:pt>
-    <dgm:pt modelId="{A9C9237E-A9D6-4A17-BD9B-68978D3D5C6D}" type="parTrans" cxnId="{754FCB48-B71B-48F4-8D2E-BEEEB5B5ADDC}">
+    <dgm:pt modelId="{AED492A6-1AC1-475C-A576-8A759C976513}" type="parTrans" cxnId="{B69ADBA7-9F5C-4352-AE63-DC0E4F54167C}">
       <dgm:prSet/>
       <dgm:spPr/>
       <dgm:t>
         <a:bodyPr/>
         <a:lstStyle/>
         <a:p>
-          <a:endParaRPr lang="fr-FR"/>
+          <a:endParaRPr lang="fr-FR" sz="2000">
+            <a:solidFill>
+              <a:schemeClr val="accent3">
+                <a:lumMod val="75000"/>
+              </a:schemeClr>
+            </a:solidFill>
+          </a:endParaRPr>
         </a:p>
       </dgm:t>
     </dgm:pt>
-    <dgm:pt modelId="{9D00E550-C864-46CD-AE9D-B1AF962526B1}" type="sibTrans" cxnId="{754FCB48-B71B-48F4-8D2E-BEEEB5B5ADDC}">
+    <dgm:pt modelId="{E17D8877-F623-4C8E-8B9C-EDDBC8E8C61C}" type="sibTrans" cxnId="{B69ADBA7-9F5C-4352-AE63-DC0E4F54167C}">
       <dgm:prSet/>
       <dgm:spPr/>
       <dgm:t>
         <a:bodyPr/>
         <a:lstStyle/>
         <a:p>
-          <a:endParaRPr lang="fr-FR"/>
+          <a:endParaRPr lang="fr-FR" sz="2000">
+            <a:solidFill>
+              <a:schemeClr val="accent3">
+                <a:lumMod val="75000"/>
+              </a:schemeClr>
+            </a:solidFill>
+          </a:endParaRPr>
         </a:p>
       </dgm:t>
     </dgm:pt>
-    <dgm:pt modelId="{3E78A654-C050-4A6D-AE20-E7E88B2A53F2}" type="pres">
-      <dgm:prSet presAssocID="{B0E30588-1614-4F1A-B863-E835765ED56C}" presName="Name0" presStyleCnt="0">
+    <dgm:pt modelId="{C4398932-60E9-428B-BB59-BB2FDF42C249}">
+      <dgm:prSet phldrT="[Texte]" custT="1"/>
+      <dgm:spPr/>
+      <dgm:t>
+        <a:bodyPr/>
+        <a:lstStyle/>
+        <a:p>
+          <a:endParaRPr lang="fr-FR" sz="1050">
+            <a:solidFill>
+              <a:schemeClr val="accent3">
+                <a:lumMod val="75000"/>
+              </a:schemeClr>
+            </a:solidFill>
+          </a:endParaRPr>
+        </a:p>
+      </dgm:t>
+    </dgm:pt>
+    <dgm:pt modelId="{3D0B83B2-1075-4391-96AD-404B4EC50D02}" type="parTrans" cxnId="{42F76715-AFEB-4F17-93DB-8ADEB8228C3E}">
+      <dgm:prSet/>
+      <dgm:spPr/>
+      <dgm:t>
+        <a:bodyPr/>
+        <a:lstStyle/>
+        <a:p>
+          <a:endParaRPr lang="fr-FR" sz="2000">
+            <a:solidFill>
+              <a:schemeClr val="accent3">
+                <a:lumMod val="75000"/>
+              </a:schemeClr>
+            </a:solidFill>
+          </a:endParaRPr>
+        </a:p>
+      </dgm:t>
+    </dgm:pt>
+    <dgm:pt modelId="{413CF9B1-273D-4A5D-A540-DEA45D415D55}" type="sibTrans" cxnId="{42F76715-AFEB-4F17-93DB-8ADEB8228C3E}">
+      <dgm:prSet/>
+      <dgm:spPr/>
+      <dgm:t>
+        <a:bodyPr/>
+        <a:lstStyle/>
+        <a:p>
+          <a:endParaRPr lang="fr-FR" sz="2000">
+            <a:solidFill>
+              <a:schemeClr val="accent3">
+                <a:lumMod val="75000"/>
+              </a:schemeClr>
+            </a:solidFill>
+          </a:endParaRPr>
+        </a:p>
+      </dgm:t>
+    </dgm:pt>
+    <dgm:pt modelId="{76F011A4-403B-46AD-8D5F-B9A16E1BFC11}">
+      <dgm:prSet phldrT="[Texte]" custT="1"/>
+      <dgm:spPr/>
+      <dgm:t>
+        <a:bodyPr/>
+        <a:lstStyle/>
+        <a:p>
+          <a:r>
+            <a:rPr lang="fr-FR" sz="1050" smtClean="0">
+              <a:solidFill>
+                <a:schemeClr val="accent3">
+                  <a:lumMod val="75000"/>
+                </a:schemeClr>
+              </a:solidFill>
+            </a:rPr>
+            <a:t>IAR available to everyone</a:t>
+          </a:r>
+          <a:endParaRPr lang="fr-FR" sz="1050">
+            <a:solidFill>
+              <a:schemeClr val="accent3">
+                <a:lumMod val="75000"/>
+              </a:schemeClr>
+            </a:solidFill>
+          </a:endParaRPr>
+        </a:p>
+      </dgm:t>
+    </dgm:pt>
+    <dgm:pt modelId="{51503B19-43E9-4B0B-B51C-1A896FA41AE9}" type="parTrans" cxnId="{BA334A41-1643-479E-8557-09B405659CB4}">
+      <dgm:prSet/>
+      <dgm:spPr/>
+      <dgm:t>
+        <a:bodyPr/>
+        <a:lstStyle/>
+        <a:p>
+          <a:endParaRPr lang="fr-FR" sz="2000">
+            <a:solidFill>
+              <a:schemeClr val="accent3">
+                <a:lumMod val="75000"/>
+              </a:schemeClr>
+            </a:solidFill>
+          </a:endParaRPr>
+        </a:p>
+      </dgm:t>
+    </dgm:pt>
+    <dgm:pt modelId="{D54DEC58-8800-4EFB-80E9-82A9415329F5}" type="sibTrans" cxnId="{BA334A41-1643-479E-8557-09B405659CB4}">
+      <dgm:prSet/>
+      <dgm:spPr/>
+      <dgm:t>
+        <a:bodyPr/>
+        <a:lstStyle/>
+        <a:p>
+          <a:endParaRPr lang="fr-FR" sz="2000">
+            <a:solidFill>
+              <a:schemeClr val="accent3">
+                <a:lumMod val="75000"/>
+              </a:schemeClr>
+            </a:solidFill>
+          </a:endParaRPr>
+        </a:p>
+      </dgm:t>
+    </dgm:pt>
+    <dgm:pt modelId="{E1631B99-3BA5-41D6-BE11-08CB42AAA4EC}">
+      <dgm:prSet phldrT="[Texte]" custT="1"/>
+      <dgm:spPr/>
+      <dgm:t>
+        <a:bodyPr/>
+        <a:lstStyle/>
+        <a:p>
+          <a:r>
+            <a:rPr lang="fr-FR" sz="1050" smtClean="0">
+              <a:solidFill>
+                <a:schemeClr val="accent3">
+                  <a:lumMod val="75000"/>
+                </a:schemeClr>
+              </a:solidFill>
+            </a:rPr>
+            <a:t>IAR understandable by everyone</a:t>
+          </a:r>
+          <a:endParaRPr lang="fr-FR" sz="1050">
+            <a:solidFill>
+              <a:schemeClr val="accent3">
+                <a:lumMod val="75000"/>
+              </a:schemeClr>
+            </a:solidFill>
+          </a:endParaRPr>
+        </a:p>
+      </dgm:t>
+    </dgm:pt>
+    <dgm:pt modelId="{58D25AF7-E32A-4BAF-A922-43500B70A4B7}" type="parTrans" cxnId="{2215C057-E109-417C-A69E-742581BD221C}">
+      <dgm:prSet/>
+      <dgm:spPr/>
+      <dgm:t>
+        <a:bodyPr/>
+        <a:lstStyle/>
+        <a:p>
+          <a:endParaRPr lang="fr-FR" sz="2000">
+            <a:solidFill>
+              <a:schemeClr val="accent3">
+                <a:lumMod val="75000"/>
+              </a:schemeClr>
+            </a:solidFill>
+          </a:endParaRPr>
+        </a:p>
+      </dgm:t>
+    </dgm:pt>
+    <dgm:pt modelId="{73F8ED0B-8F78-4CBC-A923-F824FF362951}" type="sibTrans" cxnId="{2215C057-E109-417C-A69E-742581BD221C}">
+      <dgm:prSet/>
+      <dgm:spPr/>
+      <dgm:t>
+        <a:bodyPr/>
+        <a:lstStyle/>
+        <a:p>
+          <a:endParaRPr lang="fr-FR" sz="2000">
+            <a:solidFill>
+              <a:schemeClr val="accent3">
+                <a:lumMod val="75000"/>
+              </a:schemeClr>
+            </a:solidFill>
+          </a:endParaRPr>
+        </a:p>
+      </dgm:t>
+    </dgm:pt>
+    <dgm:pt modelId="{3134A35E-5F85-4AA0-82AC-DC8AF808B10B}">
+      <dgm:prSet phldrT="[Texte]" custT="1"/>
+      <dgm:spPr/>
+      <dgm:t>
+        <a:bodyPr/>
+        <a:lstStyle/>
+        <a:p>
+          <a:endParaRPr lang="fr-FR" sz="1050">
+            <a:solidFill>
+              <a:schemeClr val="accent3">
+                <a:lumMod val="75000"/>
+              </a:schemeClr>
+            </a:solidFill>
+          </a:endParaRPr>
+        </a:p>
+      </dgm:t>
+    </dgm:pt>
+    <dgm:pt modelId="{4996416F-3E3B-4A82-B815-CAAA109D65A0}" type="parTrans" cxnId="{9FE6B04F-043F-4842-94C7-BFE97A8E63FB}">
+      <dgm:prSet/>
+      <dgm:spPr/>
+      <dgm:t>
+        <a:bodyPr/>
+        <a:lstStyle/>
+        <a:p>
+          <a:endParaRPr lang="fr-FR" sz="2000">
+            <a:solidFill>
+              <a:schemeClr val="accent3">
+                <a:lumMod val="75000"/>
+              </a:schemeClr>
+            </a:solidFill>
+          </a:endParaRPr>
+        </a:p>
+      </dgm:t>
+    </dgm:pt>
+    <dgm:pt modelId="{9C551CA4-A023-4452-9361-07B91AA4E205}" type="sibTrans" cxnId="{9FE6B04F-043F-4842-94C7-BFE97A8E63FB}">
+      <dgm:prSet/>
+      <dgm:spPr/>
+      <dgm:t>
+        <a:bodyPr/>
+        <a:lstStyle/>
+        <a:p>
+          <a:endParaRPr lang="fr-FR" sz="2000">
+            <a:solidFill>
+              <a:schemeClr val="accent3">
+                <a:lumMod val="75000"/>
+              </a:schemeClr>
+            </a:solidFill>
+          </a:endParaRPr>
+        </a:p>
+      </dgm:t>
+    </dgm:pt>
+    <dgm:pt modelId="{BED1581E-CC75-4CB1-97A5-94C58EE24BFB}">
+      <dgm:prSet phldrT="[Texte]" custT="1"/>
+      <dgm:spPr/>
+      <dgm:t>
+        <a:bodyPr/>
+        <a:lstStyle/>
+        <a:p>
+          <a:r>
+            <a:rPr lang="fr-FR" sz="1050" smtClean="0">
+              <a:solidFill>
+                <a:schemeClr val="accent3">
+                  <a:lumMod val="75000"/>
+                </a:schemeClr>
+              </a:solidFill>
+            </a:rPr>
+            <a:t>Write, design and edit the IAR</a:t>
+          </a:r>
+          <a:endParaRPr lang="fr-FR" sz="1050">
+            <a:solidFill>
+              <a:schemeClr val="accent3">
+                <a:lumMod val="75000"/>
+              </a:schemeClr>
+            </a:solidFill>
+          </a:endParaRPr>
+        </a:p>
+      </dgm:t>
+    </dgm:pt>
+    <dgm:pt modelId="{E93779AA-A382-44DA-84B3-1233783F84CE}" type="parTrans" cxnId="{D6B3EE7F-CC91-4A4D-A956-BA341280470C}">
+      <dgm:prSet/>
+      <dgm:spPr/>
+      <dgm:t>
+        <a:bodyPr/>
+        <a:lstStyle/>
+        <a:p>
+          <a:endParaRPr lang="fr-FR" sz="2000">
+            <a:solidFill>
+              <a:schemeClr val="accent3">
+                <a:lumMod val="75000"/>
+              </a:schemeClr>
+            </a:solidFill>
+          </a:endParaRPr>
+        </a:p>
+      </dgm:t>
+    </dgm:pt>
+    <dgm:pt modelId="{40EEAC37-BDD8-42A8-AB87-123C7CFF2F97}" type="sibTrans" cxnId="{D6B3EE7F-CC91-4A4D-A956-BA341280470C}">
+      <dgm:prSet/>
+      <dgm:spPr/>
+      <dgm:t>
+        <a:bodyPr/>
+        <a:lstStyle/>
+        <a:p>
+          <a:endParaRPr lang="fr-FR" sz="2000">
+            <a:solidFill>
+              <a:schemeClr val="accent3">
+                <a:lumMod val="75000"/>
+              </a:schemeClr>
+            </a:solidFill>
+          </a:endParaRPr>
+        </a:p>
+      </dgm:t>
+    </dgm:pt>
+    <dgm:pt modelId="{C71C0E5D-7F51-4544-B123-378F534F4944}">
+      <dgm:prSet phldrT="[Texte]" custT="1"/>
+      <dgm:spPr/>
+      <dgm:t>
+        <a:bodyPr/>
+        <a:lstStyle/>
+        <a:p>
+          <a:r>
+            <a:rPr lang="fr-FR" sz="1050" smtClean="0">
+              <a:solidFill>
+                <a:schemeClr val="accent3">
+                  <a:lumMod val="75000"/>
+                </a:schemeClr>
+              </a:solidFill>
+            </a:rPr>
+            <a:t>Present IAR project</a:t>
+          </a:r>
+          <a:endParaRPr lang="fr-FR" sz="1050">
+            <a:solidFill>
+              <a:schemeClr val="accent3">
+                <a:lumMod val="75000"/>
+              </a:schemeClr>
+            </a:solidFill>
+          </a:endParaRPr>
+        </a:p>
+      </dgm:t>
+    </dgm:pt>
+    <dgm:pt modelId="{328FFD0E-D05A-4510-9132-D88575F07C95}" type="parTrans" cxnId="{6D56A746-5964-4BC9-B30A-2F366BA0CE3C}">
+      <dgm:prSet/>
+      <dgm:spPr/>
+      <dgm:t>
+        <a:bodyPr/>
+        <a:lstStyle/>
+        <a:p>
+          <a:endParaRPr lang="fr-FR" sz="2000">
+            <a:solidFill>
+              <a:schemeClr val="accent3">
+                <a:lumMod val="75000"/>
+              </a:schemeClr>
+            </a:solidFill>
+          </a:endParaRPr>
+        </a:p>
+      </dgm:t>
+    </dgm:pt>
+    <dgm:pt modelId="{83523674-F406-4DCC-A107-783DA566778D}" type="sibTrans" cxnId="{6D56A746-5964-4BC9-B30A-2F366BA0CE3C}">
+      <dgm:prSet/>
+      <dgm:spPr/>
+      <dgm:t>
+        <a:bodyPr/>
+        <a:lstStyle/>
+        <a:p>
+          <a:endParaRPr lang="fr-FR" sz="2000">
+            <a:solidFill>
+              <a:schemeClr val="accent3">
+                <a:lumMod val="75000"/>
+              </a:schemeClr>
+            </a:solidFill>
+          </a:endParaRPr>
+        </a:p>
+      </dgm:t>
+    </dgm:pt>
+    <dgm:pt modelId="{71E9AA40-D3B4-4753-B77F-6CFE495E434F}" type="pres">
+      <dgm:prSet presAssocID="{5252D8DF-F7ED-47A9-8F1F-1C3DE6A4722F}" presName="Name0" presStyleCnt="0">
         <dgm:presLayoutVars>
           <dgm:dir/>
           <dgm:resizeHandles val="exact"/>
@@ -2970,12 +3603,12 @@
         <a:bodyPr/>
         <a:lstStyle/>
         <a:p>
-          <a:endParaRPr lang="de-DE"/>
+          <a:endParaRPr lang="fr-FR"/>
         </a:p>
       </dgm:t>
     </dgm:pt>
-    <dgm:pt modelId="{E2944459-30FB-4A39-B98C-CA50DEBD0FE0}" type="pres">
-      <dgm:prSet presAssocID="{4BC937DE-DF2D-4FFA-B88A-E5338D433781}" presName="node" presStyleLbl="node1" presStyleIdx="0" presStyleCnt="4">
+    <dgm:pt modelId="{3DD4DCC5-CD2A-4C80-9516-43D7C916D6B5}" type="pres">
+      <dgm:prSet presAssocID="{72C3D7C4-1FD3-4E91-B977-28931B3F5ABA}" presName="node" presStyleLbl="node1" presStyleIdx="0" presStyleCnt="4" custLinFactNeighborX="-47532" custLinFactNeighborY="12097">
         <dgm:presLayoutVars>
           <dgm:bulletEnabled val="1"/>
         </dgm:presLayoutVars>
@@ -2989,12 +3622,19 @@
         </a:p>
       </dgm:t>
     </dgm:pt>
-    <dgm:pt modelId="{50494F57-9413-46C6-806C-1F0BC7375A67}" type="pres">
-      <dgm:prSet presAssocID="{F59B1304-AA1E-4810-9E72-0861E45F8AE6}" presName="sibTrans" presStyleCnt="0"/>
+    <dgm:pt modelId="{8FD0C632-C2B7-419D-B173-A6F16D83E195}" type="pres">
+      <dgm:prSet presAssocID="{C47984D0-4B72-491D-8DA1-F5AEAAF743E6}" presName="sibTrans" presStyleCnt="0"/>
       <dgm:spPr/>
+      <dgm:t>
+        <a:bodyPr/>
+        <a:lstStyle/>
+        <a:p>
+          <a:endParaRPr lang="fr-FR"/>
+        </a:p>
+      </dgm:t>
     </dgm:pt>
-    <dgm:pt modelId="{07112225-DBE3-4767-B863-B33AE5135511}" type="pres">
-      <dgm:prSet presAssocID="{A6A559D5-1DBD-4A1B-9C84-11DD56731C42}" presName="node" presStyleLbl="node1" presStyleIdx="1" presStyleCnt="4">
+    <dgm:pt modelId="{06BACB2E-25D6-491F-9902-6DE6A89C06CD}" type="pres">
+      <dgm:prSet presAssocID="{1EFEFBA2-B851-4A8A-BB22-00008FF41747}" presName="node" presStyleLbl="node1" presStyleIdx="1" presStyleCnt="4">
         <dgm:presLayoutVars>
           <dgm:bulletEnabled val="1"/>
         </dgm:presLayoutVars>
@@ -3008,12 +3648,19 @@
         </a:p>
       </dgm:t>
     </dgm:pt>
-    <dgm:pt modelId="{6BA26F60-B496-4610-8B97-2B9BA126275A}" type="pres">
-      <dgm:prSet presAssocID="{F60A93E9-AA93-4486-A62B-5CD6148AEC90}" presName="sibTrans" presStyleCnt="0"/>
+    <dgm:pt modelId="{66F2F446-351F-424B-91AA-DBC95E8A4EE3}" type="pres">
+      <dgm:prSet presAssocID="{E95B4B51-66E9-4F52-9C30-23146904BC20}" presName="sibTrans" presStyleCnt="0"/>
       <dgm:spPr/>
+      <dgm:t>
+        <a:bodyPr/>
+        <a:lstStyle/>
+        <a:p>
+          <a:endParaRPr lang="fr-FR"/>
+        </a:p>
+      </dgm:t>
     </dgm:pt>
-    <dgm:pt modelId="{B790B033-8861-44F9-A411-A64891A1F78D}" type="pres">
-      <dgm:prSet presAssocID="{173A95D6-627F-4EE4-B440-3E9FBF53A473}" presName="node" presStyleLbl="node1" presStyleIdx="2" presStyleCnt="4">
+    <dgm:pt modelId="{21D06AF9-7B68-4C50-825D-0A7D198CBF3A}" type="pres">
+      <dgm:prSet presAssocID="{2BE55610-4D28-42E0-8267-558A7085E18F}" presName="node" presStyleLbl="node1" presStyleIdx="2" presStyleCnt="4">
         <dgm:presLayoutVars>
           <dgm:bulletEnabled val="1"/>
         </dgm:presLayoutVars>
@@ -3027,12 +3674,19 @@
         </a:p>
       </dgm:t>
     </dgm:pt>
-    <dgm:pt modelId="{101442F7-FACE-4788-8554-F4C5B5488297}" type="pres">
-      <dgm:prSet presAssocID="{A86BF36B-FF95-4A8D-A3B3-8897AC9FD386}" presName="sibTrans" presStyleCnt="0"/>
+    <dgm:pt modelId="{D617A35C-C5B5-488B-90B4-A60D5D15AEE1}" type="pres">
+      <dgm:prSet presAssocID="{6F471C58-641B-49B6-9FAA-ED99D26EF7F1}" presName="sibTrans" presStyleCnt="0"/>
       <dgm:spPr/>
+      <dgm:t>
+        <a:bodyPr/>
+        <a:lstStyle/>
+        <a:p>
+          <a:endParaRPr lang="fr-FR"/>
+        </a:p>
+      </dgm:t>
     </dgm:pt>
-    <dgm:pt modelId="{5F91C283-CBEC-401B-9811-6B9815385BF4}" type="pres">
-      <dgm:prSet presAssocID="{C9B12C90-8B57-400E-AFDB-85B1CC8B63C9}" presName="node" presStyleLbl="node1" presStyleIdx="3" presStyleCnt="4">
+    <dgm:pt modelId="{F1E2BDB2-0BA9-4FD2-86F9-2CAEA5A63A20}" type="pres">
+      <dgm:prSet presAssocID="{9DB0AEFC-F7C0-4A47-A9D2-B66B67BDF166}" presName="node" presStyleLbl="node1" presStyleIdx="3" presStyleCnt="4" custLinFactNeighborY="454">
         <dgm:presLayoutVars>
           <dgm:bulletEnabled val="1"/>
         </dgm:presLayoutVars>
@@ -3048,64 +3702,71 @@
     </dgm:pt>
   </dgm:ptLst>
   <dgm:cxnLst>
-    <dgm:cxn modelId="{EA964E5A-0F21-4B5C-A64D-CA89E6288569}" srcId="{A6A559D5-1DBD-4A1B-9C84-11DD56731C42}" destId="{79BB08CC-B1E6-4B7E-AAC7-C38E3794C471}" srcOrd="3" destOrd="0" parTransId="{79FCF712-FC52-4ADC-8363-FF580A03414F}" sibTransId="{F81AD888-DC39-470D-9E86-5AFCF642058A}"/>
-    <dgm:cxn modelId="{A03E7F38-CE1C-495F-BAEA-335F84444089}" srcId="{4BC937DE-DF2D-4FFA-B88A-E5338D433781}" destId="{DF67D3F8-523E-4C91-BB8A-E88FF3BFFE71}" srcOrd="3" destOrd="0" parTransId="{776E9636-B39C-4C43-9485-EA8BE7D27246}" sibTransId="{3A784D4E-F6F9-4F82-8C2D-28CB5494BDA9}"/>
-    <dgm:cxn modelId="{1809C95E-1EA5-46AC-AD82-F2894AFE74E2}" type="presOf" srcId="{127057A1-3005-47EE-9DA0-5BB7EF177F1C}" destId="{07112225-DBE3-4767-B863-B33AE5135511}" srcOrd="0" destOrd="3" presId="urn:microsoft.com/office/officeart/2005/8/layout/hList6"/>
-    <dgm:cxn modelId="{743E318E-B156-4431-A0C3-7103564A4ADC}" type="presOf" srcId="{5F008396-1FAF-4AD2-93C9-694E6D2BF1F8}" destId="{07112225-DBE3-4767-B863-B33AE5135511}" srcOrd="0" destOrd="5" presId="urn:microsoft.com/office/officeart/2005/8/layout/hList6"/>
-    <dgm:cxn modelId="{470A3A6B-C63B-40C3-91A5-8620FA4E0349}" type="presOf" srcId="{D5D44B7F-AA41-424D-A05E-93AA86CAC2AD}" destId="{07112225-DBE3-4767-B863-B33AE5135511}" srcOrd="0" destOrd="1" presId="urn:microsoft.com/office/officeart/2005/8/layout/hList6"/>
-    <dgm:cxn modelId="{E27A3E35-0074-4994-8618-9A87552FAD80}" srcId="{173A95D6-627F-4EE4-B440-3E9FBF53A473}" destId="{D06940CB-7C21-4684-9A28-0F376CFC6BB8}" srcOrd="0" destOrd="0" parTransId="{B6547EBC-6C49-4161-BCE7-441B352A2CAF}" sibTransId="{725F1AA7-33C5-4E46-B6D5-297EACADC6A4}"/>
-    <dgm:cxn modelId="{BE0E4A24-D68E-49EB-B8CA-BA88444236A4}" type="presOf" srcId="{B0E30588-1614-4F1A-B863-E835765ED56C}" destId="{3E78A654-C050-4A6D-AE20-E7E88B2A53F2}" srcOrd="0" destOrd="0" presId="urn:microsoft.com/office/officeart/2005/8/layout/hList6"/>
-    <dgm:cxn modelId="{1864BF73-87D8-4874-A185-D574A847BBCB}" type="presOf" srcId="{2C240D2F-E71A-43C1-9CF6-01F5C8127177}" destId="{E2944459-30FB-4A39-B98C-CA50DEBD0FE0}" srcOrd="0" destOrd="5" presId="urn:microsoft.com/office/officeart/2005/8/layout/hList6"/>
-    <dgm:cxn modelId="{0C3CBF50-B7AD-4EDC-BE45-297706ED79D1}" srcId="{B0E30588-1614-4F1A-B863-E835765ED56C}" destId="{A6A559D5-1DBD-4A1B-9C84-11DD56731C42}" srcOrd="1" destOrd="0" parTransId="{E9CD7B0A-A9C5-40E3-8CD5-A97713D4689B}" sibTransId="{F60A93E9-AA93-4486-A62B-5CD6148AEC90}"/>
-    <dgm:cxn modelId="{5547B623-2397-4102-849D-E1933C084766}" srcId="{B0E30588-1614-4F1A-B863-E835765ED56C}" destId="{173A95D6-627F-4EE4-B440-3E9FBF53A473}" srcOrd="2" destOrd="0" parTransId="{EF491163-C474-4FE6-9611-CBC8688EE962}" sibTransId="{A86BF36B-FF95-4A8D-A3B3-8897AC9FD386}"/>
-    <dgm:cxn modelId="{74FA16FA-49F9-4F2F-8DAE-D6D422AEF478}" type="presOf" srcId="{26C7AD60-0846-4829-95EF-6583E73D0D36}" destId="{5F91C283-CBEC-401B-9811-6B9815385BF4}" srcOrd="0" destOrd="1" presId="urn:microsoft.com/office/officeart/2005/8/layout/hList6"/>
-    <dgm:cxn modelId="{EA3AC05E-B006-43C8-B3D1-A64A232EBD56}" type="presOf" srcId="{08CB5A2F-393F-464E-A882-D9ED7D44C396}" destId="{B790B033-8861-44F9-A411-A64891A1F78D}" srcOrd="0" destOrd="3" presId="urn:microsoft.com/office/officeart/2005/8/layout/hList6"/>
-    <dgm:cxn modelId="{1290E4ED-2B96-42F8-9A90-827EAE1DAF63}" type="presOf" srcId="{340ABA22-01E9-4FF1-993F-9F90A8EDD93C}" destId="{5F91C283-CBEC-401B-9811-6B9815385BF4}" srcOrd="0" destOrd="3" presId="urn:microsoft.com/office/officeart/2005/8/layout/hList6"/>
-    <dgm:cxn modelId="{86F0AF75-F67A-43B1-9E7E-7227881C79ED}" type="presOf" srcId="{C9B12C90-8B57-400E-AFDB-85B1CC8B63C9}" destId="{5F91C283-CBEC-401B-9811-6B9815385BF4}" srcOrd="0" destOrd="0" presId="urn:microsoft.com/office/officeart/2005/8/layout/hList6"/>
-    <dgm:cxn modelId="{8C71C3D9-E489-469F-9D5E-705C3DE72BED}" type="presOf" srcId="{79BB08CC-B1E6-4B7E-AAC7-C38E3794C471}" destId="{07112225-DBE3-4767-B863-B33AE5135511}" srcOrd="0" destOrd="4" presId="urn:microsoft.com/office/officeart/2005/8/layout/hList6"/>
-    <dgm:cxn modelId="{517131BE-7923-42ED-8D1F-5B6FF1495D78}" type="presOf" srcId="{173A95D6-627F-4EE4-B440-3E9FBF53A473}" destId="{B790B033-8861-44F9-A411-A64891A1F78D}" srcOrd="0" destOrd="0" presId="urn:microsoft.com/office/officeart/2005/8/layout/hList6"/>
-    <dgm:cxn modelId="{9DB96096-1C57-4336-B9DC-0ACE8F45FEB6}" srcId="{B0E30588-1614-4F1A-B863-E835765ED56C}" destId="{C9B12C90-8B57-400E-AFDB-85B1CC8B63C9}" srcOrd="3" destOrd="0" parTransId="{56DB51E0-DF7A-4B42-ACCE-4C7D43E700A1}" sibTransId="{B42BB320-369F-4AE7-A909-6BE85982F83C}"/>
-    <dgm:cxn modelId="{FC72A840-6E04-4E04-A82C-A8427ACEBB0B}" srcId="{173A95D6-627F-4EE4-B440-3E9FBF53A473}" destId="{08CB5A2F-393F-464E-A882-D9ED7D44C396}" srcOrd="2" destOrd="0" parTransId="{5887957B-0BDB-40DD-B8EC-5B47EB70F435}" sibTransId="{11C585BF-CB51-49FC-9361-F99BABB0ECCA}"/>
-    <dgm:cxn modelId="{860E6A07-10A9-4F32-9CC8-BF5127198212}" srcId="{173A95D6-627F-4EE4-B440-3E9FBF53A473}" destId="{7EDB0E82-0C3F-4570-AE44-2ADE5BD8875A}" srcOrd="1" destOrd="0" parTransId="{8DACBAF6-298B-4E56-85CF-A70C60893CF4}" sibTransId="{C34F397A-67E9-48FF-B84B-B87BFF785F57}"/>
-    <dgm:cxn modelId="{08B4463C-2C6C-4556-AE04-AEA4501BF73B}" type="presOf" srcId="{D06940CB-7C21-4684-9A28-0F376CFC6BB8}" destId="{B790B033-8861-44F9-A411-A64891A1F78D}" srcOrd="0" destOrd="1" presId="urn:microsoft.com/office/officeart/2005/8/layout/hList6"/>
-    <dgm:cxn modelId="{CB320068-49C0-44E1-9D7C-362C47710DB5}" type="presOf" srcId="{5D5A5A7A-2479-432D-B9E6-B45F78D27CE5}" destId="{E2944459-30FB-4A39-B98C-CA50DEBD0FE0}" srcOrd="0" destOrd="1" presId="urn:microsoft.com/office/officeart/2005/8/layout/hList6"/>
-    <dgm:cxn modelId="{9DEDE0B0-F2D5-44CC-BCD4-4B0A8CD8E28A}" srcId="{A6A559D5-1DBD-4A1B-9C84-11DD56731C42}" destId="{924F9493-B6F4-4681-98A9-DF6C585A595D}" srcOrd="1" destOrd="0" parTransId="{A520016C-8EAA-4AE5-82EF-925B6EBECA66}" sibTransId="{DC434730-29E2-4201-BB96-5CE99D4247F9}"/>
-    <dgm:cxn modelId="{6FD66FB2-4BBD-41E5-8B29-C08F0C2F1235}" srcId="{4BC937DE-DF2D-4FFA-B88A-E5338D433781}" destId="{5D5A5A7A-2479-432D-B9E6-B45F78D27CE5}" srcOrd="0" destOrd="0" parTransId="{AF8022CA-2430-4D45-AF80-C8A2250D1DDE}" sibTransId="{453A98B2-D262-4DFF-9306-9A4A4C5EA18E}"/>
-    <dgm:cxn modelId="{81214B5E-1E77-4401-A8B2-667E0A6FC00E}" srcId="{C9B12C90-8B57-400E-AFDB-85B1CC8B63C9}" destId="{26C7AD60-0846-4829-95EF-6583E73D0D36}" srcOrd="0" destOrd="0" parTransId="{EAAAA668-267A-43EB-B99E-EE7ECDB0FF43}" sibTransId="{1B670C0F-69C8-493E-97A2-A21B8EEA14C6}"/>
-    <dgm:cxn modelId="{F528C872-65C0-43A0-8947-EA9B4655304F}" type="presOf" srcId="{CE19F13A-CB44-4A8D-A9DE-3451DBC6BCD6}" destId="{5F91C283-CBEC-401B-9811-6B9815385BF4}" srcOrd="0" destOrd="5" presId="urn:microsoft.com/office/officeart/2005/8/layout/hList6"/>
-    <dgm:cxn modelId="{DA694487-5C68-4FCE-8B32-F1A86F93E8B1}" srcId="{A6A559D5-1DBD-4A1B-9C84-11DD56731C42}" destId="{127057A1-3005-47EE-9DA0-5BB7EF177F1C}" srcOrd="2" destOrd="0" parTransId="{9D16DEC4-F8E8-4856-8AEA-113C6AD38A38}" sibTransId="{6C12C3BE-D1E7-4B42-A1DE-7B098BAFB04F}"/>
-    <dgm:cxn modelId="{E360E79E-4455-477E-AFF0-18B1A6AA90E3}" srcId="{C9B12C90-8B57-400E-AFDB-85B1CC8B63C9}" destId="{340ABA22-01E9-4FF1-993F-9F90A8EDD93C}" srcOrd="2" destOrd="0" parTransId="{5A45E56C-469B-437B-87B6-2731BE76489F}" sibTransId="{705F9002-865E-4D4A-9DD4-9FF937E35BC7}"/>
-    <dgm:cxn modelId="{57995A2C-F45F-4932-A7CD-9CC3B201736E}" type="presOf" srcId="{22B59ABE-7B41-47B6-A407-81A19262CE66}" destId="{E2944459-30FB-4A39-B98C-CA50DEBD0FE0}" srcOrd="0" destOrd="2" presId="urn:microsoft.com/office/officeart/2005/8/layout/hList6"/>
-    <dgm:cxn modelId="{DF7E9F3F-8CFD-4BCB-86AA-728C3ED8F9B7}" type="presOf" srcId="{A6A559D5-1DBD-4A1B-9C84-11DD56731C42}" destId="{07112225-DBE3-4767-B863-B33AE5135511}" srcOrd="0" destOrd="0" presId="urn:microsoft.com/office/officeart/2005/8/layout/hList6"/>
-    <dgm:cxn modelId="{699C0016-5F25-45B5-B274-5690C33CD950}" type="presOf" srcId="{7EDB0E82-0C3F-4570-AE44-2ADE5BD8875A}" destId="{B790B033-8861-44F9-A411-A64891A1F78D}" srcOrd="0" destOrd="2" presId="urn:microsoft.com/office/officeart/2005/8/layout/hList6"/>
-    <dgm:cxn modelId="{95477E30-4688-40A7-B74E-F4BEC8BFC79F}" srcId="{A6A559D5-1DBD-4A1B-9C84-11DD56731C42}" destId="{D5D44B7F-AA41-424D-A05E-93AA86CAC2AD}" srcOrd="0" destOrd="0" parTransId="{7D6CC85D-1A55-48FC-8B24-98362ACCB633}" sibTransId="{B6529680-4D05-4FBF-A607-3BB1FC919F3C}"/>
-    <dgm:cxn modelId="{720243CF-4D06-40EA-9ED2-BD2B2D82A3B2}" type="presOf" srcId="{4BC937DE-DF2D-4FFA-B88A-E5338D433781}" destId="{E2944459-30FB-4A39-B98C-CA50DEBD0FE0}" srcOrd="0" destOrd="0" presId="urn:microsoft.com/office/officeart/2005/8/layout/hList6"/>
-    <dgm:cxn modelId="{89584823-BCEA-4DBA-9C3D-6238F441635E}" srcId="{4BC937DE-DF2D-4FFA-B88A-E5338D433781}" destId="{E66BEFBB-91E6-4BA8-BDAD-7EE83CE7BD62}" srcOrd="2" destOrd="0" parTransId="{87C757B1-63BC-4E3D-9FCC-639033204A74}" sibTransId="{8C8A6D43-4DAE-480F-A5CB-A86932B02202}"/>
-    <dgm:cxn modelId="{41C06A62-37A2-41B4-A3F8-4E2FC012162B}" srcId="{C9B12C90-8B57-400E-AFDB-85B1CC8B63C9}" destId="{CE19F13A-CB44-4A8D-A9DE-3451DBC6BCD6}" srcOrd="4" destOrd="0" parTransId="{DE6CC97B-3969-4183-9935-0C842BC9FAEF}" sibTransId="{2B0DBB9F-FCD7-4D62-A977-AC24BBB702DE}"/>
-    <dgm:cxn modelId="{190FD0C5-8A59-4966-BF46-056537460E2C}" type="presOf" srcId="{6F30B221-5C40-4FBA-9427-2F0B5413EADD}" destId="{5F91C283-CBEC-401B-9811-6B9815385BF4}" srcOrd="0" destOrd="4" presId="urn:microsoft.com/office/officeart/2005/8/layout/hList6"/>
-    <dgm:cxn modelId="{72583967-306D-4D3C-ADE0-5F735D1217A6}" srcId="{4BC937DE-DF2D-4FFA-B88A-E5338D433781}" destId="{22B59ABE-7B41-47B6-A407-81A19262CE66}" srcOrd="1" destOrd="0" parTransId="{FFC8A0A0-DA05-4C51-A6DF-654FC9074ED9}" sibTransId="{01077D91-D154-4F19-86EA-A3B70045744D}"/>
-    <dgm:cxn modelId="{27099ECE-98EC-4745-8572-5BDA4D0605BF}" srcId="{4BC937DE-DF2D-4FFA-B88A-E5338D433781}" destId="{2C240D2F-E71A-43C1-9CF6-01F5C8127177}" srcOrd="4" destOrd="0" parTransId="{C0188AC4-A908-47B5-8DE7-AF4DD94CF073}" sibTransId="{891E9F7B-9985-40C1-8405-B72318407D6E}"/>
-    <dgm:cxn modelId="{47B7B5F8-B6E5-4FB1-AFC8-A6B78FA7D521}" type="presOf" srcId="{924F9493-B6F4-4681-98A9-DF6C585A595D}" destId="{07112225-DBE3-4767-B863-B33AE5135511}" srcOrd="0" destOrd="2" presId="urn:microsoft.com/office/officeart/2005/8/layout/hList6"/>
-    <dgm:cxn modelId="{76D472AE-02BD-485E-BABC-0761DF47E1D4}" type="presOf" srcId="{E66BEFBB-91E6-4BA8-BDAD-7EE83CE7BD62}" destId="{E2944459-30FB-4A39-B98C-CA50DEBD0FE0}" srcOrd="0" destOrd="3" presId="urn:microsoft.com/office/officeart/2005/8/layout/hList6"/>
-    <dgm:cxn modelId="{979436B5-FF5C-4A56-A191-7D38FFA3C925}" type="presOf" srcId="{A446800D-2712-4870-A860-B80692232F7F}" destId="{5F91C283-CBEC-401B-9811-6B9815385BF4}" srcOrd="0" destOrd="2" presId="urn:microsoft.com/office/officeart/2005/8/layout/hList6"/>
-    <dgm:cxn modelId="{754FCB48-B71B-48F4-8D2E-BEEEB5B5ADDC}" srcId="{A6A559D5-1DBD-4A1B-9C84-11DD56731C42}" destId="{5F008396-1FAF-4AD2-93C9-694E6D2BF1F8}" srcOrd="4" destOrd="0" parTransId="{A9C9237E-A9D6-4A17-BD9B-68978D3D5C6D}" sibTransId="{9D00E550-C864-46CD-AE9D-B1AF962526B1}"/>
-    <dgm:cxn modelId="{8922FE34-5936-40CF-A124-57538CA090E7}" srcId="{C9B12C90-8B57-400E-AFDB-85B1CC8B63C9}" destId="{6F30B221-5C40-4FBA-9427-2F0B5413EADD}" srcOrd="3" destOrd="0" parTransId="{6A9AA358-48AC-4FC2-9543-0955AE191018}" sibTransId="{5268864B-A751-4738-994C-C7296370875B}"/>
-    <dgm:cxn modelId="{9CEB0DC1-AAD6-43E2-A004-CA824731E90B}" type="presOf" srcId="{DF67D3F8-523E-4C91-BB8A-E88FF3BFFE71}" destId="{E2944459-30FB-4A39-B98C-CA50DEBD0FE0}" srcOrd="0" destOrd="4" presId="urn:microsoft.com/office/officeart/2005/8/layout/hList6"/>
-    <dgm:cxn modelId="{B5C73BD3-7E4C-40C2-A95E-ADF73D8B2256}" srcId="{B0E30588-1614-4F1A-B863-E835765ED56C}" destId="{4BC937DE-DF2D-4FFA-B88A-E5338D433781}" srcOrd="0" destOrd="0" parTransId="{1835388E-52BA-4E72-8792-3A12EDB4C03B}" sibTransId="{F59B1304-AA1E-4810-9E72-0861E45F8AE6}"/>
-    <dgm:cxn modelId="{AA84AAB7-CA17-40C5-A465-15DA0C289E43}" srcId="{C9B12C90-8B57-400E-AFDB-85B1CC8B63C9}" destId="{A446800D-2712-4870-A860-B80692232F7F}" srcOrd="1" destOrd="0" parTransId="{D5CB3F02-2D52-4C7C-B42D-1F2F79D73300}" sibTransId="{21E781E9-0AC7-4C2B-9DB1-F96922E5188D}"/>
-    <dgm:cxn modelId="{D24A41B7-A2FD-48C2-906B-CC4D0DCF4C58}" type="presParOf" srcId="{3E78A654-C050-4A6D-AE20-E7E88B2A53F2}" destId="{E2944459-30FB-4A39-B98C-CA50DEBD0FE0}" srcOrd="0" destOrd="0" presId="urn:microsoft.com/office/officeart/2005/8/layout/hList6"/>
-    <dgm:cxn modelId="{30D4D752-347B-41D3-9752-94EE32502BBF}" type="presParOf" srcId="{3E78A654-C050-4A6D-AE20-E7E88B2A53F2}" destId="{50494F57-9413-46C6-806C-1F0BC7375A67}" srcOrd="1" destOrd="0" presId="urn:microsoft.com/office/officeart/2005/8/layout/hList6"/>
-    <dgm:cxn modelId="{B61E06C6-383C-4FEB-90A2-EC2FEEEB7713}" type="presParOf" srcId="{3E78A654-C050-4A6D-AE20-E7E88B2A53F2}" destId="{07112225-DBE3-4767-B863-B33AE5135511}" srcOrd="2" destOrd="0" presId="urn:microsoft.com/office/officeart/2005/8/layout/hList6"/>
-    <dgm:cxn modelId="{235BB6CB-97D0-4255-904B-A09A6DD493B8}" type="presParOf" srcId="{3E78A654-C050-4A6D-AE20-E7E88B2A53F2}" destId="{6BA26F60-B496-4610-8B97-2B9BA126275A}" srcOrd="3" destOrd="0" presId="urn:microsoft.com/office/officeart/2005/8/layout/hList6"/>
-    <dgm:cxn modelId="{F18E1AB6-76E6-4F80-A137-C508D9D9E6DA}" type="presParOf" srcId="{3E78A654-C050-4A6D-AE20-E7E88B2A53F2}" destId="{B790B033-8861-44F9-A411-A64891A1F78D}" srcOrd="4" destOrd="0" presId="urn:microsoft.com/office/officeart/2005/8/layout/hList6"/>
-    <dgm:cxn modelId="{21B92FC8-449D-4507-A75B-D5F0218404BF}" type="presParOf" srcId="{3E78A654-C050-4A6D-AE20-E7E88B2A53F2}" destId="{101442F7-FACE-4788-8554-F4C5B5488297}" srcOrd="5" destOrd="0" presId="urn:microsoft.com/office/officeart/2005/8/layout/hList6"/>
-    <dgm:cxn modelId="{BA8D67A1-8362-41FF-8ACC-2D8B16BE07DA}" type="presParOf" srcId="{3E78A654-C050-4A6D-AE20-E7E88B2A53F2}" destId="{5F91C283-CBEC-401B-9811-6B9815385BF4}" srcOrd="6" destOrd="0" presId="urn:microsoft.com/office/officeart/2005/8/layout/hList6"/>
+    <dgm:cxn modelId="{547B59A2-9048-495E-9898-70ECA9498859}" type="presOf" srcId="{2BE55610-4D28-42E0-8267-558A7085E18F}" destId="{21D06AF9-7B68-4C50-825D-0A7D198CBF3A}" srcOrd="0" destOrd="0" presId="urn:microsoft.com/office/officeart/2005/8/layout/hList6"/>
+    <dgm:cxn modelId="{42F76715-AFEB-4F17-93DB-8ADEB8228C3E}" srcId="{9DB0AEFC-F7C0-4A47-A9D2-B66B67BDF166}" destId="{C4398932-60E9-428B-BB59-BB2FDF42C249}" srcOrd="3" destOrd="0" parTransId="{3D0B83B2-1075-4391-96AD-404B4EC50D02}" sibTransId="{413CF9B1-273D-4A5D-A540-DEA45D415D55}"/>
+    <dgm:cxn modelId="{AF1EF758-F111-4214-89C5-F09B074974A9}" srcId="{72C3D7C4-1FD3-4E91-B977-28931B3F5ABA}" destId="{6EC9B295-79FA-4462-A038-98147B5B15E8}" srcOrd="3" destOrd="0" parTransId="{5B8E65CC-A994-45C4-BB7F-2703D8EA6267}" sibTransId="{5BF83123-2528-47C3-AC79-7A084658B426}"/>
+    <dgm:cxn modelId="{CCCC49B7-30A5-45F2-B716-D0982EEE95BA}" type="presOf" srcId="{DE4E638D-80BE-4A69-86ED-9C45972347A1}" destId="{3DD4DCC5-CD2A-4C80-9516-43D7C916D6B5}" srcOrd="0" destOrd="5" presId="urn:microsoft.com/office/officeart/2005/8/layout/hList6"/>
+    <dgm:cxn modelId="{03CE11BA-8B87-4DDC-BB40-C3AC1B5AF75B}" type="presOf" srcId="{3C62CD8E-8D76-477F-9DB6-910BDF743BA0}" destId="{3DD4DCC5-CD2A-4C80-9516-43D7C916D6B5}" srcOrd="0" destOrd="1" presId="urn:microsoft.com/office/officeart/2005/8/layout/hList6"/>
+    <dgm:cxn modelId="{DE556CC3-DF24-4E13-A34B-765D89621F82}" srcId="{5252D8DF-F7ED-47A9-8F1F-1C3DE6A4722F}" destId="{2BE55610-4D28-42E0-8267-558A7085E18F}" srcOrd="2" destOrd="0" parTransId="{0412D34D-808E-40C7-8F02-8DB8FF4954D5}" sibTransId="{6F471C58-641B-49B6-9FAA-ED99D26EF7F1}"/>
+    <dgm:cxn modelId="{8A3BC528-2D42-4A0A-B95B-60FEB4DC7FB5}" type="presOf" srcId="{5252D8DF-F7ED-47A9-8F1F-1C3DE6A4722F}" destId="{71E9AA40-D3B4-4753-B77F-6CFE495E434F}" srcOrd="0" destOrd="0" presId="urn:microsoft.com/office/officeart/2005/8/layout/hList6"/>
+    <dgm:cxn modelId="{AE803186-1124-46E1-8F1A-37AB7FE2A10B}" srcId="{1EFEFBA2-B851-4A8A-BB22-00008FF41747}" destId="{27B8F497-EEFE-4724-A7DB-6F628DE3891D}" srcOrd="0" destOrd="0" parTransId="{326F6861-A2B9-4697-8835-2FE6175350B9}" sibTransId="{CBB21267-DEF5-4514-82CE-4C0594486F84}"/>
+    <dgm:cxn modelId="{B69ADBA7-9F5C-4352-AE63-DC0E4F54167C}" srcId="{0EB01263-FD3B-4AC7-BF83-D803022CDB57}" destId="{5732FBE2-2EEB-4A56-AC2C-A920226FDEC5}" srcOrd="0" destOrd="0" parTransId="{AED492A6-1AC1-475C-A576-8A759C976513}" sibTransId="{E17D8877-F623-4C8E-8B9C-EDDBC8E8C61C}"/>
+    <dgm:cxn modelId="{2215C057-E109-417C-A69E-742581BD221C}" srcId="{9DB0AEFC-F7C0-4A47-A9D2-B66B67BDF166}" destId="{E1631B99-3BA5-41D6-BE11-08CB42AAA4EC}" srcOrd="2" destOrd="0" parTransId="{58D25AF7-E32A-4BAF-A922-43500B70A4B7}" sibTransId="{73F8ED0B-8F78-4CBC-A923-F824FF362951}"/>
+    <dgm:cxn modelId="{E0B63065-B60C-4EDA-A9EE-C453D34DAEE0}" type="presOf" srcId="{932CC87A-C2AA-4521-8FB3-6CE78FE8DC22}" destId="{3DD4DCC5-CD2A-4C80-9516-43D7C916D6B5}" srcOrd="0" destOrd="2" presId="urn:microsoft.com/office/officeart/2005/8/layout/hList6"/>
+    <dgm:cxn modelId="{FDDCEA24-EC7C-4D5D-8506-BA871DE2B185}" type="presOf" srcId="{498996AE-4AE4-493E-85FE-F243E011573C}" destId="{21D06AF9-7B68-4C50-825D-0A7D198CBF3A}" srcOrd="0" destOrd="1" presId="urn:microsoft.com/office/officeart/2005/8/layout/hList6"/>
+    <dgm:cxn modelId="{B5F2A0E4-3E0E-4D85-B283-6E56FCA57801}" type="presOf" srcId="{9DB0AEFC-F7C0-4A47-A9D2-B66B67BDF166}" destId="{F1E2BDB2-0BA9-4FD2-86F9-2CAEA5A63A20}" srcOrd="0" destOrd="0" presId="urn:microsoft.com/office/officeart/2005/8/layout/hList6"/>
+    <dgm:cxn modelId="{2E36763F-78B6-4E71-AB78-17BDBD44DC20}" type="presOf" srcId="{E2D62E3A-FDC4-4F36-AE7D-2F26CF1B12CA}" destId="{21D06AF9-7B68-4C50-825D-0A7D198CBF3A}" srcOrd="0" destOrd="2" presId="urn:microsoft.com/office/officeart/2005/8/layout/hList6"/>
+    <dgm:cxn modelId="{55566EB4-584D-46AE-9E54-F668131D18F5}" type="presOf" srcId="{3134A35E-5F85-4AA0-82AC-DC8AF808B10B}" destId="{3DD4DCC5-CD2A-4C80-9516-43D7C916D6B5}" srcOrd="0" destOrd="7" presId="urn:microsoft.com/office/officeart/2005/8/layout/hList6"/>
+    <dgm:cxn modelId="{8019387C-88C3-4DCF-810D-DE8619DEB540}" srcId="{72C3D7C4-1FD3-4E91-B977-28931B3F5ABA}" destId="{3C62CD8E-8D76-477F-9DB6-910BDF743BA0}" srcOrd="0" destOrd="0" parTransId="{ACB6940E-F7AB-4B27-A4AF-138986DD3A81}" sibTransId="{15123142-6E4E-45E4-807A-07C399AF1AF7}"/>
+    <dgm:cxn modelId="{0BEAD79E-FCBE-4D8F-843D-43FDFAFE730C}" type="presOf" srcId="{1EFEFBA2-B851-4A8A-BB22-00008FF41747}" destId="{06BACB2E-25D6-491F-9902-6DE6A89C06CD}" srcOrd="0" destOrd="0" presId="urn:microsoft.com/office/officeart/2005/8/layout/hList6"/>
+    <dgm:cxn modelId="{D6B3EE7F-CC91-4A4D-A956-BA341280470C}" srcId="{1EFEFBA2-B851-4A8A-BB22-00008FF41747}" destId="{BED1581E-CC75-4CB1-97A5-94C58EE24BFB}" srcOrd="4" destOrd="0" parTransId="{E93779AA-A382-44DA-84B3-1233783F84CE}" sibTransId="{40EEAC37-BDD8-42A8-AB87-123C7CFF2F97}"/>
+    <dgm:cxn modelId="{9FE6B04F-043F-4842-94C7-BFE97A8E63FB}" srcId="{72C3D7C4-1FD3-4E91-B977-28931B3F5ABA}" destId="{3134A35E-5F85-4AA0-82AC-DC8AF808B10B}" srcOrd="6" destOrd="0" parTransId="{4996416F-3E3B-4A82-B815-CAAA109D65A0}" sibTransId="{9C551CA4-A023-4452-9361-07B91AA4E205}"/>
+    <dgm:cxn modelId="{628E5962-57DF-4D87-97D9-0192FBFDD090}" srcId="{2BE55610-4D28-42E0-8267-558A7085E18F}" destId="{498996AE-4AE4-493E-85FE-F243E011573C}" srcOrd="0" destOrd="0" parTransId="{083F37AC-F742-4756-9721-03926A31C2E0}" sibTransId="{48AF3B71-218F-4F8C-B4DE-6B2DE20F7BC5}"/>
+    <dgm:cxn modelId="{409E73C4-7A61-4814-A74F-4F902B927926}" type="presOf" srcId="{E3F19D58-2847-4B41-8C69-FF677ACDED7B}" destId="{06BACB2E-25D6-491F-9902-6DE6A89C06CD}" srcOrd="0" destOrd="2" presId="urn:microsoft.com/office/officeart/2005/8/layout/hList6"/>
+    <dgm:cxn modelId="{6017BAA6-EA3D-47F1-A724-6EBF2C0CEED8}" type="presOf" srcId="{C4398932-60E9-428B-BB59-BB2FDF42C249}" destId="{F1E2BDB2-0BA9-4FD2-86F9-2CAEA5A63A20}" srcOrd="0" destOrd="5" presId="urn:microsoft.com/office/officeart/2005/8/layout/hList6"/>
+    <dgm:cxn modelId="{BACD229E-0353-4206-A854-B57F59A792CF}" srcId="{72C3D7C4-1FD3-4E91-B977-28931B3F5ABA}" destId="{E3D830AE-2CF7-4029-9D57-5763C8E9CF43}" srcOrd="2" destOrd="0" parTransId="{C28EB5E2-53AA-4518-868C-95C0988E2D49}" sibTransId="{588A4F85-56EE-4932-B928-50039EFE1D31}"/>
+    <dgm:cxn modelId="{5681C565-D35A-4FEA-A0B2-C51EC399EE0C}" srcId="{5252D8DF-F7ED-47A9-8F1F-1C3DE6A4722F}" destId="{9DB0AEFC-F7C0-4A47-A9D2-B66B67BDF166}" srcOrd="3" destOrd="0" parTransId="{A4CF8F00-895D-40E4-8450-D92BA3CAA82B}" sibTransId="{89C62A47-94B4-428D-B017-3F9FAE42CBB2}"/>
+    <dgm:cxn modelId="{4300DD3D-BF39-45DB-9048-597C02992529}" srcId="{72C3D7C4-1FD3-4E91-B977-28931B3F5ABA}" destId="{36ABFEC0-2B17-4E77-A2C7-C0FE9FBDA7E1}" srcOrd="5" destOrd="0" parTransId="{EE816ADF-6421-4B5A-938E-8013FE13857F}" sibTransId="{BD918787-7934-4406-AB9E-59CAFEA713D8}"/>
+    <dgm:cxn modelId="{7029EB40-3C82-423A-B6CB-F82FA11812F5}" type="presOf" srcId="{DBD0BA76-6275-4A2D-ADE2-0F6036822509}" destId="{06BACB2E-25D6-491F-9902-6DE6A89C06CD}" srcOrd="0" destOrd="3" presId="urn:microsoft.com/office/officeart/2005/8/layout/hList6"/>
+    <dgm:cxn modelId="{ACF5B08F-D128-4801-96AA-D757957C361C}" type="presOf" srcId="{5732FBE2-2EEB-4A56-AC2C-A920226FDEC5}" destId="{F1E2BDB2-0BA9-4FD2-86F9-2CAEA5A63A20}" srcOrd="0" destOrd="2" presId="urn:microsoft.com/office/officeart/2005/8/layout/hList6"/>
+    <dgm:cxn modelId="{8E1F3786-112A-4C71-BA94-E9A7A042A411}" type="presOf" srcId="{BED1581E-CC75-4CB1-97A5-94C58EE24BFB}" destId="{06BACB2E-25D6-491F-9902-6DE6A89C06CD}" srcOrd="0" destOrd="5" presId="urn:microsoft.com/office/officeart/2005/8/layout/hList6"/>
+    <dgm:cxn modelId="{2DE10510-D95E-41EC-BCC8-3A1320FC5027}" srcId="{72C3D7C4-1FD3-4E91-B977-28931B3F5ABA}" destId="{932CC87A-C2AA-4521-8FB3-6CE78FE8DC22}" srcOrd="1" destOrd="0" parTransId="{A5ABD709-9B38-42A8-BE20-D8E88E6354BF}" sibTransId="{0FA7DA1A-927F-4D20-BBAC-3EFD84B1F43C}"/>
+    <dgm:cxn modelId="{383F837F-9DCE-4D5D-B5F0-67D53EEA6EDB}" srcId="{5252D8DF-F7ED-47A9-8F1F-1C3DE6A4722F}" destId="{72C3D7C4-1FD3-4E91-B977-28931B3F5ABA}" srcOrd="0" destOrd="0" parTransId="{C7E336E9-2747-4995-A749-2C4A0C296DB1}" sibTransId="{C47984D0-4B72-491D-8DA1-F5AEAAF743E6}"/>
+    <dgm:cxn modelId="{BDC5BA58-D592-4241-BB14-834F262CBB40}" type="presOf" srcId="{36ABFEC0-2B17-4E77-A2C7-C0FE9FBDA7E1}" destId="{3DD4DCC5-CD2A-4C80-9516-43D7C916D6B5}" srcOrd="0" destOrd="6" presId="urn:microsoft.com/office/officeart/2005/8/layout/hList6"/>
+    <dgm:cxn modelId="{833D941F-C529-4BB5-8121-804F7324C543}" srcId="{1EFEFBA2-B851-4A8A-BB22-00008FF41747}" destId="{DBD0BA76-6275-4A2D-ADE2-0F6036822509}" srcOrd="2" destOrd="0" parTransId="{E3C44805-5A5C-4C66-B673-803F99E83A96}" sibTransId="{FFCA3E7D-8C38-4855-8AC3-F2676E945F28}"/>
+    <dgm:cxn modelId="{F6FA470A-E621-47ED-9878-4D70D29B0033}" type="presOf" srcId="{27B8F497-EEFE-4724-A7DB-6F628DE3891D}" destId="{06BACB2E-25D6-491F-9902-6DE6A89C06CD}" srcOrd="0" destOrd="1" presId="urn:microsoft.com/office/officeart/2005/8/layout/hList6"/>
+    <dgm:cxn modelId="{6D9CDF47-5255-477F-A408-150A25B9C789}" srcId="{1EFEFBA2-B851-4A8A-BB22-00008FF41747}" destId="{E3F19D58-2847-4B41-8C69-FF677ACDED7B}" srcOrd="1" destOrd="0" parTransId="{7CB18FEC-F689-43FE-9BE5-84EDDE928C59}" sibTransId="{333CF11C-87F5-4F52-9AE6-1EC6B538DB93}"/>
+    <dgm:cxn modelId="{369D6EA7-7CDC-4D8E-8870-B98F597A20E2}" type="presOf" srcId="{C71C0E5D-7F51-4544-B123-378F534F4944}" destId="{06BACB2E-25D6-491F-9902-6DE6A89C06CD}" srcOrd="0" destOrd="6" presId="urn:microsoft.com/office/officeart/2005/8/layout/hList6"/>
+    <dgm:cxn modelId="{3232FB35-98D6-48CA-A362-7A0C714424D0}" srcId="{1EFEFBA2-B851-4A8A-BB22-00008FF41747}" destId="{B7C59D5E-E827-4F99-9F60-2B0420DCE559}" srcOrd="3" destOrd="0" parTransId="{B724FF86-B1A3-42EA-A800-CE3C165326BC}" sibTransId="{51BB2072-31A7-4D40-AD47-EE65451F162F}"/>
+    <dgm:cxn modelId="{4E6ED13A-5541-444B-A154-C8F6CC8F9A7D}" srcId="{2BE55610-4D28-42E0-8267-558A7085E18F}" destId="{E2D62E3A-FDC4-4F36-AE7D-2F26CF1B12CA}" srcOrd="1" destOrd="0" parTransId="{9C700315-F604-4033-988D-EBD753E3D226}" sibTransId="{5F154C8F-0C4C-4EBD-A659-69DD126C9C40}"/>
+    <dgm:cxn modelId="{E642C729-0B74-4E15-93A9-C07E7A274090}" type="presOf" srcId="{72C3D7C4-1FD3-4E91-B977-28931B3F5ABA}" destId="{3DD4DCC5-CD2A-4C80-9516-43D7C916D6B5}" srcOrd="0" destOrd="0" presId="urn:microsoft.com/office/officeart/2005/8/layout/hList6"/>
+    <dgm:cxn modelId="{1D920CBD-5AC4-49BE-9836-7DE50700D2E7}" type="presOf" srcId="{0EB01263-FD3B-4AC7-BF83-D803022CDB57}" destId="{F1E2BDB2-0BA9-4FD2-86F9-2CAEA5A63A20}" srcOrd="0" destOrd="1" presId="urn:microsoft.com/office/officeart/2005/8/layout/hList6"/>
+    <dgm:cxn modelId="{6D56A746-5964-4BC9-B30A-2F366BA0CE3C}" srcId="{1EFEFBA2-B851-4A8A-BB22-00008FF41747}" destId="{C71C0E5D-7F51-4544-B123-378F534F4944}" srcOrd="5" destOrd="0" parTransId="{328FFD0E-D05A-4510-9132-D88575F07C95}" sibTransId="{83523674-F406-4DCC-A107-783DA566778D}"/>
+    <dgm:cxn modelId="{BA334A41-1643-479E-8557-09B405659CB4}" srcId="{9DB0AEFC-F7C0-4A47-A9D2-B66B67BDF166}" destId="{76F011A4-403B-46AD-8D5F-B9A16E1BFC11}" srcOrd="1" destOrd="0" parTransId="{51503B19-43E9-4B0B-B51C-1A896FA41AE9}" sibTransId="{D54DEC58-8800-4EFB-80E9-82A9415329F5}"/>
+    <dgm:cxn modelId="{431352BD-45FD-438C-AE94-B4469B6C33C1}" type="presOf" srcId="{6EC9B295-79FA-4462-A038-98147B5B15E8}" destId="{3DD4DCC5-CD2A-4C80-9516-43D7C916D6B5}" srcOrd="0" destOrd="4" presId="urn:microsoft.com/office/officeart/2005/8/layout/hList6"/>
+    <dgm:cxn modelId="{AEB5B712-F45E-4E43-B02D-C2D704BBE985}" type="presOf" srcId="{B7C59D5E-E827-4F99-9F60-2B0420DCE559}" destId="{06BACB2E-25D6-491F-9902-6DE6A89C06CD}" srcOrd="0" destOrd="4" presId="urn:microsoft.com/office/officeart/2005/8/layout/hList6"/>
+    <dgm:cxn modelId="{35AE9547-F862-45D3-BE5A-E6241C543C34}" srcId="{5252D8DF-F7ED-47A9-8F1F-1C3DE6A4722F}" destId="{1EFEFBA2-B851-4A8A-BB22-00008FF41747}" srcOrd="1" destOrd="0" parTransId="{5237344E-3C45-4CD5-8679-16503A91AA7C}" sibTransId="{E95B4B51-66E9-4F52-9C30-23146904BC20}"/>
+    <dgm:cxn modelId="{C98A015B-4690-482D-9DD1-20C9A3F2A6EC}" type="presOf" srcId="{E3D830AE-2CF7-4029-9D57-5763C8E9CF43}" destId="{3DD4DCC5-CD2A-4C80-9516-43D7C916D6B5}" srcOrd="0" destOrd="3" presId="urn:microsoft.com/office/officeart/2005/8/layout/hList6"/>
+    <dgm:cxn modelId="{ED06762B-FC36-4EB7-BB42-21BF2D41A4BC}" srcId="{9DB0AEFC-F7C0-4A47-A9D2-B66B67BDF166}" destId="{0EB01263-FD3B-4AC7-BF83-D803022CDB57}" srcOrd="0" destOrd="0" parTransId="{B7ADEEA4-5653-4A7C-A171-75A7C360D0C6}" sibTransId="{EF439DA5-2B90-41D6-942D-A9D10364DF29}"/>
+    <dgm:cxn modelId="{B33A2965-9D0E-44B2-B7BA-5E737C214F4D}" type="presOf" srcId="{76F011A4-403B-46AD-8D5F-B9A16E1BFC11}" destId="{F1E2BDB2-0BA9-4FD2-86F9-2CAEA5A63A20}" srcOrd="0" destOrd="3" presId="urn:microsoft.com/office/officeart/2005/8/layout/hList6"/>
+    <dgm:cxn modelId="{879A2153-EA60-4773-A529-3FC45218335B}" srcId="{72C3D7C4-1FD3-4E91-B977-28931B3F5ABA}" destId="{DE4E638D-80BE-4A69-86ED-9C45972347A1}" srcOrd="4" destOrd="0" parTransId="{61772DFC-735C-4A4E-9CFE-5491B99DCEB1}" sibTransId="{A6DF42EE-B7F0-448B-AAB7-CB2D0ED8CA16}"/>
+    <dgm:cxn modelId="{C0E59F0A-E8AC-4C36-A515-73A82C3C7411}" type="presOf" srcId="{E1631B99-3BA5-41D6-BE11-08CB42AAA4EC}" destId="{F1E2BDB2-0BA9-4FD2-86F9-2CAEA5A63A20}" srcOrd="0" destOrd="4" presId="urn:microsoft.com/office/officeart/2005/8/layout/hList6"/>
+    <dgm:cxn modelId="{3456E43E-2BF4-4189-BAA6-9FF04BCBCAE8}" type="presParOf" srcId="{71E9AA40-D3B4-4753-B77F-6CFE495E434F}" destId="{3DD4DCC5-CD2A-4C80-9516-43D7C916D6B5}" srcOrd="0" destOrd="0" presId="urn:microsoft.com/office/officeart/2005/8/layout/hList6"/>
+    <dgm:cxn modelId="{27C76C3C-ED65-4DF4-9734-04FAEAE44E9B}" type="presParOf" srcId="{71E9AA40-D3B4-4753-B77F-6CFE495E434F}" destId="{8FD0C632-C2B7-419D-B173-A6F16D83E195}" srcOrd="1" destOrd="0" presId="urn:microsoft.com/office/officeart/2005/8/layout/hList6"/>
+    <dgm:cxn modelId="{D7E53C49-447D-4BF7-99C4-AB115A02D1F5}" type="presParOf" srcId="{71E9AA40-D3B4-4753-B77F-6CFE495E434F}" destId="{06BACB2E-25D6-491F-9902-6DE6A89C06CD}" srcOrd="2" destOrd="0" presId="urn:microsoft.com/office/officeart/2005/8/layout/hList6"/>
+    <dgm:cxn modelId="{5D1B9AEB-221F-4371-90DF-941A7A153562}" type="presParOf" srcId="{71E9AA40-D3B4-4753-B77F-6CFE495E434F}" destId="{66F2F446-351F-424B-91AA-DBC95E8A4EE3}" srcOrd="3" destOrd="0" presId="urn:microsoft.com/office/officeart/2005/8/layout/hList6"/>
+    <dgm:cxn modelId="{48CBF186-7889-4F33-A721-3D232582D47F}" type="presParOf" srcId="{71E9AA40-D3B4-4753-B77F-6CFE495E434F}" destId="{21D06AF9-7B68-4C50-825D-0A7D198CBF3A}" srcOrd="4" destOrd="0" presId="urn:microsoft.com/office/officeart/2005/8/layout/hList6"/>
+    <dgm:cxn modelId="{52C79730-0BDA-4267-A9BB-AA1876FFDE2D}" type="presParOf" srcId="{71E9AA40-D3B4-4753-B77F-6CFE495E434F}" destId="{D617A35C-C5B5-488B-90B4-A60D5D15AEE1}" srcOrd="5" destOrd="0" presId="urn:microsoft.com/office/officeart/2005/8/layout/hList6"/>
+    <dgm:cxn modelId="{8251E6A0-09BA-4C0D-AE0E-4BC587157808}" type="presParOf" srcId="{71E9AA40-D3B4-4753-B77F-6CFE495E434F}" destId="{F1E2BDB2-0BA9-4FD2-86F9-2CAEA5A63A20}" srcOrd="6" destOrd="0" presId="urn:microsoft.com/office/officeart/2005/8/layout/hList6"/>
   </dgm:cxnLst>
   <dgm:bg/>
   <dgm:whole/>
   <dgm:extLst>
     <a:ext uri="http://schemas.microsoft.com/office/drawing/2008/diagram">
-      <dsp:dataModelExt xmlns:dsp="http://schemas.microsoft.com/office/drawing/2008/diagram" relId="rId6" minVer="http://schemas.openxmlformats.org/drawingml/2006/diagram"/>
+      <dsp:dataModelExt xmlns:dsp="http://schemas.microsoft.com/office/drawing/2008/diagram" relId="rId7" minVer="http://schemas.openxmlformats.org/drawingml/2006/diagram"/>
+    </a:ext>
+    <a:ext uri="{C62137D5-CB1D-491B-B009-E17868A290BF}">
+      <dgm14:recolorImg xmlns:dgm14="http://schemas.microsoft.com/office/drawing/2010/diagram" val="1"/>
     </a:ext>
   </dgm:extLst>
 </dgm:dataModel>
@@ -3119,21 +3780,21 @@
       <dsp:cNvGrpSpPr/>
     </dsp:nvGrpSpPr>
     <dsp:grpSpPr/>
-    <dsp:sp modelId="{E2944459-30FB-4A39-B98C-CA50DEBD0FE0}">
+    <dsp:sp modelId="{3DD4DCC5-CD2A-4C80-9516-43D7C916D6B5}">
       <dsp:nvSpPr>
         <dsp:cNvPr id="0" name=""/>
         <dsp:cNvSpPr/>
       </dsp:nvSpPr>
       <dsp:spPr>
         <a:xfrm rot="16200000">
-          <a:off x="-819168" y="821593"/>
-          <a:ext cx="4022725" cy="2379538"/>
+          <a:off x="-306010" y="306010"/>
+          <a:ext cx="2707637" cy="2095616"/>
         </a:xfrm>
         <a:prstGeom prst="flowChartManualOperation">
           <a:avLst/>
         </a:prstGeom>
         <a:solidFill>
-          <a:schemeClr val="accent1">
+          <a:schemeClr val="lt1">
             <a:hueOff val="0"/>
             <a:satOff val="0"/>
             <a:lumOff val="0"/>
@@ -3142,7 +3803,8 @@
         </a:solidFill>
         <a:ln w="15875" cap="flat" cmpd="sng" algn="ctr">
           <a:solidFill>
-            <a:schemeClr val="lt1">
+            <a:schemeClr val="accent3">
+              <a:shade val="80000"/>
               <a:hueOff val="0"/>
               <a:satOff val="0"/>
               <a:lumOff val="0"/>
@@ -3168,12 +3830,12 @@
         </a:fontRef>
       </dsp:style>
       <dsp:txBody>
-        <a:bodyPr spcFirstLastPara="0" vert="horz" wrap="square" lIns="127000" tIns="0" rIns="127000" bIns="0" numCol="1" spcCol="1270" anchor="t" anchorCtr="0">
+        <a:bodyPr spcFirstLastPara="0" vert="horz" wrap="square" lIns="88900" tIns="0" rIns="88900" bIns="0" numCol="1" spcCol="1270" anchor="t" anchorCtr="0">
           <a:noAutofit/>
         </a:bodyPr>
         <a:lstStyle/>
         <a:p>
-          <a:pPr lvl="0" algn="l" defTabSz="889000">
+          <a:pPr lvl="0" algn="l" defTabSz="622300">
             <a:lnSpc>
               <a:spcPct val="90000"/>
             </a:lnSpc>
@@ -3185,13 +3847,25 @@
             </a:spcAft>
           </a:pPr>
           <a:r>
-            <a:rPr lang="fr-FR" sz="2000" b="0" i="0" u="none" kern="1200" dirty="0" err="1" smtClean="0"/>
-            <a:t>Resources</a:t>
+            <a:rPr lang="fr-FR" sz="1400" kern="1200" smtClean="0">
+              <a:solidFill>
+                <a:schemeClr val="accent3">
+                  <a:lumMod val="75000"/>
+                </a:schemeClr>
+              </a:solidFill>
+            </a:rPr>
+            <a:t>RESOURCES</a:t>
           </a:r>
-          <a:endParaRPr lang="fr-FR" sz="1700" i="0" kern="1200" dirty="0"/>
+          <a:endParaRPr lang="fr-FR" sz="1400" kern="1200" dirty="0">
+            <a:solidFill>
+              <a:schemeClr val="accent3">
+                <a:lumMod val="75000"/>
+              </a:schemeClr>
+            </a:solidFill>
+          </a:endParaRPr>
         </a:p>
         <a:p>
-          <a:pPr marL="114300" lvl="1" indent="-114300" algn="l" defTabSz="577850">
+          <a:pPr marL="57150" lvl="1" indent="-57150" algn="l" defTabSz="466725">
             <a:lnSpc>
               <a:spcPct val="90000"/>
             </a:lnSpc>
@@ -3204,17 +3878,25 @@
             <a:buChar char="••"/>
           </a:pPr>
           <a:r>
-            <a:rPr lang="fr-FR" sz="1300" b="0" i="0" u="none" strike="sngStrike" kern="1200" dirty="0" smtClean="0"/>
-            <a:t>4 Team </a:t>
+            <a:rPr lang="fr-FR" sz="1050" kern="1200" smtClean="0">
+              <a:solidFill>
+                <a:schemeClr val="accent3">
+                  <a:lumMod val="75000"/>
+                </a:schemeClr>
+              </a:solidFill>
+            </a:rPr>
+            <a:t>1 Supervisor</a:t>
           </a:r>
-          <a:r>
-            <a:rPr lang="fr-FR" sz="1300" b="0" i="0" u="none" strike="sngStrike" kern="1200" dirty="0" err="1" smtClean="0"/>
-            <a:t>members</a:t>
-          </a:r>
-          <a:endParaRPr lang="fr-FR" sz="1300" b="0" i="0" u="none" strike="sngStrike" kern="1200" dirty="0"/>
+          <a:endParaRPr lang="fr-FR" sz="1050" kern="1200">
+            <a:solidFill>
+              <a:schemeClr val="accent3">
+                <a:lumMod val="75000"/>
+              </a:schemeClr>
+            </a:solidFill>
+          </a:endParaRPr>
         </a:p>
         <a:p>
-          <a:pPr marL="114300" lvl="1" indent="-114300" algn="l" defTabSz="577850">
+          <a:pPr marL="57150" lvl="1" indent="-57150" algn="l" defTabSz="466725">
             <a:lnSpc>
               <a:spcPct val="90000"/>
             </a:lnSpc>
@@ -3227,21 +3909,25 @@
             <a:buChar char="••"/>
           </a:pPr>
           <a:r>
-            <a:rPr lang="fr-FR" sz="1300" b="0" i="0" u="none" strike="sngStrike" kern="1200" dirty="0" err="1" smtClean="0"/>
-            <a:t>Lab</a:t>
+            <a:rPr lang="fr-FR" sz="1050" kern="1200" smtClean="0">
+              <a:solidFill>
+                <a:schemeClr val="accent3">
+                  <a:lumMod val="75000"/>
+                </a:schemeClr>
+              </a:solidFill>
+            </a:rPr>
+            <a:t>20 Contributors</a:t>
           </a:r>
-          <a:r>
-            <a:rPr lang="fr-FR" sz="1300" b="0" i="0" u="none" strike="sngStrike" kern="1200" dirty="0" smtClean="0"/>
-            <a:t> &amp; </a:t>
-          </a:r>
-          <a:r>
-            <a:rPr lang="fr-FR" sz="1300" b="0" i="0" u="none" strike="sngStrike" kern="1200" dirty="0" err="1" smtClean="0"/>
-            <a:t>Supervisor</a:t>
-          </a:r>
-          <a:endParaRPr lang="fr-FR" sz="1300" b="0" i="0" u="none" strike="sngStrike" kern="1200" dirty="0"/>
+          <a:endParaRPr lang="fr-FR" sz="1050" kern="1200" dirty="0">
+            <a:solidFill>
+              <a:schemeClr val="accent3">
+                <a:lumMod val="75000"/>
+              </a:schemeClr>
+            </a:solidFill>
+          </a:endParaRPr>
         </a:p>
         <a:p>
-          <a:pPr marL="114300" lvl="1" indent="-114300" algn="l" defTabSz="577850">
+          <a:pPr marL="57150" lvl="1" indent="-57150" algn="l" defTabSz="466725">
             <a:lnSpc>
               <a:spcPct val="90000"/>
             </a:lnSpc>
@@ -3254,13 +3940,25 @@
             <a:buChar char="••"/>
           </a:pPr>
           <a:r>
-            <a:rPr lang="fr-FR" sz="1300" b="0" i="0" u="none" strike="sngStrike" kern="1200" dirty="0" smtClean="0"/>
-            <a:t>Documentation about IAR</a:t>
+            <a:rPr lang="fr-FR" sz="1050" kern="1200" smtClean="0">
+              <a:solidFill>
+                <a:schemeClr val="accent3">
+                  <a:lumMod val="75000"/>
+                </a:schemeClr>
+              </a:solidFill>
+            </a:rPr>
+            <a:t>4 Authors</a:t>
           </a:r>
-          <a:endParaRPr lang="fr-FR" sz="1300" b="0" i="0" u="none" strike="sngStrike" kern="1200" dirty="0"/>
+          <a:endParaRPr lang="fr-FR" sz="1050" kern="1200" dirty="0">
+            <a:solidFill>
+              <a:schemeClr val="accent3">
+                <a:lumMod val="75000"/>
+              </a:schemeClr>
+            </a:solidFill>
+          </a:endParaRPr>
         </a:p>
         <a:p>
-          <a:pPr marL="114300" lvl="1" indent="-114300" algn="l" defTabSz="577850">
+          <a:pPr marL="57150" lvl="1" indent="-57150" algn="l" defTabSz="466725">
             <a:lnSpc>
               <a:spcPct val="90000"/>
             </a:lnSpc>
@@ -3273,17 +3971,25 @@
             <a:buChar char="••"/>
           </a:pPr>
           <a:r>
-            <a:rPr lang="fr-FR" sz="1300" b="0" i="0" u="none" kern="1200" dirty="0" smtClean="0"/>
-            <a:t>Documentation about fuel </a:t>
+            <a:rPr lang="fr-FR" sz="1050" kern="1200" smtClean="0">
+              <a:solidFill>
+                <a:schemeClr val="accent3">
+                  <a:lumMod val="75000"/>
+                </a:schemeClr>
+              </a:solidFill>
+            </a:rPr>
+            <a:t>Documetation anout IAR</a:t>
           </a:r>
-          <a:r>
-            <a:rPr lang="fr-FR" sz="1300" b="0" i="0" u="none" kern="1200" dirty="0" err="1" smtClean="0"/>
-            <a:t>cells</a:t>
-          </a:r>
-          <a:endParaRPr lang="fr-FR" sz="1300" b="0" i="0" u="none" kern="1200" dirty="0"/>
+          <a:endParaRPr lang="fr-FR" sz="1050" kern="1200">
+            <a:solidFill>
+              <a:schemeClr val="accent3">
+                <a:lumMod val="75000"/>
+              </a:schemeClr>
+            </a:solidFill>
+          </a:endParaRPr>
         </a:p>
         <a:p>
-          <a:pPr marL="114300" lvl="1" indent="-114300" algn="l" defTabSz="577850">
+          <a:pPr marL="57150" lvl="1" indent="-57150" algn="l" defTabSz="466725">
             <a:lnSpc>
               <a:spcPct val="90000"/>
             </a:lnSpc>
@@ -3296,32 +4002,96 @@
             <a:buChar char="••"/>
           </a:pPr>
           <a:r>
-            <a:rPr lang="fr-FR" sz="1300" b="0" i="0" u="none" strike="sngStrike" kern="1200" dirty="0" smtClean="0"/>
-            <a:t>Office supplies</a:t>
+            <a:rPr lang="fr-FR" sz="1050" kern="1200" smtClean="0">
+              <a:solidFill>
+                <a:schemeClr val="accent3">
+                  <a:lumMod val="75000"/>
+                </a:schemeClr>
+              </a:solidFill>
+            </a:rPr>
+            <a:t>Documentation about Fuel Cells</a:t>
           </a:r>
-          <a:endParaRPr lang="fr-FR" sz="1300" b="0" i="0" u="none" strike="sngStrike" kern="1200" dirty="0"/>
+          <a:endParaRPr lang="fr-FR" sz="1050" kern="1200">
+            <a:solidFill>
+              <a:schemeClr val="accent3">
+                <a:lumMod val="75000"/>
+              </a:schemeClr>
+            </a:solidFill>
+          </a:endParaRPr>
+        </a:p>
+        <a:p>
+          <a:pPr marL="57150" lvl="1" indent="-57150" algn="l" defTabSz="466725">
+            <a:lnSpc>
+              <a:spcPct val="90000"/>
+            </a:lnSpc>
+            <a:spcBef>
+              <a:spcPct val="0"/>
+            </a:spcBef>
+            <a:spcAft>
+              <a:spcPct val="15000"/>
+            </a:spcAft>
+            <a:buChar char="••"/>
+          </a:pPr>
+          <a:r>
+            <a:rPr lang="fr-FR" sz="1050" kern="1200" smtClean="0">
+              <a:solidFill>
+                <a:schemeClr val="accent3">
+                  <a:lumMod val="75000"/>
+                </a:schemeClr>
+              </a:solidFill>
+            </a:rPr>
+            <a:t>Online data sharing platform</a:t>
+          </a:r>
+          <a:endParaRPr lang="fr-FR" sz="1050" kern="1200">
+            <a:solidFill>
+              <a:schemeClr val="accent3">
+                <a:lumMod val="75000"/>
+              </a:schemeClr>
+            </a:solidFill>
+          </a:endParaRPr>
+        </a:p>
+        <a:p>
+          <a:pPr marL="57150" lvl="1" indent="-57150" algn="l" defTabSz="466725">
+            <a:lnSpc>
+              <a:spcPct val="90000"/>
+            </a:lnSpc>
+            <a:spcBef>
+              <a:spcPct val="0"/>
+            </a:spcBef>
+            <a:spcAft>
+              <a:spcPct val="15000"/>
+            </a:spcAft>
+            <a:buChar char="••"/>
+          </a:pPr>
+          <a:endParaRPr lang="fr-FR" sz="1050" kern="1200">
+            <a:solidFill>
+              <a:schemeClr val="accent3">
+                <a:lumMod val="75000"/>
+              </a:schemeClr>
+            </a:solidFill>
+          </a:endParaRPr>
         </a:p>
       </dsp:txBody>
       <dsp:txXfrm rot="5400000">
-        <a:off x="2425" y="804545"/>
-        <a:ext cx="2379538" cy="2413635"/>
+        <a:off x="1" y="541526"/>
+        <a:ext cx="2095616" cy="1624583"/>
       </dsp:txXfrm>
     </dsp:sp>
-    <dsp:sp modelId="{07112225-DBE3-4767-B863-B33AE5135511}">
+    <dsp:sp modelId="{06BACB2E-25D6-491F-9902-6DE6A89C06CD}">
       <dsp:nvSpPr>
         <dsp:cNvPr id="0" name=""/>
         <dsp:cNvSpPr/>
       </dsp:nvSpPr>
       <dsp:spPr>
         <a:xfrm rot="16200000">
-          <a:off x="1738835" y="821593"/>
-          <a:ext cx="4022725" cy="2379538"/>
+          <a:off x="1948912" y="306010"/>
+          <a:ext cx="2707637" cy="2095616"/>
         </a:xfrm>
         <a:prstGeom prst="flowChartManualOperation">
           <a:avLst/>
         </a:prstGeom>
         <a:solidFill>
-          <a:schemeClr val="accent1">
+          <a:schemeClr val="lt1">
             <a:hueOff val="0"/>
             <a:satOff val="0"/>
             <a:lumOff val="0"/>
@@ -3330,7 +4100,8 @@
         </a:solidFill>
         <a:ln w="15875" cap="flat" cmpd="sng" algn="ctr">
           <a:solidFill>
-            <a:schemeClr val="lt1">
+            <a:schemeClr val="accent3">
+              <a:shade val="80000"/>
               <a:hueOff val="0"/>
               <a:satOff val="0"/>
               <a:lumOff val="0"/>
@@ -3356,12 +4127,12 @@
         </a:fontRef>
       </dsp:style>
       <dsp:txBody>
-        <a:bodyPr spcFirstLastPara="0" vert="horz" wrap="square" lIns="127000" tIns="0" rIns="127000" bIns="0" numCol="1" spcCol="1270" anchor="t" anchorCtr="0">
+        <a:bodyPr spcFirstLastPara="0" vert="horz" wrap="square" lIns="88900" tIns="0" rIns="88900" bIns="0" numCol="1" spcCol="1270" anchor="t" anchorCtr="0">
           <a:noAutofit/>
         </a:bodyPr>
         <a:lstStyle/>
         <a:p>
-          <a:pPr lvl="0" algn="l" defTabSz="889000">
+          <a:pPr lvl="0" algn="l" defTabSz="622300">
             <a:lnSpc>
               <a:spcPct val="90000"/>
             </a:lnSpc>
@@ -3373,13 +4144,25 @@
             </a:spcAft>
           </a:pPr>
           <a:r>
-            <a:rPr lang="fr-FR" sz="2000" b="0" i="0" u="none" kern="1200" dirty="0" err="1" smtClean="0"/>
-            <a:t>Activities</a:t>
+            <a:rPr lang="fr-FR" sz="1400" kern="1200" smtClean="0">
+              <a:solidFill>
+                <a:schemeClr val="accent3">
+                  <a:lumMod val="75000"/>
+                </a:schemeClr>
+              </a:solidFill>
+            </a:rPr>
+            <a:t>ACTIVITIES</a:t>
           </a:r>
-          <a:endParaRPr lang="fr-FR" sz="1700" kern="1200" dirty="0"/>
+          <a:endParaRPr lang="fr-FR" sz="1400" kern="1200">
+            <a:solidFill>
+              <a:schemeClr val="accent3">
+                <a:lumMod val="75000"/>
+              </a:schemeClr>
+            </a:solidFill>
+          </a:endParaRPr>
         </a:p>
         <a:p>
-          <a:pPr marL="114300" lvl="1" indent="-114300" algn="l" defTabSz="577850">
+          <a:pPr marL="57150" lvl="1" indent="-57150" algn="l" defTabSz="466725">
             <a:lnSpc>
               <a:spcPct val="90000"/>
             </a:lnSpc>
@@ -3392,13 +4175,25 @@
             <a:buChar char="••"/>
           </a:pPr>
           <a:r>
-            <a:rPr lang="fr-FR" sz="1300" b="0" i="0" u="none" strike="sngStrike" kern="1200" smtClean="0"/>
-            <a:t>Read IAR, extract structure</a:t>
+            <a:rPr lang="fr-FR" sz="1050" kern="1200" smtClean="0">
+              <a:solidFill>
+                <a:schemeClr val="accent3">
+                  <a:lumMod val="75000"/>
+                </a:schemeClr>
+              </a:solidFill>
+            </a:rPr>
+            <a:t>Review Fuel Cell information</a:t>
           </a:r>
-          <a:endParaRPr lang="fr-FR" sz="1300" b="0" i="0" u="none" strike="sngStrike" kern="1200" dirty="0"/>
+          <a:endParaRPr lang="fr-FR" sz="1050" kern="1200" dirty="0">
+            <a:solidFill>
+              <a:schemeClr val="accent3">
+                <a:lumMod val="75000"/>
+              </a:schemeClr>
+            </a:solidFill>
+          </a:endParaRPr>
         </a:p>
         <a:p>
-          <a:pPr marL="114300" lvl="1" indent="-114300" algn="l" defTabSz="577850">
+          <a:pPr marL="57150" lvl="1" indent="-57150" algn="l" defTabSz="466725">
             <a:lnSpc>
               <a:spcPct val="90000"/>
             </a:lnSpc>
@@ -3411,13 +4206,25 @@
             <a:buChar char="••"/>
           </a:pPr>
           <a:r>
-            <a:rPr lang="en-US" sz="1300" b="0" i="0" u="none" strike="sngStrike" kern="1200" smtClean="0"/>
-            <a:t>Build a structure for our IAR</a:t>
+            <a:rPr lang="fr-FR" sz="1050" kern="1200" smtClean="0">
+              <a:solidFill>
+                <a:schemeClr val="accent3">
+                  <a:lumMod val="75000"/>
+                </a:schemeClr>
+              </a:solidFill>
+            </a:rPr>
+            <a:t>Extract IAR structure from existing reports</a:t>
           </a:r>
-          <a:endParaRPr lang="en-US" sz="1300" b="0" i="0" u="none" strike="sngStrike" kern="1200" dirty="0"/>
+          <a:endParaRPr lang="fr-FR" sz="1050" kern="1200" dirty="0">
+            <a:solidFill>
+              <a:schemeClr val="accent3">
+                <a:lumMod val="75000"/>
+              </a:schemeClr>
+            </a:solidFill>
+          </a:endParaRPr>
         </a:p>
         <a:p>
-          <a:pPr marL="171450" lvl="1" indent="-171450" algn="l" defTabSz="711200">
+          <a:pPr marL="57150" lvl="1" indent="-57150" algn="l" defTabSz="466725">
             <a:lnSpc>
               <a:spcPct val="90000"/>
             </a:lnSpc>
@@ -3430,13 +4237,25 @@
             <a:buChar char="••"/>
           </a:pPr>
           <a:r>
-            <a:rPr lang="en-US" sz="1600" b="1" i="0" u="none" kern="1200" dirty="0" smtClean="0"/>
-            <a:t>Read about fuel cell and surrounding industry</a:t>
+            <a:rPr lang="fr-FR" sz="1050" kern="1200" smtClean="0">
+              <a:solidFill>
+                <a:schemeClr val="accent3">
+                  <a:lumMod val="75000"/>
+                </a:schemeClr>
+              </a:solidFill>
+            </a:rPr>
+            <a:t>Build a personalized outline for the IAR</a:t>
           </a:r>
-          <a:endParaRPr lang="en-US" sz="1600" b="1" i="0" u="none" kern="1200" dirty="0"/>
+          <a:endParaRPr lang="fr-FR" sz="1050" kern="1200">
+            <a:solidFill>
+              <a:schemeClr val="accent3">
+                <a:lumMod val="75000"/>
+              </a:schemeClr>
+            </a:solidFill>
+          </a:endParaRPr>
         </a:p>
         <a:p>
-          <a:pPr marL="171450" lvl="1" indent="-171450" algn="l" defTabSz="711200">
+          <a:pPr marL="57150" lvl="1" indent="-57150" algn="l" defTabSz="466725">
             <a:lnSpc>
               <a:spcPct val="90000"/>
             </a:lnSpc>
@@ -3449,17 +4268,25 @@
             <a:buChar char="••"/>
           </a:pPr>
           <a:r>
-            <a:rPr lang="fr-FR" sz="1600" b="1" i="0" u="none" kern="1200" dirty="0" err="1" smtClean="0"/>
-            <a:t>Collect</a:t>
+            <a:rPr lang="fr-FR" sz="1050" kern="1200" smtClean="0">
+              <a:solidFill>
+                <a:schemeClr val="accent3">
+                  <a:lumMod val="75000"/>
+                </a:schemeClr>
+              </a:solidFill>
+            </a:rPr>
+            <a:t>Collect data</a:t>
           </a:r>
-          <a:r>
-            <a:rPr lang="fr-FR" sz="1600" b="1" i="0" u="none" kern="1200" dirty="0" smtClean="0"/>
-            <a:t> data</a:t>
-          </a:r>
-          <a:endParaRPr lang="fr-FR" sz="1600" b="1" i="0" u="none" kern="1200" dirty="0"/>
+          <a:endParaRPr lang="fr-FR" sz="1050" kern="1200">
+            <a:solidFill>
+              <a:schemeClr val="accent3">
+                <a:lumMod val="75000"/>
+              </a:schemeClr>
+            </a:solidFill>
+          </a:endParaRPr>
         </a:p>
         <a:p>
-          <a:pPr marL="171450" lvl="1" indent="-171450" algn="l" defTabSz="711200">
+          <a:pPr marL="57150" lvl="1" indent="-57150" algn="l" defTabSz="466725">
             <a:lnSpc>
               <a:spcPct val="90000"/>
             </a:lnSpc>
@@ -3472,56 +4299,75 @@
             <a:buChar char="••"/>
           </a:pPr>
           <a:r>
-            <a:rPr lang="fr-FR" sz="1600" b="1" i="0" u="none" kern="1200" dirty="0" err="1" smtClean="0"/>
-            <a:t>Interact</a:t>
+            <a:rPr lang="fr-FR" sz="1050" kern="1200" smtClean="0">
+              <a:solidFill>
+                <a:schemeClr val="accent3">
+                  <a:lumMod val="75000"/>
+                </a:schemeClr>
+              </a:solidFill>
+            </a:rPr>
+            <a:t>Write, design and edit the IAR</a:t>
           </a:r>
+          <a:endParaRPr lang="fr-FR" sz="1050" kern="1200">
+            <a:solidFill>
+              <a:schemeClr val="accent3">
+                <a:lumMod val="75000"/>
+              </a:schemeClr>
+            </a:solidFill>
+          </a:endParaRPr>
+        </a:p>
+        <a:p>
+          <a:pPr marL="57150" lvl="1" indent="-57150" algn="l" defTabSz="466725">
+            <a:lnSpc>
+              <a:spcPct val="90000"/>
+            </a:lnSpc>
+            <a:spcBef>
+              <a:spcPct val="0"/>
+            </a:spcBef>
+            <a:spcAft>
+              <a:spcPct val="15000"/>
+            </a:spcAft>
+            <a:buChar char="••"/>
+          </a:pPr>
           <a:r>
-            <a:rPr lang="fr-FR" sz="1600" b="1" i="0" u="none" kern="1200" dirty="0" smtClean="0"/>
-            <a:t> </a:t>
+            <a:rPr lang="fr-FR" sz="1050" kern="1200" smtClean="0">
+              <a:solidFill>
+                <a:schemeClr val="accent3">
+                  <a:lumMod val="75000"/>
+                </a:schemeClr>
+              </a:solidFill>
+            </a:rPr>
+            <a:t>Present IAR project</a:t>
           </a:r>
-          <a:r>
-            <a:rPr lang="fr-FR" sz="1600" b="1" i="0" u="none" kern="1200" dirty="0" err="1" smtClean="0"/>
-            <a:t>with</a:t>
-          </a:r>
-          <a:r>
-            <a:rPr lang="fr-FR" sz="1600" b="1" i="0" u="none" kern="1200" dirty="0" smtClean="0"/>
-            <a:t> the </a:t>
-          </a:r>
-          <a:r>
-            <a:rPr lang="fr-FR" sz="1600" b="1" i="0" u="none" kern="1200" dirty="0" err="1" smtClean="0"/>
-            <a:t>chemistry</a:t>
-          </a:r>
-          <a:r>
-            <a:rPr lang="fr-FR" sz="1600" b="1" i="0" u="none" kern="1200" dirty="0" smtClean="0"/>
-            <a:t> </a:t>
-          </a:r>
-          <a:r>
-            <a:rPr lang="fr-FR" sz="1600" b="1" i="0" u="none" kern="1200" dirty="0" err="1" smtClean="0"/>
-            <a:t>lab</a:t>
-          </a:r>
-          <a:endParaRPr lang="fr-FR" sz="1600" b="1" i="0" u="none" kern="1200" dirty="0"/>
+          <a:endParaRPr lang="fr-FR" sz="1050" kern="1200">
+            <a:solidFill>
+              <a:schemeClr val="accent3">
+                <a:lumMod val="75000"/>
+              </a:schemeClr>
+            </a:solidFill>
+          </a:endParaRPr>
         </a:p>
       </dsp:txBody>
       <dsp:txXfrm rot="5400000">
-        <a:off x="2560428" y="804545"/>
-        <a:ext cx="2379538" cy="2413635"/>
+        <a:off x="2254923" y="541526"/>
+        <a:ext cx="2095616" cy="1624583"/>
       </dsp:txXfrm>
     </dsp:sp>
-    <dsp:sp modelId="{B790B033-8861-44F9-A411-A64891A1F78D}">
+    <dsp:sp modelId="{21D06AF9-7B68-4C50-825D-0A7D198CBF3A}">
       <dsp:nvSpPr>
         <dsp:cNvPr id="0" name=""/>
         <dsp:cNvSpPr/>
       </dsp:nvSpPr>
       <dsp:spPr>
         <a:xfrm rot="16200000">
-          <a:off x="4296839" y="821593"/>
-          <a:ext cx="4022725" cy="2379538"/>
+          <a:off x="4201699" y="306010"/>
+          <a:ext cx="2707637" cy="2095616"/>
         </a:xfrm>
         <a:prstGeom prst="flowChartManualOperation">
           <a:avLst/>
         </a:prstGeom>
         <a:solidFill>
-          <a:schemeClr val="accent1">
+          <a:schemeClr val="lt1">
             <a:hueOff val="0"/>
             <a:satOff val="0"/>
             <a:lumOff val="0"/>
@@ -3530,7 +4376,8 @@
         </a:solidFill>
         <a:ln w="15875" cap="flat" cmpd="sng" algn="ctr">
           <a:solidFill>
-            <a:schemeClr val="lt1">
+            <a:schemeClr val="accent3">
+              <a:shade val="80000"/>
               <a:hueOff val="0"/>
               <a:satOff val="0"/>
               <a:lumOff val="0"/>
@@ -3556,12 +4403,12 @@
         </a:fontRef>
       </dsp:style>
       <dsp:txBody>
-        <a:bodyPr spcFirstLastPara="0" vert="horz" wrap="square" lIns="127000" tIns="0" rIns="127000" bIns="0" numCol="1" spcCol="1270" anchor="t" anchorCtr="0">
+        <a:bodyPr spcFirstLastPara="0" vert="horz" wrap="square" lIns="88900" tIns="0" rIns="88900" bIns="0" numCol="1" spcCol="1270" anchor="t" anchorCtr="0">
           <a:noAutofit/>
         </a:bodyPr>
         <a:lstStyle/>
         <a:p>
-          <a:pPr lvl="0" algn="l" defTabSz="889000">
+          <a:pPr lvl="0" algn="l" defTabSz="622300">
             <a:lnSpc>
               <a:spcPct val="90000"/>
             </a:lnSpc>
@@ -3573,13 +4420,25 @@
             </a:spcAft>
           </a:pPr>
           <a:r>
-            <a:rPr lang="fr-FR" sz="2000" kern="1200" dirty="0" err="1" smtClean="0"/>
-            <a:t>Outcomes</a:t>
+            <a:rPr lang="fr-FR" sz="1400" kern="1200" smtClean="0">
+              <a:solidFill>
+                <a:schemeClr val="accent3">
+                  <a:lumMod val="75000"/>
+                </a:schemeClr>
+              </a:solidFill>
+            </a:rPr>
+            <a:t>OUTCOMES</a:t>
           </a:r>
-          <a:endParaRPr lang="fr-FR" sz="1700" kern="1200" dirty="0"/>
+          <a:endParaRPr lang="fr-FR" sz="1400" kern="1200">
+            <a:solidFill>
+              <a:schemeClr val="accent3">
+                <a:lumMod val="75000"/>
+              </a:schemeClr>
+            </a:solidFill>
+          </a:endParaRPr>
         </a:p>
         <a:p>
-          <a:pPr marL="114300" lvl="1" indent="-114300" algn="l" defTabSz="577850">
+          <a:pPr marL="57150" lvl="1" indent="-57150" algn="l" defTabSz="466725">
             <a:lnSpc>
               <a:spcPct val="90000"/>
             </a:lnSpc>
@@ -3592,13 +4451,25 @@
             <a:buChar char="••"/>
           </a:pPr>
           <a:r>
-            <a:rPr lang="fr-FR" sz="1300" b="0" i="0" u="none" kern="1200" dirty="0" smtClean="0"/>
+            <a:rPr lang="fr-FR" sz="1050" kern="1200" smtClean="0">
+              <a:solidFill>
+                <a:schemeClr val="accent3">
+                  <a:lumMod val="75000"/>
+                </a:schemeClr>
+              </a:solidFill>
+            </a:rPr>
             <a:t>IAR</a:t>
           </a:r>
-          <a:endParaRPr lang="fr-FR" sz="1300" kern="1200" dirty="0"/>
+          <a:endParaRPr lang="fr-FR" sz="1050" kern="1200">
+            <a:solidFill>
+              <a:schemeClr val="accent3">
+                <a:lumMod val="75000"/>
+              </a:schemeClr>
+            </a:solidFill>
+          </a:endParaRPr>
         </a:p>
         <a:p>
-          <a:pPr marL="114300" lvl="1" indent="-114300" algn="l" defTabSz="577850">
+          <a:pPr marL="57150" lvl="1" indent="-57150" algn="l" defTabSz="466725">
             <a:lnSpc>
               <a:spcPct val="90000"/>
             </a:lnSpc>
@@ -3611,67 +4482,44 @@
             <a:buChar char="••"/>
           </a:pPr>
           <a:r>
-            <a:rPr lang="fr-FR" sz="1300" b="0" i="0" u="none" kern="1200" dirty="0" smtClean="0"/>
-            <a:t>Collaboration </a:t>
+            <a:rPr lang="fr-FR" sz="1050" kern="1200" smtClean="0">
+              <a:solidFill>
+                <a:schemeClr val="accent3">
+                  <a:lumMod val="75000"/>
+                </a:schemeClr>
+              </a:solidFill>
+            </a:rPr>
+            <a:t>Interaction with other conributors</a:t>
           </a:r>
-          <a:r>
-            <a:rPr lang="fr-FR" sz="1300" b="0" i="0" u="none" kern="1200" dirty="0" err="1" smtClean="0"/>
-            <a:t>with</a:t>
-          </a:r>
-          <a:r>
-            <a:rPr lang="fr-FR" sz="1300" b="0" i="0" u="none" kern="1200" dirty="0" smtClean="0"/>
-            <a:t> </a:t>
-          </a:r>
-          <a:r>
-            <a:rPr lang="fr-FR" sz="1300" b="0" i="0" u="none" kern="1200" dirty="0" err="1" smtClean="0"/>
-            <a:t>chemistry</a:t>
-          </a:r>
-          <a:r>
-            <a:rPr lang="fr-FR" sz="1300" b="0" i="0" u="none" kern="1200" dirty="0" smtClean="0"/>
-            <a:t> </a:t>
-          </a:r>
-          <a:r>
-            <a:rPr lang="fr-FR" sz="1300" b="0" i="0" u="none" kern="1200" dirty="0" err="1" smtClean="0"/>
-            <a:t>lab</a:t>
-          </a:r>
-          <a:endParaRPr lang="fr-FR" sz="1300" kern="1200" dirty="0"/>
-        </a:p>
-        <a:p>
-          <a:pPr marL="114300" lvl="1" indent="-114300" algn="l" defTabSz="577850">
-            <a:lnSpc>
-              <a:spcPct val="90000"/>
-            </a:lnSpc>
-            <a:spcBef>
-              <a:spcPct val="0"/>
-            </a:spcBef>
-            <a:spcAft>
-              <a:spcPct val="15000"/>
-            </a:spcAft>
-            <a:buChar char="••"/>
-          </a:pPr>
-          <a:endParaRPr lang="fr-FR" sz="1300" b="0" i="0" u="none" kern="1200" dirty="0"/>
+          <a:endParaRPr lang="fr-FR" sz="1050" kern="1200">
+            <a:solidFill>
+              <a:schemeClr val="accent3">
+                <a:lumMod val="75000"/>
+              </a:schemeClr>
+            </a:solidFill>
+          </a:endParaRPr>
         </a:p>
       </dsp:txBody>
       <dsp:txXfrm rot="5400000">
-        <a:off x="5118432" y="804545"/>
-        <a:ext cx="2379538" cy="2413635"/>
+        <a:off x="4507710" y="541526"/>
+        <a:ext cx="2095616" cy="1624583"/>
       </dsp:txXfrm>
     </dsp:sp>
-    <dsp:sp modelId="{5F91C283-CBEC-401B-9811-6B9815385BF4}">
+    <dsp:sp modelId="{F1E2BDB2-0BA9-4FD2-86F9-2CAEA5A63A20}">
       <dsp:nvSpPr>
         <dsp:cNvPr id="0" name=""/>
         <dsp:cNvSpPr/>
       </dsp:nvSpPr>
       <dsp:spPr>
         <a:xfrm rot="16200000">
-          <a:off x="6854843" y="821593"/>
-          <a:ext cx="4022725" cy="2379538"/>
+          <a:off x="6454487" y="306010"/>
+          <a:ext cx="2707637" cy="2095616"/>
         </a:xfrm>
         <a:prstGeom prst="flowChartManualOperation">
           <a:avLst/>
         </a:prstGeom>
         <a:solidFill>
-          <a:schemeClr val="accent1">
+          <a:schemeClr val="lt1">
             <a:hueOff val="0"/>
             <a:satOff val="0"/>
             <a:lumOff val="0"/>
@@ -3680,7 +4528,8 @@
         </a:solidFill>
         <a:ln w="15875" cap="flat" cmpd="sng" algn="ctr">
           <a:solidFill>
-            <a:schemeClr val="lt1">
+            <a:schemeClr val="accent3">
+              <a:shade val="80000"/>
               <a:hueOff val="0"/>
               <a:satOff val="0"/>
               <a:lumOff val="0"/>
@@ -3706,12 +4555,12 @@
         </a:fontRef>
       </dsp:style>
       <dsp:txBody>
-        <a:bodyPr spcFirstLastPara="0" vert="horz" wrap="square" lIns="127000" tIns="0" rIns="127000" bIns="0" numCol="1" spcCol="1270" anchor="t" anchorCtr="0">
+        <a:bodyPr spcFirstLastPara="0" vert="horz" wrap="square" lIns="88900" tIns="0" rIns="88900" bIns="0" numCol="1" spcCol="1270" anchor="t" anchorCtr="0">
           <a:noAutofit/>
         </a:bodyPr>
         <a:lstStyle/>
         <a:p>
-          <a:pPr lvl="0" algn="l" defTabSz="889000">
+          <a:pPr lvl="0" algn="l" defTabSz="622300">
             <a:lnSpc>
               <a:spcPct val="90000"/>
             </a:lnSpc>
@@ -3723,13 +4572,25 @@
             </a:spcAft>
           </a:pPr>
           <a:r>
-            <a:rPr lang="fr-FR" sz="2000" kern="1200" dirty="0" smtClean="0"/>
-            <a:t>Outputs</a:t>
+            <a:rPr lang="fr-FR" sz="1400" kern="1200" smtClean="0">
+              <a:solidFill>
+                <a:schemeClr val="accent3">
+                  <a:lumMod val="75000"/>
+                </a:schemeClr>
+              </a:solidFill>
+            </a:rPr>
+            <a:t>OUTPUTS</a:t>
           </a:r>
-          <a:endParaRPr lang="fr-FR" sz="1700" kern="1200" dirty="0"/>
+          <a:endParaRPr lang="fr-FR" sz="1400" kern="1200">
+            <a:solidFill>
+              <a:schemeClr val="accent3">
+                <a:lumMod val="75000"/>
+              </a:schemeClr>
+            </a:solidFill>
+          </a:endParaRPr>
         </a:p>
         <a:p>
-          <a:pPr marL="114300" lvl="1" indent="-114300" algn="l" defTabSz="577850">
+          <a:pPr marL="57150" lvl="1" indent="-57150" algn="l" defTabSz="466725">
             <a:lnSpc>
               <a:spcPct val="90000"/>
             </a:lnSpc>
@@ -3742,13 +4603,25 @@
             <a:buChar char="••"/>
           </a:pPr>
           <a:r>
-            <a:rPr lang="en-US" sz="1300" b="0" i="0" u="none" kern="1200" dirty="0" smtClean="0"/>
-            <a:t>Have knowledge about global fuel cell industry (e.g. technology, application, manufacturers, risks, opportunities</a:t>
+            <a:rPr lang="fr-FR" sz="1050" kern="1200" smtClean="0">
+              <a:solidFill>
+                <a:schemeClr val="accent3">
+                  <a:lumMod val="75000"/>
+                </a:schemeClr>
+              </a:solidFill>
+            </a:rPr>
+            <a:t>Know about the fuel cell industry</a:t>
           </a:r>
-          <a:endParaRPr lang="fr-FR" sz="1300" kern="1200" dirty="0"/>
+          <a:endParaRPr lang="fr-FR" sz="1050" kern="1200">
+            <a:solidFill>
+              <a:schemeClr val="accent3">
+                <a:lumMod val="75000"/>
+              </a:schemeClr>
+            </a:solidFill>
+          </a:endParaRPr>
         </a:p>
         <a:p>
-          <a:pPr marL="114300" lvl="1" indent="-114300" algn="l" defTabSz="577850">
+          <a:pPr marL="114300" lvl="2" indent="-57150" algn="l" defTabSz="466725">
             <a:lnSpc>
               <a:spcPct val="90000"/>
             </a:lnSpc>
@@ -3761,13 +4634,25 @@
             <a:buChar char="••"/>
           </a:pPr>
           <a:r>
-            <a:rPr lang="en-US" sz="1300" b="0" i="0" u="none" kern="1200" smtClean="0"/>
-            <a:t>Being able to identify needs of the market</a:t>
+            <a:rPr lang="fr-FR" sz="1050" kern="1200" smtClean="0">
+              <a:solidFill>
+                <a:schemeClr val="accent3">
+                  <a:lumMod val="75000"/>
+                </a:schemeClr>
+              </a:solidFill>
+            </a:rPr>
+            <a:t>Know the state and needs of the market</a:t>
           </a:r>
-          <a:endParaRPr lang="en-US" sz="1300" kern="1200"/>
+          <a:endParaRPr lang="fr-FR" sz="1050" kern="1200">
+            <a:solidFill>
+              <a:schemeClr val="accent3">
+                <a:lumMod val="75000"/>
+              </a:schemeClr>
+            </a:solidFill>
+          </a:endParaRPr>
         </a:p>
         <a:p>
-          <a:pPr marL="114300" lvl="1" indent="-114300" algn="l" defTabSz="577850">
+          <a:pPr marL="57150" lvl="1" indent="-57150" algn="l" defTabSz="466725">
             <a:lnSpc>
               <a:spcPct val="90000"/>
             </a:lnSpc>
@@ -3780,13 +4665,25 @@
             <a:buChar char="••"/>
           </a:pPr>
           <a:r>
-            <a:rPr lang="en-US" sz="1300" b="0" i="0" u="none" kern="1200" smtClean="0"/>
-            <a:t>Ability to write an IAR</a:t>
+            <a:rPr lang="fr-FR" sz="1050" kern="1200" smtClean="0">
+              <a:solidFill>
+                <a:schemeClr val="accent3">
+                  <a:lumMod val="75000"/>
+                </a:schemeClr>
+              </a:solidFill>
+            </a:rPr>
+            <a:t>IAR available to everyone</a:t>
           </a:r>
-          <a:endParaRPr lang="en-US" sz="1300" kern="1200"/>
+          <a:endParaRPr lang="fr-FR" sz="1050" kern="1200">
+            <a:solidFill>
+              <a:schemeClr val="accent3">
+                <a:lumMod val="75000"/>
+              </a:schemeClr>
+            </a:solidFill>
+          </a:endParaRPr>
         </a:p>
         <a:p>
-          <a:pPr marL="114300" lvl="1" indent="-114300" algn="l" defTabSz="577850">
+          <a:pPr marL="57150" lvl="1" indent="-57150" algn="l" defTabSz="466725">
             <a:lnSpc>
               <a:spcPct val="90000"/>
             </a:lnSpc>
@@ -3799,13 +4696,25 @@
             <a:buChar char="••"/>
           </a:pPr>
           <a:r>
-            <a:rPr lang="en-US" sz="1300" b="0" i="0" u="none" kern="1200" dirty="0" smtClean="0"/>
-            <a:t>IAR available for other people</a:t>
+            <a:rPr lang="fr-FR" sz="1050" kern="1200" smtClean="0">
+              <a:solidFill>
+                <a:schemeClr val="accent3">
+                  <a:lumMod val="75000"/>
+                </a:schemeClr>
+              </a:solidFill>
+            </a:rPr>
+            <a:t>IAR understandable by everyone</a:t>
           </a:r>
-          <a:endParaRPr lang="en-US" sz="1300" kern="1200" dirty="0"/>
+          <a:endParaRPr lang="fr-FR" sz="1050" kern="1200">
+            <a:solidFill>
+              <a:schemeClr val="accent3">
+                <a:lumMod val="75000"/>
+              </a:schemeClr>
+            </a:solidFill>
+          </a:endParaRPr>
         </a:p>
         <a:p>
-          <a:pPr marL="114300" lvl="1" indent="-114300" algn="l" defTabSz="577850">
+          <a:pPr marL="57150" lvl="1" indent="-57150" algn="l" defTabSz="466725">
             <a:lnSpc>
               <a:spcPct val="90000"/>
             </a:lnSpc>
@@ -3817,12 +4726,18 @@
             </a:spcAft>
             <a:buChar char="••"/>
           </a:pPr>
-          <a:endParaRPr lang="fr-FR" sz="1300" kern="1200"/>
+          <a:endParaRPr lang="fr-FR" sz="1050" kern="1200">
+            <a:solidFill>
+              <a:schemeClr val="accent3">
+                <a:lumMod val="75000"/>
+              </a:schemeClr>
+            </a:solidFill>
+          </a:endParaRPr>
         </a:p>
       </dsp:txBody>
       <dsp:txXfrm rot="5400000">
-        <a:off x="7676436" y="804545"/>
-        <a:ext cx="2379538" cy="2413635"/>
+        <a:off x="6760498" y="541526"/>
+        <a:ext cx="2095616" cy="1624583"/>
       </dsp:txXfrm>
     </dsp:sp>
   </dsp:spTree>
@@ -5276,7 +6191,7 @@
           <a:p>
             <a:fld id="{3C34E867-41F4-48E7-8B36-52D0CC1AAFEA}" type="slidenum">
               <a:rPr lang="en-US" smtClean="0"/>
-              <a:t>‹#›</a:t>
+              <a:t>‹N°›</a:t>
             </a:fld>
             <a:endParaRPr lang="en-US"/>
           </a:p>
@@ -5383,6 +6298,90 @@
     </a:lvl9pPr>
   </p:notesStyle>
 </p:notesMaster>
+</file>
+
+<file path=ppt/notesSlides/notesSlide1.xml><?xml version="1.0" encoding="utf-8"?>
+<p:notes xmlns:a="http://schemas.openxmlformats.org/drawingml/2006/main" xmlns:r="http://schemas.openxmlformats.org/officeDocument/2006/relationships" xmlns:p="http://schemas.openxmlformats.org/presentationml/2006/main">
+  <p:cSld>
+    <p:spTree>
+      <p:nvGrpSpPr>
+        <p:cNvPr id="1" name=""/>
+        <p:cNvGrpSpPr/>
+        <p:nvPr/>
+      </p:nvGrpSpPr>
+      <p:grpSpPr>
+        <a:xfrm>
+          <a:off x="0" y="0"/>
+          <a:ext cx="0" cy="0"/>
+          <a:chOff x="0" y="0"/>
+          <a:chExt cx="0" cy="0"/>
+        </a:xfrm>
+      </p:grpSpPr>
+      <p:sp>
+        <p:nvSpPr>
+          <p:cNvPr id="2" name="Espace réservé de l'image des diapositives 1"/>
+          <p:cNvSpPr>
+            <a:spLocks noGrp="1" noRot="1" noChangeAspect="1"/>
+          </p:cNvSpPr>
+          <p:nvPr>
+            <p:ph type="sldImg"/>
+          </p:nvPr>
+        </p:nvSpPr>
+        <p:spPr/>
+      </p:sp>
+      <p:sp>
+        <p:nvSpPr>
+          <p:cNvPr id="3" name="Espace réservé des commentaires 2"/>
+          <p:cNvSpPr>
+            <a:spLocks noGrp="1"/>
+          </p:cNvSpPr>
+          <p:nvPr>
+            <p:ph type="body" idx="1"/>
+          </p:nvPr>
+        </p:nvSpPr>
+        <p:spPr/>
+        <p:txBody>
+          <a:bodyPr/>
+          <a:lstStyle/>
+          <a:p>
+            <a:endParaRPr lang="fr-FR"/>
+          </a:p>
+        </p:txBody>
+      </p:sp>
+      <p:sp>
+        <p:nvSpPr>
+          <p:cNvPr id="4" name="Espace réservé du numéro de diapositive 3"/>
+          <p:cNvSpPr>
+            <a:spLocks noGrp="1"/>
+          </p:cNvSpPr>
+          <p:nvPr>
+            <p:ph type="sldNum" sz="quarter" idx="10"/>
+          </p:nvPr>
+        </p:nvSpPr>
+        <p:spPr/>
+        <p:txBody>
+          <a:bodyPr/>
+          <a:lstStyle/>
+          <a:p>
+            <a:fld id="{3C34E867-41F4-48E7-8B36-52D0CC1AAFEA}" type="slidenum">
+              <a:rPr lang="en-US" smtClean="0"/>
+              <a:t>2</a:t>
+            </a:fld>
+            <a:endParaRPr lang="en-US"/>
+          </a:p>
+        </p:txBody>
+      </p:sp>
+    </p:spTree>
+    <p:extLst>
+      <p:ext uri="{BB962C8B-B14F-4D97-AF65-F5344CB8AC3E}">
+        <p14:creationId xmlns:p14="http://schemas.microsoft.com/office/powerpoint/2010/main" val="1339342605"/>
+      </p:ext>
+    </p:extLst>
+  </p:cSld>
+  <p:clrMapOvr>
+    <a:masterClrMapping/>
+  </p:clrMapOvr>
+</p:notes>
 </file>
 
 <file path=ppt/slideLayouts/slideLayout1.xml><?xml version="1.0" encoding="utf-8"?>
@@ -5609,7 +6608,7 @@
           <a:bodyPr/>
           <a:lstStyle/>
           <a:p>
-            <a:fld id="{02F0B32B-ED32-4907-B4C8-E651EEA6C8DE}" type="datetimeFigureOut">
+            <a:fld id="{02594452-2088-46C7-8121-271356E8511E}" type="datetime1">
               <a:rPr lang="fr-FR" smtClean="0"/>
               <a:t>19/05/2015</a:t>
             </a:fld>
@@ -5632,6 +6631,10 @@
           <a:bodyPr/>
           <a:lstStyle/>
           <a:p>
+            <a:r>
+              <a:rPr lang="fr-FR" smtClean="0"/>
+              <a:t>Banmbu - 20/05/2015</a:t>
+            </a:r>
             <a:endParaRPr lang="fr-FR"/>
           </a:p>
         </p:txBody>
@@ -5653,7 +6656,7 @@
           <a:p>
             <a:fld id="{D376626B-8044-4126-A03C-8C0AE257EC41}" type="slidenum">
               <a:rPr lang="fr-FR" smtClean="0"/>
-              <a:t>‹#›</a:t>
+              <a:t>‹N°›</a:t>
             </a:fld>
             <a:endParaRPr lang="fr-FR"/>
           </a:p>
@@ -5817,7 +6820,7 @@
           <a:bodyPr/>
           <a:lstStyle/>
           <a:p>
-            <a:fld id="{02F0B32B-ED32-4907-B4C8-E651EEA6C8DE}" type="datetimeFigureOut">
+            <a:fld id="{FF739EE9-E6DE-4CFF-9ECE-0F54FDE20F4B}" type="datetime1">
               <a:rPr lang="fr-FR" smtClean="0"/>
               <a:t>19/05/2015</a:t>
             </a:fld>
@@ -5840,6 +6843,10 @@
           <a:bodyPr/>
           <a:lstStyle/>
           <a:p>
+            <a:r>
+              <a:rPr lang="fr-FR" smtClean="0"/>
+              <a:t>Banmbu - 20/05/2015</a:t>
+            </a:r>
             <a:endParaRPr lang="fr-FR"/>
           </a:p>
         </p:txBody>
@@ -5861,7 +6868,7 @@
           <a:p>
             <a:fld id="{D376626B-8044-4126-A03C-8C0AE257EC41}" type="slidenum">
               <a:rPr lang="fr-FR" smtClean="0"/>
-              <a:t>‹#›</a:t>
+              <a:t>‹N°›</a:t>
             </a:fld>
             <a:endParaRPr lang="fr-FR"/>
           </a:p>
@@ -6073,7 +7080,7 @@
           <a:bodyPr/>
           <a:lstStyle/>
           <a:p>
-            <a:fld id="{02F0B32B-ED32-4907-B4C8-E651EEA6C8DE}" type="datetimeFigureOut">
+            <a:fld id="{058B513E-FE9D-418D-A202-255A4E4C6AC5}" type="datetime1">
               <a:rPr lang="fr-FR" smtClean="0"/>
               <a:t>19/05/2015</a:t>
             </a:fld>
@@ -6096,6 +7103,10 @@
           <a:bodyPr/>
           <a:lstStyle/>
           <a:p>
+            <a:r>
+              <a:rPr lang="fr-FR" smtClean="0"/>
+              <a:t>Banmbu - 20/05/2015</a:t>
+            </a:r>
             <a:endParaRPr lang="fr-FR"/>
           </a:p>
         </p:txBody>
@@ -6117,7 +7128,7 @@
           <a:p>
             <a:fld id="{D376626B-8044-4126-A03C-8C0AE257EC41}" type="slidenum">
               <a:rPr lang="fr-FR" smtClean="0"/>
-              <a:t>‹#›</a:t>
+              <a:t>‹N°›</a:t>
             </a:fld>
             <a:endParaRPr lang="fr-FR"/>
           </a:p>
@@ -6243,7 +7254,7 @@
           <a:bodyPr/>
           <a:lstStyle/>
           <a:p>
-            <a:fld id="{02F0B32B-ED32-4907-B4C8-E651EEA6C8DE}" type="datetimeFigureOut">
+            <a:fld id="{B3951D82-E167-4565-95B5-D8341A5A6D5B}" type="datetime1">
               <a:rPr lang="fr-FR" smtClean="0"/>
               <a:t>19/05/2015</a:t>
             </a:fld>
@@ -6266,6 +7277,10 @@
           <a:bodyPr/>
           <a:lstStyle/>
           <a:p>
+            <a:r>
+              <a:rPr lang="fr-FR" smtClean="0"/>
+              <a:t>Banmbu - 20/05/2015</a:t>
+            </a:r>
             <a:endParaRPr lang="fr-FR"/>
           </a:p>
         </p:txBody>
@@ -6287,7 +7302,7 @@
           <a:p>
             <a:fld id="{D376626B-8044-4126-A03C-8C0AE257EC41}" type="slidenum">
               <a:rPr lang="fr-FR" smtClean="0"/>
-              <a:t>‹#›</a:t>
+              <a:t>‹N°›</a:t>
             </a:fld>
             <a:endParaRPr lang="fr-FR"/>
           </a:p>
@@ -6586,7 +7601,7 @@
           <a:bodyPr/>
           <a:lstStyle/>
           <a:p>
-            <a:fld id="{02F0B32B-ED32-4907-B4C8-E651EEA6C8DE}" type="datetimeFigureOut">
+            <a:fld id="{6F395423-CF2A-41A1-B998-779941211E29}" type="datetime1">
               <a:rPr lang="fr-FR" smtClean="0"/>
               <a:t>19/05/2015</a:t>
             </a:fld>
@@ -6609,6 +7624,10 @@
           <a:bodyPr/>
           <a:lstStyle/>
           <a:p>
+            <a:r>
+              <a:rPr lang="fr-FR" smtClean="0"/>
+              <a:t>Banmbu - 20/05/2015</a:t>
+            </a:r>
             <a:endParaRPr lang="fr-FR"/>
           </a:p>
         </p:txBody>
@@ -6630,7 +7649,7 @@
           <a:p>
             <a:fld id="{D376626B-8044-4126-A03C-8C0AE257EC41}" type="slidenum">
               <a:rPr lang="fr-FR" smtClean="0"/>
-              <a:t>‹#›</a:t>
+              <a:t>‹N°›</a:t>
             </a:fld>
             <a:endParaRPr lang="fr-FR"/>
           </a:p>
@@ -6861,7 +7880,7 @@
           <a:bodyPr/>
           <a:lstStyle/>
           <a:p>
-            <a:fld id="{02F0B32B-ED32-4907-B4C8-E651EEA6C8DE}" type="datetimeFigureOut">
+            <a:fld id="{7B31CB30-7913-4FD5-8453-6D9FF22AA427}" type="datetime1">
               <a:rPr lang="fr-FR" smtClean="0"/>
               <a:t>19/05/2015</a:t>
             </a:fld>
@@ -6884,6 +7903,10 @@
           <a:bodyPr/>
           <a:lstStyle/>
           <a:p>
+            <a:r>
+              <a:rPr lang="fr-FR" smtClean="0"/>
+              <a:t>Banmbu - 20/05/2015</a:t>
+            </a:r>
             <a:endParaRPr lang="fr-FR"/>
           </a:p>
         </p:txBody>
@@ -6905,7 +7928,7 @@
           <a:p>
             <a:fld id="{D376626B-8044-4126-A03C-8C0AE257EC41}" type="slidenum">
               <a:rPr lang="fr-FR" smtClean="0"/>
-              <a:t>‹#›</a:t>
+              <a:t>‹N°›</a:t>
             </a:fld>
             <a:endParaRPr lang="fr-FR"/>
           </a:p>
@@ -7240,7 +8263,7 @@
           <a:bodyPr/>
           <a:lstStyle/>
           <a:p>
-            <a:fld id="{02F0B32B-ED32-4907-B4C8-E651EEA6C8DE}" type="datetimeFigureOut">
+            <a:fld id="{8F14C0EE-E481-43F3-94DA-D1A25CEC40DE}" type="datetime1">
               <a:rPr lang="fr-FR" smtClean="0"/>
               <a:t>19/05/2015</a:t>
             </a:fld>
@@ -7263,6 +8286,10 @@
           <a:bodyPr/>
           <a:lstStyle/>
           <a:p>
+            <a:r>
+              <a:rPr lang="fr-FR" smtClean="0"/>
+              <a:t>Banmbu - 20/05/2015</a:t>
+            </a:r>
             <a:endParaRPr lang="fr-FR"/>
           </a:p>
         </p:txBody>
@@ -7284,7 +8311,7 @@
           <a:p>
             <a:fld id="{D376626B-8044-4126-A03C-8C0AE257EC41}" type="slidenum">
               <a:rPr lang="fr-FR" smtClean="0"/>
-              <a:t>‹#›</a:t>
+              <a:t>‹N°›</a:t>
             </a:fld>
             <a:endParaRPr lang="fr-FR"/>
           </a:p>
@@ -7358,7 +8385,7 @@
           <a:bodyPr/>
           <a:lstStyle/>
           <a:p>
-            <a:fld id="{02F0B32B-ED32-4907-B4C8-E651EEA6C8DE}" type="datetimeFigureOut">
+            <a:fld id="{531EB399-98EB-4874-922C-FD316CDCF690}" type="datetime1">
               <a:rPr lang="fr-FR" smtClean="0"/>
               <a:t>19/05/2015</a:t>
             </a:fld>
@@ -7381,6 +8408,10 @@
           <a:bodyPr/>
           <a:lstStyle/>
           <a:p>
+            <a:r>
+              <a:rPr lang="fr-FR" smtClean="0"/>
+              <a:t>Banmbu - 20/05/2015</a:t>
+            </a:r>
             <a:endParaRPr lang="fr-FR"/>
           </a:p>
         </p:txBody>
@@ -7402,7 +8433,7 @@
           <a:p>
             <a:fld id="{D376626B-8044-4126-A03C-8C0AE257EC41}" type="slidenum">
               <a:rPr lang="fr-FR" smtClean="0"/>
-              <a:t>‹#›</a:t>
+              <a:t>‹N°›</a:t>
             </a:fld>
             <a:endParaRPr lang="fr-FR"/>
           </a:p>
@@ -7529,7 +8560,7 @@
           <a:bodyPr/>
           <a:lstStyle/>
           <a:p>
-            <a:fld id="{02F0B32B-ED32-4907-B4C8-E651EEA6C8DE}" type="datetimeFigureOut">
+            <a:fld id="{3ECF0B9D-8152-464B-A496-6DA29EB38900}" type="datetime1">
               <a:rPr lang="fr-FR" smtClean="0"/>
               <a:t>19/05/2015</a:t>
             </a:fld>
@@ -7560,6 +8591,10 @@
             </a:lvl1pPr>
           </a:lstStyle>
           <a:p>
+            <a:r>
+              <a:rPr lang="fr-FR" smtClean="0"/>
+              <a:t>Banmbu - 20/05/2015</a:t>
+            </a:r>
             <a:endParaRPr lang="fr-FR"/>
           </a:p>
         </p:txBody>
@@ -7581,7 +8616,7 @@
           <a:p>
             <a:fld id="{D376626B-8044-4126-A03C-8C0AE257EC41}" type="slidenum">
               <a:rPr lang="fr-FR" smtClean="0"/>
-              <a:t>‹#›</a:t>
+              <a:t>‹N°›</a:t>
             </a:fld>
             <a:endParaRPr lang="fr-FR"/>
           </a:p>
@@ -7883,7 +8918,7 @@
             </a:lvl1pPr>
           </a:lstStyle>
           <a:p>
-            <a:fld id="{02F0B32B-ED32-4907-B4C8-E651EEA6C8DE}" type="datetimeFigureOut">
+            <a:fld id="{EB72BB81-321C-47C9-8EF1-F64E7E3280BC}" type="datetime1">
               <a:rPr lang="fr-FR" smtClean="0"/>
               <a:t>19/05/2015</a:t>
             </a:fld>
@@ -7919,6 +8954,10 @@
             </a:lvl1pPr>
           </a:lstStyle>
           <a:p>
+            <a:r>
+              <a:rPr lang="fr-FR" smtClean="0"/>
+              <a:t>Banmbu - 20/05/2015</a:t>
+            </a:r>
             <a:endParaRPr lang="fr-FR"/>
           </a:p>
         </p:txBody>
@@ -7948,7 +8987,7 @@
           <a:p>
             <a:fld id="{D376626B-8044-4126-A03C-8C0AE257EC41}" type="slidenum">
               <a:rPr lang="fr-FR" smtClean="0"/>
-              <a:t>‹#›</a:t>
+              <a:t>‹N°›</a:t>
             </a:fld>
             <a:endParaRPr lang="fr-FR"/>
           </a:p>
@@ -8260,7 +9299,7 @@
           <a:bodyPr/>
           <a:lstStyle/>
           <a:p>
-            <a:fld id="{02F0B32B-ED32-4907-B4C8-E651EEA6C8DE}" type="datetimeFigureOut">
+            <a:fld id="{310F2307-685A-4E72-8E0A-45F85857C52E}" type="datetime1">
               <a:rPr lang="fr-FR" smtClean="0"/>
               <a:t>19/05/2015</a:t>
             </a:fld>
@@ -8283,6 +9322,10 @@
           <a:bodyPr/>
           <a:lstStyle/>
           <a:p>
+            <a:r>
+              <a:rPr lang="fr-FR" smtClean="0"/>
+              <a:t>Banmbu - 20/05/2015</a:t>
+            </a:r>
             <a:endParaRPr lang="fr-FR"/>
           </a:p>
         </p:txBody>
@@ -8304,7 +9347,7 @@
           <a:p>
             <a:fld id="{D376626B-8044-4126-A03C-8C0AE257EC41}" type="slidenum">
               <a:rPr lang="fr-FR" smtClean="0"/>
-              <a:t>‹#›</a:t>
+              <a:t>‹N°›</a:t>
             </a:fld>
             <a:endParaRPr lang="fr-FR"/>
           </a:p>
@@ -8547,7 +9590,7 @@
             </a:lvl1pPr>
           </a:lstStyle>
           <a:p>
-            <a:fld id="{02F0B32B-ED32-4907-B4C8-E651EEA6C8DE}" type="datetimeFigureOut">
+            <a:fld id="{B82A1CD3-8443-43C6-8EE4-FA26CE5A5F83}" type="datetime1">
               <a:rPr lang="fr-FR" smtClean="0"/>
               <a:t>19/05/2015</a:t>
             </a:fld>
@@ -8586,6 +9629,10 @@
             </a:lvl1pPr>
           </a:lstStyle>
           <a:p>
+            <a:r>
+              <a:rPr lang="fr-FR" smtClean="0"/>
+              <a:t>Banmbu - 20/05/2015</a:t>
+            </a:r>
             <a:endParaRPr lang="fr-FR"/>
           </a:p>
         </p:txBody>
@@ -8623,7 +9670,7 @@
           <a:p>
             <a:fld id="{D376626B-8044-4126-A03C-8C0AE257EC41}" type="slidenum">
               <a:rPr lang="fr-FR" smtClean="0"/>
-              <a:t>‹#›</a:t>
+              <a:t>‹N°›</a:t>
             </a:fld>
             <a:endParaRPr lang="fr-FR"/>
           </a:p>
@@ -8740,6 +9787,7 @@
     <p:sldLayoutId id="2147483706" r:id="rId10"/>
     <p:sldLayoutId id="2147483707" r:id="rId11"/>
   </p:sldLayoutIdLst>
+  <p:hf hdr="0" dt="0"/>
   <p:txStyles>
     <p:titleStyle>
       <a:lvl1pPr algn="l" defTabSz="914354" rtl="0" eaLnBrk="1" latinLnBrk="0" hangingPunct="1">
@@ -9153,13 +10201,20 @@
         </p:nvSpPr>
         <p:spPr/>
         <p:txBody>
-          <a:bodyPr/>
+          <a:bodyPr>
+            <a:normAutofit/>
+          </a:bodyPr>
           <a:lstStyle/>
           <a:p>
             <a:r>
-              <a:rPr lang="en-US" sz="3600" dirty="0"/>
-              <a:t>BAMBU- WEEK 12 PROGRESS REPORT</a:t>
+              <a:rPr lang="en-US" sz="6000" dirty="0" smtClean="0"/>
+              <a:t>FUEL CELLS </a:t>
             </a:r>
+            <a:r>
+              <a:rPr lang="en-US" sz="6000" dirty="0" smtClean="0"/>
+              <a:t>IAR – WEEK 12 PROGRESS REPORT</a:t>
+            </a:r>
+            <a:endParaRPr lang="en-US" sz="6000" dirty="0"/>
           </a:p>
         </p:txBody>
       </p:sp>
@@ -9183,6 +10238,107 @@
               <a:t>Global Manufacturing Strategy</a:t>
             </a:r>
             <a:endParaRPr lang="en-US" dirty="0"/>
+          </a:p>
+        </p:txBody>
+      </p:sp>
+      <p:sp>
+        <p:nvSpPr>
+          <p:cNvPr id="4" name="Rectangle 3"/>
+          <p:cNvSpPr>
+            <a:spLocks noChangeAspect="1"/>
+          </p:cNvSpPr>
+          <p:nvPr/>
+        </p:nvSpPr>
+        <p:spPr>
+          <a:xfrm>
+            <a:off x="1407474" y="-288109"/>
+            <a:ext cx="9601301" cy="4778518"/>
+          </a:xfrm>
+          <a:prstGeom prst="rect">
+            <a:avLst/>
+          </a:prstGeom>
+          <a:blipFill dpi="0" rotWithShape="1">
+            <a:blip r:embed="rId2">
+              <a:alphaModFix amt="5000"/>
+            </a:blip>
+            <a:srcRect/>
+            <a:stretch>
+              <a:fillRect/>
+            </a:stretch>
+          </a:blipFill>
+          <a:ln>
+            <a:noFill/>
+          </a:ln>
+        </p:spPr>
+        <p:style>
+          <a:lnRef idx="2">
+            <a:schemeClr val="accent1">
+              <a:shade val="50000"/>
+            </a:schemeClr>
+          </a:lnRef>
+          <a:fillRef idx="1">
+            <a:schemeClr val="accent1"/>
+          </a:fillRef>
+          <a:effectRef idx="0">
+            <a:schemeClr val="accent1"/>
+          </a:effectRef>
+          <a:fontRef idx="minor">
+            <a:schemeClr val="lt1"/>
+          </a:fontRef>
+        </p:style>
+        <p:txBody>
+          <a:bodyPr rtlCol="0" anchor="ctr"/>
+          <a:lstStyle/>
+          <a:p>
+            <a:pPr algn="ctr"/>
+            <a:endParaRPr lang="de-DE"/>
+          </a:p>
+        </p:txBody>
+      </p:sp>
+      <p:sp>
+        <p:nvSpPr>
+          <p:cNvPr id="5" name="Espace réservé du pied de page 4"/>
+          <p:cNvSpPr>
+            <a:spLocks noGrp="1"/>
+          </p:cNvSpPr>
+          <p:nvPr>
+            <p:ph type="ftr" sz="quarter" idx="11"/>
+          </p:nvPr>
+        </p:nvSpPr>
+        <p:spPr/>
+        <p:txBody>
+          <a:bodyPr/>
+          <a:lstStyle/>
+          <a:p>
+            <a:r>
+              <a:rPr lang="fr-FR" smtClean="0"/>
+              <a:t>Banmbu - 20/05/2015</a:t>
+            </a:r>
+            <a:endParaRPr lang="fr-FR"/>
+          </a:p>
+        </p:txBody>
+      </p:sp>
+      <p:sp>
+        <p:nvSpPr>
+          <p:cNvPr id="6" name="Espace réservé du numéro de diapositive 5"/>
+          <p:cNvSpPr>
+            <a:spLocks noGrp="1"/>
+          </p:cNvSpPr>
+          <p:nvPr>
+            <p:ph type="sldNum" sz="quarter" idx="12"/>
+          </p:nvPr>
+        </p:nvSpPr>
+        <p:spPr/>
+        <p:txBody>
+          <a:bodyPr/>
+          <a:lstStyle/>
+          <a:p>
+            <a:fld id="{D376626B-8044-4126-A03C-8C0AE257EC41}" type="slidenum">
+              <a:rPr lang="fr-FR" smtClean="0"/>
+              <a:pPr/>
+              <a:t>1</a:t>
+            </a:fld>
+            <a:endParaRPr lang="fr-FR" dirty="0"/>
           </a:p>
         </p:txBody>
       </p:sp>
@@ -9250,7 +10406,11 @@
           <p:cNvPr id="18" name="Chart 17"/>
           <p:cNvGraphicFramePr/>
           <p:nvPr>
-            <p:extLst/>
+            <p:extLst>
+              <p:ext uri="{D42A27DB-BD31-4B8C-83A1-F6EECF244321}">
+                <p14:modId xmlns:p14="http://schemas.microsoft.com/office/powerpoint/2010/main" val="2984458898"/>
+              </p:ext>
+            </p:extLst>
           </p:nvPr>
         </p:nvGraphicFramePr>
         <p:xfrm>
@@ -9289,6 +10449,52 @@
           </a:p>
         </p:txBody>
       </p:sp>
+      <p:sp>
+        <p:nvSpPr>
+          <p:cNvPr id="3" name="Espace réservé du pied de page 2"/>
+          <p:cNvSpPr>
+            <a:spLocks noGrp="1"/>
+          </p:cNvSpPr>
+          <p:nvPr>
+            <p:ph type="ftr" sz="quarter" idx="11"/>
+          </p:nvPr>
+        </p:nvSpPr>
+        <p:spPr/>
+        <p:txBody>
+          <a:bodyPr/>
+          <a:lstStyle/>
+          <a:p>
+            <a:r>
+              <a:rPr lang="fr-FR" smtClean="0"/>
+              <a:t>Banmbu - 20/05/2015</a:t>
+            </a:r>
+            <a:endParaRPr lang="fr-FR"/>
+          </a:p>
+        </p:txBody>
+      </p:sp>
+      <p:sp>
+        <p:nvSpPr>
+          <p:cNvPr id="4" name="Espace réservé du numéro de diapositive 3"/>
+          <p:cNvSpPr>
+            <a:spLocks noGrp="1"/>
+          </p:cNvSpPr>
+          <p:nvPr>
+            <p:ph type="sldNum" sz="quarter" idx="12"/>
+          </p:nvPr>
+        </p:nvSpPr>
+        <p:spPr/>
+        <p:txBody>
+          <a:bodyPr/>
+          <a:lstStyle/>
+          <a:p>
+            <a:fld id="{D376626B-8044-4126-A03C-8C0AE257EC41}" type="slidenum">
+              <a:rPr lang="fr-FR" smtClean="0"/>
+              <a:t>10</a:t>
+            </a:fld>
+            <a:endParaRPr lang="fr-FR"/>
+          </a:p>
+        </p:txBody>
+      </p:sp>
     </p:spTree>
     <p:extLst>
       <p:ext uri="{BB962C8B-B14F-4D97-AF65-F5344CB8AC3E}">
@@ -9309,98 +10515,17 @@
 </p:sld>
 </file>
 
-<file path=ppt/slides/slide11.xml><?xml version="1.0" encoding="utf-8"?>
-<p:sld xmlns:a="http://schemas.openxmlformats.org/drawingml/2006/main" xmlns:r="http://schemas.openxmlformats.org/officeDocument/2006/relationships" xmlns:p="http://schemas.openxmlformats.org/presentationml/2006/main">
-  <p:cSld>
-    <p:spTree>
-      <p:nvGrpSpPr>
-        <p:cNvPr id="1" name=""/>
-        <p:cNvGrpSpPr/>
-        <p:nvPr/>
-      </p:nvGrpSpPr>
-      <p:grpSpPr>
-        <a:xfrm>
-          <a:off x="0" y="0"/>
-          <a:ext cx="0" cy="0"/>
-          <a:chOff x="0" y="0"/>
-          <a:chExt cx="0" cy="0"/>
-        </a:xfrm>
-      </p:grpSpPr>
-      <p:sp>
-        <p:nvSpPr>
-          <p:cNvPr id="2" name="标题 1"/>
-          <p:cNvSpPr>
-            <a:spLocks noGrp="1"/>
-          </p:cNvSpPr>
-          <p:nvPr>
-            <p:ph type="title"/>
-          </p:nvPr>
-        </p:nvSpPr>
-        <p:spPr/>
-        <p:txBody>
-          <a:bodyPr/>
-          <a:lstStyle/>
-          <a:p>
-            <a:r>
-              <a:rPr lang="en-US" altLang="zh-CN" noProof="0" dirty="0" smtClean="0"/>
-              <a:t>LOGIC MODEL</a:t>
-            </a:r>
-            <a:endParaRPr lang="en-US" altLang="zh-CN" noProof="0" dirty="0"/>
-          </a:p>
-        </p:txBody>
-      </p:sp>
-      <p:graphicFrame>
-        <p:nvGraphicFramePr>
-          <p:cNvPr id="4" name="Espace réservé du contenu 3"/>
-          <p:cNvGraphicFramePr>
-            <a:graphicFrameLocks noGrp="1"/>
-          </p:cNvGraphicFramePr>
-          <p:nvPr>
-            <p:ph idx="1"/>
-            <p:extLst/>
-          </p:nvPr>
-        </p:nvGraphicFramePr>
-        <p:xfrm>
-          <a:off x="1096963" y="1846270"/>
-          <a:ext cx="10058400" cy="4022725"/>
-        </p:xfrm>
-        <a:graphic>
-          <a:graphicData uri="http://schemas.openxmlformats.org/drawingml/2006/diagram">
-            <dgm:relIds xmlns:dgm="http://schemas.openxmlformats.org/drawingml/2006/diagram" xmlns:r="http://schemas.openxmlformats.org/officeDocument/2006/relationships" r:dm="rId2" r:lo="rId3" r:qs="rId4" r:cs="rId5"/>
-          </a:graphicData>
-        </a:graphic>
-      </p:graphicFrame>
-    </p:spTree>
-    <p:extLst>
-      <p:ext uri="{BB962C8B-B14F-4D97-AF65-F5344CB8AC3E}">
-        <p14:creationId xmlns:p14="http://schemas.microsoft.com/office/powerpoint/2010/main" val="3816263562"/>
-      </p:ext>
-    </p:extLst>
-  </p:cSld>
-  <p:clrMapOvr>
-    <a:masterClrMapping/>
-  </p:clrMapOvr>
-  <mc:AlternateContent xmlns:mc="http://schemas.openxmlformats.org/markup-compatibility/2006" xmlns:p14="http://schemas.microsoft.com/office/powerpoint/2010/main">
-    <mc:Choice Requires="p14">
-      <p:transition spd="slow" p14:dur="2000"/>
-    </mc:Choice>
-    <mc:Fallback xmlns="">
-      <p:transition spd="slow"/>
-    </mc:Fallback>
-  </mc:AlternateContent>
-  <p:timing>
-    <p:tnLst>
-      <p:par>
-        <p:cTn id="1" dur="indefinite" restart="never" nodeType="tmRoot"/>
-      </p:par>
-    </p:tnLst>
-  </p:timing>
-</p:sld>
-</file>
-
 <file path=ppt/slides/slide2.xml><?xml version="1.0" encoding="utf-8"?>
 <p:sld xmlns:a="http://schemas.openxmlformats.org/drawingml/2006/main" xmlns:r="http://schemas.openxmlformats.org/officeDocument/2006/relationships" xmlns:p="http://schemas.openxmlformats.org/presentationml/2006/main">
   <p:cSld>
+    <p:bg>
+      <p:bgPr>
+        <a:solidFill>
+          <a:schemeClr val="bg1"/>
+        </a:solidFill>
+        <a:effectLst/>
+      </p:bgPr>
+    </p:bg>
     <p:spTree>
       <p:nvGrpSpPr>
         <p:cNvPr id="1" name=""/>
@@ -9437,30 +10562,1278 @@
           </a:p>
         </p:txBody>
       </p:sp>
-      <p:pic>
-        <p:nvPicPr>
-          <p:cNvPr id="6" name="Picture 5"/>
-          <p:cNvPicPr>
-            <a:picLocks noChangeAspect="1"/>
-          </p:cNvPicPr>
-          <p:nvPr/>
-        </p:nvPicPr>
-        <p:blipFill>
-          <a:blip r:embed="rId2"/>
-          <a:stretch>
-            <a:fillRect/>
-          </a:stretch>
-        </p:blipFill>
-        <p:spPr>
-          <a:xfrm>
-            <a:off x="1488385" y="1845734"/>
-            <a:ext cx="9276190" cy="4066667"/>
-          </a:xfrm>
-          <a:prstGeom prst="rect">
-            <a:avLst/>
-          </a:prstGeom>
-        </p:spPr>
-      </p:pic>
+      <p:graphicFrame>
+        <p:nvGraphicFramePr>
+          <p:cNvPr id="3" name="Tableau 2"/>
+          <p:cNvGraphicFramePr>
+            <a:graphicFrameLocks noGrp="1"/>
+          </p:cNvGraphicFramePr>
+          <p:nvPr>
+            <p:extLst>
+              <p:ext uri="{D42A27DB-BD31-4B8C-83A1-F6EECF244321}">
+                <p14:modId xmlns:p14="http://schemas.microsoft.com/office/powerpoint/2010/main" val="1556358276"/>
+              </p:ext>
+            </p:extLst>
+          </p:nvPr>
+        </p:nvGraphicFramePr>
+        <p:xfrm>
+          <a:off x="1617028" y="1826933"/>
+          <a:ext cx="8902827" cy="817626"/>
+        </p:xfrm>
+        <a:graphic>
+          <a:graphicData uri="http://schemas.openxmlformats.org/drawingml/2006/table">
+            <a:tbl>
+              <a:tblPr firstRow="1" firstCol="1" bandRow="1">
+                <a:tableStyleId>{5C22544A-7EE6-4342-B048-85BDC9FD1C3A}</a:tableStyleId>
+              </a:tblPr>
+              <a:tblGrid>
+                <a:gridCol w="784987"/>
+                <a:gridCol w="8117840"/>
+              </a:tblGrid>
+              <a:tr h="0">
+                <a:tc>
+                  <a:txBody>
+                    <a:bodyPr/>
+                    <a:lstStyle/>
+                    <a:p>
+                      <a:pPr algn="just">
+                        <a:lnSpc>
+                          <a:spcPct val="107000"/>
+                        </a:lnSpc>
+                        <a:spcAft>
+                          <a:spcPts val="0"/>
+                        </a:spcAft>
+                      </a:pPr>
+                      <a:r>
+                        <a:rPr lang="en-GB" sz="1200" b="0" dirty="0">
+                          <a:solidFill>
+                            <a:schemeClr val="accent3">
+                              <a:lumMod val="75000"/>
+                            </a:schemeClr>
+                          </a:solidFill>
+                          <a:effectLst/>
+                        </a:rPr>
+                        <a:t>PROBLEM</a:t>
+                      </a:r>
+                      <a:endParaRPr lang="fr-FR" sz="1100" b="0" dirty="0">
+                        <a:solidFill>
+                          <a:schemeClr val="accent3">
+                            <a:lumMod val="75000"/>
+                          </a:schemeClr>
+                        </a:solidFill>
+                        <a:effectLst/>
+                        <a:latin typeface="Calibri" panose="020F0502020204030204" pitchFamily="34" charset="0"/>
+                        <a:ea typeface="SimSun" panose="02010600030101010101" pitchFamily="2" charset="-122"/>
+                        <a:cs typeface="Times New Roman" panose="02020603050405020304" pitchFamily="18" charset="0"/>
+                      </a:endParaRPr>
+                    </a:p>
+                  </a:txBody>
+                  <a:tcPr marL="68580" marR="68580" marT="0" marB="0">
+                    <a:lnL w="12700" cap="flat" cmpd="sng" algn="ctr">
+                      <a:solidFill>
+                        <a:schemeClr val="accent3">
+                          <a:lumMod val="75000"/>
+                        </a:schemeClr>
+                      </a:solidFill>
+                      <a:prstDash val="solid"/>
+                      <a:round/>
+                      <a:headEnd type="none" w="med" len="med"/>
+                      <a:tailEnd type="none" w="med" len="med"/>
+                    </a:lnL>
+                    <a:lnR w="12700" cmpd="sng">
+                      <a:noFill/>
+                    </a:lnR>
+                    <a:lnT w="12700" cap="flat" cmpd="sng" algn="ctr">
+                      <a:solidFill>
+                        <a:schemeClr val="accent3">
+                          <a:lumMod val="75000"/>
+                        </a:schemeClr>
+                      </a:solidFill>
+                      <a:prstDash val="solid"/>
+                      <a:round/>
+                      <a:headEnd type="none" w="med" len="med"/>
+                      <a:tailEnd type="none" w="med" len="med"/>
+                    </a:lnT>
+                    <a:lnB w="12700" cap="flat" cmpd="sng" algn="ctr">
+                      <a:solidFill>
+                        <a:schemeClr val="accent3">
+                          <a:lumMod val="75000"/>
+                        </a:schemeClr>
+                      </a:solidFill>
+                      <a:prstDash val="solid"/>
+                      <a:round/>
+                      <a:headEnd type="none" w="med" len="med"/>
+                      <a:tailEnd type="none" w="med" len="med"/>
+                    </a:lnB>
+                    <a:lnTlToBr w="12700" cmpd="sng">
+                      <a:noFill/>
+                      <a:prstDash val="solid"/>
+                    </a:lnTlToBr>
+                    <a:lnBlToTr w="12700" cmpd="sng">
+                      <a:noFill/>
+                      <a:prstDash val="solid"/>
+                    </a:lnBlToTr>
+                    <a:noFill/>
+                  </a:tcPr>
+                </a:tc>
+                <a:tc>
+                  <a:txBody>
+                    <a:bodyPr/>
+                    <a:lstStyle/>
+                    <a:p>
+                      <a:pPr algn="just">
+                        <a:lnSpc>
+                          <a:spcPct val="107000"/>
+                        </a:lnSpc>
+                        <a:spcAft>
+                          <a:spcPts val="0"/>
+                        </a:spcAft>
+                      </a:pPr>
+                      <a:r>
+                        <a:rPr lang="en-GB" sz="1200" b="0" dirty="0">
+                          <a:solidFill>
+                            <a:schemeClr val="accent3">
+                              <a:lumMod val="75000"/>
+                            </a:schemeClr>
+                          </a:solidFill>
+                          <a:effectLst/>
+                        </a:rPr>
+                        <a:t>As fossil fuels reserves of the planet are not inexhaustible and the energy demand is rising year by year, it is essential to adopt alternative sources of energy.</a:t>
+                      </a:r>
+                      <a:endParaRPr lang="fr-FR" sz="1600" b="0" dirty="0">
+                        <a:solidFill>
+                          <a:schemeClr val="accent3">
+                            <a:lumMod val="75000"/>
+                          </a:schemeClr>
+                        </a:solidFill>
+                        <a:effectLst/>
+                        <a:latin typeface="Calibri" panose="020F0502020204030204" pitchFamily="34" charset="0"/>
+                        <a:ea typeface="SimSun" panose="02010600030101010101" pitchFamily="2" charset="-122"/>
+                        <a:cs typeface="Times New Roman" panose="02020603050405020304" pitchFamily="18" charset="0"/>
+                      </a:endParaRPr>
+                    </a:p>
+                  </a:txBody>
+                  <a:tcPr marL="68580" marR="68580" marT="0" marB="0">
+                    <a:lnL w="12700" cmpd="sng">
+                      <a:noFill/>
+                    </a:lnL>
+                    <a:lnR w="12700" cap="flat" cmpd="sng" algn="ctr">
+                      <a:solidFill>
+                        <a:schemeClr val="accent3">
+                          <a:lumMod val="75000"/>
+                        </a:schemeClr>
+                      </a:solidFill>
+                      <a:prstDash val="solid"/>
+                      <a:round/>
+                      <a:headEnd type="none" w="med" len="med"/>
+                      <a:tailEnd type="none" w="med" len="med"/>
+                    </a:lnR>
+                    <a:lnT w="12700" cap="flat" cmpd="sng" algn="ctr">
+                      <a:solidFill>
+                        <a:schemeClr val="accent3">
+                          <a:lumMod val="75000"/>
+                        </a:schemeClr>
+                      </a:solidFill>
+                      <a:prstDash val="solid"/>
+                      <a:round/>
+                      <a:headEnd type="none" w="med" len="med"/>
+                      <a:tailEnd type="none" w="med" len="med"/>
+                    </a:lnT>
+                    <a:lnB w="12700" cap="flat" cmpd="sng" algn="ctr">
+                      <a:solidFill>
+                        <a:schemeClr val="accent3">
+                          <a:lumMod val="75000"/>
+                        </a:schemeClr>
+                      </a:solidFill>
+                      <a:prstDash val="solid"/>
+                      <a:round/>
+                      <a:headEnd type="none" w="med" len="med"/>
+                      <a:tailEnd type="none" w="med" len="med"/>
+                    </a:lnB>
+                    <a:lnTlToBr w="12700" cmpd="sng">
+                      <a:noFill/>
+                      <a:prstDash val="solid"/>
+                    </a:lnTlToBr>
+                    <a:lnBlToTr w="12700" cmpd="sng">
+                      <a:noFill/>
+                      <a:prstDash val="solid"/>
+                    </a:lnBlToTr>
+                    <a:noFill/>
+                  </a:tcPr>
+                </a:tc>
+              </a:tr>
+              <a:tr h="52070">
+                <a:tc>
+                  <a:txBody>
+                    <a:bodyPr/>
+                    <a:lstStyle/>
+                    <a:p>
+                      <a:pPr algn="just">
+                        <a:lnSpc>
+                          <a:spcPct val="107000"/>
+                        </a:lnSpc>
+                        <a:spcAft>
+                          <a:spcPts val="0"/>
+                        </a:spcAft>
+                      </a:pPr>
+                      <a:r>
+                        <a:rPr lang="en-GB" sz="100" b="0" dirty="0">
+                          <a:solidFill>
+                            <a:schemeClr val="accent3">
+                              <a:lumMod val="75000"/>
+                            </a:schemeClr>
+                          </a:solidFill>
+                          <a:effectLst/>
+                        </a:rPr>
+                        <a:t> </a:t>
+                      </a:r>
+                      <a:endParaRPr lang="fr-FR" sz="400" b="0" dirty="0">
+                        <a:solidFill>
+                          <a:schemeClr val="accent3">
+                            <a:lumMod val="75000"/>
+                          </a:schemeClr>
+                        </a:solidFill>
+                        <a:effectLst/>
+                        <a:latin typeface="Calibri" panose="020F0502020204030204" pitchFamily="34" charset="0"/>
+                        <a:ea typeface="SimSun" panose="02010600030101010101" pitchFamily="2" charset="-122"/>
+                        <a:cs typeface="Times New Roman" panose="02020603050405020304" pitchFamily="18" charset="0"/>
+                      </a:endParaRPr>
+                    </a:p>
+                  </a:txBody>
+                  <a:tcPr marL="68580" marR="68580" marT="0" marB="0">
+                    <a:lnL w="12700" cmpd="sng">
+                      <a:noFill/>
+                    </a:lnL>
+                    <a:lnR w="12700" cmpd="sng">
+                      <a:noFill/>
+                    </a:lnR>
+                    <a:lnT w="12700" cap="flat" cmpd="sng" algn="ctr">
+                      <a:solidFill>
+                        <a:schemeClr val="accent3">
+                          <a:lumMod val="75000"/>
+                        </a:schemeClr>
+                      </a:solidFill>
+                      <a:prstDash val="solid"/>
+                      <a:round/>
+                      <a:headEnd type="none" w="med" len="med"/>
+                      <a:tailEnd type="none" w="med" len="med"/>
+                    </a:lnT>
+                    <a:lnB w="12700" cap="flat" cmpd="sng" algn="ctr">
+                      <a:solidFill>
+                        <a:schemeClr val="accent3">
+                          <a:lumMod val="75000"/>
+                        </a:schemeClr>
+                      </a:solidFill>
+                      <a:prstDash val="solid"/>
+                      <a:round/>
+                      <a:headEnd type="none" w="med" len="med"/>
+                      <a:tailEnd type="none" w="med" len="med"/>
+                    </a:lnB>
+                    <a:lnTlToBr w="12700" cmpd="sng">
+                      <a:noFill/>
+                      <a:prstDash val="solid"/>
+                    </a:lnTlToBr>
+                    <a:lnBlToTr w="12700" cmpd="sng">
+                      <a:noFill/>
+                      <a:prstDash val="solid"/>
+                    </a:lnBlToTr>
+                    <a:noFill/>
+                  </a:tcPr>
+                </a:tc>
+                <a:tc>
+                  <a:txBody>
+                    <a:bodyPr/>
+                    <a:lstStyle/>
+                    <a:p>
+                      <a:pPr algn="just">
+                        <a:lnSpc>
+                          <a:spcPct val="107000"/>
+                        </a:lnSpc>
+                        <a:spcAft>
+                          <a:spcPts val="0"/>
+                        </a:spcAft>
+                      </a:pPr>
+                      <a:r>
+                        <a:rPr lang="en-GB" sz="200" b="0" dirty="0">
+                          <a:solidFill>
+                            <a:schemeClr val="accent3">
+                              <a:lumMod val="75000"/>
+                            </a:schemeClr>
+                          </a:solidFill>
+                          <a:effectLst/>
+                        </a:rPr>
+                        <a:t> </a:t>
+                      </a:r>
+                      <a:endParaRPr lang="fr-FR" sz="700" b="0" dirty="0">
+                        <a:solidFill>
+                          <a:schemeClr val="accent3">
+                            <a:lumMod val="75000"/>
+                          </a:schemeClr>
+                        </a:solidFill>
+                        <a:effectLst/>
+                        <a:latin typeface="Calibri" panose="020F0502020204030204" pitchFamily="34" charset="0"/>
+                        <a:ea typeface="SimSun" panose="02010600030101010101" pitchFamily="2" charset="-122"/>
+                        <a:cs typeface="Times New Roman" panose="02020603050405020304" pitchFamily="18" charset="0"/>
+                      </a:endParaRPr>
+                    </a:p>
+                  </a:txBody>
+                  <a:tcPr marL="68580" marR="68580" marT="0" marB="0">
+                    <a:lnL w="12700" cmpd="sng">
+                      <a:noFill/>
+                    </a:lnL>
+                    <a:lnR w="12700" cmpd="sng">
+                      <a:noFill/>
+                    </a:lnR>
+                    <a:lnT w="12700" cap="flat" cmpd="sng" algn="ctr">
+                      <a:solidFill>
+                        <a:schemeClr val="accent3">
+                          <a:lumMod val="75000"/>
+                        </a:schemeClr>
+                      </a:solidFill>
+                      <a:prstDash val="solid"/>
+                      <a:round/>
+                      <a:headEnd type="none" w="med" len="med"/>
+                      <a:tailEnd type="none" w="med" len="med"/>
+                    </a:lnT>
+                    <a:lnB w="12700" cap="flat" cmpd="sng" algn="ctr">
+                      <a:solidFill>
+                        <a:schemeClr val="accent3">
+                          <a:lumMod val="75000"/>
+                        </a:schemeClr>
+                      </a:solidFill>
+                      <a:prstDash val="solid"/>
+                      <a:round/>
+                      <a:headEnd type="none" w="med" len="med"/>
+                      <a:tailEnd type="none" w="med" len="med"/>
+                    </a:lnB>
+                    <a:lnTlToBr w="12700" cmpd="sng">
+                      <a:noFill/>
+                      <a:prstDash val="solid"/>
+                    </a:lnTlToBr>
+                    <a:lnBlToTr w="12700" cmpd="sng">
+                      <a:noFill/>
+                      <a:prstDash val="solid"/>
+                    </a:lnBlToTr>
+                    <a:noFill/>
+                  </a:tcPr>
+                </a:tc>
+              </a:tr>
+              <a:tr h="0">
+                <a:tc>
+                  <a:txBody>
+                    <a:bodyPr/>
+                    <a:lstStyle/>
+                    <a:p>
+                      <a:pPr algn="just">
+                        <a:lnSpc>
+                          <a:spcPct val="107000"/>
+                        </a:lnSpc>
+                        <a:spcAft>
+                          <a:spcPts val="0"/>
+                        </a:spcAft>
+                      </a:pPr>
+                      <a:r>
+                        <a:rPr lang="en-GB" sz="1200" b="0" dirty="0">
+                          <a:solidFill>
+                            <a:schemeClr val="accent3">
+                              <a:lumMod val="75000"/>
+                            </a:schemeClr>
+                          </a:solidFill>
+                          <a:effectLst/>
+                        </a:rPr>
+                        <a:t>GOAL</a:t>
+                      </a:r>
+                      <a:endParaRPr lang="fr-FR" sz="1100" b="0" dirty="0">
+                        <a:solidFill>
+                          <a:schemeClr val="accent3">
+                            <a:lumMod val="75000"/>
+                          </a:schemeClr>
+                        </a:solidFill>
+                        <a:effectLst/>
+                        <a:latin typeface="Calibri" panose="020F0502020204030204" pitchFamily="34" charset="0"/>
+                        <a:ea typeface="SimSun" panose="02010600030101010101" pitchFamily="2" charset="-122"/>
+                        <a:cs typeface="Times New Roman" panose="02020603050405020304" pitchFamily="18" charset="0"/>
+                      </a:endParaRPr>
+                    </a:p>
+                  </a:txBody>
+                  <a:tcPr marL="68580" marR="68580" marT="0" marB="0">
+                    <a:lnL w="12700" cap="flat" cmpd="sng" algn="ctr">
+                      <a:solidFill>
+                        <a:schemeClr val="accent3">
+                          <a:lumMod val="75000"/>
+                        </a:schemeClr>
+                      </a:solidFill>
+                      <a:prstDash val="solid"/>
+                      <a:round/>
+                      <a:headEnd type="none" w="med" len="med"/>
+                      <a:tailEnd type="none" w="med" len="med"/>
+                    </a:lnL>
+                    <a:lnR w="12700" cmpd="sng">
+                      <a:noFill/>
+                    </a:lnR>
+                    <a:lnT w="12700" cap="flat" cmpd="sng" algn="ctr">
+                      <a:solidFill>
+                        <a:schemeClr val="accent3">
+                          <a:lumMod val="75000"/>
+                        </a:schemeClr>
+                      </a:solidFill>
+                      <a:prstDash val="solid"/>
+                      <a:round/>
+                      <a:headEnd type="none" w="med" len="med"/>
+                      <a:tailEnd type="none" w="med" len="med"/>
+                    </a:lnT>
+                    <a:lnB w="12700" cap="flat" cmpd="sng" algn="ctr">
+                      <a:solidFill>
+                        <a:schemeClr val="accent3">
+                          <a:lumMod val="75000"/>
+                        </a:schemeClr>
+                      </a:solidFill>
+                      <a:prstDash val="solid"/>
+                      <a:round/>
+                      <a:headEnd type="none" w="med" len="med"/>
+                      <a:tailEnd type="none" w="med" len="med"/>
+                    </a:lnB>
+                    <a:lnTlToBr w="12700" cmpd="sng">
+                      <a:noFill/>
+                      <a:prstDash val="solid"/>
+                    </a:lnTlToBr>
+                    <a:lnBlToTr w="12700" cmpd="sng">
+                      <a:noFill/>
+                      <a:prstDash val="solid"/>
+                    </a:lnBlToTr>
+                    <a:noFill/>
+                  </a:tcPr>
+                </a:tc>
+                <a:tc>
+                  <a:txBody>
+                    <a:bodyPr/>
+                    <a:lstStyle/>
+                    <a:p>
+                      <a:pPr algn="just">
+                        <a:lnSpc>
+                          <a:spcPct val="107000"/>
+                        </a:lnSpc>
+                        <a:spcAft>
+                          <a:spcPts val="0"/>
+                        </a:spcAft>
+                      </a:pPr>
+                      <a:r>
+                        <a:rPr lang="en-GB" sz="1200" b="0" dirty="0">
+                          <a:solidFill>
+                            <a:schemeClr val="accent3">
+                              <a:lumMod val="75000"/>
+                            </a:schemeClr>
+                          </a:solidFill>
+                          <a:effectLst/>
+                        </a:rPr>
+                        <a:t>Provide an open Industry Analysis Report (IAR) in order for global knowledge and development opportunities to become available to anyone.</a:t>
+                      </a:r>
+                      <a:endParaRPr lang="fr-FR" sz="1600" b="0" dirty="0">
+                        <a:solidFill>
+                          <a:schemeClr val="accent3">
+                            <a:lumMod val="75000"/>
+                          </a:schemeClr>
+                        </a:solidFill>
+                        <a:effectLst/>
+                        <a:latin typeface="Calibri" panose="020F0502020204030204" pitchFamily="34" charset="0"/>
+                        <a:ea typeface="SimSun" panose="02010600030101010101" pitchFamily="2" charset="-122"/>
+                        <a:cs typeface="Times New Roman" panose="02020603050405020304" pitchFamily="18" charset="0"/>
+                      </a:endParaRPr>
+                    </a:p>
+                  </a:txBody>
+                  <a:tcPr marL="68580" marR="68580" marT="0" marB="0">
+                    <a:lnL w="12700" cmpd="sng">
+                      <a:noFill/>
+                    </a:lnL>
+                    <a:lnR w="12700" cap="flat" cmpd="sng" algn="ctr">
+                      <a:solidFill>
+                        <a:schemeClr val="accent3">
+                          <a:lumMod val="75000"/>
+                        </a:schemeClr>
+                      </a:solidFill>
+                      <a:prstDash val="solid"/>
+                      <a:round/>
+                      <a:headEnd type="none" w="med" len="med"/>
+                      <a:tailEnd type="none" w="med" len="med"/>
+                    </a:lnR>
+                    <a:lnT w="12700" cap="flat" cmpd="sng" algn="ctr">
+                      <a:solidFill>
+                        <a:schemeClr val="accent3">
+                          <a:lumMod val="75000"/>
+                        </a:schemeClr>
+                      </a:solidFill>
+                      <a:prstDash val="solid"/>
+                      <a:round/>
+                      <a:headEnd type="none" w="med" len="med"/>
+                      <a:tailEnd type="none" w="med" len="med"/>
+                    </a:lnT>
+                    <a:lnB w="12700" cap="flat" cmpd="sng" algn="ctr">
+                      <a:solidFill>
+                        <a:schemeClr val="accent3">
+                          <a:lumMod val="75000"/>
+                        </a:schemeClr>
+                      </a:solidFill>
+                      <a:prstDash val="solid"/>
+                      <a:round/>
+                      <a:headEnd type="none" w="med" len="med"/>
+                      <a:tailEnd type="none" w="med" len="med"/>
+                    </a:lnB>
+                    <a:lnTlToBr w="12700" cmpd="sng">
+                      <a:noFill/>
+                      <a:prstDash val="solid"/>
+                    </a:lnTlToBr>
+                    <a:lnBlToTr w="12700" cmpd="sng">
+                      <a:noFill/>
+                      <a:prstDash val="solid"/>
+                    </a:lnBlToTr>
+                    <a:noFill/>
+                  </a:tcPr>
+                </a:tc>
+              </a:tr>
+            </a:tbl>
+          </a:graphicData>
+        </a:graphic>
+      </p:graphicFrame>
+      <p:graphicFrame>
+        <p:nvGraphicFramePr>
+          <p:cNvPr id="4" name="Tableau 3"/>
+          <p:cNvGraphicFramePr>
+            <a:graphicFrameLocks noGrp="1"/>
+          </p:cNvGraphicFramePr>
+          <p:nvPr>
+            <p:extLst>
+              <p:ext uri="{D42A27DB-BD31-4B8C-83A1-F6EECF244321}">
+                <p14:modId xmlns:p14="http://schemas.microsoft.com/office/powerpoint/2010/main" val="3027984318"/>
+              </p:ext>
+            </p:extLst>
+          </p:nvPr>
+        </p:nvGraphicFramePr>
+        <p:xfrm>
+          <a:off x="1615440" y="5484670"/>
+          <a:ext cx="9019413" cy="639128"/>
+        </p:xfrm>
+        <a:graphic>
+          <a:graphicData uri="http://schemas.openxmlformats.org/drawingml/2006/table">
+            <a:tbl>
+              <a:tblPr firstRow="1" firstCol="1" bandRow="1">
+                <a:tableStyleId>{5C22544A-7EE6-4342-B048-85BDC9FD1C3A}</a:tableStyleId>
+              </a:tblPr>
+              <a:tblGrid>
+                <a:gridCol w="1113028"/>
+                <a:gridCol w="7906385"/>
+              </a:tblGrid>
+              <a:tr h="0">
+                <a:tc>
+                  <a:txBody>
+                    <a:bodyPr/>
+                    <a:lstStyle/>
+                    <a:p>
+                      <a:pPr algn="just">
+                        <a:lnSpc>
+                          <a:spcPct val="107000"/>
+                        </a:lnSpc>
+                        <a:spcAft>
+                          <a:spcPts val="0"/>
+                        </a:spcAft>
+                      </a:pPr>
+                      <a:r>
+                        <a:rPr lang="en-GB" sz="1200" b="0" dirty="0">
+                          <a:solidFill>
+                            <a:schemeClr val="accent3">
+                              <a:lumMod val="75000"/>
+                            </a:schemeClr>
+                          </a:solidFill>
+                          <a:effectLst/>
+                        </a:rPr>
+                        <a:t>RATIONALES</a:t>
+                      </a:r>
+                      <a:endParaRPr lang="fr-FR" sz="1100" b="0" dirty="0">
+                        <a:solidFill>
+                          <a:schemeClr val="accent3">
+                            <a:lumMod val="75000"/>
+                          </a:schemeClr>
+                        </a:solidFill>
+                        <a:effectLst/>
+                        <a:latin typeface="Calibri" panose="020F0502020204030204" pitchFamily="34" charset="0"/>
+                        <a:ea typeface="SimSun" panose="02010600030101010101" pitchFamily="2" charset="-122"/>
+                        <a:cs typeface="Times New Roman" panose="02020603050405020304" pitchFamily="18" charset="0"/>
+                      </a:endParaRPr>
+                    </a:p>
+                  </a:txBody>
+                  <a:tcPr marL="68580" marR="68580" marT="0" marB="0">
+                    <a:lnL w="12700" cap="flat" cmpd="sng" algn="ctr">
+                      <a:solidFill>
+                        <a:schemeClr val="accent3">
+                          <a:lumMod val="75000"/>
+                        </a:schemeClr>
+                      </a:solidFill>
+                      <a:prstDash val="solid"/>
+                      <a:round/>
+                      <a:headEnd type="none" w="med" len="med"/>
+                      <a:tailEnd type="none" w="med" len="med"/>
+                    </a:lnL>
+                    <a:lnR w="12700" cmpd="sng">
+                      <a:noFill/>
+                    </a:lnR>
+                    <a:lnT w="12700" cap="flat" cmpd="sng" algn="ctr">
+                      <a:solidFill>
+                        <a:schemeClr val="accent3">
+                          <a:lumMod val="75000"/>
+                        </a:schemeClr>
+                      </a:solidFill>
+                      <a:prstDash val="solid"/>
+                      <a:round/>
+                      <a:headEnd type="none" w="med" len="med"/>
+                      <a:tailEnd type="none" w="med" len="med"/>
+                    </a:lnT>
+                    <a:lnB w="12700" cap="flat" cmpd="sng" algn="ctr">
+                      <a:solidFill>
+                        <a:schemeClr val="accent3">
+                          <a:lumMod val="75000"/>
+                        </a:schemeClr>
+                      </a:solidFill>
+                      <a:prstDash val="solid"/>
+                      <a:round/>
+                      <a:headEnd type="none" w="med" len="med"/>
+                      <a:tailEnd type="none" w="med" len="med"/>
+                    </a:lnB>
+                    <a:lnTlToBr w="12700" cmpd="sng">
+                      <a:noFill/>
+                      <a:prstDash val="solid"/>
+                    </a:lnTlToBr>
+                    <a:lnBlToTr w="12700" cmpd="sng">
+                      <a:noFill/>
+                      <a:prstDash val="solid"/>
+                    </a:lnBlToTr>
+                    <a:noFill/>
+                  </a:tcPr>
+                </a:tc>
+                <a:tc>
+                  <a:txBody>
+                    <a:bodyPr/>
+                    <a:lstStyle/>
+                    <a:p>
+                      <a:pPr algn="just">
+                        <a:lnSpc>
+                          <a:spcPct val="107000"/>
+                        </a:lnSpc>
+                        <a:spcAft>
+                          <a:spcPts val="0"/>
+                        </a:spcAft>
+                      </a:pPr>
+                      <a:r>
+                        <a:rPr lang="en-GB" sz="1100" b="0" dirty="0">
+                          <a:solidFill>
+                            <a:schemeClr val="accent3">
+                              <a:lumMod val="75000"/>
+                            </a:schemeClr>
+                          </a:solidFill>
+                          <a:effectLst/>
+                        </a:rPr>
+                        <a:t>IAR beneficial for stakeholders, customers, researchers, industry, and curious people.</a:t>
+                      </a:r>
+                      <a:endParaRPr lang="fr-FR" sz="1100" b="0" dirty="0">
+                        <a:solidFill>
+                          <a:schemeClr val="accent3">
+                            <a:lumMod val="75000"/>
+                          </a:schemeClr>
+                        </a:solidFill>
+                        <a:effectLst/>
+                        <a:latin typeface="Calibri" panose="020F0502020204030204" pitchFamily="34" charset="0"/>
+                        <a:ea typeface="SimSun" panose="02010600030101010101" pitchFamily="2" charset="-122"/>
+                        <a:cs typeface="Times New Roman" panose="02020603050405020304" pitchFamily="18" charset="0"/>
+                      </a:endParaRPr>
+                    </a:p>
+                  </a:txBody>
+                  <a:tcPr marL="68580" marR="68580" marT="0" marB="0">
+                    <a:lnL w="12700" cmpd="sng">
+                      <a:noFill/>
+                    </a:lnL>
+                    <a:lnR w="12700" cap="flat" cmpd="sng" algn="ctr">
+                      <a:solidFill>
+                        <a:schemeClr val="accent3">
+                          <a:lumMod val="75000"/>
+                        </a:schemeClr>
+                      </a:solidFill>
+                      <a:prstDash val="solid"/>
+                      <a:round/>
+                      <a:headEnd type="none" w="med" len="med"/>
+                      <a:tailEnd type="none" w="med" len="med"/>
+                    </a:lnR>
+                    <a:lnT w="12700" cap="flat" cmpd="sng" algn="ctr">
+                      <a:solidFill>
+                        <a:schemeClr val="accent3">
+                          <a:lumMod val="75000"/>
+                        </a:schemeClr>
+                      </a:solidFill>
+                      <a:prstDash val="solid"/>
+                      <a:round/>
+                      <a:headEnd type="none" w="med" len="med"/>
+                      <a:tailEnd type="none" w="med" len="med"/>
+                    </a:lnT>
+                    <a:lnB w="12700" cap="flat" cmpd="sng" algn="ctr">
+                      <a:solidFill>
+                        <a:schemeClr val="accent3">
+                          <a:lumMod val="75000"/>
+                        </a:schemeClr>
+                      </a:solidFill>
+                      <a:prstDash val="solid"/>
+                      <a:round/>
+                      <a:headEnd type="none" w="med" len="med"/>
+                      <a:tailEnd type="none" w="med" len="med"/>
+                    </a:lnB>
+                    <a:lnTlToBr w="12700" cmpd="sng">
+                      <a:noFill/>
+                      <a:prstDash val="solid"/>
+                    </a:lnTlToBr>
+                    <a:lnBlToTr w="12700" cmpd="sng">
+                      <a:noFill/>
+                      <a:prstDash val="solid"/>
+                    </a:lnBlToTr>
+                    <a:noFill/>
+                  </a:tcPr>
+                </a:tc>
+              </a:tr>
+              <a:tr h="52070">
+                <a:tc>
+                  <a:txBody>
+                    <a:bodyPr/>
+                    <a:lstStyle/>
+                    <a:p>
+                      <a:pPr algn="just">
+                        <a:lnSpc>
+                          <a:spcPct val="107000"/>
+                        </a:lnSpc>
+                        <a:spcAft>
+                          <a:spcPts val="0"/>
+                        </a:spcAft>
+                      </a:pPr>
+                      <a:r>
+                        <a:rPr lang="en-GB" sz="100" b="0" dirty="0">
+                          <a:solidFill>
+                            <a:schemeClr val="accent3">
+                              <a:lumMod val="75000"/>
+                            </a:schemeClr>
+                          </a:solidFill>
+                          <a:effectLst/>
+                        </a:rPr>
+                        <a:t> </a:t>
+                      </a:r>
+                      <a:endParaRPr lang="fr-FR" sz="500" b="0" dirty="0">
+                        <a:solidFill>
+                          <a:schemeClr val="accent3">
+                            <a:lumMod val="75000"/>
+                          </a:schemeClr>
+                        </a:solidFill>
+                        <a:effectLst/>
+                        <a:latin typeface="Calibri" panose="020F0502020204030204" pitchFamily="34" charset="0"/>
+                        <a:ea typeface="SimSun" panose="02010600030101010101" pitchFamily="2" charset="-122"/>
+                        <a:cs typeface="Times New Roman" panose="02020603050405020304" pitchFamily="18" charset="0"/>
+                      </a:endParaRPr>
+                    </a:p>
+                  </a:txBody>
+                  <a:tcPr marL="68580" marR="68580" marT="0" marB="0">
+                    <a:lnL w="12700" cmpd="sng">
+                      <a:noFill/>
+                    </a:lnL>
+                    <a:lnR w="12700" cmpd="sng">
+                      <a:noFill/>
+                    </a:lnR>
+                    <a:lnT w="12700" cap="flat" cmpd="sng" algn="ctr">
+                      <a:solidFill>
+                        <a:schemeClr val="accent3">
+                          <a:lumMod val="75000"/>
+                        </a:schemeClr>
+                      </a:solidFill>
+                      <a:prstDash val="solid"/>
+                      <a:round/>
+                      <a:headEnd type="none" w="med" len="med"/>
+                      <a:tailEnd type="none" w="med" len="med"/>
+                    </a:lnT>
+                    <a:lnB w="12700" cap="flat" cmpd="sng" algn="ctr">
+                      <a:solidFill>
+                        <a:schemeClr val="accent3">
+                          <a:lumMod val="75000"/>
+                        </a:schemeClr>
+                      </a:solidFill>
+                      <a:prstDash val="solid"/>
+                      <a:round/>
+                      <a:headEnd type="none" w="med" len="med"/>
+                      <a:tailEnd type="none" w="med" len="med"/>
+                    </a:lnB>
+                    <a:lnTlToBr w="12700" cmpd="sng">
+                      <a:noFill/>
+                      <a:prstDash val="solid"/>
+                    </a:lnTlToBr>
+                    <a:lnBlToTr w="12700" cmpd="sng">
+                      <a:noFill/>
+                      <a:prstDash val="solid"/>
+                    </a:lnBlToTr>
+                    <a:noFill/>
+                  </a:tcPr>
+                </a:tc>
+                <a:tc>
+                  <a:txBody>
+                    <a:bodyPr/>
+                    <a:lstStyle/>
+                    <a:p>
+                      <a:pPr algn="just">
+                        <a:lnSpc>
+                          <a:spcPct val="107000"/>
+                        </a:lnSpc>
+                        <a:spcAft>
+                          <a:spcPts val="0"/>
+                        </a:spcAft>
+                      </a:pPr>
+                      <a:r>
+                        <a:rPr lang="en-GB" sz="500" b="0" dirty="0">
+                          <a:solidFill>
+                            <a:schemeClr val="accent3">
+                              <a:lumMod val="75000"/>
+                            </a:schemeClr>
+                          </a:solidFill>
+                          <a:effectLst/>
+                        </a:rPr>
+                        <a:t> </a:t>
+                      </a:r>
+                      <a:endParaRPr lang="fr-FR" sz="500" b="0" dirty="0">
+                        <a:solidFill>
+                          <a:schemeClr val="accent3">
+                            <a:lumMod val="75000"/>
+                          </a:schemeClr>
+                        </a:solidFill>
+                        <a:effectLst/>
+                        <a:latin typeface="Calibri" panose="020F0502020204030204" pitchFamily="34" charset="0"/>
+                        <a:ea typeface="SimSun" panose="02010600030101010101" pitchFamily="2" charset="-122"/>
+                        <a:cs typeface="Times New Roman" panose="02020603050405020304" pitchFamily="18" charset="0"/>
+                      </a:endParaRPr>
+                    </a:p>
+                  </a:txBody>
+                  <a:tcPr marL="68580" marR="68580" marT="0" marB="0">
+                    <a:lnL w="12700" cmpd="sng">
+                      <a:noFill/>
+                    </a:lnL>
+                    <a:lnR w="12700" cmpd="sng">
+                      <a:noFill/>
+                    </a:lnR>
+                    <a:lnT w="12700" cap="flat" cmpd="sng" algn="ctr">
+                      <a:solidFill>
+                        <a:schemeClr val="accent3">
+                          <a:lumMod val="75000"/>
+                        </a:schemeClr>
+                      </a:solidFill>
+                      <a:prstDash val="solid"/>
+                      <a:round/>
+                      <a:headEnd type="none" w="med" len="med"/>
+                      <a:tailEnd type="none" w="med" len="med"/>
+                    </a:lnT>
+                    <a:lnB w="12700" cap="flat" cmpd="sng" algn="ctr">
+                      <a:solidFill>
+                        <a:schemeClr val="accent3">
+                          <a:lumMod val="75000"/>
+                        </a:schemeClr>
+                      </a:solidFill>
+                      <a:prstDash val="solid"/>
+                      <a:round/>
+                      <a:headEnd type="none" w="med" len="med"/>
+                      <a:tailEnd type="none" w="med" len="med"/>
+                    </a:lnB>
+                    <a:lnTlToBr w="12700" cmpd="sng">
+                      <a:noFill/>
+                      <a:prstDash val="solid"/>
+                    </a:lnTlToBr>
+                    <a:lnBlToTr w="12700" cmpd="sng">
+                      <a:noFill/>
+                      <a:prstDash val="solid"/>
+                    </a:lnBlToTr>
+                    <a:noFill/>
+                  </a:tcPr>
+                </a:tc>
+              </a:tr>
+              <a:tr h="0">
+                <a:tc>
+                  <a:txBody>
+                    <a:bodyPr/>
+                    <a:lstStyle/>
+                    <a:p>
+                      <a:pPr algn="just">
+                        <a:lnSpc>
+                          <a:spcPct val="107000"/>
+                        </a:lnSpc>
+                        <a:spcAft>
+                          <a:spcPts val="0"/>
+                        </a:spcAft>
+                      </a:pPr>
+                      <a:r>
+                        <a:rPr lang="en-GB" sz="1200" b="0" dirty="0">
+                          <a:solidFill>
+                            <a:schemeClr val="accent3">
+                              <a:lumMod val="75000"/>
+                            </a:schemeClr>
+                          </a:solidFill>
+                          <a:effectLst/>
+                        </a:rPr>
+                        <a:t>ASSUMPTIONS</a:t>
+                      </a:r>
+                      <a:endParaRPr lang="fr-FR" sz="1100" b="0" dirty="0">
+                        <a:solidFill>
+                          <a:schemeClr val="accent3">
+                            <a:lumMod val="75000"/>
+                          </a:schemeClr>
+                        </a:solidFill>
+                        <a:effectLst/>
+                        <a:latin typeface="Calibri" panose="020F0502020204030204" pitchFamily="34" charset="0"/>
+                        <a:ea typeface="SimSun" panose="02010600030101010101" pitchFamily="2" charset="-122"/>
+                        <a:cs typeface="Times New Roman" panose="02020603050405020304" pitchFamily="18" charset="0"/>
+                      </a:endParaRPr>
+                    </a:p>
+                  </a:txBody>
+                  <a:tcPr marL="68580" marR="68580" marT="0" marB="0">
+                    <a:lnL w="12700" cap="flat" cmpd="sng" algn="ctr">
+                      <a:solidFill>
+                        <a:schemeClr val="accent3">
+                          <a:lumMod val="75000"/>
+                        </a:schemeClr>
+                      </a:solidFill>
+                      <a:prstDash val="solid"/>
+                      <a:round/>
+                      <a:headEnd type="none" w="med" len="med"/>
+                      <a:tailEnd type="none" w="med" len="med"/>
+                    </a:lnL>
+                    <a:lnR w="12700" cmpd="sng">
+                      <a:noFill/>
+                    </a:lnR>
+                    <a:lnT w="12700" cap="flat" cmpd="sng" algn="ctr">
+                      <a:solidFill>
+                        <a:schemeClr val="accent3">
+                          <a:lumMod val="75000"/>
+                        </a:schemeClr>
+                      </a:solidFill>
+                      <a:prstDash val="solid"/>
+                      <a:round/>
+                      <a:headEnd type="none" w="med" len="med"/>
+                      <a:tailEnd type="none" w="med" len="med"/>
+                    </a:lnT>
+                    <a:lnB w="12700" cmpd="sng">
+                      <a:noFill/>
+                    </a:lnB>
+                    <a:lnTlToBr w="12700" cmpd="sng">
+                      <a:noFill/>
+                      <a:prstDash val="solid"/>
+                    </a:lnTlToBr>
+                    <a:lnBlToTr w="12700" cmpd="sng">
+                      <a:noFill/>
+                      <a:prstDash val="solid"/>
+                    </a:lnBlToTr>
+                    <a:noFill/>
+                  </a:tcPr>
+                </a:tc>
+                <a:tc>
+                  <a:txBody>
+                    <a:bodyPr/>
+                    <a:lstStyle/>
+                    <a:p>
+                      <a:pPr algn="just">
+                        <a:lnSpc>
+                          <a:spcPct val="107000"/>
+                        </a:lnSpc>
+                        <a:spcAft>
+                          <a:spcPts val="0"/>
+                        </a:spcAft>
+                      </a:pPr>
+                      <a:r>
+                        <a:rPr lang="en-GB" sz="1100" b="0" dirty="0">
+                          <a:solidFill>
+                            <a:schemeClr val="accent3">
+                              <a:lumMod val="75000"/>
+                            </a:schemeClr>
+                          </a:solidFill>
+                          <a:effectLst/>
+                        </a:rPr>
+                        <a:t>Enough data is available online.</a:t>
+                      </a:r>
+                      <a:endParaRPr lang="fr-FR" sz="1100" b="0" dirty="0">
+                        <a:solidFill>
+                          <a:schemeClr val="accent3">
+                            <a:lumMod val="75000"/>
+                          </a:schemeClr>
+                        </a:solidFill>
+                        <a:effectLst/>
+                        <a:latin typeface="Calibri" panose="020F0502020204030204" pitchFamily="34" charset="0"/>
+                        <a:ea typeface="SimSun" panose="02010600030101010101" pitchFamily="2" charset="-122"/>
+                        <a:cs typeface="Times New Roman" panose="02020603050405020304" pitchFamily="18" charset="0"/>
+                      </a:endParaRPr>
+                    </a:p>
+                  </a:txBody>
+                  <a:tcPr marL="68580" marR="68580" marT="0" marB="0">
+                    <a:lnL w="12700" cmpd="sng">
+                      <a:noFill/>
+                    </a:lnL>
+                    <a:lnR w="12700" cap="flat" cmpd="sng" algn="ctr">
+                      <a:solidFill>
+                        <a:schemeClr val="accent3">
+                          <a:lumMod val="75000"/>
+                        </a:schemeClr>
+                      </a:solidFill>
+                      <a:prstDash val="solid"/>
+                      <a:round/>
+                      <a:headEnd type="none" w="med" len="med"/>
+                      <a:tailEnd type="none" w="med" len="med"/>
+                    </a:lnR>
+                    <a:lnT w="12700" cap="flat" cmpd="sng" algn="ctr">
+                      <a:solidFill>
+                        <a:schemeClr val="accent3">
+                          <a:lumMod val="75000"/>
+                        </a:schemeClr>
+                      </a:solidFill>
+                      <a:prstDash val="solid"/>
+                      <a:round/>
+                      <a:headEnd type="none" w="med" len="med"/>
+                      <a:tailEnd type="none" w="med" len="med"/>
+                    </a:lnT>
+                    <a:lnB w="12700" cmpd="sng">
+                      <a:noFill/>
+                    </a:lnB>
+                    <a:lnTlToBr w="12700" cmpd="sng">
+                      <a:noFill/>
+                      <a:prstDash val="solid"/>
+                    </a:lnTlToBr>
+                    <a:lnBlToTr w="12700" cmpd="sng">
+                      <a:noFill/>
+                      <a:prstDash val="solid"/>
+                    </a:lnBlToTr>
+                    <a:noFill/>
+                  </a:tcPr>
+                </a:tc>
+              </a:tr>
+              <a:tr h="0">
+                <a:tc>
+                  <a:txBody>
+                    <a:bodyPr/>
+                    <a:lstStyle/>
+                    <a:p>
+                      <a:pPr algn="just">
+                        <a:lnSpc>
+                          <a:spcPct val="107000"/>
+                        </a:lnSpc>
+                        <a:spcAft>
+                          <a:spcPts val="0"/>
+                        </a:spcAft>
+                      </a:pPr>
+                      <a:r>
+                        <a:rPr lang="en-GB" sz="1200" b="0" dirty="0">
+                          <a:solidFill>
+                            <a:schemeClr val="accent3">
+                              <a:lumMod val="75000"/>
+                            </a:schemeClr>
+                          </a:solidFill>
+                          <a:effectLst/>
+                        </a:rPr>
+                        <a:t> </a:t>
+                      </a:r>
+                      <a:endParaRPr lang="fr-FR" sz="1100" b="0" dirty="0">
+                        <a:solidFill>
+                          <a:schemeClr val="accent3">
+                            <a:lumMod val="75000"/>
+                          </a:schemeClr>
+                        </a:solidFill>
+                        <a:effectLst/>
+                        <a:latin typeface="Calibri" panose="020F0502020204030204" pitchFamily="34" charset="0"/>
+                        <a:ea typeface="SimSun" panose="02010600030101010101" pitchFamily="2" charset="-122"/>
+                        <a:cs typeface="Times New Roman" panose="02020603050405020304" pitchFamily="18" charset="0"/>
+                      </a:endParaRPr>
+                    </a:p>
+                  </a:txBody>
+                  <a:tcPr marL="68580" marR="68580" marT="0" marB="0">
+                    <a:lnL w="12700" cap="flat" cmpd="sng" algn="ctr">
+                      <a:solidFill>
+                        <a:schemeClr val="accent3">
+                          <a:lumMod val="75000"/>
+                        </a:schemeClr>
+                      </a:solidFill>
+                      <a:prstDash val="solid"/>
+                      <a:round/>
+                      <a:headEnd type="none" w="med" len="med"/>
+                      <a:tailEnd type="none" w="med" len="med"/>
+                    </a:lnL>
+                    <a:lnR w="12700" cmpd="sng">
+                      <a:noFill/>
+                    </a:lnR>
+                    <a:lnT w="12700" cmpd="sng">
+                      <a:noFill/>
+                    </a:lnT>
+                    <a:lnB w="12700" cap="flat" cmpd="sng" algn="ctr">
+                      <a:solidFill>
+                        <a:schemeClr val="accent3">
+                          <a:lumMod val="75000"/>
+                        </a:schemeClr>
+                      </a:solidFill>
+                      <a:prstDash val="solid"/>
+                      <a:round/>
+                      <a:headEnd type="none" w="med" len="med"/>
+                      <a:tailEnd type="none" w="med" len="med"/>
+                    </a:lnB>
+                    <a:lnTlToBr w="12700" cmpd="sng">
+                      <a:noFill/>
+                      <a:prstDash val="solid"/>
+                    </a:lnTlToBr>
+                    <a:lnBlToTr w="12700" cmpd="sng">
+                      <a:noFill/>
+                      <a:prstDash val="solid"/>
+                    </a:lnBlToTr>
+                    <a:noFill/>
+                  </a:tcPr>
+                </a:tc>
+                <a:tc>
+                  <a:txBody>
+                    <a:bodyPr/>
+                    <a:lstStyle/>
+                    <a:p>
+                      <a:pPr algn="just">
+                        <a:lnSpc>
+                          <a:spcPct val="107000"/>
+                        </a:lnSpc>
+                        <a:spcAft>
+                          <a:spcPts val="0"/>
+                        </a:spcAft>
+                      </a:pPr>
+                      <a:r>
+                        <a:rPr lang="en-GB" sz="1100" b="0" dirty="0">
+                          <a:solidFill>
+                            <a:schemeClr val="accent3">
+                              <a:lumMod val="75000"/>
+                            </a:schemeClr>
+                          </a:solidFill>
+                          <a:effectLst/>
+                        </a:rPr>
+                        <a:t>Hydrogen power has not yet reached its mature stage and will spread to the general public.</a:t>
+                      </a:r>
+                      <a:endParaRPr lang="fr-FR" sz="1100" b="0" dirty="0">
+                        <a:solidFill>
+                          <a:schemeClr val="accent3">
+                            <a:lumMod val="75000"/>
+                          </a:schemeClr>
+                        </a:solidFill>
+                        <a:effectLst/>
+                        <a:latin typeface="Calibri" panose="020F0502020204030204" pitchFamily="34" charset="0"/>
+                        <a:ea typeface="SimSun" panose="02010600030101010101" pitchFamily="2" charset="-122"/>
+                        <a:cs typeface="Times New Roman" panose="02020603050405020304" pitchFamily="18" charset="0"/>
+                      </a:endParaRPr>
+                    </a:p>
+                  </a:txBody>
+                  <a:tcPr marL="68580" marR="68580" marT="0" marB="0">
+                    <a:lnL w="12700" cmpd="sng">
+                      <a:noFill/>
+                    </a:lnL>
+                    <a:lnR w="12700" cap="flat" cmpd="sng" algn="ctr">
+                      <a:solidFill>
+                        <a:schemeClr val="accent3">
+                          <a:lumMod val="75000"/>
+                        </a:schemeClr>
+                      </a:solidFill>
+                      <a:prstDash val="solid"/>
+                      <a:round/>
+                      <a:headEnd type="none" w="med" len="med"/>
+                      <a:tailEnd type="none" w="med" len="med"/>
+                    </a:lnR>
+                    <a:lnT w="12700" cmpd="sng">
+                      <a:noFill/>
+                    </a:lnT>
+                    <a:lnB w="12700" cap="flat" cmpd="sng" algn="ctr">
+                      <a:solidFill>
+                        <a:schemeClr val="accent3">
+                          <a:lumMod val="75000"/>
+                        </a:schemeClr>
+                      </a:solidFill>
+                      <a:prstDash val="solid"/>
+                      <a:round/>
+                      <a:headEnd type="none" w="med" len="med"/>
+                      <a:tailEnd type="none" w="med" len="med"/>
+                    </a:lnB>
+                    <a:lnTlToBr w="12700" cmpd="sng">
+                      <a:noFill/>
+                      <a:prstDash val="solid"/>
+                    </a:lnTlToBr>
+                    <a:lnBlToTr w="12700" cmpd="sng">
+                      <a:noFill/>
+                      <a:prstDash val="solid"/>
+                    </a:lnBlToTr>
+                    <a:noFill/>
+                  </a:tcPr>
+                </a:tc>
+              </a:tr>
+            </a:tbl>
+          </a:graphicData>
+        </a:graphic>
+      </p:graphicFrame>
+      <p:graphicFrame>
+        <p:nvGraphicFramePr>
+          <p:cNvPr id="7" name="Diagramme 6"/>
+          <p:cNvGraphicFramePr/>
+          <p:nvPr>
+            <p:extLst>
+              <p:ext uri="{D42A27DB-BD31-4B8C-83A1-F6EECF244321}">
+                <p14:modId xmlns:p14="http://schemas.microsoft.com/office/powerpoint/2010/main" val="74687469"/>
+              </p:ext>
+            </p:extLst>
+          </p:nvPr>
+        </p:nvGraphicFramePr>
+        <p:xfrm>
+          <a:off x="1666875" y="2706191"/>
+          <a:ext cx="8858250" cy="2707638"/>
+        </p:xfrm>
+        <a:graphic>
+          <a:graphicData uri="http://schemas.openxmlformats.org/drawingml/2006/diagram">
+            <dgm:relIds xmlns:dgm="http://schemas.openxmlformats.org/drawingml/2006/diagram" xmlns:r="http://schemas.openxmlformats.org/officeDocument/2006/relationships" r:dm="rId3" r:lo="rId4" r:qs="rId5" r:cs="rId6"/>
+          </a:graphicData>
+        </a:graphic>
+      </p:graphicFrame>
+      <p:sp>
+        <p:nvSpPr>
+          <p:cNvPr id="5" name="Espace réservé du pied de page 4"/>
+          <p:cNvSpPr>
+            <a:spLocks noGrp="1"/>
+          </p:cNvSpPr>
+          <p:nvPr>
+            <p:ph type="ftr" sz="quarter" idx="11"/>
+          </p:nvPr>
+        </p:nvSpPr>
+        <p:spPr/>
+        <p:txBody>
+          <a:bodyPr/>
+          <a:lstStyle/>
+          <a:p>
+            <a:r>
+              <a:rPr lang="fr-FR" smtClean="0"/>
+              <a:t>Banmbu - 20/05/2015</a:t>
+            </a:r>
+            <a:endParaRPr lang="fr-FR"/>
+          </a:p>
+        </p:txBody>
+      </p:sp>
+      <p:sp>
+        <p:nvSpPr>
+          <p:cNvPr id="8" name="Espace réservé du numéro de diapositive 7"/>
+          <p:cNvSpPr>
+            <a:spLocks noGrp="1"/>
+          </p:cNvSpPr>
+          <p:nvPr>
+            <p:ph type="sldNum" sz="quarter" idx="12"/>
+          </p:nvPr>
+        </p:nvSpPr>
+        <p:spPr/>
+        <p:txBody>
+          <a:bodyPr/>
+          <a:lstStyle/>
+          <a:p>
+            <a:fld id="{D376626B-8044-4126-A03C-8C0AE257EC41}" type="slidenum">
+              <a:rPr lang="fr-FR" smtClean="0"/>
+              <a:t>2</a:t>
+            </a:fld>
+            <a:endParaRPr lang="fr-FR"/>
+          </a:p>
+        </p:txBody>
+      </p:sp>
     </p:spTree>
     <p:extLst>
       <p:ext uri="{BB962C8B-B14F-4D97-AF65-F5344CB8AC3E}">
@@ -9544,6 +11917,90 @@
           </a:p>
         </p:txBody>
       </p:sp>
+      <p:sp>
+        <p:nvSpPr>
+          <p:cNvPr id="2" name="Espace réservé du pied de page 1"/>
+          <p:cNvSpPr>
+            <a:spLocks noGrp="1"/>
+          </p:cNvSpPr>
+          <p:nvPr>
+            <p:ph type="ftr" sz="quarter" idx="11"/>
+          </p:nvPr>
+        </p:nvSpPr>
+        <p:spPr/>
+        <p:txBody>
+          <a:bodyPr/>
+          <a:lstStyle/>
+          <a:p>
+            <a:r>
+              <a:rPr lang="fr-FR" smtClean="0"/>
+              <a:t>Banmbu - 20/05/2015</a:t>
+            </a:r>
+            <a:endParaRPr lang="fr-FR"/>
+          </a:p>
+        </p:txBody>
+      </p:sp>
+      <p:sp>
+        <p:nvSpPr>
+          <p:cNvPr id="3" name="Espace réservé du numéro de diapositive 2"/>
+          <p:cNvSpPr>
+            <a:spLocks noGrp="1"/>
+          </p:cNvSpPr>
+          <p:nvPr>
+            <p:ph type="sldNum" sz="quarter" idx="12"/>
+          </p:nvPr>
+        </p:nvSpPr>
+        <p:spPr/>
+        <p:txBody>
+          <a:bodyPr/>
+          <a:lstStyle/>
+          <a:p>
+            <a:fld id="{D376626B-8044-4126-A03C-8C0AE257EC41}" type="slidenum">
+              <a:rPr lang="fr-FR" smtClean="0"/>
+              <a:t>3</a:t>
+            </a:fld>
+            <a:endParaRPr lang="fr-FR"/>
+          </a:p>
+        </p:txBody>
+      </p:sp>
+      <p:pic>
+        <p:nvPicPr>
+          <p:cNvPr id="6" name="Image 5"/>
+          <p:cNvPicPr>
+            <a:picLocks noChangeAspect="1"/>
+          </p:cNvPicPr>
+          <p:nvPr/>
+        </p:nvPicPr>
+        <p:blipFill>
+          <a:blip r:embed="rId2">
+            <a:duotone>
+              <a:schemeClr val="accent4">
+                <a:shade val="45000"/>
+                <a:satMod val="135000"/>
+              </a:schemeClr>
+              <a:prstClr val="white"/>
+            </a:duotone>
+            <a:extLst>
+              <a:ext uri="{28A0092B-C50C-407E-A947-70E740481C1C}">
+                <a14:useLocalDpi xmlns:a14="http://schemas.microsoft.com/office/drawing/2010/main" val="0"/>
+              </a:ext>
+            </a:extLst>
+          </a:blip>
+          <a:stretch>
+            <a:fillRect/>
+          </a:stretch>
+        </p:blipFill>
+        <p:spPr>
+          <a:xfrm>
+            <a:off x="8401493" y="505460"/>
+            <a:ext cx="2754187" cy="3947668"/>
+          </a:xfrm>
+          <a:prstGeom prst="rect">
+            <a:avLst/>
+          </a:prstGeom>
+          <a:noFill/>
+        </p:spPr>
+      </p:pic>
     </p:spTree>
     <p:extLst>
       <p:ext uri="{BB962C8B-B14F-4D97-AF65-F5344CB8AC3E}">
@@ -9567,11 +12024,6 @@
 <file path=ppt/slides/slide4.xml><?xml version="1.0" encoding="utf-8"?>
 <p:sld xmlns:a="http://schemas.openxmlformats.org/drawingml/2006/main" xmlns:r="http://schemas.openxmlformats.org/officeDocument/2006/relationships" xmlns:p="http://schemas.openxmlformats.org/presentationml/2006/main">
   <p:cSld>
-    <p:bg>
-      <p:bgRef idx="1001">
-        <a:schemeClr val="bg1"/>
-      </p:bgRef>
-    </p:bg>
     <p:spTree>
       <p:nvGrpSpPr>
         <p:cNvPr id="1" name=""/>
@@ -9603,11 +12055,7 @@
           <a:p>
             <a:r>
               <a:rPr lang="en-US" dirty="0" smtClean="0"/>
-              <a:t>List of </a:t>
-            </a:r>
-            <a:r>
-              <a:rPr lang="en-US" dirty="0" smtClean="0"/>
-              <a:t>Variables</a:t>
+              <a:t>List of Variables</a:t>
             </a:r>
             <a:endParaRPr lang="en-US" dirty="0"/>
           </a:p>
@@ -9622,7 +12070,7 @@
           <p:nvPr>
             <p:extLst>
               <p:ext uri="{D42A27DB-BD31-4B8C-83A1-F6EECF244321}">
-                <p14:modId xmlns:p14="http://schemas.microsoft.com/office/powerpoint/2010/main" val="31194691"/>
+                <p14:modId xmlns:p14="http://schemas.microsoft.com/office/powerpoint/2010/main" val="2356598327"/>
               </p:ext>
             </p:extLst>
           </p:nvPr>
@@ -9851,6 +12299,10 @@
                     <a:bodyPr/>
                     <a:lstStyle/>
                     <a:p>
+                      <a:pPr marL="0" indent="0">
+                        <a:buFont typeface="Arial" panose="020B0604020202020204" pitchFamily="34" charset="0"/>
+                        <a:buNone/>
+                      </a:pPr>
                       <a:r>
                         <a:rPr lang="en-US" dirty="0" smtClean="0"/>
                         <a:t>Fuel</a:t>
@@ -9882,6 +12334,10 @@
                     <a:bodyPr/>
                     <a:lstStyle/>
                     <a:p>
+                      <a:pPr marL="0" indent="0">
+                        <a:buFont typeface="Arial" panose="020B0604020202020204" pitchFamily="34" charset="0"/>
+                        <a:buNone/>
+                      </a:pPr>
                       <a:r>
                         <a:rPr lang="en-US" dirty="0" smtClean="0"/>
                         <a:t>Implementation</a:t>
@@ -9909,6 +12365,10 @@
                     <a:bodyPr/>
                     <a:lstStyle/>
                     <a:p>
+                      <a:pPr marL="0" indent="0">
+                        <a:buFont typeface="Arial" panose="020B0604020202020204" pitchFamily="34" charset="0"/>
+                        <a:buNone/>
+                      </a:pPr>
                       <a:r>
                         <a:rPr lang="en-US" dirty="0" smtClean="0"/>
                         <a:t>Governmental</a:t>
@@ -9942,6 +12402,10 @@
                     <a:bodyPr/>
                     <a:lstStyle/>
                     <a:p>
+                      <a:pPr marL="0" indent="0">
+                        <a:buFont typeface="Arial" panose="020B0604020202020204" pitchFamily="34" charset="0"/>
+                        <a:buNone/>
+                      </a:pPr>
                       <a:r>
                         <a:rPr lang="en-US" dirty="0" smtClean="0"/>
                         <a:t>Power Output</a:t>
@@ -9960,6 +12424,10 @@
                     <a:bodyPr/>
                     <a:lstStyle/>
                     <a:p>
+                      <a:pPr marL="0" indent="0">
+                        <a:buFont typeface="Arial" panose="020B0604020202020204" pitchFamily="34" charset="0"/>
+                        <a:buNone/>
+                      </a:pPr>
                       <a:r>
                         <a:rPr lang="en-US" dirty="0" smtClean="0"/>
                         <a:t>Region</a:t>
@@ -9978,6 +12446,10 @@
                     <a:bodyPr/>
                     <a:lstStyle/>
                     <a:p>
+                      <a:pPr marL="0" indent="0">
+                        <a:buFont typeface="Arial" panose="020B0604020202020204" pitchFamily="34" charset="0"/>
+                        <a:buNone/>
+                      </a:pPr>
                       <a:r>
                         <a:rPr lang="en-US" dirty="0" smtClean="0"/>
                         <a:t>Access to Institutions</a:t>
@@ -9998,6 +12470,10 @@
                     <a:bodyPr/>
                     <a:lstStyle/>
                     <a:p>
+                      <a:pPr marL="0" indent="0">
+                        <a:buFont typeface="Arial" panose="020B0604020202020204" pitchFamily="34" charset="0"/>
+                        <a:buNone/>
+                      </a:pPr>
                       <a:r>
                         <a:rPr lang="en-US" dirty="0" smtClean="0"/>
                         <a:t>Efficiency</a:t>
@@ -10016,6 +12492,10 @@
                     <a:bodyPr/>
                     <a:lstStyle/>
                     <a:p>
+                      <a:pPr marL="0" indent="0">
+                        <a:buFont typeface="Arial" panose="020B0604020202020204" pitchFamily="34" charset="0"/>
+                        <a:buNone/>
+                      </a:pPr>
                       <a:r>
                         <a:rPr lang="en-US" dirty="0" smtClean="0"/>
                         <a:t>Safety</a:t>
@@ -10034,6 +12514,10 @@
                     <a:bodyPr/>
                     <a:lstStyle/>
                     <a:p>
+                      <a:pPr marL="0" indent="0">
+                        <a:buFont typeface="Arial" panose="020B0604020202020204" pitchFamily="34" charset="0"/>
+                        <a:buNone/>
+                      </a:pPr>
                       <a:r>
                         <a:rPr lang="en-US" dirty="0" smtClean="0"/>
                         <a:t>Military Interests</a:t>
@@ -10054,6 +12538,10 @@
                     <a:bodyPr/>
                     <a:lstStyle/>
                     <a:p>
+                      <a:pPr marL="0" indent="0">
+                        <a:buFont typeface="Arial" panose="020B0604020202020204" pitchFamily="34" charset="0"/>
+                        <a:buNone/>
+                      </a:pPr>
                       <a:r>
                         <a:rPr lang="en-US" dirty="0" smtClean="0"/>
                         <a:t>Applications</a:t>
@@ -10072,6 +12560,10 @@
                     <a:bodyPr/>
                     <a:lstStyle/>
                     <a:p>
+                      <a:pPr marL="0" indent="0">
+                        <a:buFont typeface="Arial" panose="020B0604020202020204" pitchFamily="34" charset="0"/>
+                        <a:buNone/>
+                      </a:pPr>
                       <a:r>
                         <a:rPr lang="en-US" dirty="0" smtClean="0"/>
                         <a:t>Distance per Fuel Load</a:t>
@@ -10090,6 +12582,10 @@
                     <a:bodyPr/>
                     <a:lstStyle/>
                     <a:p>
+                      <a:pPr marL="0" indent="0">
+                        <a:buFont typeface="Arial" panose="020B0604020202020204" pitchFamily="34" charset="0"/>
+                        <a:buNone/>
+                      </a:pPr>
                       <a:r>
                         <a:rPr lang="en-US" dirty="0" smtClean="0"/>
                         <a:t>R&amp;D Focus</a:t>
@@ -10110,6 +12606,10 @@
                     <a:bodyPr/>
                     <a:lstStyle/>
                     <a:p>
+                      <a:pPr marL="0" indent="0">
+                        <a:buFont typeface="Arial" panose="020B0604020202020204" pitchFamily="34" charset="0"/>
+                        <a:buNone/>
+                      </a:pPr>
                       <a:r>
                         <a:rPr lang="en-US" dirty="0" smtClean="0"/>
                         <a:t>Production Capacity</a:t>
@@ -10128,6 +12628,10 @@
                     <a:bodyPr/>
                     <a:lstStyle/>
                     <a:p>
+                      <a:pPr marL="0" indent="0">
+                        <a:buFont typeface="Arial" panose="020B0604020202020204" pitchFamily="34" charset="0"/>
+                        <a:buNone/>
+                      </a:pPr>
                       <a:r>
                         <a:rPr lang="en-US" dirty="0" smtClean="0"/>
                         <a:t>Price of Fuel</a:t>
@@ -10146,6 +12650,10 @@
                     <a:bodyPr/>
                     <a:lstStyle/>
                     <a:p>
+                      <a:pPr marL="0" indent="0">
+                        <a:buFont typeface="Arial" panose="020B0604020202020204" pitchFamily="34" charset="0"/>
+                        <a:buNone/>
+                      </a:pPr>
                       <a:r>
                         <a:rPr lang="en-US" dirty="0" smtClean="0"/>
                         <a:t>Salary</a:t>
@@ -10166,6 +12674,10 @@
                     <a:bodyPr/>
                     <a:lstStyle/>
                     <a:p>
+                      <a:pPr marL="0" indent="0">
+                        <a:buFont typeface="Arial" panose="020B0604020202020204" pitchFamily="34" charset="0"/>
+                        <a:buNone/>
+                      </a:pPr>
                       <a:r>
                         <a:rPr lang="en-US" dirty="0" smtClean="0"/>
                         <a:t>System Stability</a:t>
@@ -10184,6 +12696,10 @@
                     <a:bodyPr/>
                     <a:lstStyle/>
                     <a:p>
+                      <a:pPr marL="0" indent="0">
+                        <a:buFont typeface="Arial" panose="020B0604020202020204" pitchFamily="34" charset="0"/>
+                        <a:buNone/>
+                      </a:pPr>
                       <a:r>
                         <a:rPr lang="en-US" dirty="0" smtClean="0"/>
                         <a:t>Device Portability</a:t>
@@ -10202,6 +12718,10 @@
                     <a:bodyPr/>
                     <a:lstStyle/>
                     <a:p>
+                      <a:pPr marL="0" indent="0">
+                        <a:buFont typeface="Arial" panose="020B0604020202020204" pitchFamily="34" charset="0"/>
+                        <a:buNone/>
+                      </a:pPr>
                       <a:r>
                         <a:rPr lang="en-US" dirty="0" smtClean="0"/>
                         <a:t>Global Awareness</a:t>
@@ -10222,6 +12742,10 @@
                     <a:bodyPr/>
                     <a:lstStyle/>
                     <a:p>
+                      <a:pPr marL="0" indent="0">
+                        <a:buFont typeface="Arial" panose="020B0604020202020204" pitchFamily="34" charset="0"/>
+                        <a:buNone/>
+                      </a:pPr>
                       <a:r>
                         <a:rPr lang="en-US" dirty="0" smtClean="0"/>
                         <a:t>Operation and Maintenance</a:t>
@@ -10240,6 +12764,10 @@
                     <a:bodyPr/>
                     <a:lstStyle/>
                     <a:p>
+                      <a:pPr marL="0" indent="0">
+                        <a:buFont typeface="Arial" panose="020B0604020202020204" pitchFamily="34" charset="0"/>
+                        <a:buNone/>
+                      </a:pPr>
                       <a:r>
                         <a:rPr lang="en-US" dirty="0" smtClean="0"/>
                         <a:t>Supply</a:t>
@@ -10262,6 +12790,10 @@
                     <a:bodyPr/>
                     <a:lstStyle/>
                     <a:p>
+                      <a:pPr marL="0" indent="0">
+                        <a:buFont typeface="Arial" panose="020B0604020202020204" pitchFamily="34" charset="0"/>
+                        <a:buNone/>
+                      </a:pPr>
                       <a:r>
                         <a:rPr lang="en-US" dirty="0" smtClean="0"/>
                         <a:t>Expertise</a:t>
@@ -10282,6 +12814,10 @@
                     <a:bodyPr/>
                     <a:lstStyle/>
                     <a:p>
+                      <a:pPr marL="0" indent="0">
+                        <a:buFont typeface="Arial" panose="020B0604020202020204" pitchFamily="34" charset="0"/>
+                        <a:buNone/>
+                      </a:pPr>
                       <a:r>
                         <a:rPr lang="en-US" dirty="0" smtClean="0"/>
                         <a:t>Distribution</a:t>
@@ -10304,6 +12840,10 @@
                     <a:bodyPr/>
                     <a:lstStyle/>
                     <a:p>
+                      <a:pPr marL="0" indent="0">
+                        <a:buFont typeface="Arial" panose="020B0604020202020204" pitchFamily="34" charset="0"/>
+                        <a:buNone/>
+                      </a:pPr>
                       <a:r>
                         <a:rPr lang="en-US" dirty="0" smtClean="0"/>
                         <a:t>Market</a:t>
@@ -10326,6 +12866,10 @@
                     <a:bodyPr/>
                     <a:lstStyle/>
                     <a:p>
+                      <a:pPr marL="0" indent="0">
+                        <a:buFont typeface="Arial" panose="020B0604020202020204" pitchFamily="34" charset="0"/>
+                        <a:buNone/>
+                      </a:pPr>
                       <a:r>
                         <a:rPr lang="en-US" dirty="0" smtClean="0"/>
                         <a:t>Environmental Exposure</a:t>
@@ -10346,6 +12890,10 @@
                     <a:bodyPr/>
                     <a:lstStyle/>
                     <a:p>
+                      <a:pPr marL="0" indent="0">
+                        <a:buFont typeface="Arial" panose="020B0604020202020204" pitchFamily="34" charset="0"/>
+                        <a:buNone/>
+                      </a:pPr>
                       <a:r>
                         <a:rPr lang="en-US" dirty="0" smtClean="0"/>
                         <a:t>Fuel Delivery Module</a:t>
@@ -10364,6 +12912,10 @@
                     <a:bodyPr/>
                     <a:lstStyle/>
                     <a:p>
+                      <a:pPr marL="0" indent="0">
+                        <a:buFont typeface="Arial" panose="020B0604020202020204" pitchFamily="34" charset="0"/>
+                        <a:buNone/>
+                      </a:pPr>
                       <a:r>
                         <a:rPr lang="en-US" dirty="0" smtClean="0"/>
                         <a:t>Social Policy</a:t>
@@ -10382,6 +12934,10 @@
                     <a:bodyPr/>
                     <a:lstStyle/>
                     <a:p>
+                      <a:pPr marL="0" indent="0">
+                        <a:buFont typeface="Arial" panose="020B0604020202020204" pitchFamily="34" charset="0"/>
+                        <a:buNone/>
+                      </a:pPr>
                       <a:endParaRPr lang="en-US" dirty="0"/>
                     </a:p>
                   </a:txBody>
@@ -10398,6 +12954,10 @@
                     <a:bodyPr/>
                     <a:lstStyle/>
                     <a:p>
+                      <a:pPr marL="0" indent="0">
+                        <a:buFont typeface="Arial" panose="020B0604020202020204" pitchFamily="34" charset="0"/>
+                        <a:buNone/>
+                      </a:pPr>
                       <a:endParaRPr lang="en-US"/>
                     </a:p>
                   </a:txBody>
@@ -10412,6 +12972,10 @@
                     <a:bodyPr/>
                     <a:lstStyle/>
                     <a:p>
+                      <a:pPr marL="0" indent="0">
+                        <a:buFont typeface="Arial" panose="020B0604020202020204" pitchFamily="34" charset="0"/>
+                        <a:buNone/>
+                      </a:pPr>
                       <a:r>
                         <a:rPr lang="en-US" dirty="0" smtClean="0"/>
                         <a:t>Law and Regulations</a:t>
@@ -10430,6 +12994,10 @@
                     <a:bodyPr/>
                     <a:lstStyle/>
                     <a:p>
+                      <a:pPr marL="0" indent="0">
+                        <a:buFont typeface="Arial" panose="020B0604020202020204" pitchFamily="34" charset="0"/>
+                        <a:buNone/>
+                      </a:pPr>
                       <a:endParaRPr lang="en-US" dirty="0"/>
                     </a:p>
                   </a:txBody>
@@ -10444,15 +13012,61 @@
           </a:graphicData>
         </a:graphic>
       </p:graphicFrame>
+      <p:sp>
+        <p:nvSpPr>
+          <p:cNvPr id="3" name="Espace réservé du pied de page 2"/>
+          <p:cNvSpPr>
+            <a:spLocks noGrp="1"/>
+          </p:cNvSpPr>
+          <p:nvPr>
+            <p:ph type="ftr" sz="quarter" idx="11"/>
+          </p:nvPr>
+        </p:nvSpPr>
+        <p:spPr/>
+        <p:txBody>
+          <a:bodyPr/>
+          <a:lstStyle/>
+          <a:p>
+            <a:r>
+              <a:rPr lang="fr-FR" smtClean="0"/>
+              <a:t>Banmbu - 20/05/2015</a:t>
+            </a:r>
+            <a:endParaRPr lang="fr-FR"/>
+          </a:p>
+        </p:txBody>
+      </p:sp>
+      <p:sp>
+        <p:nvSpPr>
+          <p:cNvPr id="5" name="Espace réservé du numéro de diapositive 4"/>
+          <p:cNvSpPr>
+            <a:spLocks noGrp="1"/>
+          </p:cNvSpPr>
+          <p:nvPr>
+            <p:ph type="sldNum" sz="quarter" idx="12"/>
+          </p:nvPr>
+        </p:nvSpPr>
+        <p:spPr/>
+        <p:txBody>
+          <a:bodyPr/>
+          <a:lstStyle/>
+          <a:p>
+            <a:fld id="{D376626B-8044-4126-A03C-8C0AE257EC41}" type="slidenum">
+              <a:rPr lang="fr-FR" smtClean="0"/>
+              <a:t>4</a:t>
+            </a:fld>
+            <a:endParaRPr lang="fr-FR"/>
+          </a:p>
+        </p:txBody>
+      </p:sp>
     </p:spTree>
     <p:extLst>
       <p:ext uri="{BB962C8B-B14F-4D97-AF65-F5344CB8AC3E}">
-        <p14:creationId xmlns:p14="http://schemas.microsoft.com/office/powerpoint/2010/main" val="2326163581"/>
+        <p14:creationId xmlns:p14="http://schemas.microsoft.com/office/powerpoint/2010/main" val="3304161007"/>
       </p:ext>
     </p:extLst>
   </p:cSld>
   <p:clrMapOvr>
-    <a:overrideClrMapping bg1="lt1" tx1="dk1" bg2="lt2" tx2="dk2" accent1="accent1" accent2="accent2" accent3="accent3" accent4="accent4" accent5="accent5" accent6="accent6" hlink="hlink" folHlink="folHlink"/>
+    <a:masterClrMapping/>
   </p:clrMapOvr>
   <p:timing>
     <p:tnLst>
@@ -10498,7 +13112,7 @@
           <a:p>
             <a:r>
               <a:rPr lang="en-US" dirty="0" smtClean="0"/>
-              <a:t>PROCESS DATA</a:t>
+              <a:t>Process Data</a:t>
             </a:r>
             <a:endParaRPr lang="en-US" dirty="0"/>
           </a:p>
@@ -10527,6 +13141,90 @@
           </a:p>
         </p:txBody>
       </p:sp>
+      <p:sp>
+        <p:nvSpPr>
+          <p:cNvPr id="2" name="Espace réservé du pied de page 1"/>
+          <p:cNvSpPr>
+            <a:spLocks noGrp="1"/>
+          </p:cNvSpPr>
+          <p:nvPr>
+            <p:ph type="ftr" sz="quarter" idx="11"/>
+          </p:nvPr>
+        </p:nvSpPr>
+        <p:spPr/>
+        <p:txBody>
+          <a:bodyPr/>
+          <a:lstStyle/>
+          <a:p>
+            <a:r>
+              <a:rPr lang="fr-FR" smtClean="0"/>
+              <a:t>Banmbu - 20/05/2015</a:t>
+            </a:r>
+            <a:endParaRPr lang="fr-FR"/>
+          </a:p>
+        </p:txBody>
+      </p:sp>
+      <p:sp>
+        <p:nvSpPr>
+          <p:cNvPr id="3" name="Espace réservé du numéro de diapositive 2"/>
+          <p:cNvSpPr>
+            <a:spLocks noGrp="1"/>
+          </p:cNvSpPr>
+          <p:nvPr>
+            <p:ph type="sldNum" sz="quarter" idx="12"/>
+          </p:nvPr>
+        </p:nvSpPr>
+        <p:spPr/>
+        <p:txBody>
+          <a:bodyPr/>
+          <a:lstStyle/>
+          <a:p>
+            <a:fld id="{D376626B-8044-4126-A03C-8C0AE257EC41}" type="slidenum">
+              <a:rPr lang="fr-FR" smtClean="0"/>
+              <a:t>5</a:t>
+            </a:fld>
+            <a:endParaRPr lang="fr-FR"/>
+          </a:p>
+        </p:txBody>
+      </p:sp>
+      <p:pic>
+        <p:nvPicPr>
+          <p:cNvPr id="6" name="Image 5"/>
+          <p:cNvPicPr>
+            <a:picLocks noChangeAspect="1"/>
+          </p:cNvPicPr>
+          <p:nvPr/>
+        </p:nvPicPr>
+        <p:blipFill>
+          <a:blip r:embed="rId2">
+            <a:duotone>
+              <a:schemeClr val="accent4">
+                <a:shade val="45000"/>
+                <a:satMod val="135000"/>
+              </a:schemeClr>
+              <a:prstClr val="white"/>
+            </a:duotone>
+            <a:extLst>
+              <a:ext uri="{28A0092B-C50C-407E-A947-70E740481C1C}">
+                <a14:useLocalDpi xmlns:a14="http://schemas.microsoft.com/office/drawing/2010/main" val="0"/>
+              </a:ext>
+            </a:extLst>
+          </a:blip>
+          <a:stretch>
+            <a:fillRect/>
+          </a:stretch>
+        </p:blipFill>
+        <p:spPr>
+          <a:xfrm>
+            <a:off x="8401493" y="505460"/>
+            <a:ext cx="2754187" cy="3947668"/>
+          </a:xfrm>
+          <a:prstGeom prst="rect">
+            <a:avLst/>
+          </a:prstGeom>
+          <a:noFill/>
+        </p:spPr>
+      </p:pic>
     </p:spTree>
     <p:extLst>
       <p:ext uri="{BB962C8B-B14F-4D97-AF65-F5344CB8AC3E}">
@@ -10589,7 +13287,7 @@
       </p:sp>
       <p:pic>
         <p:nvPicPr>
-          <p:cNvPr id="9" name="Content Placeholder 8"/>
+          <p:cNvPr id="4" name="Espace réservé du contenu 3"/>
           <p:cNvPicPr>
             <a:picLocks noGrp="1" noChangeAspect="1"/>
           </p:cNvPicPr>
@@ -10605,14 +13303,128 @@
         </p:blipFill>
         <p:spPr>
           <a:xfrm>
-            <a:off x="1472401" y="1833489"/>
-            <a:ext cx="9007396" cy="4388218"/>
+            <a:off x="1683067" y="2140178"/>
+            <a:ext cx="8886825" cy="2447925"/>
           </a:xfrm>
           <a:prstGeom prst="rect">
             <a:avLst/>
           </a:prstGeom>
+          <a:ln>
+            <a:solidFill>
+              <a:schemeClr val="accent5"/>
+            </a:solidFill>
+          </a:ln>
         </p:spPr>
       </p:pic>
+      <p:sp>
+        <p:nvSpPr>
+          <p:cNvPr id="5" name="ZoneTexte 4"/>
+          <p:cNvSpPr txBox="1"/>
+          <p:nvPr/>
+        </p:nvSpPr>
+        <p:spPr>
+          <a:xfrm>
+            <a:off x="4513943" y="4588103"/>
+            <a:ext cx="6055949" cy="369332"/>
+          </a:xfrm>
+          <a:prstGeom prst="rect">
+            <a:avLst/>
+          </a:prstGeom>
+          <a:noFill/>
+        </p:spPr>
+        <p:txBody>
+          <a:bodyPr wrap="square" rtlCol="0">
+            <a:spAutoFit/>
+          </a:bodyPr>
+          <a:lstStyle/>
+          <a:p>
+            <a:pPr algn="r"/>
+            <a:r>
+              <a:rPr lang="fr-FR" i="1" dirty="0" err="1" smtClean="0">
+                <a:solidFill>
+                  <a:schemeClr val="accent3"/>
+                </a:solidFill>
+              </a:rPr>
+              <a:t>BambuGMS</a:t>
+            </a:r>
+            <a:r>
+              <a:rPr lang="fr-FR" i="1" dirty="0" smtClean="0">
+                <a:solidFill>
+                  <a:schemeClr val="accent3"/>
+                </a:solidFill>
+              </a:rPr>
+              <a:t> Group contributions. </a:t>
+            </a:r>
+            <a:r>
+              <a:rPr lang="fr-FR" i="1" dirty="0" err="1" smtClean="0">
+                <a:solidFill>
+                  <a:schemeClr val="accent3"/>
+                </a:solidFill>
+              </a:rPr>
+              <a:t>GitHub</a:t>
+            </a:r>
+            <a:r>
+              <a:rPr lang="fr-FR" i="1" dirty="0" smtClean="0">
+                <a:solidFill>
+                  <a:schemeClr val="accent3"/>
+                </a:solidFill>
+              </a:rPr>
+              <a:t>, Inc.</a:t>
+            </a:r>
+            <a:endParaRPr lang="fr-FR" i="1" dirty="0">
+              <a:solidFill>
+                <a:schemeClr val="accent3"/>
+              </a:solidFill>
+            </a:endParaRPr>
+          </a:p>
+        </p:txBody>
+      </p:sp>
+      <p:sp>
+        <p:nvSpPr>
+          <p:cNvPr id="6" name="Espace réservé du pied de page 5"/>
+          <p:cNvSpPr>
+            <a:spLocks noGrp="1"/>
+          </p:cNvSpPr>
+          <p:nvPr>
+            <p:ph type="ftr" sz="quarter" idx="11"/>
+          </p:nvPr>
+        </p:nvSpPr>
+        <p:spPr/>
+        <p:txBody>
+          <a:bodyPr/>
+          <a:lstStyle/>
+          <a:p>
+            <a:r>
+              <a:rPr lang="fr-FR" smtClean="0"/>
+              <a:t>Banmbu - 20/05/2015</a:t>
+            </a:r>
+            <a:endParaRPr lang="fr-FR"/>
+          </a:p>
+        </p:txBody>
+      </p:sp>
+      <p:sp>
+        <p:nvSpPr>
+          <p:cNvPr id="7" name="Espace réservé du numéro de diapositive 6"/>
+          <p:cNvSpPr>
+            <a:spLocks noGrp="1"/>
+          </p:cNvSpPr>
+          <p:nvPr>
+            <p:ph type="sldNum" sz="quarter" idx="12"/>
+          </p:nvPr>
+        </p:nvSpPr>
+        <p:spPr/>
+        <p:txBody>
+          <a:bodyPr/>
+          <a:lstStyle/>
+          <a:p>
+            <a:fld id="{D376626B-8044-4126-A03C-8C0AE257EC41}" type="slidenum">
+              <a:rPr lang="fr-FR" smtClean="0"/>
+              <a:t>6</a:t>
+            </a:fld>
+            <a:endParaRPr lang="fr-FR"/>
+          </a:p>
+        </p:txBody>
+      </p:sp>
     </p:spTree>
     <p:extLst>
       <p:ext uri="{BB962C8B-B14F-4D97-AF65-F5344CB8AC3E}">
@@ -10667,7 +13479,11 @@
           <a:p>
             <a:r>
               <a:rPr lang="en-US" dirty="0" smtClean="0"/>
-              <a:t>IAR PROGRESS</a:t>
+              <a:t>IAR </a:t>
+            </a:r>
+            <a:r>
+              <a:rPr lang="en-US" dirty="0" smtClean="0"/>
+              <a:t>Progress</a:t>
             </a:r>
             <a:endParaRPr lang="en-US" dirty="0"/>
           </a:p>
@@ -10696,6 +13512,90 @@
           </a:p>
         </p:txBody>
       </p:sp>
+      <p:sp>
+        <p:nvSpPr>
+          <p:cNvPr id="2" name="Espace réservé du pied de page 1"/>
+          <p:cNvSpPr>
+            <a:spLocks noGrp="1"/>
+          </p:cNvSpPr>
+          <p:nvPr>
+            <p:ph type="ftr" sz="quarter" idx="11"/>
+          </p:nvPr>
+        </p:nvSpPr>
+        <p:spPr/>
+        <p:txBody>
+          <a:bodyPr/>
+          <a:lstStyle/>
+          <a:p>
+            <a:r>
+              <a:rPr lang="fr-FR" smtClean="0"/>
+              <a:t>Banmbu - 20/05/2015</a:t>
+            </a:r>
+            <a:endParaRPr lang="fr-FR"/>
+          </a:p>
+        </p:txBody>
+      </p:sp>
+      <p:sp>
+        <p:nvSpPr>
+          <p:cNvPr id="3" name="Espace réservé du numéro de diapositive 2"/>
+          <p:cNvSpPr>
+            <a:spLocks noGrp="1"/>
+          </p:cNvSpPr>
+          <p:nvPr>
+            <p:ph type="sldNum" sz="quarter" idx="12"/>
+          </p:nvPr>
+        </p:nvSpPr>
+        <p:spPr/>
+        <p:txBody>
+          <a:bodyPr/>
+          <a:lstStyle/>
+          <a:p>
+            <a:fld id="{D376626B-8044-4126-A03C-8C0AE257EC41}" type="slidenum">
+              <a:rPr lang="fr-FR" smtClean="0"/>
+              <a:t>7</a:t>
+            </a:fld>
+            <a:endParaRPr lang="fr-FR"/>
+          </a:p>
+        </p:txBody>
+      </p:sp>
+      <p:pic>
+        <p:nvPicPr>
+          <p:cNvPr id="6" name="Image 5"/>
+          <p:cNvPicPr>
+            <a:picLocks noChangeAspect="1"/>
+          </p:cNvPicPr>
+          <p:nvPr/>
+        </p:nvPicPr>
+        <p:blipFill>
+          <a:blip r:embed="rId2">
+            <a:duotone>
+              <a:schemeClr val="accent4">
+                <a:shade val="45000"/>
+                <a:satMod val="135000"/>
+              </a:schemeClr>
+              <a:prstClr val="white"/>
+            </a:duotone>
+            <a:extLst>
+              <a:ext uri="{28A0092B-C50C-407E-A947-70E740481C1C}">
+                <a14:useLocalDpi xmlns:a14="http://schemas.microsoft.com/office/drawing/2010/main" val="0"/>
+              </a:ext>
+            </a:extLst>
+          </a:blip>
+          <a:stretch>
+            <a:fillRect/>
+          </a:stretch>
+        </p:blipFill>
+        <p:spPr>
+          <a:xfrm>
+            <a:off x="8401493" y="505460"/>
+            <a:ext cx="2754187" cy="3947668"/>
+          </a:xfrm>
+          <a:prstGeom prst="rect">
+            <a:avLst/>
+          </a:prstGeom>
+          <a:noFill/>
+        </p:spPr>
+      </p:pic>
     </p:spTree>
     <p:extLst>
       <p:ext uri="{BB962C8B-B14F-4D97-AF65-F5344CB8AC3E}">
@@ -10743,11 +13643,7 @@
           <a:p>
             <a:r>
               <a:rPr lang="en-US" dirty="0" smtClean="0"/>
-              <a:t>IAR </a:t>
-            </a:r>
-            <a:r>
-              <a:rPr lang="en-US" dirty="0" smtClean="0"/>
-              <a:t>Progress : Completed Tasks</a:t>
+              <a:t>IAR Progress : Completed Tasks</a:t>
             </a:r>
             <a:endParaRPr lang="en-US" dirty="0"/>
           </a:p>
@@ -11043,6 +13939,52 @@
           </a:graphicData>
         </a:graphic>
       </p:graphicFrame>
+      <p:sp>
+        <p:nvSpPr>
+          <p:cNvPr id="3" name="Espace réservé du pied de page 2"/>
+          <p:cNvSpPr>
+            <a:spLocks noGrp="1"/>
+          </p:cNvSpPr>
+          <p:nvPr>
+            <p:ph type="ftr" sz="quarter" idx="11"/>
+          </p:nvPr>
+        </p:nvSpPr>
+        <p:spPr/>
+        <p:txBody>
+          <a:bodyPr/>
+          <a:lstStyle/>
+          <a:p>
+            <a:r>
+              <a:rPr lang="fr-FR" smtClean="0"/>
+              <a:t>Banmbu - 20/05/2015</a:t>
+            </a:r>
+            <a:endParaRPr lang="fr-FR"/>
+          </a:p>
+        </p:txBody>
+      </p:sp>
+      <p:sp>
+        <p:nvSpPr>
+          <p:cNvPr id="4" name="Espace réservé du numéro de diapositive 3"/>
+          <p:cNvSpPr>
+            <a:spLocks noGrp="1"/>
+          </p:cNvSpPr>
+          <p:nvPr>
+            <p:ph type="sldNum" sz="quarter" idx="12"/>
+          </p:nvPr>
+        </p:nvSpPr>
+        <p:spPr/>
+        <p:txBody>
+          <a:bodyPr/>
+          <a:lstStyle/>
+          <a:p>
+            <a:fld id="{D376626B-8044-4126-A03C-8C0AE257EC41}" type="slidenum">
+              <a:rPr lang="fr-FR" smtClean="0"/>
+              <a:t>8</a:t>
+            </a:fld>
+            <a:endParaRPr lang="fr-FR"/>
+          </a:p>
+        </p:txBody>
+      </p:sp>
     </p:spTree>
     <p:extLst>
       <p:ext uri="{BB962C8B-B14F-4D97-AF65-F5344CB8AC3E}">
@@ -11417,10 +14359,10 @@
         </p:nvGrpSpPr>
         <p:grpSpPr>
           <a:xfrm>
-            <a:off x="533400" y="4335212"/>
-            <a:ext cx="3949700" cy="1514277"/>
-            <a:chOff x="6921500" y="2802370"/>
-            <a:chExt cx="3949700" cy="1514277"/>
+            <a:off x="533400" y="4320698"/>
+            <a:ext cx="3949700" cy="1528791"/>
+            <a:chOff x="6921500" y="2787856"/>
+            <a:chExt cx="3949700" cy="1528791"/>
           </a:xfrm>
         </p:grpSpPr>
         <p:sp>
@@ -11431,8 +14373,8 @@
           </p:nvSpPr>
           <p:spPr>
             <a:xfrm>
-              <a:off x="8255000" y="2802370"/>
-              <a:ext cx="1282700" cy="1206500"/>
+              <a:off x="8240486" y="2787856"/>
+              <a:ext cx="1296000" cy="1224000"/>
             </a:xfrm>
             <a:prstGeom prst="pie">
               <a:avLst>
@@ -11609,11 +14551,6 @@
                 </a:rPr>
                 <a:t>IAR : Future Perspectives</a:t>
               </a:r>
-              <a:endParaRPr lang="en-US" sz="1400" b="1" dirty="0">
-                <a:solidFill>
-                  <a:schemeClr val="accent1"/>
-                </a:solidFill>
-              </a:endParaRPr>
             </a:p>
           </p:txBody>
         </p:sp>
@@ -11709,11 +14646,6 @@
                 </a:rPr>
                 <a:t>IAR : Final Revision</a:t>
               </a:r>
-              <a:endParaRPr lang="en-US" sz="1400" b="1" dirty="0">
-                <a:solidFill>
-                  <a:schemeClr val="accent1"/>
-                </a:solidFill>
-              </a:endParaRPr>
             </a:p>
           </p:txBody>
         </p:sp>
@@ -12204,6 +15136,52 @@
           </p:txBody>
         </p:sp>
       </p:grpSp>
+      <p:sp>
+        <p:nvSpPr>
+          <p:cNvPr id="3" name="Espace réservé du pied de page 2"/>
+          <p:cNvSpPr>
+            <a:spLocks noGrp="1"/>
+          </p:cNvSpPr>
+          <p:nvPr>
+            <p:ph type="ftr" sz="quarter" idx="11"/>
+          </p:nvPr>
+        </p:nvSpPr>
+        <p:spPr/>
+        <p:txBody>
+          <a:bodyPr/>
+          <a:lstStyle/>
+          <a:p>
+            <a:r>
+              <a:rPr lang="fr-FR" smtClean="0"/>
+              <a:t>Banmbu - 20/05/2015</a:t>
+            </a:r>
+            <a:endParaRPr lang="fr-FR"/>
+          </a:p>
+        </p:txBody>
+      </p:sp>
+      <p:sp>
+        <p:nvSpPr>
+          <p:cNvPr id="4" name="Espace réservé du numéro de diapositive 3"/>
+          <p:cNvSpPr>
+            <a:spLocks noGrp="1"/>
+          </p:cNvSpPr>
+          <p:nvPr>
+            <p:ph type="sldNum" sz="quarter" idx="12"/>
+          </p:nvPr>
+        </p:nvSpPr>
+        <p:spPr/>
+        <p:txBody>
+          <a:bodyPr/>
+          <a:lstStyle/>
+          <a:p>
+            <a:fld id="{D376626B-8044-4126-A03C-8C0AE257EC41}" type="slidenum">
+              <a:rPr lang="fr-FR" smtClean="0"/>
+              <a:t>9</a:t>
+            </a:fld>
+            <a:endParaRPr lang="fr-FR"/>
+          </a:p>
+        </p:txBody>
+      </p:sp>
     </p:spTree>
     <p:extLst>
       <p:ext uri="{BB962C8B-B14F-4D97-AF65-F5344CB8AC3E}">
@@ -12220,7 +15198,7 @@
 <file path=ppt/theme/theme1.xml><?xml version="1.0" encoding="utf-8"?>
 <a:theme xmlns:a="http://schemas.openxmlformats.org/drawingml/2006/main" name="Rétrospective">
   <a:themeElements>
-    <a:clrScheme name="Personnalisé 9">
+    <a:clrScheme name="Personnalisé 15">
       <a:dk1>
         <a:sysClr val="windowText" lastClr="000000"/>
       </a:dk1>
@@ -12228,34 +15206,34 @@
         <a:sysClr val="window" lastClr="FFFFFF"/>
       </a:lt1>
       <a:dk2>
-        <a:srgbClr val="455F51"/>
+        <a:srgbClr val="373545"/>
       </a:dk2>
       <a:lt2>
-        <a:srgbClr val="E2DFCC"/>
+        <a:srgbClr val="CEDBE6"/>
       </a:lt2>
       <a:accent1>
-        <a:srgbClr val="297D53"/>
+        <a:srgbClr val="1E467C"/>
       </a:accent1>
       <a:accent2>
-        <a:srgbClr val="004219"/>
+        <a:srgbClr val="0C0555"/>
       </a:accent2>
       <a:accent3>
-        <a:srgbClr val="37A76F"/>
+        <a:srgbClr val="646464"/>
       </a:accent3>
       <a:accent4>
-        <a:srgbClr val="44C1A3"/>
+        <a:srgbClr val="A5A5A5"/>
       </a:accent4>
       <a:accent5>
-        <a:srgbClr val="4EB3CF"/>
+        <a:srgbClr val="A5A5A5"/>
       </a:accent5>
       <a:accent6>
-        <a:srgbClr val="51C3F9"/>
+        <a:srgbClr val="2683C6"/>
       </a:accent6>
       <a:hlink>
-        <a:srgbClr val="008000"/>
+        <a:srgbClr val="002060"/>
       </a:hlink>
       <a:folHlink>
-        <a:srgbClr val="B26B02"/>
+        <a:srgbClr val="CC0099"/>
       </a:folHlink>
     </a:clrScheme>
     <a:fontScheme name="Rétrospective">
@@ -12759,47 +15737,4 @@
     </a:ext>
   </a:extLst>
 </a:theme>
-</file>
-
-<file path=ppt/theme/themeOverride1.xml><?xml version="1.0" encoding="utf-8"?>
-<a:themeOverride xmlns:a="http://schemas.openxmlformats.org/drawingml/2006/main">
-  <a:clrScheme name="Personnalisé 9">
-    <a:dk1>
-      <a:sysClr val="windowText" lastClr="000000"/>
-    </a:dk1>
-    <a:lt1>
-      <a:sysClr val="window" lastClr="FFFFFF"/>
-    </a:lt1>
-    <a:dk2>
-      <a:srgbClr val="455F51"/>
-    </a:dk2>
-    <a:lt2>
-      <a:srgbClr val="E2DFCC"/>
-    </a:lt2>
-    <a:accent1>
-      <a:srgbClr val="297D53"/>
-    </a:accent1>
-    <a:accent2>
-      <a:srgbClr val="004219"/>
-    </a:accent2>
-    <a:accent3>
-      <a:srgbClr val="37A76F"/>
-    </a:accent3>
-    <a:accent4>
-      <a:srgbClr val="44C1A3"/>
-    </a:accent4>
-    <a:accent5>
-      <a:srgbClr val="4EB3CF"/>
-    </a:accent5>
-    <a:accent6>
-      <a:srgbClr val="51C3F9"/>
-    </a:accent6>
-    <a:hlink>
-      <a:srgbClr val="008000"/>
-    </a:hlink>
-    <a:folHlink>
-      <a:srgbClr val="B26B02"/>
-    </a:folHlink>
-  </a:clrScheme>
-</a:themeOverride>
 </file>
--- a/Assignments/Presentations/2015.05.20Presentation_2.pptx
+++ b/Assignments/Presentations/2015.05.20Presentation_2.pptx
@@ -138,7 +138,7 @@
 <file path=ppt/charts/chart1.xml><?xml version="1.0" encoding="utf-8"?>
 <c:chartSpace xmlns:c="http://schemas.openxmlformats.org/drawingml/2006/chart" xmlns:a="http://schemas.openxmlformats.org/drawingml/2006/main" xmlns:r="http://schemas.openxmlformats.org/officeDocument/2006/relationships">
   <c:date1904 val="0"/>
-  <c:lang val="fr-FR"/>
+  <c:lang val="en-US"/>
   <c:roundedCorners val="0"/>
   <mc:AlternateContent xmlns:mc="http://schemas.openxmlformats.org/markup-compatibility/2006">
     <mc:Choice xmlns:c14="http://schemas.microsoft.com/office/drawing/2007/8/2/chart" Requires="c14">
@@ -198,7 +198,7 @@
                     <a:cs typeface="+mn-cs"/>
                   </a:defRPr>
                 </a:pPr>
-                <a:endParaRPr lang="fr-FR"/>
+                <a:endParaRPr lang="en-US"/>
               </a:p>
             </c:txPr>
             <c:dLblPos val="ctr"/>
@@ -353,7 +353,7 @@
                     <a:cs typeface="+mn-cs"/>
                   </a:defRPr>
                 </a:pPr>
-                <a:endParaRPr lang="fr-FR"/>
+                <a:endParaRPr lang="en-US"/>
               </a:p>
             </c:txPr>
             <c:dLblPos val="ctr"/>
@@ -477,8 +477,8 @@
         </c:dLbls>
         <c:gapWidth val="150"/>
         <c:overlap val="100"/>
-        <c:axId val="1164739312"/>
-        <c:axId val="1164739856"/>
+        <c:axId val="241818752"/>
+        <c:axId val="241817072"/>
         <c:extLst>
           <c:ext xmlns:c15="http://schemas.microsoft.com/office/drawing/2012/chart" uri="{02D57815-91ED-43cb-92C2-25804820EDAC}">
             <c15:filteredBarSeries>
@@ -524,7 +524,7 @@
                           <a:cs typeface="+mn-cs"/>
                         </a:defRPr>
                       </a:pPr>
-                      <a:endParaRPr lang="fr-FR"/>
+                      <a:endParaRPr lang="en-US"/>
                     </a:p>
                   </c:txPr>
                   <c:dLblPos val="ctr"/>
@@ -635,7 +635,7 @@
         </c:extLst>
       </c:barChart>
       <c:catAx>
-        <c:axId val="1164739312"/>
+        <c:axId val="241818752"/>
         <c:scaling>
           <c:orientation val="minMax"/>
         </c:scaling>
@@ -675,10 +675,10 @@
                 <a:cs typeface="+mn-cs"/>
               </a:defRPr>
             </a:pPr>
-            <a:endParaRPr lang="fr-FR"/>
+            <a:endParaRPr lang="en-US"/>
           </a:p>
         </c:txPr>
-        <c:crossAx val="1164739856"/>
+        <c:crossAx val="241817072"/>
         <c:crosses val="autoZero"/>
         <c:auto val="1"/>
         <c:lblAlgn val="ctr"/>
@@ -686,7 +686,7 @@
         <c:noMultiLvlLbl val="0"/>
       </c:catAx>
       <c:valAx>
-        <c:axId val="1164739856"/>
+        <c:axId val="241817072"/>
         <c:scaling>
           <c:orientation val="minMax"/>
         </c:scaling>
@@ -720,10 +720,10 @@
                 <a:cs typeface="+mn-cs"/>
               </a:defRPr>
             </a:pPr>
-            <a:endParaRPr lang="fr-FR"/>
+            <a:endParaRPr lang="en-US"/>
           </a:p>
         </c:txPr>
-        <c:crossAx val="1164739312"/>
+        <c:crossAx val="241818752"/>
         <c:crosses val="autoZero"/>
         <c:crossBetween val="between"/>
       </c:valAx>
@@ -763,7 +763,7 @@
               <a:cs typeface="+mn-cs"/>
             </a:defRPr>
           </a:pPr>
-          <a:endParaRPr lang="fr-FR"/>
+          <a:endParaRPr lang="en-US"/>
         </a:p>
       </c:txPr>
     </c:legend>
@@ -785,7 +785,7 @@
       <a:pPr>
         <a:defRPr/>
       </a:pPr>
-      <a:endParaRPr lang="fr-FR"/>
+      <a:endParaRPr lang="en-US"/>
     </a:p>
   </c:txPr>
   <c:externalData r:id="rId3">
@@ -6191,7 +6191,7 @@
           <a:p>
             <a:fld id="{3C34E867-41F4-48E7-8B36-52D0CC1AAFEA}" type="slidenum">
               <a:rPr lang="en-US" smtClean="0"/>
-              <a:t>‹N°›</a:t>
+              <a:t>‹#›</a:t>
             </a:fld>
             <a:endParaRPr lang="en-US"/>
           </a:p>
@@ -6656,7 +6656,7 @@
           <a:p>
             <a:fld id="{D376626B-8044-4126-A03C-8C0AE257EC41}" type="slidenum">
               <a:rPr lang="fr-FR" smtClean="0"/>
-              <a:t>‹N°›</a:t>
+              <a:t>‹#›</a:t>
             </a:fld>
             <a:endParaRPr lang="fr-FR"/>
           </a:p>
@@ -6868,7 +6868,7 @@
           <a:p>
             <a:fld id="{D376626B-8044-4126-A03C-8C0AE257EC41}" type="slidenum">
               <a:rPr lang="fr-FR" smtClean="0"/>
-              <a:t>‹N°›</a:t>
+              <a:t>‹#›</a:t>
             </a:fld>
             <a:endParaRPr lang="fr-FR"/>
           </a:p>
@@ -7128,7 +7128,7 @@
           <a:p>
             <a:fld id="{D376626B-8044-4126-A03C-8C0AE257EC41}" type="slidenum">
               <a:rPr lang="fr-FR" smtClean="0"/>
-              <a:t>‹N°›</a:t>
+              <a:t>‹#›</a:t>
             </a:fld>
             <a:endParaRPr lang="fr-FR"/>
           </a:p>
@@ -7302,7 +7302,7 @@
           <a:p>
             <a:fld id="{D376626B-8044-4126-A03C-8C0AE257EC41}" type="slidenum">
               <a:rPr lang="fr-FR" smtClean="0"/>
-              <a:t>‹N°›</a:t>
+              <a:t>‹#›</a:t>
             </a:fld>
             <a:endParaRPr lang="fr-FR"/>
           </a:p>
@@ -7649,7 +7649,7 @@
           <a:p>
             <a:fld id="{D376626B-8044-4126-A03C-8C0AE257EC41}" type="slidenum">
               <a:rPr lang="fr-FR" smtClean="0"/>
-              <a:t>‹N°›</a:t>
+              <a:t>‹#›</a:t>
             </a:fld>
             <a:endParaRPr lang="fr-FR"/>
           </a:p>
@@ -7928,7 +7928,7 @@
           <a:p>
             <a:fld id="{D376626B-8044-4126-A03C-8C0AE257EC41}" type="slidenum">
               <a:rPr lang="fr-FR" smtClean="0"/>
-              <a:t>‹N°›</a:t>
+              <a:t>‹#›</a:t>
             </a:fld>
             <a:endParaRPr lang="fr-FR"/>
           </a:p>
@@ -8311,7 +8311,7 @@
           <a:p>
             <a:fld id="{D376626B-8044-4126-A03C-8C0AE257EC41}" type="slidenum">
               <a:rPr lang="fr-FR" smtClean="0"/>
-              <a:t>‹N°›</a:t>
+              <a:t>‹#›</a:t>
             </a:fld>
             <a:endParaRPr lang="fr-FR"/>
           </a:p>
@@ -8433,7 +8433,7 @@
           <a:p>
             <a:fld id="{D376626B-8044-4126-A03C-8C0AE257EC41}" type="slidenum">
               <a:rPr lang="fr-FR" smtClean="0"/>
-              <a:t>‹N°›</a:t>
+              <a:t>‹#›</a:t>
             </a:fld>
             <a:endParaRPr lang="fr-FR"/>
           </a:p>
@@ -8616,7 +8616,7 @@
           <a:p>
             <a:fld id="{D376626B-8044-4126-A03C-8C0AE257EC41}" type="slidenum">
               <a:rPr lang="fr-FR" smtClean="0"/>
-              <a:t>‹N°›</a:t>
+              <a:t>‹#›</a:t>
             </a:fld>
             <a:endParaRPr lang="fr-FR"/>
           </a:p>
@@ -8987,7 +8987,7 @@
           <a:p>
             <a:fld id="{D376626B-8044-4126-A03C-8C0AE257EC41}" type="slidenum">
               <a:rPr lang="fr-FR" smtClean="0"/>
-              <a:t>‹N°›</a:t>
+              <a:t>‹#›</a:t>
             </a:fld>
             <a:endParaRPr lang="fr-FR"/>
           </a:p>
@@ -9347,7 +9347,7 @@
           <a:p>
             <a:fld id="{D376626B-8044-4126-A03C-8C0AE257EC41}" type="slidenum">
               <a:rPr lang="fr-FR" smtClean="0"/>
-              <a:t>‹N°›</a:t>
+              <a:t>‹#›</a:t>
             </a:fld>
             <a:endParaRPr lang="fr-FR"/>
           </a:p>
@@ -9670,7 +9670,7 @@
           <a:p>
             <a:fld id="{D376626B-8044-4126-A03C-8C0AE257EC41}" type="slidenum">
               <a:rPr lang="fr-FR" smtClean="0"/>
-              <a:t>‹N°›</a:t>
+              <a:t>‹#›</a:t>
             </a:fld>
             <a:endParaRPr lang="fr-FR"/>
           </a:p>
@@ -9714,58 +9714,36 @@
           </a:fontRef>
         </p:style>
       </p:cxnSp>
-      <p:sp>
-        <p:nvSpPr>
-          <p:cNvPr id="12" name="Rectangle 11"/>
-          <p:cNvSpPr>
-            <a:spLocks noChangeAspect="1"/>
-          </p:cNvSpPr>
+      <p:pic>
+        <p:nvPicPr>
+          <p:cNvPr id="8" name="Picture 7"/>
+          <p:cNvPicPr>
+            <a:picLocks noChangeAspect="1"/>
+          </p:cNvPicPr>
           <p:nvPr userDrawn="1"/>
-        </p:nvSpPr>
+        </p:nvPicPr>
+        <p:blipFill>
+          <a:blip r:embed="rId13" cstate="print">
+            <a:extLst>
+              <a:ext uri="{28A0092B-C50C-407E-A947-70E740481C1C}">
+                <a14:useLocalDpi xmlns:a14="http://schemas.microsoft.com/office/drawing/2010/main" val="0"/>
+              </a:ext>
+            </a:extLst>
+          </a:blip>
+          <a:stretch>
+            <a:fillRect/>
+          </a:stretch>
+        </p:blipFill>
         <p:spPr>
           <a:xfrm>
-            <a:off x="10400819" y="711917"/>
-            <a:ext cx="757268" cy="1025695"/>
+            <a:off x="10452419" y="729605"/>
+            <a:ext cx="703261" cy="1008000"/>
           </a:xfrm>
           <a:prstGeom prst="rect">
             <a:avLst/>
           </a:prstGeom>
-          <a:blipFill dpi="0" rotWithShape="1">
-            <a:blip r:embed="rId13"/>
-            <a:srcRect/>
-            <a:stretch>
-              <a:fillRect/>
-            </a:stretch>
-          </a:blipFill>
-          <a:ln>
-            <a:noFill/>
-          </a:ln>
         </p:spPr>
-        <p:style>
-          <a:lnRef idx="2">
-            <a:schemeClr val="accent1">
-              <a:shade val="50000"/>
-            </a:schemeClr>
-          </a:lnRef>
-          <a:fillRef idx="1">
-            <a:schemeClr val="accent1"/>
-          </a:fillRef>
-          <a:effectRef idx="0">
-            <a:schemeClr val="accent1"/>
-          </a:effectRef>
-          <a:fontRef idx="minor">
-            <a:schemeClr val="lt1"/>
-          </a:fontRef>
-        </p:style>
-        <p:txBody>
-          <a:bodyPr rtlCol="0" anchor="ctr"/>
-          <a:lstStyle/>
-          <a:p>
-            <a:pPr algn="ctr"/>
-            <a:endParaRPr lang="de-DE" sz="1800"/>
-          </a:p>
-        </p:txBody>
-      </p:sp>
+      </p:pic>
     </p:spTree>
     <p:extLst>
       <p:ext uri="{BB962C8B-B14F-4D97-AF65-F5344CB8AC3E}">
@@ -10208,11 +10186,7 @@
           <a:p>
             <a:r>
               <a:rPr lang="en-US" sz="6000" dirty="0" smtClean="0"/>
-              <a:t>FUEL CELLS </a:t>
-            </a:r>
-            <a:r>
-              <a:rPr lang="en-US" sz="6000" dirty="0" smtClean="0"/>
-              <a:t>IAR – WEEK 12 PROGRESS REPORT</a:t>
+              <a:t>FUEL CELLS IAR – WEEK 12 PROGRESS REPORT</a:t>
             </a:r>
             <a:endParaRPr lang="en-US" sz="6000" dirty="0"/>
           </a:p>
@@ -10578,7 +10552,7 @@
         </p:nvGraphicFramePr>
         <p:xfrm>
           <a:off x="1617028" y="1826933"/>
-          <a:ext cx="8902827" cy="817626"/>
+          <a:ext cx="8902827" cy="834898"/>
         </p:xfrm>
         <a:graphic>
           <a:graphicData uri="http://schemas.openxmlformats.org/drawingml/2006/table">
@@ -11110,7 +11084,7 @@
         </p:nvGraphicFramePr>
         <p:xfrm>
           <a:off x="1615440" y="5484670"/>
-          <a:ext cx="9019413" cy="639128"/>
+          <a:ext cx="9019413" cy="668655"/>
         </p:xfrm>
         <a:graphic>
           <a:graphicData uri="http://schemas.openxmlformats.org/drawingml/2006/table">
@@ -13479,11 +13453,7 @@
           <a:p>
             <a:r>
               <a:rPr lang="en-US" dirty="0" smtClean="0"/>
-              <a:t>IAR </a:t>
-            </a:r>
-            <a:r>
-              <a:rPr lang="en-US" dirty="0" smtClean="0"/>
-              <a:t>Progress</a:t>
+              <a:t>IAR Progress</a:t>
             </a:r>
             <a:endParaRPr lang="en-US" dirty="0"/>
           </a:p>

--- a/Assignments/Presentations/2015.05.20Presentation_2.pptx
+++ b/Assignments/Presentations/2015.05.20Presentation_2.pptx
@@ -5,7 +5,7 @@
     <p:sldMasterId id="2147483696" r:id="rId1"/>
   </p:sldMasterIdLst>
   <p:notesMasterIdLst>
-    <p:notesMasterId r:id="rId12"/>
+    <p:notesMasterId r:id="rId11"/>
   </p:notesMasterIdLst>
   <p:sldIdLst>
     <p:sldId id="285" r:id="rId2"/>
@@ -17,7 +17,6 @@
     <p:sldId id="296" r:id="rId8"/>
     <p:sldId id="293" r:id="rId9"/>
     <p:sldId id="295" r:id="rId10"/>
-    <p:sldId id="294" r:id="rId11"/>
   </p:sldIdLst>
   <p:sldSz cx="12192000" cy="6858000"/>
   <p:notesSz cx="6858000" cy="9144000"/>
@@ -133,1197 +132,6 @@
     </p:ext>
   </p:extLst>
 </p:presentation>
-</file>
-
-<file path=ppt/charts/chart1.xml><?xml version="1.0" encoding="utf-8"?>
-<c:chartSpace xmlns:c="http://schemas.openxmlformats.org/drawingml/2006/chart" xmlns:a="http://schemas.openxmlformats.org/drawingml/2006/main" xmlns:r="http://schemas.openxmlformats.org/officeDocument/2006/relationships">
-  <c:date1904 val="0"/>
-  <c:lang val="en-US"/>
-  <c:roundedCorners val="0"/>
-  <mc:AlternateContent xmlns:mc="http://schemas.openxmlformats.org/markup-compatibility/2006">
-    <mc:Choice xmlns:c14="http://schemas.microsoft.com/office/drawing/2007/8/2/chart" Requires="c14">
-      <c14:style val="101"/>
-    </mc:Choice>
-    <mc:Fallback>
-      <c:style val="1"/>
-    </mc:Fallback>
-  </mc:AlternateContent>
-  <c:chart>
-    <c:autoTitleDeleted val="1"/>
-    <c:plotArea>
-      <c:layout/>
-      <c:barChart>
-        <c:barDir val="bar"/>
-        <c:grouping val="percentStacked"/>
-        <c:varyColors val="0"/>
-        <c:ser>
-          <c:idx val="0"/>
-          <c:order val="0"/>
-          <c:spPr>
-            <a:solidFill>
-              <a:schemeClr val="dk1">
-                <a:tint val="88500"/>
-              </a:schemeClr>
-            </a:solidFill>
-            <a:ln>
-              <a:noFill/>
-            </a:ln>
-            <a:effectLst/>
-          </c:spPr>
-          <c:invertIfNegative val="0"/>
-          <c:dLbls>
-            <c:spPr>
-              <a:noFill/>
-              <a:ln>
-                <a:noFill/>
-              </a:ln>
-              <a:effectLst/>
-            </c:spPr>
-            <c:txPr>
-              <a:bodyPr rot="0" spcFirstLastPara="1" vertOverflow="ellipsis" vert="horz" wrap="square" lIns="38100" tIns="19050" rIns="38100" bIns="19050" anchor="ctr" anchorCtr="1">
-                <a:spAutoFit/>
-              </a:bodyPr>
-              <a:lstStyle/>
-              <a:p>
-                <a:pPr>
-                  <a:defRPr sz="1197" b="0" i="0" u="none" strike="noStrike" kern="1200" baseline="0">
-                    <a:solidFill>
-                      <a:schemeClr val="tx1">
-                        <a:lumMod val="75000"/>
-                        <a:lumOff val="25000"/>
-                      </a:schemeClr>
-                    </a:solidFill>
-                    <a:latin typeface="+mn-lt"/>
-                    <a:ea typeface="+mn-ea"/>
-                    <a:cs typeface="+mn-cs"/>
-                  </a:defRPr>
-                </a:pPr>
-                <a:endParaRPr lang="en-US"/>
-              </a:p>
-            </c:txPr>
-            <c:dLblPos val="ctr"/>
-            <c:showLegendKey val="0"/>
-            <c:showVal val="1"/>
-            <c:showCatName val="0"/>
-            <c:showSerName val="0"/>
-            <c:showPercent val="0"/>
-            <c:showBubbleSize val="0"/>
-            <c:showLeaderLines val="0"/>
-            <c:extLst>
-              <c:ext xmlns:c15="http://schemas.microsoft.com/office/drawing/2012/chart" uri="{CE6537A1-D6FC-4f65-9D91-7224C49458BB}">
-                <c15:layout/>
-                <c15:showLeaderLines val="1"/>
-                <c15:leaderLines>
-                  <c:spPr>
-                    <a:ln w="9525" cap="flat" cmpd="sng" algn="ctr">
-                      <a:solidFill>
-                        <a:schemeClr val="tx1">
-                          <a:lumMod val="35000"/>
-                          <a:lumOff val="65000"/>
-                        </a:schemeClr>
-                      </a:solidFill>
-                      <a:round/>
-                    </a:ln>
-                    <a:effectLst/>
-                  </c:spPr>
-                </c15:leaderLines>
-              </c:ext>
-            </c:extLst>
-          </c:dLbls>
-          <c:val>
-            <c:numRef>
-              <c:f>Sheet1!$B$2:$B$7</c:f>
-              <c:numCache>
-                <c:formatCode>General</c:formatCode>
-                <c:ptCount val="6"/>
-                <c:pt idx="0">
-                  <c:v>95</c:v>
-                </c:pt>
-                <c:pt idx="1">
-                  <c:v>85</c:v>
-                </c:pt>
-                <c:pt idx="2">
-                  <c:v>3.5</c:v>
-                </c:pt>
-                <c:pt idx="3">
-                  <c:v>4.5</c:v>
-                </c:pt>
-              </c:numCache>
-            </c:numRef>
-          </c:val>
-          <c:extLst>
-            <c:ext xmlns:c15="http://schemas.microsoft.com/office/drawing/2012/chart" uri="{02D57815-91ED-43cb-92C2-25804820EDAC}">
-              <c15:filteredSeriesTitle>
-                <c15:tx>
-                  <c:strRef>
-                    <c:extLst>
-                      <c:ext uri="{02D57815-91ED-43cb-92C2-25804820EDAC}">
-                        <c15:formulaRef>
-                          <c15:sqref>Sheet1!$B$1</c15:sqref>
-                        </c15:formulaRef>
-                      </c:ext>
-                    </c:extLst>
-                    <c:strCache>
-                      <c:ptCount val="1"/>
-                      <c:pt idx="0">
-                        <c:v>Completed</c:v>
-                      </c:pt>
-                    </c:strCache>
-                  </c:strRef>
-                </c15:tx>
-              </c15:filteredSeriesTitle>
-            </c:ext>
-            <c:ext xmlns:c15="http://schemas.microsoft.com/office/drawing/2012/chart" uri="{02D57815-91ED-43cb-92C2-25804820EDAC}">
-              <c15:filteredCategoryTitle>
-                <c15:cat>
-                  <c:strRef>
-                    <c:extLst>
-                      <c:ext uri="{02D57815-91ED-43cb-92C2-25804820EDAC}">
-                        <c15:formulaRef>
-                          <c15:sqref>Sheet1!$A$2:$A$7</c15:sqref>
-                        </c15:formulaRef>
-                      </c:ext>
-                    </c:extLst>
-                    <c:strCache>
-                      <c:ptCount val="6"/>
-                      <c:pt idx="0">
-                        <c:v>Future Perspectives</c:v>
-                      </c:pt>
-                      <c:pt idx="1">
-                        <c:v>Comparison to other technologies</c:v>
-                      </c:pt>
-                      <c:pt idx="2">
-                        <c:v>Law and Governmental Regulations</c:v>
-                      </c:pt>
-                      <c:pt idx="3">
-                        <c:v>Market Perspectives</c:v>
-                      </c:pt>
-                      <c:pt idx="4">
-                        <c:v>Product Perspectives</c:v>
-                      </c:pt>
-                      <c:pt idx="5">
-                        <c:v>Introduction</c:v>
-                      </c:pt>
-                    </c:strCache>
-                  </c:strRef>
-                </c15:cat>
-              </c15:filteredCategoryTitle>
-            </c:ext>
-          </c:extLst>
-        </c:ser>
-        <c:ser>
-          <c:idx val="1"/>
-          <c:order val="1"/>
-          <c:spPr>
-            <a:solidFill>
-              <a:schemeClr val="dk1">
-                <a:tint val="55000"/>
-              </a:schemeClr>
-            </a:solidFill>
-            <a:ln>
-              <a:noFill/>
-            </a:ln>
-            <a:effectLst/>
-          </c:spPr>
-          <c:invertIfNegative val="0"/>
-          <c:dLbls>
-            <c:spPr>
-              <a:noFill/>
-              <a:ln>
-                <a:noFill/>
-              </a:ln>
-              <a:effectLst/>
-            </c:spPr>
-            <c:txPr>
-              <a:bodyPr rot="0" spcFirstLastPara="1" vertOverflow="ellipsis" vert="horz" wrap="square" lIns="38100" tIns="19050" rIns="38100" bIns="19050" anchor="ctr" anchorCtr="1">
-                <a:spAutoFit/>
-              </a:bodyPr>
-              <a:lstStyle/>
-              <a:p>
-                <a:pPr>
-                  <a:defRPr sz="1197" b="0" i="0" u="none" strike="noStrike" kern="1200" baseline="0">
-                    <a:solidFill>
-                      <a:schemeClr val="tx1">
-                        <a:lumMod val="75000"/>
-                        <a:lumOff val="25000"/>
-                      </a:schemeClr>
-                    </a:solidFill>
-                    <a:latin typeface="+mn-lt"/>
-                    <a:ea typeface="+mn-ea"/>
-                    <a:cs typeface="+mn-cs"/>
-                  </a:defRPr>
-                </a:pPr>
-                <a:endParaRPr lang="en-US"/>
-              </a:p>
-            </c:txPr>
-            <c:dLblPos val="ctr"/>
-            <c:showLegendKey val="0"/>
-            <c:showVal val="1"/>
-            <c:showCatName val="0"/>
-            <c:showSerName val="0"/>
-            <c:showPercent val="0"/>
-            <c:showBubbleSize val="0"/>
-            <c:showLeaderLines val="0"/>
-            <c:extLst>
-              <c:ext xmlns:c15="http://schemas.microsoft.com/office/drawing/2012/chart" uri="{CE6537A1-D6FC-4f65-9D91-7224C49458BB}">
-                <c15:layout/>
-                <c15:showLeaderLines val="1"/>
-                <c15:leaderLines>
-                  <c:spPr>
-                    <a:ln w="9525" cap="flat" cmpd="sng" algn="ctr">
-                      <a:solidFill>
-                        <a:schemeClr val="tx1">
-                          <a:lumMod val="35000"/>
-                          <a:lumOff val="65000"/>
-                        </a:schemeClr>
-                      </a:solidFill>
-                      <a:round/>
-                    </a:ln>
-                    <a:effectLst/>
-                  </c:spPr>
-                </c15:leaderLines>
-              </c:ext>
-            </c:extLst>
-          </c:dLbls>
-          <c:val>
-            <c:numRef>
-              <c:f>Sheet1!$C$2:$C$7</c:f>
-              <c:numCache>
-                <c:formatCode>General</c:formatCode>
-                <c:ptCount val="6"/>
-                <c:pt idx="0">
-                  <c:v>5</c:v>
-                </c:pt>
-                <c:pt idx="1">
-                  <c:v>15</c:v>
-                </c:pt>
-                <c:pt idx="2">
-                  <c:v>1.8</c:v>
-                </c:pt>
-                <c:pt idx="3">
-                  <c:v>2.8</c:v>
-                </c:pt>
-              </c:numCache>
-            </c:numRef>
-          </c:val>
-          <c:extLst>
-            <c:ext xmlns:c15="http://schemas.microsoft.com/office/drawing/2012/chart" uri="{02D57815-91ED-43cb-92C2-25804820EDAC}">
-              <c15:filteredSeriesTitle>
-                <c15:tx>
-                  <c:strRef>
-                    <c:extLst>
-                      <c:ext uri="{02D57815-91ED-43cb-92C2-25804820EDAC}">
-                        <c15:formulaRef>
-                          <c15:sqref>Sheet1!$C$1</c15:sqref>
-                        </c15:formulaRef>
-                      </c:ext>
-                    </c:extLst>
-                    <c:strCache>
-                      <c:ptCount val="1"/>
-                      <c:pt idx="0">
-                        <c:v>InProgress</c:v>
-                      </c:pt>
-                    </c:strCache>
-                  </c:strRef>
-                </c15:tx>
-              </c15:filteredSeriesTitle>
-            </c:ext>
-            <c:ext xmlns:c15="http://schemas.microsoft.com/office/drawing/2012/chart" uri="{02D57815-91ED-43cb-92C2-25804820EDAC}">
-              <c15:filteredCategoryTitle>
-                <c15:cat>
-                  <c:strRef>
-                    <c:extLst>
-                      <c:ext uri="{02D57815-91ED-43cb-92C2-25804820EDAC}">
-                        <c15:formulaRef>
-                          <c15:sqref>Sheet1!$A$2:$A$7</c15:sqref>
-                        </c15:formulaRef>
-                      </c:ext>
-                    </c:extLst>
-                    <c:strCache>
-                      <c:ptCount val="6"/>
-                      <c:pt idx="0">
-                        <c:v>Future Perspectives</c:v>
-                      </c:pt>
-                      <c:pt idx="1">
-                        <c:v>Comparison to other technologies</c:v>
-                      </c:pt>
-                      <c:pt idx="2">
-                        <c:v>Law and Governmental Regulations</c:v>
-                      </c:pt>
-                      <c:pt idx="3">
-                        <c:v>Market Perspectives</c:v>
-                      </c:pt>
-                      <c:pt idx="4">
-                        <c:v>Product Perspectives</c:v>
-                      </c:pt>
-                      <c:pt idx="5">
-                        <c:v>Introduction</c:v>
-                      </c:pt>
-                    </c:strCache>
-                  </c:strRef>
-                </c15:cat>
-              </c15:filteredCategoryTitle>
-            </c:ext>
-          </c:extLst>
-        </c:ser>
-        <c:dLbls>
-          <c:dLblPos val="ctr"/>
-          <c:showLegendKey val="0"/>
-          <c:showVal val="1"/>
-          <c:showCatName val="0"/>
-          <c:showSerName val="0"/>
-          <c:showPercent val="0"/>
-          <c:showBubbleSize val="0"/>
-        </c:dLbls>
-        <c:gapWidth val="150"/>
-        <c:overlap val="100"/>
-        <c:axId val="241818752"/>
-        <c:axId val="241817072"/>
-        <c:extLst>
-          <c:ext xmlns:c15="http://schemas.microsoft.com/office/drawing/2012/chart" uri="{02D57815-91ED-43cb-92C2-25804820EDAC}">
-            <c15:filteredBarSeries>
-              <c15:ser>
-                <c:idx val="2"/>
-                <c:order val="2"/>
-                <c:spPr>
-                  <a:solidFill>
-                    <a:schemeClr val="dk1">
-                      <a:tint val="75000"/>
-                    </a:schemeClr>
-                  </a:solidFill>
-                  <a:ln>
-                    <a:noFill/>
-                  </a:ln>
-                  <a:effectLst/>
-                </c:spPr>
-                <c:invertIfNegative val="0"/>
-                <c:dLbls>
-                  <c:spPr>
-                    <a:noFill/>
-                    <a:ln>
-                      <a:noFill/>
-                    </a:ln>
-                    <a:effectLst/>
-                  </c:spPr>
-                  <c:txPr>
-                    <a:bodyPr rot="0" spcFirstLastPara="1" vertOverflow="ellipsis" vert="horz" wrap="square" lIns="38100" tIns="19050" rIns="38100" bIns="19050" anchor="ctr" anchorCtr="1">
-                      <a:spAutoFit/>
-                    </a:bodyPr>
-                    <a:lstStyle/>
-                    <a:p>
-                      <a:pPr>
-                        <a:defRPr sz="1197" b="0" i="0" u="none" strike="noStrike" kern="1200" baseline="0">
-                          <a:solidFill>
-                            <a:schemeClr val="tx1">
-                              <a:lumMod val="75000"/>
-                              <a:lumOff val="25000"/>
-                            </a:schemeClr>
-                          </a:solidFill>
-                          <a:latin typeface="+mn-lt"/>
-                          <a:ea typeface="+mn-ea"/>
-                          <a:cs typeface="+mn-cs"/>
-                        </a:defRPr>
-                      </a:pPr>
-                      <a:endParaRPr lang="en-US"/>
-                    </a:p>
-                  </c:txPr>
-                  <c:dLblPos val="ctr"/>
-                  <c:showLegendKey val="0"/>
-                  <c:showVal val="1"/>
-                  <c:showCatName val="0"/>
-                  <c:showSerName val="0"/>
-                  <c:showPercent val="0"/>
-                  <c:showBubbleSize val="0"/>
-                  <c:showLeaderLines val="0"/>
-                  <c:extLst>
-                    <c:ext uri="{CE6537A1-D6FC-4f65-9D91-7224C49458BB}">
-                      <c15:showLeaderLines val="1"/>
-                      <c15:leaderLines>
-                        <c:spPr>
-                          <a:ln w="9525" cap="flat" cmpd="sng" algn="ctr">
-                            <a:solidFill>
-                              <a:schemeClr val="tx1">
-                                <a:lumMod val="35000"/>
-                                <a:lumOff val="65000"/>
-                              </a:schemeClr>
-                            </a:solidFill>
-                            <a:round/>
-                          </a:ln>
-                          <a:effectLst/>
-                        </c:spPr>
-                      </c15:leaderLines>
-                    </c:ext>
-                  </c:extLst>
-                </c:dLbls>
-                <c:val>
-                  <c:numRef>
-                    <c:extLst>
-                      <c:ext uri="{02D57815-91ED-43cb-92C2-25804820EDAC}">
-                        <c15:formulaRef>
-                          <c15:sqref>Sheet1!$D$2:$D$7</c15:sqref>
-                        </c15:formulaRef>
-                      </c:ext>
-                    </c:extLst>
-                    <c:numCache>
-                      <c:formatCode>General</c:formatCode>
-                      <c:ptCount val="6"/>
-                    </c:numCache>
-                  </c:numRef>
-                </c:val>
-                <c:extLst>
-                  <c:ext uri="{02D57815-91ED-43cb-92C2-25804820EDAC}">
-                    <c15:filteredSeriesTitle>
-                      <c15:tx>
-                        <c:strRef>
-                          <c:extLst>
-                            <c:ext uri="{02D57815-91ED-43cb-92C2-25804820EDAC}">
-                              <c15:formulaRef>
-                                <c15:sqref>Sheet1!$D$1</c15:sqref>
-                              </c15:formulaRef>
-                            </c:ext>
-                          </c:extLst>
-                          <c:strCache>
-                            <c:ptCount val="1"/>
-                            <c:pt idx="0">
-                              <c:v>Column1</c:v>
-                            </c:pt>
-                          </c:strCache>
-                        </c:strRef>
-                      </c15:tx>
-                    </c15:filteredSeriesTitle>
-                  </c:ext>
-                  <c:ext uri="{02D57815-91ED-43cb-92C2-25804820EDAC}">
-                    <c15:filteredCategoryTitle>
-                      <c15:cat>
-                        <c:strRef>
-                          <c:extLst>
-                            <c:ext uri="{02D57815-91ED-43cb-92C2-25804820EDAC}">
-                              <c15:formulaRef>
-                                <c15:sqref>Sheet1!$A$2:$A$7</c15:sqref>
-                              </c15:formulaRef>
-                            </c:ext>
-                          </c:extLst>
-                          <c:strCache>
-                            <c:ptCount val="6"/>
-                            <c:pt idx="0">
-                              <c:v>Future Perspectives</c:v>
-                            </c:pt>
-                            <c:pt idx="1">
-                              <c:v>Comparison to other technologies</c:v>
-                            </c:pt>
-                            <c:pt idx="2">
-                              <c:v>Law and Governmental Regulations</c:v>
-                            </c:pt>
-                            <c:pt idx="3">
-                              <c:v>Market Perspectives</c:v>
-                            </c:pt>
-                            <c:pt idx="4">
-                              <c:v>Product Perspectives</c:v>
-                            </c:pt>
-                            <c:pt idx="5">
-                              <c:v>Introduction</c:v>
-                            </c:pt>
-                          </c:strCache>
-                        </c:strRef>
-                      </c15:cat>
-                    </c15:filteredCategoryTitle>
-                  </c:ext>
-                </c:extLst>
-              </c15:ser>
-            </c15:filteredBarSeries>
-          </c:ext>
-        </c:extLst>
-      </c:barChart>
-      <c:catAx>
-        <c:axId val="241818752"/>
-        <c:scaling>
-          <c:orientation val="minMax"/>
-        </c:scaling>
-        <c:delete val="0"/>
-        <c:axPos val="l"/>
-        <c:numFmt formatCode="General" sourceLinked="1"/>
-        <c:majorTickMark val="none"/>
-        <c:minorTickMark val="none"/>
-        <c:tickLblPos val="nextTo"/>
-        <c:spPr>
-          <a:noFill/>
-          <a:ln w="9525" cap="flat" cmpd="sng" algn="ctr">
-            <a:solidFill>
-              <a:schemeClr val="tx1">
-                <a:lumMod val="15000"/>
-                <a:lumOff val="85000"/>
-              </a:schemeClr>
-            </a:solidFill>
-            <a:round/>
-          </a:ln>
-          <a:effectLst/>
-        </c:spPr>
-        <c:txPr>
-          <a:bodyPr rot="-60000000" spcFirstLastPara="1" vertOverflow="ellipsis" vert="horz" wrap="square" anchor="ctr" anchorCtr="1"/>
-          <a:lstStyle/>
-          <a:p>
-            <a:pPr>
-              <a:defRPr sz="1197" b="0" i="0" u="none" strike="noStrike" kern="1200" baseline="0">
-                <a:solidFill>
-                  <a:schemeClr val="tx1">
-                    <a:lumMod val="65000"/>
-                    <a:lumOff val="35000"/>
-                  </a:schemeClr>
-                </a:solidFill>
-                <a:latin typeface="+mn-lt"/>
-                <a:ea typeface="+mn-ea"/>
-                <a:cs typeface="+mn-cs"/>
-              </a:defRPr>
-            </a:pPr>
-            <a:endParaRPr lang="en-US"/>
-          </a:p>
-        </c:txPr>
-        <c:crossAx val="241817072"/>
-        <c:crosses val="autoZero"/>
-        <c:auto val="1"/>
-        <c:lblAlgn val="ctr"/>
-        <c:lblOffset val="100"/>
-        <c:noMultiLvlLbl val="0"/>
-      </c:catAx>
-      <c:valAx>
-        <c:axId val="241817072"/>
-        <c:scaling>
-          <c:orientation val="minMax"/>
-        </c:scaling>
-        <c:delete val="0"/>
-        <c:axPos val="b"/>
-        <c:numFmt formatCode="0%" sourceLinked="1"/>
-        <c:majorTickMark val="none"/>
-        <c:minorTickMark val="none"/>
-        <c:tickLblPos val="nextTo"/>
-        <c:spPr>
-          <a:noFill/>
-          <a:ln>
-            <a:noFill/>
-          </a:ln>
-          <a:effectLst/>
-        </c:spPr>
-        <c:txPr>
-          <a:bodyPr rot="-60000000" spcFirstLastPara="1" vertOverflow="ellipsis" vert="horz" wrap="square" anchor="ctr" anchorCtr="1"/>
-          <a:lstStyle/>
-          <a:p>
-            <a:pPr>
-              <a:defRPr sz="1197" b="0" i="0" u="none" strike="noStrike" kern="1200" baseline="0">
-                <a:solidFill>
-                  <a:schemeClr val="tx1">
-                    <a:lumMod val="65000"/>
-                    <a:lumOff val="35000"/>
-                  </a:schemeClr>
-                </a:solidFill>
-                <a:latin typeface="+mn-lt"/>
-                <a:ea typeface="+mn-ea"/>
-                <a:cs typeface="+mn-cs"/>
-              </a:defRPr>
-            </a:pPr>
-            <a:endParaRPr lang="en-US"/>
-          </a:p>
-        </c:txPr>
-        <c:crossAx val="241818752"/>
-        <c:crosses val="autoZero"/>
-        <c:crossBetween val="between"/>
-      </c:valAx>
-      <c:spPr>
-        <a:noFill/>
-        <a:ln>
-          <a:noFill/>
-        </a:ln>
-        <a:effectLst/>
-      </c:spPr>
-    </c:plotArea>
-    <c:legend>
-      <c:legendPos val="b"/>
-      <c:layout/>
-      <c:overlay val="0"/>
-      <c:spPr>
-        <a:noFill/>
-        <a:ln>
-          <a:noFill/>
-        </a:ln>
-        <a:effectLst/>
-      </c:spPr>
-      <c:txPr>
-        <a:bodyPr rot="0" spcFirstLastPara="1" vertOverflow="ellipsis" vert="horz" wrap="square" anchor="ctr" anchorCtr="1"/>
-        <a:lstStyle/>
-        <a:p>
-          <a:pPr>
-            <a:defRPr sz="1197" b="0" i="0" u="none" strike="noStrike" kern="1200" baseline="0">
-              <a:solidFill>
-                <a:schemeClr val="tx1">
-                  <a:lumMod val="65000"/>
-                  <a:lumOff val="35000"/>
-                </a:schemeClr>
-              </a:solidFill>
-              <a:latin typeface="+mn-lt"/>
-              <a:ea typeface="+mn-ea"/>
-              <a:cs typeface="+mn-cs"/>
-            </a:defRPr>
-          </a:pPr>
-          <a:endParaRPr lang="en-US"/>
-        </a:p>
-      </c:txPr>
-    </c:legend>
-    <c:plotVisOnly val="1"/>
-    <c:dispBlanksAs val="gap"/>
-    <c:showDLblsOverMax val="0"/>
-  </c:chart>
-  <c:spPr>
-    <a:noFill/>
-    <a:ln>
-      <a:noFill/>
-    </a:ln>
-    <a:effectLst/>
-  </c:spPr>
-  <c:txPr>
-    <a:bodyPr/>
-    <a:lstStyle/>
-    <a:p>
-      <a:pPr>
-        <a:defRPr/>
-      </a:pPr>
-      <a:endParaRPr lang="en-US"/>
-    </a:p>
-  </c:txPr>
-  <c:externalData r:id="rId3">
-    <c:autoUpdate val="0"/>
-  </c:externalData>
-</c:chartSpace>
-</file>
-
-<file path=ppt/charts/colors1.xml><?xml version="1.0" encoding="utf-8"?>
-<cs:colorStyle xmlns:cs="http://schemas.microsoft.com/office/drawing/2012/chartStyle" xmlns:a="http://schemas.openxmlformats.org/drawingml/2006/main" meth="cycle" id="20">
-  <a:schemeClr val="dk1"/>
-  <cs:variation>
-    <a:tint val="88500"/>
-  </cs:variation>
-  <cs:variation>
-    <a:tint val="55000"/>
-  </cs:variation>
-  <cs:variation>
-    <a:tint val="75000"/>
-  </cs:variation>
-  <cs:variation>
-    <a:tint val="98500"/>
-  </cs:variation>
-  <cs:variation>
-    <a:tint val="30000"/>
-  </cs:variation>
-  <cs:variation>
-    <a:tint val="60000"/>
-  </cs:variation>
-  <cs:variation>
-    <a:tint val="80000"/>
-  </cs:variation>
-</cs:colorStyle>
-</file>
-
-<file path=ppt/charts/style1.xml><?xml version="1.0" encoding="utf-8"?>
-<cs:chartStyle xmlns:cs="http://schemas.microsoft.com/office/drawing/2012/chartStyle" xmlns:a="http://schemas.openxmlformats.org/drawingml/2006/main" id="297">
-  <cs:axisTitle>
-    <cs:lnRef idx="0"/>
-    <cs:fillRef idx="0"/>
-    <cs:effectRef idx="0"/>
-    <cs:fontRef idx="minor">
-      <a:schemeClr val="tx1">
-        <a:lumMod val="65000"/>
-        <a:lumOff val="35000"/>
-      </a:schemeClr>
-    </cs:fontRef>
-    <cs:defRPr sz="1330" kern="1200"/>
-  </cs:axisTitle>
-  <cs:categoryAxis>
-    <cs:lnRef idx="0"/>
-    <cs:fillRef idx="0"/>
-    <cs:effectRef idx="0"/>
-    <cs:fontRef idx="minor">
-      <a:schemeClr val="tx1">
-        <a:lumMod val="65000"/>
-        <a:lumOff val="35000"/>
-      </a:schemeClr>
-    </cs:fontRef>
-    <cs:spPr>
-      <a:ln w="9525" cap="flat" cmpd="sng" algn="ctr">
-        <a:solidFill>
-          <a:schemeClr val="tx1">
-            <a:lumMod val="15000"/>
-            <a:lumOff val="85000"/>
-          </a:schemeClr>
-        </a:solidFill>
-        <a:round/>
-      </a:ln>
-    </cs:spPr>
-    <cs:defRPr sz="1197" kern="1200"/>
-  </cs:categoryAxis>
-  <cs:chartArea mods="allowNoFillOverride allowNoLineOverride">
-    <cs:lnRef idx="0"/>
-    <cs:fillRef idx="0"/>
-    <cs:effectRef idx="0"/>
-    <cs:fontRef idx="minor">
-      <a:schemeClr val="tx1"/>
-    </cs:fontRef>
-    <cs:spPr>
-      <a:solidFill>
-        <a:schemeClr val="bg1"/>
-      </a:solidFill>
-      <a:ln w="9525" cap="flat" cmpd="sng" algn="ctr">
-        <a:solidFill>
-          <a:schemeClr val="tx1">
-            <a:lumMod val="15000"/>
-            <a:lumOff val="85000"/>
-          </a:schemeClr>
-        </a:solidFill>
-        <a:round/>
-      </a:ln>
-    </cs:spPr>
-    <cs:defRPr sz="1330" kern="1200"/>
-  </cs:chartArea>
-  <cs:dataLabel>
-    <cs:lnRef idx="0"/>
-    <cs:fillRef idx="0"/>
-    <cs:effectRef idx="0"/>
-    <cs:fontRef idx="minor">
-      <a:schemeClr val="tx1">
-        <a:lumMod val="75000"/>
-        <a:lumOff val="25000"/>
-      </a:schemeClr>
-    </cs:fontRef>
-    <cs:defRPr sz="1197" kern="1200"/>
-  </cs:dataLabel>
-  <cs:dataLabelCallout>
-    <cs:lnRef idx="0"/>
-    <cs:fillRef idx="0"/>
-    <cs:effectRef idx="0"/>
-    <cs:fontRef idx="minor">
-      <a:schemeClr val="dk1">
-        <a:lumMod val="65000"/>
-        <a:lumOff val="35000"/>
-      </a:schemeClr>
-    </cs:fontRef>
-    <cs:spPr>
-      <a:solidFill>
-        <a:schemeClr val="lt1"/>
-      </a:solidFill>
-      <a:ln>
-        <a:solidFill>
-          <a:schemeClr val="dk1">
-            <a:lumMod val="25000"/>
-            <a:lumOff val="75000"/>
-          </a:schemeClr>
-        </a:solidFill>
-      </a:ln>
-    </cs:spPr>
-    <cs:defRPr sz="1197" kern="1200"/>
-    <cs:bodyPr rot="0" spcFirstLastPara="1" vertOverflow="clip" horzOverflow="clip" vert="horz" wrap="square" lIns="36576" tIns="18288" rIns="36576" bIns="18288" anchor="ctr" anchorCtr="1">
-      <a:spAutoFit/>
-    </cs:bodyPr>
-  </cs:dataLabelCallout>
-  <cs:dataPoint>
-    <cs:lnRef idx="0"/>
-    <cs:fillRef idx="1">
-      <cs:styleClr val="auto"/>
-    </cs:fillRef>
-    <cs:effectRef idx="0"/>
-    <cs:fontRef idx="minor">
-      <a:schemeClr val="tx1"/>
-    </cs:fontRef>
-  </cs:dataPoint>
-  <cs:dataPoint3D>
-    <cs:lnRef idx="0"/>
-    <cs:fillRef idx="1">
-      <cs:styleClr val="auto"/>
-    </cs:fillRef>
-    <cs:effectRef idx="0"/>
-    <cs:fontRef idx="minor">
-      <a:schemeClr val="tx1"/>
-    </cs:fontRef>
-  </cs:dataPoint3D>
-  <cs:dataPointLine>
-    <cs:lnRef idx="0">
-      <cs:styleClr val="auto"/>
-    </cs:lnRef>
-    <cs:fillRef idx="1"/>
-    <cs:effectRef idx="0"/>
-    <cs:fontRef idx="minor">
-      <a:schemeClr val="tx1"/>
-    </cs:fontRef>
-    <cs:spPr>
-      <a:ln w="28575" cap="rnd">
-        <a:solidFill>
-          <a:schemeClr val="phClr"/>
-        </a:solidFill>
-        <a:round/>
-      </a:ln>
-    </cs:spPr>
-  </cs:dataPointLine>
-  <cs:dataPointMarker>
-    <cs:lnRef idx="0">
-      <cs:styleClr val="auto"/>
-    </cs:lnRef>
-    <cs:fillRef idx="1">
-      <cs:styleClr val="auto"/>
-    </cs:fillRef>
-    <cs:effectRef idx="0"/>
-    <cs:fontRef idx="minor">
-      <a:schemeClr val="tx1"/>
-    </cs:fontRef>
-    <cs:spPr>
-      <a:ln w="9525">
-        <a:solidFill>
-          <a:schemeClr val="phClr"/>
-        </a:solidFill>
-      </a:ln>
-    </cs:spPr>
-  </cs:dataPointMarker>
-  <cs:dataPointMarkerLayout symbol="circle" size="5"/>
-  <cs:dataPointWireframe>
-    <cs:lnRef idx="0">
-      <cs:styleClr val="auto"/>
-    </cs:lnRef>
-    <cs:fillRef idx="1"/>
-    <cs:effectRef idx="0"/>
-    <cs:fontRef idx="minor">
-      <a:schemeClr val="tx1"/>
-    </cs:fontRef>
-    <cs:spPr>
-      <a:ln w="9525" cap="rnd">
-        <a:solidFill>
-          <a:schemeClr val="phClr"/>
-        </a:solidFill>
-        <a:round/>
-      </a:ln>
-    </cs:spPr>
-  </cs:dataPointWireframe>
-  <cs:dataTable>
-    <cs:lnRef idx="0"/>
-    <cs:fillRef idx="0"/>
-    <cs:effectRef idx="0"/>
-    <cs:fontRef idx="minor">
-      <a:schemeClr val="tx1">
-        <a:lumMod val="65000"/>
-        <a:lumOff val="35000"/>
-      </a:schemeClr>
-    </cs:fontRef>
-    <cs:spPr>
-      <a:noFill/>
-      <a:ln w="9525" cap="flat" cmpd="sng" algn="ctr">
-        <a:solidFill>
-          <a:schemeClr val="tx1">
-            <a:lumMod val="15000"/>
-            <a:lumOff val="85000"/>
-          </a:schemeClr>
-        </a:solidFill>
-        <a:round/>
-      </a:ln>
-    </cs:spPr>
-    <cs:defRPr sz="1197" kern="1200"/>
-  </cs:dataTable>
-  <cs:downBar>
-    <cs:lnRef idx="0"/>
-    <cs:fillRef idx="0"/>
-    <cs:effectRef idx="0"/>
-    <cs:fontRef idx="minor">
-      <a:schemeClr val="tx1"/>
-    </cs:fontRef>
-    <cs:spPr>
-      <a:solidFill>
-        <a:schemeClr val="dk1">
-          <a:lumMod val="75000"/>
-          <a:lumOff val="25000"/>
-        </a:schemeClr>
-      </a:solidFill>
-      <a:ln w="9525" cap="flat" cmpd="sng" algn="ctr">
-        <a:solidFill>
-          <a:schemeClr val="tx1">
-            <a:lumMod val="65000"/>
-            <a:lumOff val="35000"/>
-          </a:schemeClr>
-        </a:solidFill>
-        <a:round/>
-      </a:ln>
-    </cs:spPr>
-  </cs:downBar>
-  <cs:dropLine>
-    <cs:lnRef idx="0"/>
-    <cs:fillRef idx="0"/>
-    <cs:effectRef idx="0"/>
-    <cs:fontRef idx="minor">
-      <a:schemeClr val="tx1"/>
-    </cs:fontRef>
-    <cs:spPr>
-      <a:ln w="9525" cap="flat" cmpd="sng" algn="ctr">
-        <a:solidFill>
-          <a:schemeClr val="tx1">
-            <a:lumMod val="35000"/>
-            <a:lumOff val="65000"/>
-          </a:schemeClr>
-        </a:solidFill>
-        <a:round/>
-      </a:ln>
-    </cs:spPr>
-  </cs:dropLine>
-  <cs:errorBar>
-    <cs:lnRef idx="0"/>
-    <cs:fillRef idx="0"/>
-    <cs:effectRef idx="0"/>
-    <cs:fontRef idx="minor">
-      <a:schemeClr val="tx1"/>
-    </cs:fontRef>
-    <cs:spPr>
-      <a:ln w="9525" cap="flat" cmpd="sng" algn="ctr">
-        <a:solidFill>
-          <a:schemeClr val="tx1">
-            <a:lumMod val="65000"/>
-            <a:lumOff val="35000"/>
-          </a:schemeClr>
-        </a:solidFill>
-        <a:round/>
-      </a:ln>
-    </cs:spPr>
-  </cs:errorBar>
-  <cs:floor>
-    <cs:lnRef idx="0"/>
-    <cs:fillRef idx="0"/>
-    <cs:effectRef idx="0"/>
-    <cs:fontRef idx="minor">
-      <a:schemeClr val="tx1"/>
-    </cs:fontRef>
-    <cs:spPr>
-      <a:noFill/>
-      <a:ln>
-        <a:noFill/>
-      </a:ln>
-    </cs:spPr>
-  </cs:floor>
-  <cs:gridlineMajor>
-    <cs:lnRef idx="0"/>
-    <cs:fillRef idx="0"/>
-    <cs:effectRef idx="0"/>
-    <cs:fontRef idx="minor">
-      <a:schemeClr val="tx1"/>
-    </cs:fontRef>
-    <cs:spPr>
-      <a:ln w="9525" cap="flat" cmpd="sng" algn="ctr">
-        <a:solidFill>
-          <a:schemeClr val="tx1">
-            <a:lumMod val="15000"/>
-            <a:lumOff val="85000"/>
-          </a:schemeClr>
-        </a:solidFill>
-        <a:round/>
-      </a:ln>
-    </cs:spPr>
-  </cs:gridlineMajor>
-  <cs:gridlineMinor>
-    <cs:lnRef idx="0"/>
-    <cs:fillRef idx="0"/>
-    <cs:effectRef idx="0"/>
-    <cs:fontRef idx="minor">
-      <a:schemeClr val="tx1"/>
-    </cs:fontRef>
-    <cs:spPr>
-      <a:ln w="9525" cap="flat" cmpd="sng" algn="ctr">
-        <a:solidFill>
-          <a:schemeClr val="tx1">
-            <a:lumMod val="5000"/>
-            <a:lumOff val="95000"/>
-          </a:schemeClr>
-        </a:solidFill>
-        <a:round/>
-      </a:ln>
-    </cs:spPr>
-  </cs:gridlineMinor>
-  <cs:hiLoLine>
-    <cs:lnRef idx="0"/>
-    <cs:fillRef idx="0"/>
-    <cs:effectRef idx="0"/>
-    <cs:fontRef idx="minor">
-      <a:schemeClr val="tx1"/>
-    </cs:fontRef>
-    <cs:spPr>
-      <a:ln w="9525" cap="flat" cmpd="sng" algn="ctr">
-        <a:solidFill>
-          <a:schemeClr val="tx1">
-            <a:lumMod val="50000"/>
-            <a:lumOff val="50000"/>
-          </a:schemeClr>
-        </a:solidFill>
-        <a:round/>
-      </a:ln>
-    </cs:spPr>
-  </cs:hiLoLine>
-  <cs:leaderLine>
-    <cs:lnRef idx="0"/>
-    <cs:fillRef idx="0"/>
-    <cs:effectRef idx="0"/>
-    <cs:fontRef idx="minor">
-      <a:schemeClr val="tx1"/>
-    </cs:fontRef>
-    <cs:spPr>
-      <a:ln w="9525" cap="flat" cmpd="sng" algn="ctr">
-        <a:solidFill>
-          <a:schemeClr val="tx1">
-            <a:lumMod val="35000"/>
-            <a:lumOff val="65000"/>
-          </a:schemeClr>
-        </a:solidFill>
-        <a:round/>
-      </a:ln>
-    </cs:spPr>
-  </cs:leaderLine>
-  <cs:legend>
-    <cs:lnRef idx="0"/>
-    <cs:fillRef idx="0"/>
-    <cs:effectRef idx="0"/>
-    <cs:fontRef idx="minor">
-      <a:schemeClr val="tx1">
-        <a:lumMod val="65000"/>
-        <a:lumOff val="35000"/>
-      </a:schemeClr>
-    </cs:fontRef>
-    <cs:defRPr sz="1197" kern="1200"/>
-  </cs:legend>
-  <cs:plotArea mods="allowNoFillOverride allowNoLineOverride">
-    <cs:lnRef idx="0"/>
-    <cs:fillRef idx="0"/>
-    <cs:effectRef idx="0"/>
-    <cs:fontRef idx="minor">
-      <a:schemeClr val="tx1"/>
-    </cs:fontRef>
-  </cs:plotArea>
-  <cs:plotArea3D mods="allowNoFillOverride allowNoLineOverride">
-    <cs:lnRef idx="0"/>
-    <cs:fillRef idx="0"/>
-    <cs:effectRef idx="0"/>
-    <cs:fontRef idx="minor">
-      <a:schemeClr val="tx1"/>
-    </cs:fontRef>
-  </cs:plotArea3D>
-  <cs:seriesAxis>
-    <cs:lnRef idx="0"/>
-    <cs:fillRef idx="0"/>
-    <cs:effectRef idx="0"/>
-    <cs:fontRef idx="minor">
-      <a:schemeClr val="tx1">
-        <a:lumMod val="65000"/>
-        <a:lumOff val="35000"/>
-      </a:schemeClr>
-    </cs:fontRef>
-    <cs:defRPr sz="1197" kern="1200"/>
-  </cs:seriesAxis>
-  <cs:seriesLine>
-    <cs:lnRef idx="0"/>
-    <cs:fillRef idx="0"/>
-    <cs:effectRef idx="0"/>
-    <cs:fontRef idx="minor">
-      <a:schemeClr val="tx1"/>
-    </cs:fontRef>
-    <cs:spPr>
-      <a:ln w="9525" cap="flat" cmpd="sng" algn="ctr">
-        <a:solidFill>
-          <a:schemeClr val="tx1">
-            <a:lumMod val="35000"/>
-            <a:lumOff val="65000"/>
-          </a:schemeClr>
-        </a:solidFill>
-        <a:round/>
-      </a:ln>
-    </cs:spPr>
-  </cs:seriesLine>
-  <cs:title>
-    <cs:lnRef idx="0"/>
-    <cs:fillRef idx="0"/>
-    <cs:effectRef idx="0"/>
-    <cs:fontRef idx="minor">
-      <a:schemeClr val="tx1">
-        <a:lumMod val="65000"/>
-        <a:lumOff val="35000"/>
-      </a:schemeClr>
-    </cs:fontRef>
-    <cs:defRPr sz="1862" b="0" kern="1200" spc="0" baseline="0"/>
-  </cs:title>
-  <cs:trendline>
-    <cs:lnRef idx="0">
-      <cs:styleClr val="auto"/>
-    </cs:lnRef>
-    <cs:fillRef idx="0"/>
-    <cs:effectRef idx="0"/>
-    <cs:fontRef idx="minor">
-      <a:schemeClr val="tx1"/>
-    </cs:fontRef>
-    <cs:spPr>
-      <a:ln w="19050" cap="rnd">
-        <a:solidFill>
-          <a:schemeClr val="phClr"/>
-        </a:solidFill>
-        <a:prstDash val="sysDot"/>
-      </a:ln>
-    </cs:spPr>
-  </cs:trendline>
-  <cs:trendlineLabel>
-    <cs:lnRef idx="0"/>
-    <cs:fillRef idx="0"/>
-    <cs:effectRef idx="0"/>
-    <cs:fontRef idx="minor">
-      <a:schemeClr val="tx1">
-        <a:lumMod val="65000"/>
-        <a:lumOff val="35000"/>
-      </a:schemeClr>
-    </cs:fontRef>
-    <cs:defRPr sz="1197" kern="1200"/>
-  </cs:trendlineLabel>
-  <cs:upBar>
-    <cs:lnRef idx="0"/>
-    <cs:fillRef idx="0"/>
-    <cs:effectRef idx="0"/>
-    <cs:fontRef idx="minor">
-      <a:schemeClr val="tx1"/>
-    </cs:fontRef>
-    <cs:spPr>
-      <a:solidFill>
-        <a:schemeClr val="lt1"/>
-      </a:solidFill>
-      <a:ln w="9525" cap="flat" cmpd="sng" algn="ctr">
-        <a:solidFill>
-          <a:schemeClr val="tx1">
-            <a:lumMod val="65000"/>
-            <a:lumOff val="35000"/>
-          </a:schemeClr>
-        </a:solidFill>
-        <a:round/>
-      </a:ln>
-    </cs:spPr>
-  </cs:upBar>
-  <cs:valueAxis>
-    <cs:lnRef idx="0"/>
-    <cs:fillRef idx="0"/>
-    <cs:effectRef idx="0"/>
-    <cs:fontRef idx="minor">
-      <a:schemeClr val="tx1">
-        <a:lumMod val="65000"/>
-        <a:lumOff val="35000"/>
-      </a:schemeClr>
-    </cs:fontRef>
-    <cs:defRPr sz="1197" kern="1200"/>
-  </cs:valueAxis>
-  <cs:wall>
-    <cs:lnRef idx="0"/>
-    <cs:fillRef idx="0"/>
-    <cs:effectRef idx="0"/>
-    <cs:fontRef idx="minor">
-      <a:schemeClr val="tx1"/>
-    </cs:fontRef>
-    <cs:spPr>
-      <a:noFill/>
-      <a:ln>
-        <a:noFill/>
-      </a:ln>
-    </cs:spPr>
-  </cs:wall>
-</cs:chartStyle>
 </file>
 
 <file path=ppt/diagrams/colors1.xml><?xml version="1.0" encoding="utf-8"?>
@@ -3780,966 +2588,6 @@
       <dsp:cNvGrpSpPr/>
     </dsp:nvGrpSpPr>
     <dsp:grpSpPr/>
-    <dsp:sp modelId="{3DD4DCC5-CD2A-4C80-9516-43D7C916D6B5}">
-      <dsp:nvSpPr>
-        <dsp:cNvPr id="0" name=""/>
-        <dsp:cNvSpPr/>
-      </dsp:nvSpPr>
-      <dsp:spPr>
-        <a:xfrm rot="16200000">
-          <a:off x="-306010" y="306010"/>
-          <a:ext cx="2707637" cy="2095616"/>
-        </a:xfrm>
-        <a:prstGeom prst="flowChartManualOperation">
-          <a:avLst/>
-        </a:prstGeom>
-        <a:solidFill>
-          <a:schemeClr val="lt1">
-            <a:hueOff val="0"/>
-            <a:satOff val="0"/>
-            <a:lumOff val="0"/>
-            <a:alphaOff val="0"/>
-          </a:schemeClr>
-        </a:solidFill>
-        <a:ln w="15875" cap="flat" cmpd="sng" algn="ctr">
-          <a:solidFill>
-            <a:schemeClr val="accent3">
-              <a:shade val="80000"/>
-              <a:hueOff val="0"/>
-              <a:satOff val="0"/>
-              <a:lumOff val="0"/>
-              <a:alphaOff val="0"/>
-            </a:schemeClr>
-          </a:solidFill>
-          <a:prstDash val="solid"/>
-        </a:ln>
-        <a:effectLst/>
-      </dsp:spPr>
-      <dsp:style>
-        <a:lnRef idx="2">
-          <a:scrgbClr r="0" g="0" b="0"/>
-        </a:lnRef>
-        <a:fillRef idx="1">
-          <a:scrgbClr r="0" g="0" b="0"/>
-        </a:fillRef>
-        <a:effectRef idx="0">
-          <a:scrgbClr r="0" g="0" b="0"/>
-        </a:effectRef>
-        <a:fontRef idx="minor">
-          <a:schemeClr val="lt1"/>
-        </a:fontRef>
-      </dsp:style>
-      <dsp:txBody>
-        <a:bodyPr spcFirstLastPara="0" vert="horz" wrap="square" lIns="88900" tIns="0" rIns="88900" bIns="0" numCol="1" spcCol="1270" anchor="t" anchorCtr="0">
-          <a:noAutofit/>
-        </a:bodyPr>
-        <a:lstStyle/>
-        <a:p>
-          <a:pPr lvl="0" algn="l" defTabSz="622300">
-            <a:lnSpc>
-              <a:spcPct val="90000"/>
-            </a:lnSpc>
-            <a:spcBef>
-              <a:spcPct val="0"/>
-            </a:spcBef>
-            <a:spcAft>
-              <a:spcPct val="35000"/>
-            </a:spcAft>
-          </a:pPr>
-          <a:r>
-            <a:rPr lang="fr-FR" sz="1400" kern="1200" smtClean="0">
-              <a:solidFill>
-                <a:schemeClr val="accent3">
-                  <a:lumMod val="75000"/>
-                </a:schemeClr>
-              </a:solidFill>
-            </a:rPr>
-            <a:t>RESOURCES</a:t>
-          </a:r>
-          <a:endParaRPr lang="fr-FR" sz="1400" kern="1200" dirty="0">
-            <a:solidFill>
-              <a:schemeClr val="accent3">
-                <a:lumMod val="75000"/>
-              </a:schemeClr>
-            </a:solidFill>
-          </a:endParaRPr>
-        </a:p>
-        <a:p>
-          <a:pPr marL="57150" lvl="1" indent="-57150" algn="l" defTabSz="466725">
-            <a:lnSpc>
-              <a:spcPct val="90000"/>
-            </a:lnSpc>
-            <a:spcBef>
-              <a:spcPct val="0"/>
-            </a:spcBef>
-            <a:spcAft>
-              <a:spcPct val="15000"/>
-            </a:spcAft>
-            <a:buChar char="••"/>
-          </a:pPr>
-          <a:r>
-            <a:rPr lang="fr-FR" sz="1050" kern="1200" smtClean="0">
-              <a:solidFill>
-                <a:schemeClr val="accent3">
-                  <a:lumMod val="75000"/>
-                </a:schemeClr>
-              </a:solidFill>
-            </a:rPr>
-            <a:t>1 Supervisor</a:t>
-          </a:r>
-          <a:endParaRPr lang="fr-FR" sz="1050" kern="1200">
-            <a:solidFill>
-              <a:schemeClr val="accent3">
-                <a:lumMod val="75000"/>
-              </a:schemeClr>
-            </a:solidFill>
-          </a:endParaRPr>
-        </a:p>
-        <a:p>
-          <a:pPr marL="57150" lvl="1" indent="-57150" algn="l" defTabSz="466725">
-            <a:lnSpc>
-              <a:spcPct val="90000"/>
-            </a:lnSpc>
-            <a:spcBef>
-              <a:spcPct val="0"/>
-            </a:spcBef>
-            <a:spcAft>
-              <a:spcPct val="15000"/>
-            </a:spcAft>
-            <a:buChar char="••"/>
-          </a:pPr>
-          <a:r>
-            <a:rPr lang="fr-FR" sz="1050" kern="1200" smtClean="0">
-              <a:solidFill>
-                <a:schemeClr val="accent3">
-                  <a:lumMod val="75000"/>
-                </a:schemeClr>
-              </a:solidFill>
-            </a:rPr>
-            <a:t>20 Contributors</a:t>
-          </a:r>
-          <a:endParaRPr lang="fr-FR" sz="1050" kern="1200" dirty="0">
-            <a:solidFill>
-              <a:schemeClr val="accent3">
-                <a:lumMod val="75000"/>
-              </a:schemeClr>
-            </a:solidFill>
-          </a:endParaRPr>
-        </a:p>
-        <a:p>
-          <a:pPr marL="57150" lvl="1" indent="-57150" algn="l" defTabSz="466725">
-            <a:lnSpc>
-              <a:spcPct val="90000"/>
-            </a:lnSpc>
-            <a:spcBef>
-              <a:spcPct val="0"/>
-            </a:spcBef>
-            <a:spcAft>
-              <a:spcPct val="15000"/>
-            </a:spcAft>
-            <a:buChar char="••"/>
-          </a:pPr>
-          <a:r>
-            <a:rPr lang="fr-FR" sz="1050" kern="1200" smtClean="0">
-              <a:solidFill>
-                <a:schemeClr val="accent3">
-                  <a:lumMod val="75000"/>
-                </a:schemeClr>
-              </a:solidFill>
-            </a:rPr>
-            <a:t>4 Authors</a:t>
-          </a:r>
-          <a:endParaRPr lang="fr-FR" sz="1050" kern="1200" dirty="0">
-            <a:solidFill>
-              <a:schemeClr val="accent3">
-                <a:lumMod val="75000"/>
-              </a:schemeClr>
-            </a:solidFill>
-          </a:endParaRPr>
-        </a:p>
-        <a:p>
-          <a:pPr marL="57150" lvl="1" indent="-57150" algn="l" defTabSz="466725">
-            <a:lnSpc>
-              <a:spcPct val="90000"/>
-            </a:lnSpc>
-            <a:spcBef>
-              <a:spcPct val="0"/>
-            </a:spcBef>
-            <a:spcAft>
-              <a:spcPct val="15000"/>
-            </a:spcAft>
-            <a:buChar char="••"/>
-          </a:pPr>
-          <a:r>
-            <a:rPr lang="fr-FR" sz="1050" kern="1200" smtClean="0">
-              <a:solidFill>
-                <a:schemeClr val="accent3">
-                  <a:lumMod val="75000"/>
-                </a:schemeClr>
-              </a:solidFill>
-            </a:rPr>
-            <a:t>Documetation anout IAR</a:t>
-          </a:r>
-          <a:endParaRPr lang="fr-FR" sz="1050" kern="1200">
-            <a:solidFill>
-              <a:schemeClr val="accent3">
-                <a:lumMod val="75000"/>
-              </a:schemeClr>
-            </a:solidFill>
-          </a:endParaRPr>
-        </a:p>
-        <a:p>
-          <a:pPr marL="57150" lvl="1" indent="-57150" algn="l" defTabSz="466725">
-            <a:lnSpc>
-              <a:spcPct val="90000"/>
-            </a:lnSpc>
-            <a:spcBef>
-              <a:spcPct val="0"/>
-            </a:spcBef>
-            <a:spcAft>
-              <a:spcPct val="15000"/>
-            </a:spcAft>
-            <a:buChar char="••"/>
-          </a:pPr>
-          <a:r>
-            <a:rPr lang="fr-FR" sz="1050" kern="1200" smtClean="0">
-              <a:solidFill>
-                <a:schemeClr val="accent3">
-                  <a:lumMod val="75000"/>
-                </a:schemeClr>
-              </a:solidFill>
-            </a:rPr>
-            <a:t>Documentation about Fuel Cells</a:t>
-          </a:r>
-          <a:endParaRPr lang="fr-FR" sz="1050" kern="1200">
-            <a:solidFill>
-              <a:schemeClr val="accent3">
-                <a:lumMod val="75000"/>
-              </a:schemeClr>
-            </a:solidFill>
-          </a:endParaRPr>
-        </a:p>
-        <a:p>
-          <a:pPr marL="57150" lvl="1" indent="-57150" algn="l" defTabSz="466725">
-            <a:lnSpc>
-              <a:spcPct val="90000"/>
-            </a:lnSpc>
-            <a:spcBef>
-              <a:spcPct val="0"/>
-            </a:spcBef>
-            <a:spcAft>
-              <a:spcPct val="15000"/>
-            </a:spcAft>
-            <a:buChar char="••"/>
-          </a:pPr>
-          <a:r>
-            <a:rPr lang="fr-FR" sz="1050" kern="1200" smtClean="0">
-              <a:solidFill>
-                <a:schemeClr val="accent3">
-                  <a:lumMod val="75000"/>
-                </a:schemeClr>
-              </a:solidFill>
-            </a:rPr>
-            <a:t>Online data sharing platform</a:t>
-          </a:r>
-          <a:endParaRPr lang="fr-FR" sz="1050" kern="1200">
-            <a:solidFill>
-              <a:schemeClr val="accent3">
-                <a:lumMod val="75000"/>
-              </a:schemeClr>
-            </a:solidFill>
-          </a:endParaRPr>
-        </a:p>
-        <a:p>
-          <a:pPr marL="57150" lvl="1" indent="-57150" algn="l" defTabSz="466725">
-            <a:lnSpc>
-              <a:spcPct val="90000"/>
-            </a:lnSpc>
-            <a:spcBef>
-              <a:spcPct val="0"/>
-            </a:spcBef>
-            <a:spcAft>
-              <a:spcPct val="15000"/>
-            </a:spcAft>
-            <a:buChar char="••"/>
-          </a:pPr>
-          <a:endParaRPr lang="fr-FR" sz="1050" kern="1200">
-            <a:solidFill>
-              <a:schemeClr val="accent3">
-                <a:lumMod val="75000"/>
-              </a:schemeClr>
-            </a:solidFill>
-          </a:endParaRPr>
-        </a:p>
-      </dsp:txBody>
-      <dsp:txXfrm rot="5400000">
-        <a:off x="1" y="541526"/>
-        <a:ext cx="2095616" cy="1624583"/>
-      </dsp:txXfrm>
-    </dsp:sp>
-    <dsp:sp modelId="{06BACB2E-25D6-491F-9902-6DE6A89C06CD}">
-      <dsp:nvSpPr>
-        <dsp:cNvPr id="0" name=""/>
-        <dsp:cNvSpPr/>
-      </dsp:nvSpPr>
-      <dsp:spPr>
-        <a:xfrm rot="16200000">
-          <a:off x="1948912" y="306010"/>
-          <a:ext cx="2707637" cy="2095616"/>
-        </a:xfrm>
-        <a:prstGeom prst="flowChartManualOperation">
-          <a:avLst/>
-        </a:prstGeom>
-        <a:solidFill>
-          <a:schemeClr val="lt1">
-            <a:hueOff val="0"/>
-            <a:satOff val="0"/>
-            <a:lumOff val="0"/>
-            <a:alphaOff val="0"/>
-          </a:schemeClr>
-        </a:solidFill>
-        <a:ln w="15875" cap="flat" cmpd="sng" algn="ctr">
-          <a:solidFill>
-            <a:schemeClr val="accent3">
-              <a:shade val="80000"/>
-              <a:hueOff val="0"/>
-              <a:satOff val="0"/>
-              <a:lumOff val="0"/>
-              <a:alphaOff val="0"/>
-            </a:schemeClr>
-          </a:solidFill>
-          <a:prstDash val="solid"/>
-        </a:ln>
-        <a:effectLst/>
-      </dsp:spPr>
-      <dsp:style>
-        <a:lnRef idx="2">
-          <a:scrgbClr r="0" g="0" b="0"/>
-        </a:lnRef>
-        <a:fillRef idx="1">
-          <a:scrgbClr r="0" g="0" b="0"/>
-        </a:fillRef>
-        <a:effectRef idx="0">
-          <a:scrgbClr r="0" g="0" b="0"/>
-        </a:effectRef>
-        <a:fontRef idx="minor">
-          <a:schemeClr val="lt1"/>
-        </a:fontRef>
-      </dsp:style>
-      <dsp:txBody>
-        <a:bodyPr spcFirstLastPara="0" vert="horz" wrap="square" lIns="88900" tIns="0" rIns="88900" bIns="0" numCol="1" spcCol="1270" anchor="t" anchorCtr="0">
-          <a:noAutofit/>
-        </a:bodyPr>
-        <a:lstStyle/>
-        <a:p>
-          <a:pPr lvl="0" algn="l" defTabSz="622300">
-            <a:lnSpc>
-              <a:spcPct val="90000"/>
-            </a:lnSpc>
-            <a:spcBef>
-              <a:spcPct val="0"/>
-            </a:spcBef>
-            <a:spcAft>
-              <a:spcPct val="35000"/>
-            </a:spcAft>
-          </a:pPr>
-          <a:r>
-            <a:rPr lang="fr-FR" sz="1400" kern="1200" smtClean="0">
-              <a:solidFill>
-                <a:schemeClr val="accent3">
-                  <a:lumMod val="75000"/>
-                </a:schemeClr>
-              </a:solidFill>
-            </a:rPr>
-            <a:t>ACTIVITIES</a:t>
-          </a:r>
-          <a:endParaRPr lang="fr-FR" sz="1400" kern="1200">
-            <a:solidFill>
-              <a:schemeClr val="accent3">
-                <a:lumMod val="75000"/>
-              </a:schemeClr>
-            </a:solidFill>
-          </a:endParaRPr>
-        </a:p>
-        <a:p>
-          <a:pPr marL="57150" lvl="1" indent="-57150" algn="l" defTabSz="466725">
-            <a:lnSpc>
-              <a:spcPct val="90000"/>
-            </a:lnSpc>
-            <a:spcBef>
-              <a:spcPct val="0"/>
-            </a:spcBef>
-            <a:spcAft>
-              <a:spcPct val="15000"/>
-            </a:spcAft>
-            <a:buChar char="••"/>
-          </a:pPr>
-          <a:r>
-            <a:rPr lang="fr-FR" sz="1050" kern="1200" smtClean="0">
-              <a:solidFill>
-                <a:schemeClr val="accent3">
-                  <a:lumMod val="75000"/>
-                </a:schemeClr>
-              </a:solidFill>
-            </a:rPr>
-            <a:t>Review Fuel Cell information</a:t>
-          </a:r>
-          <a:endParaRPr lang="fr-FR" sz="1050" kern="1200" dirty="0">
-            <a:solidFill>
-              <a:schemeClr val="accent3">
-                <a:lumMod val="75000"/>
-              </a:schemeClr>
-            </a:solidFill>
-          </a:endParaRPr>
-        </a:p>
-        <a:p>
-          <a:pPr marL="57150" lvl="1" indent="-57150" algn="l" defTabSz="466725">
-            <a:lnSpc>
-              <a:spcPct val="90000"/>
-            </a:lnSpc>
-            <a:spcBef>
-              <a:spcPct val="0"/>
-            </a:spcBef>
-            <a:spcAft>
-              <a:spcPct val="15000"/>
-            </a:spcAft>
-            <a:buChar char="••"/>
-          </a:pPr>
-          <a:r>
-            <a:rPr lang="fr-FR" sz="1050" kern="1200" smtClean="0">
-              <a:solidFill>
-                <a:schemeClr val="accent3">
-                  <a:lumMod val="75000"/>
-                </a:schemeClr>
-              </a:solidFill>
-            </a:rPr>
-            <a:t>Extract IAR structure from existing reports</a:t>
-          </a:r>
-          <a:endParaRPr lang="fr-FR" sz="1050" kern="1200" dirty="0">
-            <a:solidFill>
-              <a:schemeClr val="accent3">
-                <a:lumMod val="75000"/>
-              </a:schemeClr>
-            </a:solidFill>
-          </a:endParaRPr>
-        </a:p>
-        <a:p>
-          <a:pPr marL="57150" lvl="1" indent="-57150" algn="l" defTabSz="466725">
-            <a:lnSpc>
-              <a:spcPct val="90000"/>
-            </a:lnSpc>
-            <a:spcBef>
-              <a:spcPct val="0"/>
-            </a:spcBef>
-            <a:spcAft>
-              <a:spcPct val="15000"/>
-            </a:spcAft>
-            <a:buChar char="••"/>
-          </a:pPr>
-          <a:r>
-            <a:rPr lang="fr-FR" sz="1050" kern="1200" smtClean="0">
-              <a:solidFill>
-                <a:schemeClr val="accent3">
-                  <a:lumMod val="75000"/>
-                </a:schemeClr>
-              </a:solidFill>
-            </a:rPr>
-            <a:t>Build a personalized outline for the IAR</a:t>
-          </a:r>
-          <a:endParaRPr lang="fr-FR" sz="1050" kern="1200">
-            <a:solidFill>
-              <a:schemeClr val="accent3">
-                <a:lumMod val="75000"/>
-              </a:schemeClr>
-            </a:solidFill>
-          </a:endParaRPr>
-        </a:p>
-        <a:p>
-          <a:pPr marL="57150" lvl="1" indent="-57150" algn="l" defTabSz="466725">
-            <a:lnSpc>
-              <a:spcPct val="90000"/>
-            </a:lnSpc>
-            <a:spcBef>
-              <a:spcPct val="0"/>
-            </a:spcBef>
-            <a:spcAft>
-              <a:spcPct val="15000"/>
-            </a:spcAft>
-            <a:buChar char="••"/>
-          </a:pPr>
-          <a:r>
-            <a:rPr lang="fr-FR" sz="1050" kern="1200" smtClean="0">
-              <a:solidFill>
-                <a:schemeClr val="accent3">
-                  <a:lumMod val="75000"/>
-                </a:schemeClr>
-              </a:solidFill>
-            </a:rPr>
-            <a:t>Collect data</a:t>
-          </a:r>
-          <a:endParaRPr lang="fr-FR" sz="1050" kern="1200">
-            <a:solidFill>
-              <a:schemeClr val="accent3">
-                <a:lumMod val="75000"/>
-              </a:schemeClr>
-            </a:solidFill>
-          </a:endParaRPr>
-        </a:p>
-        <a:p>
-          <a:pPr marL="57150" lvl="1" indent="-57150" algn="l" defTabSz="466725">
-            <a:lnSpc>
-              <a:spcPct val="90000"/>
-            </a:lnSpc>
-            <a:spcBef>
-              <a:spcPct val="0"/>
-            </a:spcBef>
-            <a:spcAft>
-              <a:spcPct val="15000"/>
-            </a:spcAft>
-            <a:buChar char="••"/>
-          </a:pPr>
-          <a:r>
-            <a:rPr lang="fr-FR" sz="1050" kern="1200" smtClean="0">
-              <a:solidFill>
-                <a:schemeClr val="accent3">
-                  <a:lumMod val="75000"/>
-                </a:schemeClr>
-              </a:solidFill>
-            </a:rPr>
-            <a:t>Write, design and edit the IAR</a:t>
-          </a:r>
-          <a:endParaRPr lang="fr-FR" sz="1050" kern="1200">
-            <a:solidFill>
-              <a:schemeClr val="accent3">
-                <a:lumMod val="75000"/>
-              </a:schemeClr>
-            </a:solidFill>
-          </a:endParaRPr>
-        </a:p>
-        <a:p>
-          <a:pPr marL="57150" lvl="1" indent="-57150" algn="l" defTabSz="466725">
-            <a:lnSpc>
-              <a:spcPct val="90000"/>
-            </a:lnSpc>
-            <a:spcBef>
-              <a:spcPct val="0"/>
-            </a:spcBef>
-            <a:spcAft>
-              <a:spcPct val="15000"/>
-            </a:spcAft>
-            <a:buChar char="••"/>
-          </a:pPr>
-          <a:r>
-            <a:rPr lang="fr-FR" sz="1050" kern="1200" smtClean="0">
-              <a:solidFill>
-                <a:schemeClr val="accent3">
-                  <a:lumMod val="75000"/>
-                </a:schemeClr>
-              </a:solidFill>
-            </a:rPr>
-            <a:t>Present IAR project</a:t>
-          </a:r>
-          <a:endParaRPr lang="fr-FR" sz="1050" kern="1200">
-            <a:solidFill>
-              <a:schemeClr val="accent3">
-                <a:lumMod val="75000"/>
-              </a:schemeClr>
-            </a:solidFill>
-          </a:endParaRPr>
-        </a:p>
-      </dsp:txBody>
-      <dsp:txXfrm rot="5400000">
-        <a:off x="2254923" y="541526"/>
-        <a:ext cx="2095616" cy="1624583"/>
-      </dsp:txXfrm>
-    </dsp:sp>
-    <dsp:sp modelId="{21D06AF9-7B68-4C50-825D-0A7D198CBF3A}">
-      <dsp:nvSpPr>
-        <dsp:cNvPr id="0" name=""/>
-        <dsp:cNvSpPr/>
-      </dsp:nvSpPr>
-      <dsp:spPr>
-        <a:xfrm rot="16200000">
-          <a:off x="4201699" y="306010"/>
-          <a:ext cx="2707637" cy="2095616"/>
-        </a:xfrm>
-        <a:prstGeom prst="flowChartManualOperation">
-          <a:avLst/>
-        </a:prstGeom>
-        <a:solidFill>
-          <a:schemeClr val="lt1">
-            <a:hueOff val="0"/>
-            <a:satOff val="0"/>
-            <a:lumOff val="0"/>
-            <a:alphaOff val="0"/>
-          </a:schemeClr>
-        </a:solidFill>
-        <a:ln w="15875" cap="flat" cmpd="sng" algn="ctr">
-          <a:solidFill>
-            <a:schemeClr val="accent3">
-              <a:shade val="80000"/>
-              <a:hueOff val="0"/>
-              <a:satOff val="0"/>
-              <a:lumOff val="0"/>
-              <a:alphaOff val="0"/>
-            </a:schemeClr>
-          </a:solidFill>
-          <a:prstDash val="solid"/>
-        </a:ln>
-        <a:effectLst/>
-      </dsp:spPr>
-      <dsp:style>
-        <a:lnRef idx="2">
-          <a:scrgbClr r="0" g="0" b="0"/>
-        </a:lnRef>
-        <a:fillRef idx="1">
-          <a:scrgbClr r="0" g="0" b="0"/>
-        </a:fillRef>
-        <a:effectRef idx="0">
-          <a:scrgbClr r="0" g="0" b="0"/>
-        </a:effectRef>
-        <a:fontRef idx="minor">
-          <a:schemeClr val="lt1"/>
-        </a:fontRef>
-      </dsp:style>
-      <dsp:txBody>
-        <a:bodyPr spcFirstLastPara="0" vert="horz" wrap="square" lIns="88900" tIns="0" rIns="88900" bIns="0" numCol="1" spcCol="1270" anchor="t" anchorCtr="0">
-          <a:noAutofit/>
-        </a:bodyPr>
-        <a:lstStyle/>
-        <a:p>
-          <a:pPr lvl="0" algn="l" defTabSz="622300">
-            <a:lnSpc>
-              <a:spcPct val="90000"/>
-            </a:lnSpc>
-            <a:spcBef>
-              <a:spcPct val="0"/>
-            </a:spcBef>
-            <a:spcAft>
-              <a:spcPct val="35000"/>
-            </a:spcAft>
-          </a:pPr>
-          <a:r>
-            <a:rPr lang="fr-FR" sz="1400" kern="1200" smtClean="0">
-              <a:solidFill>
-                <a:schemeClr val="accent3">
-                  <a:lumMod val="75000"/>
-                </a:schemeClr>
-              </a:solidFill>
-            </a:rPr>
-            <a:t>OUTCOMES</a:t>
-          </a:r>
-          <a:endParaRPr lang="fr-FR" sz="1400" kern="1200">
-            <a:solidFill>
-              <a:schemeClr val="accent3">
-                <a:lumMod val="75000"/>
-              </a:schemeClr>
-            </a:solidFill>
-          </a:endParaRPr>
-        </a:p>
-        <a:p>
-          <a:pPr marL="57150" lvl="1" indent="-57150" algn="l" defTabSz="466725">
-            <a:lnSpc>
-              <a:spcPct val="90000"/>
-            </a:lnSpc>
-            <a:spcBef>
-              <a:spcPct val="0"/>
-            </a:spcBef>
-            <a:spcAft>
-              <a:spcPct val="15000"/>
-            </a:spcAft>
-            <a:buChar char="••"/>
-          </a:pPr>
-          <a:r>
-            <a:rPr lang="fr-FR" sz="1050" kern="1200" smtClean="0">
-              <a:solidFill>
-                <a:schemeClr val="accent3">
-                  <a:lumMod val="75000"/>
-                </a:schemeClr>
-              </a:solidFill>
-            </a:rPr>
-            <a:t>IAR</a:t>
-          </a:r>
-          <a:endParaRPr lang="fr-FR" sz="1050" kern="1200">
-            <a:solidFill>
-              <a:schemeClr val="accent3">
-                <a:lumMod val="75000"/>
-              </a:schemeClr>
-            </a:solidFill>
-          </a:endParaRPr>
-        </a:p>
-        <a:p>
-          <a:pPr marL="57150" lvl="1" indent="-57150" algn="l" defTabSz="466725">
-            <a:lnSpc>
-              <a:spcPct val="90000"/>
-            </a:lnSpc>
-            <a:spcBef>
-              <a:spcPct val="0"/>
-            </a:spcBef>
-            <a:spcAft>
-              <a:spcPct val="15000"/>
-            </a:spcAft>
-            <a:buChar char="••"/>
-          </a:pPr>
-          <a:r>
-            <a:rPr lang="fr-FR" sz="1050" kern="1200" smtClean="0">
-              <a:solidFill>
-                <a:schemeClr val="accent3">
-                  <a:lumMod val="75000"/>
-                </a:schemeClr>
-              </a:solidFill>
-            </a:rPr>
-            <a:t>Interaction with other conributors</a:t>
-          </a:r>
-          <a:endParaRPr lang="fr-FR" sz="1050" kern="1200">
-            <a:solidFill>
-              <a:schemeClr val="accent3">
-                <a:lumMod val="75000"/>
-              </a:schemeClr>
-            </a:solidFill>
-          </a:endParaRPr>
-        </a:p>
-      </dsp:txBody>
-      <dsp:txXfrm rot="5400000">
-        <a:off x="4507710" y="541526"/>
-        <a:ext cx="2095616" cy="1624583"/>
-      </dsp:txXfrm>
-    </dsp:sp>
-    <dsp:sp modelId="{F1E2BDB2-0BA9-4FD2-86F9-2CAEA5A63A20}">
-      <dsp:nvSpPr>
-        <dsp:cNvPr id="0" name=""/>
-        <dsp:cNvSpPr/>
-      </dsp:nvSpPr>
-      <dsp:spPr>
-        <a:xfrm rot="16200000">
-          <a:off x="6454487" y="306010"/>
-          <a:ext cx="2707637" cy="2095616"/>
-        </a:xfrm>
-        <a:prstGeom prst="flowChartManualOperation">
-          <a:avLst/>
-        </a:prstGeom>
-        <a:solidFill>
-          <a:schemeClr val="lt1">
-            <a:hueOff val="0"/>
-            <a:satOff val="0"/>
-            <a:lumOff val="0"/>
-            <a:alphaOff val="0"/>
-          </a:schemeClr>
-        </a:solidFill>
-        <a:ln w="15875" cap="flat" cmpd="sng" algn="ctr">
-          <a:solidFill>
-            <a:schemeClr val="accent3">
-              <a:shade val="80000"/>
-              <a:hueOff val="0"/>
-              <a:satOff val="0"/>
-              <a:lumOff val="0"/>
-              <a:alphaOff val="0"/>
-            </a:schemeClr>
-          </a:solidFill>
-          <a:prstDash val="solid"/>
-        </a:ln>
-        <a:effectLst/>
-      </dsp:spPr>
-      <dsp:style>
-        <a:lnRef idx="2">
-          <a:scrgbClr r="0" g="0" b="0"/>
-        </a:lnRef>
-        <a:fillRef idx="1">
-          <a:scrgbClr r="0" g="0" b="0"/>
-        </a:fillRef>
-        <a:effectRef idx="0">
-          <a:scrgbClr r="0" g="0" b="0"/>
-        </a:effectRef>
-        <a:fontRef idx="minor">
-          <a:schemeClr val="lt1"/>
-        </a:fontRef>
-      </dsp:style>
-      <dsp:txBody>
-        <a:bodyPr spcFirstLastPara="0" vert="horz" wrap="square" lIns="88900" tIns="0" rIns="88900" bIns="0" numCol="1" spcCol="1270" anchor="t" anchorCtr="0">
-          <a:noAutofit/>
-        </a:bodyPr>
-        <a:lstStyle/>
-        <a:p>
-          <a:pPr lvl="0" algn="l" defTabSz="622300">
-            <a:lnSpc>
-              <a:spcPct val="90000"/>
-            </a:lnSpc>
-            <a:spcBef>
-              <a:spcPct val="0"/>
-            </a:spcBef>
-            <a:spcAft>
-              <a:spcPct val="35000"/>
-            </a:spcAft>
-          </a:pPr>
-          <a:r>
-            <a:rPr lang="fr-FR" sz="1400" kern="1200" smtClean="0">
-              <a:solidFill>
-                <a:schemeClr val="accent3">
-                  <a:lumMod val="75000"/>
-                </a:schemeClr>
-              </a:solidFill>
-            </a:rPr>
-            <a:t>OUTPUTS</a:t>
-          </a:r>
-          <a:endParaRPr lang="fr-FR" sz="1400" kern="1200">
-            <a:solidFill>
-              <a:schemeClr val="accent3">
-                <a:lumMod val="75000"/>
-              </a:schemeClr>
-            </a:solidFill>
-          </a:endParaRPr>
-        </a:p>
-        <a:p>
-          <a:pPr marL="57150" lvl="1" indent="-57150" algn="l" defTabSz="466725">
-            <a:lnSpc>
-              <a:spcPct val="90000"/>
-            </a:lnSpc>
-            <a:spcBef>
-              <a:spcPct val="0"/>
-            </a:spcBef>
-            <a:spcAft>
-              <a:spcPct val="15000"/>
-            </a:spcAft>
-            <a:buChar char="••"/>
-          </a:pPr>
-          <a:r>
-            <a:rPr lang="fr-FR" sz="1050" kern="1200" smtClean="0">
-              <a:solidFill>
-                <a:schemeClr val="accent3">
-                  <a:lumMod val="75000"/>
-                </a:schemeClr>
-              </a:solidFill>
-            </a:rPr>
-            <a:t>Know about the fuel cell industry</a:t>
-          </a:r>
-          <a:endParaRPr lang="fr-FR" sz="1050" kern="1200">
-            <a:solidFill>
-              <a:schemeClr val="accent3">
-                <a:lumMod val="75000"/>
-              </a:schemeClr>
-            </a:solidFill>
-          </a:endParaRPr>
-        </a:p>
-        <a:p>
-          <a:pPr marL="114300" lvl="2" indent="-57150" algn="l" defTabSz="466725">
-            <a:lnSpc>
-              <a:spcPct val="90000"/>
-            </a:lnSpc>
-            <a:spcBef>
-              <a:spcPct val="0"/>
-            </a:spcBef>
-            <a:spcAft>
-              <a:spcPct val="15000"/>
-            </a:spcAft>
-            <a:buChar char="••"/>
-          </a:pPr>
-          <a:r>
-            <a:rPr lang="fr-FR" sz="1050" kern="1200" smtClean="0">
-              <a:solidFill>
-                <a:schemeClr val="accent3">
-                  <a:lumMod val="75000"/>
-                </a:schemeClr>
-              </a:solidFill>
-            </a:rPr>
-            <a:t>Know the state and needs of the market</a:t>
-          </a:r>
-          <a:endParaRPr lang="fr-FR" sz="1050" kern="1200">
-            <a:solidFill>
-              <a:schemeClr val="accent3">
-                <a:lumMod val="75000"/>
-              </a:schemeClr>
-            </a:solidFill>
-          </a:endParaRPr>
-        </a:p>
-        <a:p>
-          <a:pPr marL="57150" lvl="1" indent="-57150" algn="l" defTabSz="466725">
-            <a:lnSpc>
-              <a:spcPct val="90000"/>
-            </a:lnSpc>
-            <a:spcBef>
-              <a:spcPct val="0"/>
-            </a:spcBef>
-            <a:spcAft>
-              <a:spcPct val="15000"/>
-            </a:spcAft>
-            <a:buChar char="••"/>
-          </a:pPr>
-          <a:r>
-            <a:rPr lang="fr-FR" sz="1050" kern="1200" smtClean="0">
-              <a:solidFill>
-                <a:schemeClr val="accent3">
-                  <a:lumMod val="75000"/>
-                </a:schemeClr>
-              </a:solidFill>
-            </a:rPr>
-            <a:t>IAR available to everyone</a:t>
-          </a:r>
-          <a:endParaRPr lang="fr-FR" sz="1050" kern="1200">
-            <a:solidFill>
-              <a:schemeClr val="accent3">
-                <a:lumMod val="75000"/>
-              </a:schemeClr>
-            </a:solidFill>
-          </a:endParaRPr>
-        </a:p>
-        <a:p>
-          <a:pPr marL="57150" lvl="1" indent="-57150" algn="l" defTabSz="466725">
-            <a:lnSpc>
-              <a:spcPct val="90000"/>
-            </a:lnSpc>
-            <a:spcBef>
-              <a:spcPct val="0"/>
-            </a:spcBef>
-            <a:spcAft>
-              <a:spcPct val="15000"/>
-            </a:spcAft>
-            <a:buChar char="••"/>
-          </a:pPr>
-          <a:r>
-            <a:rPr lang="fr-FR" sz="1050" kern="1200" smtClean="0">
-              <a:solidFill>
-                <a:schemeClr val="accent3">
-                  <a:lumMod val="75000"/>
-                </a:schemeClr>
-              </a:solidFill>
-            </a:rPr>
-            <a:t>IAR understandable by everyone</a:t>
-          </a:r>
-          <a:endParaRPr lang="fr-FR" sz="1050" kern="1200">
-            <a:solidFill>
-              <a:schemeClr val="accent3">
-                <a:lumMod val="75000"/>
-              </a:schemeClr>
-            </a:solidFill>
-          </a:endParaRPr>
-        </a:p>
-        <a:p>
-          <a:pPr marL="57150" lvl="1" indent="-57150" algn="l" defTabSz="466725">
-            <a:lnSpc>
-              <a:spcPct val="90000"/>
-            </a:lnSpc>
-            <a:spcBef>
-              <a:spcPct val="0"/>
-            </a:spcBef>
-            <a:spcAft>
-              <a:spcPct val="15000"/>
-            </a:spcAft>
-            <a:buChar char="••"/>
-          </a:pPr>
-          <a:endParaRPr lang="fr-FR" sz="1050" kern="1200">
-            <a:solidFill>
-              <a:schemeClr val="accent3">
-                <a:lumMod val="75000"/>
-              </a:schemeClr>
-            </a:solidFill>
-          </a:endParaRPr>
-        </a:p>
-      </dsp:txBody>
-      <dsp:txXfrm rot="5400000">
-        <a:off x="6760498" y="541526"/>
-        <a:ext cx="2095616" cy="1624583"/>
-      </dsp:txXfrm>
-    </dsp:sp>
   </dsp:spTree>
 </dsp:drawing>
 </file>
@@ -6191,7 +4039,7 @@
           <a:p>
             <a:fld id="{3C34E867-41F4-48E7-8B36-52D0CC1AAFEA}" type="slidenum">
               <a:rPr lang="en-US" smtClean="0"/>
-              <a:t>‹#›</a:t>
+              <a:t>‹N°›</a:t>
             </a:fld>
             <a:endParaRPr lang="en-US"/>
           </a:p>
@@ -6656,7 +4504,7 @@
           <a:p>
             <a:fld id="{D376626B-8044-4126-A03C-8C0AE257EC41}" type="slidenum">
               <a:rPr lang="fr-FR" smtClean="0"/>
-              <a:t>‹#›</a:t>
+              <a:t>‹N°›</a:t>
             </a:fld>
             <a:endParaRPr lang="fr-FR"/>
           </a:p>
@@ -6868,7 +4716,7 @@
           <a:p>
             <a:fld id="{D376626B-8044-4126-A03C-8C0AE257EC41}" type="slidenum">
               <a:rPr lang="fr-FR" smtClean="0"/>
-              <a:t>‹#›</a:t>
+              <a:t>‹N°›</a:t>
             </a:fld>
             <a:endParaRPr lang="fr-FR"/>
           </a:p>
@@ -7128,7 +4976,7 @@
           <a:p>
             <a:fld id="{D376626B-8044-4126-A03C-8C0AE257EC41}" type="slidenum">
               <a:rPr lang="fr-FR" smtClean="0"/>
-              <a:t>‹#›</a:t>
+              <a:t>‹N°›</a:t>
             </a:fld>
             <a:endParaRPr lang="fr-FR"/>
           </a:p>
@@ -7302,7 +5150,7 @@
           <a:p>
             <a:fld id="{D376626B-8044-4126-A03C-8C0AE257EC41}" type="slidenum">
               <a:rPr lang="fr-FR" smtClean="0"/>
-              <a:t>‹#›</a:t>
+              <a:t>‹N°›</a:t>
             </a:fld>
             <a:endParaRPr lang="fr-FR"/>
           </a:p>
@@ -7649,7 +5497,7 @@
           <a:p>
             <a:fld id="{D376626B-8044-4126-A03C-8C0AE257EC41}" type="slidenum">
               <a:rPr lang="fr-FR" smtClean="0"/>
-              <a:t>‹#›</a:t>
+              <a:t>‹N°›</a:t>
             </a:fld>
             <a:endParaRPr lang="fr-FR"/>
           </a:p>
@@ -7928,7 +5776,7 @@
           <a:p>
             <a:fld id="{D376626B-8044-4126-A03C-8C0AE257EC41}" type="slidenum">
               <a:rPr lang="fr-FR" smtClean="0"/>
-              <a:t>‹#›</a:t>
+              <a:t>‹N°›</a:t>
             </a:fld>
             <a:endParaRPr lang="fr-FR"/>
           </a:p>
@@ -8311,7 +6159,7 @@
           <a:p>
             <a:fld id="{D376626B-8044-4126-A03C-8C0AE257EC41}" type="slidenum">
               <a:rPr lang="fr-FR" smtClean="0"/>
-              <a:t>‹#›</a:t>
+              <a:t>‹N°›</a:t>
             </a:fld>
             <a:endParaRPr lang="fr-FR"/>
           </a:p>
@@ -8433,7 +6281,7 @@
           <a:p>
             <a:fld id="{D376626B-8044-4126-A03C-8C0AE257EC41}" type="slidenum">
               <a:rPr lang="fr-FR" smtClean="0"/>
-              <a:t>‹#›</a:t>
+              <a:t>‹N°›</a:t>
             </a:fld>
             <a:endParaRPr lang="fr-FR"/>
           </a:p>
@@ -8616,7 +6464,7 @@
           <a:p>
             <a:fld id="{D376626B-8044-4126-A03C-8C0AE257EC41}" type="slidenum">
               <a:rPr lang="fr-FR" smtClean="0"/>
-              <a:t>‹#›</a:t>
+              <a:t>‹N°›</a:t>
             </a:fld>
             <a:endParaRPr lang="fr-FR"/>
           </a:p>
@@ -8987,7 +6835,7 @@
           <a:p>
             <a:fld id="{D376626B-8044-4126-A03C-8C0AE257EC41}" type="slidenum">
               <a:rPr lang="fr-FR" smtClean="0"/>
-              <a:t>‹#›</a:t>
+              <a:t>‹N°›</a:t>
             </a:fld>
             <a:endParaRPr lang="fr-FR"/>
           </a:p>
@@ -9347,7 +7195,7 @@
           <a:p>
             <a:fld id="{D376626B-8044-4126-A03C-8C0AE257EC41}" type="slidenum">
               <a:rPr lang="fr-FR" smtClean="0"/>
-              <a:t>‹#›</a:t>
+              <a:t>‹N°›</a:t>
             </a:fld>
             <a:endParaRPr lang="fr-FR"/>
           </a:p>
@@ -9670,7 +7518,7 @@
           <a:p>
             <a:fld id="{D376626B-8044-4126-A03C-8C0AE257EC41}" type="slidenum">
               <a:rPr lang="fr-FR" smtClean="0"/>
-              <a:t>‹#›</a:t>
+              <a:t>‹N°›</a:t>
             </a:fld>
             <a:endParaRPr lang="fr-FR"/>
           </a:p>
@@ -10320,159 +8168,6 @@
     <p:extLst>
       <p:ext uri="{BB962C8B-B14F-4D97-AF65-F5344CB8AC3E}">
         <p14:creationId xmlns:p14="http://schemas.microsoft.com/office/powerpoint/2010/main" val="2491292434"/>
-      </p:ext>
-    </p:extLst>
-  </p:cSld>
-  <p:clrMapOvr>
-    <a:masterClrMapping/>
-  </p:clrMapOvr>
-  <p:timing>
-    <p:tnLst>
-      <p:par>
-        <p:cTn id="1" dur="indefinite" restart="never" nodeType="tmRoot"/>
-      </p:par>
-    </p:tnLst>
-  </p:timing>
-</p:sld>
-</file>
-
-<file path=ppt/slides/slide10.xml><?xml version="1.0" encoding="utf-8"?>
-<p:sld xmlns:a="http://schemas.openxmlformats.org/drawingml/2006/main" xmlns:r="http://schemas.openxmlformats.org/officeDocument/2006/relationships" xmlns:p="http://schemas.openxmlformats.org/presentationml/2006/main">
-  <p:cSld>
-    <p:spTree>
-      <p:nvGrpSpPr>
-        <p:cNvPr id="1" name=""/>
-        <p:cNvGrpSpPr/>
-        <p:nvPr/>
-      </p:nvGrpSpPr>
-      <p:grpSpPr>
-        <a:xfrm>
-          <a:off x="0" y="0"/>
-          <a:ext cx="0" cy="0"/>
-          <a:chOff x="0" y="0"/>
-          <a:chExt cx="0" cy="0"/>
-        </a:xfrm>
-      </p:grpSpPr>
-      <p:sp>
-        <p:nvSpPr>
-          <p:cNvPr id="2" name="Title 1"/>
-          <p:cNvSpPr>
-            <a:spLocks noGrp="1"/>
-          </p:cNvSpPr>
-          <p:nvPr>
-            <p:ph type="title"/>
-          </p:nvPr>
-        </p:nvSpPr>
-        <p:spPr/>
-        <p:txBody>
-          <a:bodyPr/>
-          <a:lstStyle/>
-          <a:p>
-            <a:r>
-              <a:rPr lang="en-US" dirty="0"/>
-              <a:t>IAR Progress</a:t>
-            </a:r>
-          </a:p>
-        </p:txBody>
-      </p:sp>
-      <p:graphicFrame>
-        <p:nvGraphicFramePr>
-          <p:cNvPr id="18" name="Chart 17"/>
-          <p:cNvGraphicFramePr/>
-          <p:nvPr>
-            <p:extLst>
-              <p:ext uri="{D42A27DB-BD31-4B8C-83A1-F6EECF244321}">
-                <p14:modId xmlns:p14="http://schemas.microsoft.com/office/powerpoint/2010/main" val="2984458898"/>
-              </p:ext>
-            </p:extLst>
-          </p:nvPr>
-        </p:nvGraphicFramePr>
-        <p:xfrm>
-          <a:off x="1370818" y="1228317"/>
-          <a:ext cx="8128000" cy="5418667"/>
-        </p:xfrm>
-        <a:graphic>
-          <a:graphicData uri="http://schemas.openxmlformats.org/drawingml/2006/chart">
-            <c:chart xmlns:c="http://schemas.openxmlformats.org/drawingml/2006/chart" xmlns:r="http://schemas.openxmlformats.org/officeDocument/2006/relationships" r:id="rId2"/>
-          </a:graphicData>
-        </a:graphic>
-      </p:graphicFrame>
-      <p:sp>
-        <p:nvSpPr>
-          <p:cNvPr id="19" name="TextBox 18"/>
-          <p:cNvSpPr txBox="1"/>
-          <p:nvPr/>
-        </p:nvSpPr>
-        <p:spPr>
-          <a:xfrm>
-            <a:off x="5193547" y="4529797"/>
-            <a:ext cx="461665" cy="92398"/>
-          </a:xfrm>
-          <a:prstGeom prst="rect">
-            <a:avLst/>
-          </a:prstGeom>
-          <a:noFill/>
-        </p:spPr>
-        <p:txBody>
-          <a:bodyPr vert="eaVert" wrap="none" rtlCol="0">
-            <a:spAutoFit/>
-          </a:bodyPr>
-          <a:lstStyle/>
-          <a:p>
-            <a:endParaRPr lang="en-US" dirty="0"/>
-          </a:p>
-        </p:txBody>
-      </p:sp>
-      <p:sp>
-        <p:nvSpPr>
-          <p:cNvPr id="3" name="Espace réservé du pied de page 2"/>
-          <p:cNvSpPr>
-            <a:spLocks noGrp="1"/>
-          </p:cNvSpPr>
-          <p:nvPr>
-            <p:ph type="ftr" sz="quarter" idx="11"/>
-          </p:nvPr>
-        </p:nvSpPr>
-        <p:spPr/>
-        <p:txBody>
-          <a:bodyPr/>
-          <a:lstStyle/>
-          <a:p>
-            <a:r>
-              <a:rPr lang="fr-FR" smtClean="0"/>
-              <a:t>Banmbu - 20/05/2015</a:t>
-            </a:r>
-            <a:endParaRPr lang="fr-FR"/>
-          </a:p>
-        </p:txBody>
-      </p:sp>
-      <p:sp>
-        <p:nvSpPr>
-          <p:cNvPr id="4" name="Espace réservé du numéro de diapositive 3"/>
-          <p:cNvSpPr>
-            <a:spLocks noGrp="1"/>
-          </p:cNvSpPr>
-          <p:nvPr>
-            <p:ph type="sldNum" sz="quarter" idx="12"/>
-          </p:nvPr>
-        </p:nvSpPr>
-        <p:spPr/>
-        <p:txBody>
-          <a:bodyPr/>
-          <a:lstStyle/>
-          <a:p>
-            <a:fld id="{D376626B-8044-4126-A03C-8C0AE257EC41}" type="slidenum">
-              <a:rPr lang="fr-FR" smtClean="0"/>
-              <a:t>10</a:t>
-            </a:fld>
-            <a:endParaRPr lang="fr-FR"/>
-          </a:p>
-        </p:txBody>
-      </p:sp>
-    </p:spTree>
-    <p:extLst>
-      <p:ext uri="{BB962C8B-B14F-4D97-AF65-F5344CB8AC3E}">
-        <p14:creationId xmlns:p14="http://schemas.microsoft.com/office/powerpoint/2010/main" val="4044968407"/>
       </p:ext>
     </p:extLst>
   </p:cSld>

--- a/Assignments/Presentations/2015.05.20Presentation_2.pptx
+++ b/Assignments/Presentations/2015.05.20Presentation_2.pptx
@@ -2588,6 +2588,966 @@
       <dsp:cNvGrpSpPr/>
     </dsp:nvGrpSpPr>
     <dsp:grpSpPr/>
+    <dsp:sp modelId="{3DD4DCC5-CD2A-4C80-9516-43D7C916D6B5}">
+      <dsp:nvSpPr>
+        <dsp:cNvPr id="0" name=""/>
+        <dsp:cNvSpPr/>
+      </dsp:nvSpPr>
+      <dsp:spPr>
+        <a:xfrm rot="16200000">
+          <a:off x="-306010" y="306010"/>
+          <a:ext cx="2707637" cy="2095616"/>
+        </a:xfrm>
+        <a:prstGeom prst="flowChartManualOperation">
+          <a:avLst/>
+        </a:prstGeom>
+        <a:solidFill>
+          <a:schemeClr val="lt1">
+            <a:hueOff val="0"/>
+            <a:satOff val="0"/>
+            <a:lumOff val="0"/>
+            <a:alphaOff val="0"/>
+          </a:schemeClr>
+        </a:solidFill>
+        <a:ln w="15875" cap="flat" cmpd="sng" algn="ctr">
+          <a:solidFill>
+            <a:schemeClr val="accent3">
+              <a:shade val="80000"/>
+              <a:hueOff val="0"/>
+              <a:satOff val="0"/>
+              <a:lumOff val="0"/>
+              <a:alphaOff val="0"/>
+            </a:schemeClr>
+          </a:solidFill>
+          <a:prstDash val="solid"/>
+        </a:ln>
+        <a:effectLst/>
+      </dsp:spPr>
+      <dsp:style>
+        <a:lnRef idx="2">
+          <a:scrgbClr r="0" g="0" b="0"/>
+        </a:lnRef>
+        <a:fillRef idx="1">
+          <a:scrgbClr r="0" g="0" b="0"/>
+        </a:fillRef>
+        <a:effectRef idx="0">
+          <a:scrgbClr r="0" g="0" b="0"/>
+        </a:effectRef>
+        <a:fontRef idx="minor">
+          <a:schemeClr val="lt1"/>
+        </a:fontRef>
+      </dsp:style>
+      <dsp:txBody>
+        <a:bodyPr spcFirstLastPara="0" vert="horz" wrap="square" lIns="88900" tIns="0" rIns="88900" bIns="0" numCol="1" spcCol="1270" anchor="t" anchorCtr="0">
+          <a:noAutofit/>
+        </a:bodyPr>
+        <a:lstStyle/>
+        <a:p>
+          <a:pPr lvl="0" algn="l" defTabSz="622300">
+            <a:lnSpc>
+              <a:spcPct val="90000"/>
+            </a:lnSpc>
+            <a:spcBef>
+              <a:spcPct val="0"/>
+            </a:spcBef>
+            <a:spcAft>
+              <a:spcPct val="35000"/>
+            </a:spcAft>
+          </a:pPr>
+          <a:r>
+            <a:rPr lang="fr-FR" sz="1400" kern="1200" smtClean="0">
+              <a:solidFill>
+                <a:schemeClr val="accent3">
+                  <a:lumMod val="75000"/>
+                </a:schemeClr>
+              </a:solidFill>
+            </a:rPr>
+            <a:t>RESOURCES</a:t>
+          </a:r>
+          <a:endParaRPr lang="fr-FR" sz="1400" kern="1200" dirty="0">
+            <a:solidFill>
+              <a:schemeClr val="accent3">
+                <a:lumMod val="75000"/>
+              </a:schemeClr>
+            </a:solidFill>
+          </a:endParaRPr>
+        </a:p>
+        <a:p>
+          <a:pPr marL="57150" lvl="1" indent="-57150" algn="l" defTabSz="466725">
+            <a:lnSpc>
+              <a:spcPct val="90000"/>
+            </a:lnSpc>
+            <a:spcBef>
+              <a:spcPct val="0"/>
+            </a:spcBef>
+            <a:spcAft>
+              <a:spcPct val="15000"/>
+            </a:spcAft>
+            <a:buChar char="••"/>
+          </a:pPr>
+          <a:r>
+            <a:rPr lang="fr-FR" sz="1050" kern="1200" smtClean="0">
+              <a:solidFill>
+                <a:schemeClr val="accent3">
+                  <a:lumMod val="75000"/>
+                </a:schemeClr>
+              </a:solidFill>
+            </a:rPr>
+            <a:t>1 Supervisor</a:t>
+          </a:r>
+          <a:endParaRPr lang="fr-FR" sz="1050" kern="1200">
+            <a:solidFill>
+              <a:schemeClr val="accent3">
+                <a:lumMod val="75000"/>
+              </a:schemeClr>
+            </a:solidFill>
+          </a:endParaRPr>
+        </a:p>
+        <a:p>
+          <a:pPr marL="57150" lvl="1" indent="-57150" algn="l" defTabSz="466725">
+            <a:lnSpc>
+              <a:spcPct val="90000"/>
+            </a:lnSpc>
+            <a:spcBef>
+              <a:spcPct val="0"/>
+            </a:spcBef>
+            <a:spcAft>
+              <a:spcPct val="15000"/>
+            </a:spcAft>
+            <a:buChar char="••"/>
+          </a:pPr>
+          <a:r>
+            <a:rPr lang="fr-FR" sz="1050" kern="1200" smtClean="0">
+              <a:solidFill>
+                <a:schemeClr val="accent3">
+                  <a:lumMod val="75000"/>
+                </a:schemeClr>
+              </a:solidFill>
+            </a:rPr>
+            <a:t>20 Contributors</a:t>
+          </a:r>
+          <a:endParaRPr lang="fr-FR" sz="1050" kern="1200" dirty="0">
+            <a:solidFill>
+              <a:schemeClr val="accent3">
+                <a:lumMod val="75000"/>
+              </a:schemeClr>
+            </a:solidFill>
+          </a:endParaRPr>
+        </a:p>
+        <a:p>
+          <a:pPr marL="57150" lvl="1" indent="-57150" algn="l" defTabSz="466725">
+            <a:lnSpc>
+              <a:spcPct val="90000"/>
+            </a:lnSpc>
+            <a:spcBef>
+              <a:spcPct val="0"/>
+            </a:spcBef>
+            <a:spcAft>
+              <a:spcPct val="15000"/>
+            </a:spcAft>
+            <a:buChar char="••"/>
+          </a:pPr>
+          <a:r>
+            <a:rPr lang="fr-FR" sz="1050" kern="1200" smtClean="0">
+              <a:solidFill>
+                <a:schemeClr val="accent3">
+                  <a:lumMod val="75000"/>
+                </a:schemeClr>
+              </a:solidFill>
+            </a:rPr>
+            <a:t>4 Authors</a:t>
+          </a:r>
+          <a:endParaRPr lang="fr-FR" sz="1050" kern="1200" dirty="0">
+            <a:solidFill>
+              <a:schemeClr val="accent3">
+                <a:lumMod val="75000"/>
+              </a:schemeClr>
+            </a:solidFill>
+          </a:endParaRPr>
+        </a:p>
+        <a:p>
+          <a:pPr marL="57150" lvl="1" indent="-57150" algn="l" defTabSz="466725">
+            <a:lnSpc>
+              <a:spcPct val="90000"/>
+            </a:lnSpc>
+            <a:spcBef>
+              <a:spcPct val="0"/>
+            </a:spcBef>
+            <a:spcAft>
+              <a:spcPct val="15000"/>
+            </a:spcAft>
+            <a:buChar char="••"/>
+          </a:pPr>
+          <a:r>
+            <a:rPr lang="fr-FR" sz="1050" kern="1200" smtClean="0">
+              <a:solidFill>
+                <a:schemeClr val="accent3">
+                  <a:lumMod val="75000"/>
+                </a:schemeClr>
+              </a:solidFill>
+            </a:rPr>
+            <a:t>Documetation anout IAR</a:t>
+          </a:r>
+          <a:endParaRPr lang="fr-FR" sz="1050" kern="1200">
+            <a:solidFill>
+              <a:schemeClr val="accent3">
+                <a:lumMod val="75000"/>
+              </a:schemeClr>
+            </a:solidFill>
+          </a:endParaRPr>
+        </a:p>
+        <a:p>
+          <a:pPr marL="57150" lvl="1" indent="-57150" algn="l" defTabSz="466725">
+            <a:lnSpc>
+              <a:spcPct val="90000"/>
+            </a:lnSpc>
+            <a:spcBef>
+              <a:spcPct val="0"/>
+            </a:spcBef>
+            <a:spcAft>
+              <a:spcPct val="15000"/>
+            </a:spcAft>
+            <a:buChar char="••"/>
+          </a:pPr>
+          <a:r>
+            <a:rPr lang="fr-FR" sz="1050" kern="1200" smtClean="0">
+              <a:solidFill>
+                <a:schemeClr val="accent3">
+                  <a:lumMod val="75000"/>
+                </a:schemeClr>
+              </a:solidFill>
+            </a:rPr>
+            <a:t>Documentation about Fuel Cells</a:t>
+          </a:r>
+          <a:endParaRPr lang="fr-FR" sz="1050" kern="1200">
+            <a:solidFill>
+              <a:schemeClr val="accent3">
+                <a:lumMod val="75000"/>
+              </a:schemeClr>
+            </a:solidFill>
+          </a:endParaRPr>
+        </a:p>
+        <a:p>
+          <a:pPr marL="57150" lvl="1" indent="-57150" algn="l" defTabSz="466725">
+            <a:lnSpc>
+              <a:spcPct val="90000"/>
+            </a:lnSpc>
+            <a:spcBef>
+              <a:spcPct val="0"/>
+            </a:spcBef>
+            <a:spcAft>
+              <a:spcPct val="15000"/>
+            </a:spcAft>
+            <a:buChar char="••"/>
+          </a:pPr>
+          <a:r>
+            <a:rPr lang="fr-FR" sz="1050" kern="1200" smtClean="0">
+              <a:solidFill>
+                <a:schemeClr val="accent3">
+                  <a:lumMod val="75000"/>
+                </a:schemeClr>
+              </a:solidFill>
+            </a:rPr>
+            <a:t>Online data sharing platform</a:t>
+          </a:r>
+          <a:endParaRPr lang="fr-FR" sz="1050" kern="1200">
+            <a:solidFill>
+              <a:schemeClr val="accent3">
+                <a:lumMod val="75000"/>
+              </a:schemeClr>
+            </a:solidFill>
+          </a:endParaRPr>
+        </a:p>
+        <a:p>
+          <a:pPr marL="57150" lvl="1" indent="-57150" algn="l" defTabSz="466725">
+            <a:lnSpc>
+              <a:spcPct val="90000"/>
+            </a:lnSpc>
+            <a:spcBef>
+              <a:spcPct val="0"/>
+            </a:spcBef>
+            <a:spcAft>
+              <a:spcPct val="15000"/>
+            </a:spcAft>
+            <a:buChar char="••"/>
+          </a:pPr>
+          <a:endParaRPr lang="fr-FR" sz="1050" kern="1200">
+            <a:solidFill>
+              <a:schemeClr val="accent3">
+                <a:lumMod val="75000"/>
+              </a:schemeClr>
+            </a:solidFill>
+          </a:endParaRPr>
+        </a:p>
+      </dsp:txBody>
+      <dsp:txXfrm rot="5400000">
+        <a:off x="1" y="541526"/>
+        <a:ext cx="2095616" cy="1624583"/>
+      </dsp:txXfrm>
+    </dsp:sp>
+    <dsp:sp modelId="{06BACB2E-25D6-491F-9902-6DE6A89C06CD}">
+      <dsp:nvSpPr>
+        <dsp:cNvPr id="0" name=""/>
+        <dsp:cNvSpPr/>
+      </dsp:nvSpPr>
+      <dsp:spPr>
+        <a:xfrm rot="16200000">
+          <a:off x="1948912" y="306010"/>
+          <a:ext cx="2707637" cy="2095616"/>
+        </a:xfrm>
+        <a:prstGeom prst="flowChartManualOperation">
+          <a:avLst/>
+        </a:prstGeom>
+        <a:solidFill>
+          <a:schemeClr val="lt1">
+            <a:hueOff val="0"/>
+            <a:satOff val="0"/>
+            <a:lumOff val="0"/>
+            <a:alphaOff val="0"/>
+          </a:schemeClr>
+        </a:solidFill>
+        <a:ln w="15875" cap="flat" cmpd="sng" algn="ctr">
+          <a:solidFill>
+            <a:schemeClr val="accent3">
+              <a:shade val="80000"/>
+              <a:hueOff val="0"/>
+              <a:satOff val="0"/>
+              <a:lumOff val="0"/>
+              <a:alphaOff val="0"/>
+            </a:schemeClr>
+          </a:solidFill>
+          <a:prstDash val="solid"/>
+        </a:ln>
+        <a:effectLst/>
+      </dsp:spPr>
+      <dsp:style>
+        <a:lnRef idx="2">
+          <a:scrgbClr r="0" g="0" b="0"/>
+        </a:lnRef>
+        <a:fillRef idx="1">
+          <a:scrgbClr r="0" g="0" b="0"/>
+        </a:fillRef>
+        <a:effectRef idx="0">
+          <a:scrgbClr r="0" g="0" b="0"/>
+        </a:effectRef>
+        <a:fontRef idx="minor">
+          <a:schemeClr val="lt1"/>
+        </a:fontRef>
+      </dsp:style>
+      <dsp:txBody>
+        <a:bodyPr spcFirstLastPara="0" vert="horz" wrap="square" lIns="88900" tIns="0" rIns="88900" bIns="0" numCol="1" spcCol="1270" anchor="t" anchorCtr="0">
+          <a:noAutofit/>
+        </a:bodyPr>
+        <a:lstStyle/>
+        <a:p>
+          <a:pPr lvl="0" algn="l" defTabSz="622300">
+            <a:lnSpc>
+              <a:spcPct val="90000"/>
+            </a:lnSpc>
+            <a:spcBef>
+              <a:spcPct val="0"/>
+            </a:spcBef>
+            <a:spcAft>
+              <a:spcPct val="35000"/>
+            </a:spcAft>
+          </a:pPr>
+          <a:r>
+            <a:rPr lang="fr-FR" sz="1400" kern="1200" smtClean="0">
+              <a:solidFill>
+                <a:schemeClr val="accent3">
+                  <a:lumMod val="75000"/>
+                </a:schemeClr>
+              </a:solidFill>
+            </a:rPr>
+            <a:t>ACTIVITIES</a:t>
+          </a:r>
+          <a:endParaRPr lang="fr-FR" sz="1400" kern="1200">
+            <a:solidFill>
+              <a:schemeClr val="accent3">
+                <a:lumMod val="75000"/>
+              </a:schemeClr>
+            </a:solidFill>
+          </a:endParaRPr>
+        </a:p>
+        <a:p>
+          <a:pPr marL="57150" lvl="1" indent="-57150" algn="l" defTabSz="466725">
+            <a:lnSpc>
+              <a:spcPct val="90000"/>
+            </a:lnSpc>
+            <a:spcBef>
+              <a:spcPct val="0"/>
+            </a:spcBef>
+            <a:spcAft>
+              <a:spcPct val="15000"/>
+            </a:spcAft>
+            <a:buChar char="••"/>
+          </a:pPr>
+          <a:r>
+            <a:rPr lang="fr-FR" sz="1050" kern="1200" smtClean="0">
+              <a:solidFill>
+                <a:schemeClr val="accent3">
+                  <a:lumMod val="75000"/>
+                </a:schemeClr>
+              </a:solidFill>
+            </a:rPr>
+            <a:t>Review Fuel Cell information</a:t>
+          </a:r>
+          <a:endParaRPr lang="fr-FR" sz="1050" kern="1200" dirty="0">
+            <a:solidFill>
+              <a:schemeClr val="accent3">
+                <a:lumMod val="75000"/>
+              </a:schemeClr>
+            </a:solidFill>
+          </a:endParaRPr>
+        </a:p>
+        <a:p>
+          <a:pPr marL="57150" lvl="1" indent="-57150" algn="l" defTabSz="466725">
+            <a:lnSpc>
+              <a:spcPct val="90000"/>
+            </a:lnSpc>
+            <a:spcBef>
+              <a:spcPct val="0"/>
+            </a:spcBef>
+            <a:spcAft>
+              <a:spcPct val="15000"/>
+            </a:spcAft>
+            <a:buChar char="••"/>
+          </a:pPr>
+          <a:r>
+            <a:rPr lang="fr-FR" sz="1050" kern="1200" smtClean="0">
+              <a:solidFill>
+                <a:schemeClr val="accent3">
+                  <a:lumMod val="75000"/>
+                </a:schemeClr>
+              </a:solidFill>
+            </a:rPr>
+            <a:t>Extract IAR structure from existing reports</a:t>
+          </a:r>
+          <a:endParaRPr lang="fr-FR" sz="1050" kern="1200" dirty="0">
+            <a:solidFill>
+              <a:schemeClr val="accent3">
+                <a:lumMod val="75000"/>
+              </a:schemeClr>
+            </a:solidFill>
+          </a:endParaRPr>
+        </a:p>
+        <a:p>
+          <a:pPr marL="57150" lvl="1" indent="-57150" algn="l" defTabSz="466725">
+            <a:lnSpc>
+              <a:spcPct val="90000"/>
+            </a:lnSpc>
+            <a:spcBef>
+              <a:spcPct val="0"/>
+            </a:spcBef>
+            <a:spcAft>
+              <a:spcPct val="15000"/>
+            </a:spcAft>
+            <a:buChar char="••"/>
+          </a:pPr>
+          <a:r>
+            <a:rPr lang="fr-FR" sz="1050" kern="1200" smtClean="0">
+              <a:solidFill>
+                <a:schemeClr val="accent3">
+                  <a:lumMod val="75000"/>
+                </a:schemeClr>
+              </a:solidFill>
+            </a:rPr>
+            <a:t>Build a personalized outline for the IAR</a:t>
+          </a:r>
+          <a:endParaRPr lang="fr-FR" sz="1050" kern="1200">
+            <a:solidFill>
+              <a:schemeClr val="accent3">
+                <a:lumMod val="75000"/>
+              </a:schemeClr>
+            </a:solidFill>
+          </a:endParaRPr>
+        </a:p>
+        <a:p>
+          <a:pPr marL="57150" lvl="1" indent="-57150" algn="l" defTabSz="466725">
+            <a:lnSpc>
+              <a:spcPct val="90000"/>
+            </a:lnSpc>
+            <a:spcBef>
+              <a:spcPct val="0"/>
+            </a:spcBef>
+            <a:spcAft>
+              <a:spcPct val="15000"/>
+            </a:spcAft>
+            <a:buChar char="••"/>
+          </a:pPr>
+          <a:r>
+            <a:rPr lang="fr-FR" sz="1050" kern="1200" smtClean="0">
+              <a:solidFill>
+                <a:schemeClr val="accent3">
+                  <a:lumMod val="75000"/>
+                </a:schemeClr>
+              </a:solidFill>
+            </a:rPr>
+            <a:t>Collect data</a:t>
+          </a:r>
+          <a:endParaRPr lang="fr-FR" sz="1050" kern="1200">
+            <a:solidFill>
+              <a:schemeClr val="accent3">
+                <a:lumMod val="75000"/>
+              </a:schemeClr>
+            </a:solidFill>
+          </a:endParaRPr>
+        </a:p>
+        <a:p>
+          <a:pPr marL="57150" lvl="1" indent="-57150" algn="l" defTabSz="466725">
+            <a:lnSpc>
+              <a:spcPct val="90000"/>
+            </a:lnSpc>
+            <a:spcBef>
+              <a:spcPct val="0"/>
+            </a:spcBef>
+            <a:spcAft>
+              <a:spcPct val="15000"/>
+            </a:spcAft>
+            <a:buChar char="••"/>
+          </a:pPr>
+          <a:r>
+            <a:rPr lang="fr-FR" sz="1050" kern="1200" smtClean="0">
+              <a:solidFill>
+                <a:schemeClr val="accent3">
+                  <a:lumMod val="75000"/>
+                </a:schemeClr>
+              </a:solidFill>
+            </a:rPr>
+            <a:t>Write, design and edit the IAR</a:t>
+          </a:r>
+          <a:endParaRPr lang="fr-FR" sz="1050" kern="1200">
+            <a:solidFill>
+              <a:schemeClr val="accent3">
+                <a:lumMod val="75000"/>
+              </a:schemeClr>
+            </a:solidFill>
+          </a:endParaRPr>
+        </a:p>
+        <a:p>
+          <a:pPr marL="57150" lvl="1" indent="-57150" algn="l" defTabSz="466725">
+            <a:lnSpc>
+              <a:spcPct val="90000"/>
+            </a:lnSpc>
+            <a:spcBef>
+              <a:spcPct val="0"/>
+            </a:spcBef>
+            <a:spcAft>
+              <a:spcPct val="15000"/>
+            </a:spcAft>
+            <a:buChar char="••"/>
+          </a:pPr>
+          <a:r>
+            <a:rPr lang="fr-FR" sz="1050" kern="1200" smtClean="0">
+              <a:solidFill>
+                <a:schemeClr val="accent3">
+                  <a:lumMod val="75000"/>
+                </a:schemeClr>
+              </a:solidFill>
+            </a:rPr>
+            <a:t>Present IAR project</a:t>
+          </a:r>
+          <a:endParaRPr lang="fr-FR" sz="1050" kern="1200">
+            <a:solidFill>
+              <a:schemeClr val="accent3">
+                <a:lumMod val="75000"/>
+              </a:schemeClr>
+            </a:solidFill>
+          </a:endParaRPr>
+        </a:p>
+      </dsp:txBody>
+      <dsp:txXfrm rot="5400000">
+        <a:off x="2254923" y="541526"/>
+        <a:ext cx="2095616" cy="1624583"/>
+      </dsp:txXfrm>
+    </dsp:sp>
+    <dsp:sp modelId="{21D06AF9-7B68-4C50-825D-0A7D198CBF3A}">
+      <dsp:nvSpPr>
+        <dsp:cNvPr id="0" name=""/>
+        <dsp:cNvSpPr/>
+      </dsp:nvSpPr>
+      <dsp:spPr>
+        <a:xfrm rot="16200000">
+          <a:off x="4201699" y="306010"/>
+          <a:ext cx="2707637" cy="2095616"/>
+        </a:xfrm>
+        <a:prstGeom prst="flowChartManualOperation">
+          <a:avLst/>
+        </a:prstGeom>
+        <a:solidFill>
+          <a:schemeClr val="lt1">
+            <a:hueOff val="0"/>
+            <a:satOff val="0"/>
+            <a:lumOff val="0"/>
+            <a:alphaOff val="0"/>
+          </a:schemeClr>
+        </a:solidFill>
+        <a:ln w="15875" cap="flat" cmpd="sng" algn="ctr">
+          <a:solidFill>
+            <a:schemeClr val="accent3">
+              <a:shade val="80000"/>
+              <a:hueOff val="0"/>
+              <a:satOff val="0"/>
+              <a:lumOff val="0"/>
+              <a:alphaOff val="0"/>
+            </a:schemeClr>
+          </a:solidFill>
+          <a:prstDash val="solid"/>
+        </a:ln>
+        <a:effectLst/>
+      </dsp:spPr>
+      <dsp:style>
+        <a:lnRef idx="2">
+          <a:scrgbClr r="0" g="0" b="0"/>
+        </a:lnRef>
+        <a:fillRef idx="1">
+          <a:scrgbClr r="0" g="0" b="0"/>
+        </a:fillRef>
+        <a:effectRef idx="0">
+          <a:scrgbClr r="0" g="0" b="0"/>
+        </a:effectRef>
+        <a:fontRef idx="minor">
+          <a:schemeClr val="lt1"/>
+        </a:fontRef>
+      </dsp:style>
+      <dsp:txBody>
+        <a:bodyPr spcFirstLastPara="0" vert="horz" wrap="square" lIns="88900" tIns="0" rIns="88900" bIns="0" numCol="1" spcCol="1270" anchor="t" anchorCtr="0">
+          <a:noAutofit/>
+        </a:bodyPr>
+        <a:lstStyle/>
+        <a:p>
+          <a:pPr lvl="0" algn="l" defTabSz="622300">
+            <a:lnSpc>
+              <a:spcPct val="90000"/>
+            </a:lnSpc>
+            <a:spcBef>
+              <a:spcPct val="0"/>
+            </a:spcBef>
+            <a:spcAft>
+              <a:spcPct val="35000"/>
+            </a:spcAft>
+          </a:pPr>
+          <a:r>
+            <a:rPr lang="fr-FR" sz="1400" kern="1200" smtClean="0">
+              <a:solidFill>
+                <a:schemeClr val="accent3">
+                  <a:lumMod val="75000"/>
+                </a:schemeClr>
+              </a:solidFill>
+            </a:rPr>
+            <a:t>OUTCOMES</a:t>
+          </a:r>
+          <a:endParaRPr lang="fr-FR" sz="1400" kern="1200">
+            <a:solidFill>
+              <a:schemeClr val="accent3">
+                <a:lumMod val="75000"/>
+              </a:schemeClr>
+            </a:solidFill>
+          </a:endParaRPr>
+        </a:p>
+        <a:p>
+          <a:pPr marL="57150" lvl="1" indent="-57150" algn="l" defTabSz="466725">
+            <a:lnSpc>
+              <a:spcPct val="90000"/>
+            </a:lnSpc>
+            <a:spcBef>
+              <a:spcPct val="0"/>
+            </a:spcBef>
+            <a:spcAft>
+              <a:spcPct val="15000"/>
+            </a:spcAft>
+            <a:buChar char="••"/>
+          </a:pPr>
+          <a:r>
+            <a:rPr lang="fr-FR" sz="1050" kern="1200" smtClean="0">
+              <a:solidFill>
+                <a:schemeClr val="accent3">
+                  <a:lumMod val="75000"/>
+                </a:schemeClr>
+              </a:solidFill>
+            </a:rPr>
+            <a:t>IAR</a:t>
+          </a:r>
+          <a:endParaRPr lang="fr-FR" sz="1050" kern="1200">
+            <a:solidFill>
+              <a:schemeClr val="accent3">
+                <a:lumMod val="75000"/>
+              </a:schemeClr>
+            </a:solidFill>
+          </a:endParaRPr>
+        </a:p>
+        <a:p>
+          <a:pPr marL="57150" lvl="1" indent="-57150" algn="l" defTabSz="466725">
+            <a:lnSpc>
+              <a:spcPct val="90000"/>
+            </a:lnSpc>
+            <a:spcBef>
+              <a:spcPct val="0"/>
+            </a:spcBef>
+            <a:spcAft>
+              <a:spcPct val="15000"/>
+            </a:spcAft>
+            <a:buChar char="••"/>
+          </a:pPr>
+          <a:r>
+            <a:rPr lang="fr-FR" sz="1050" kern="1200" smtClean="0">
+              <a:solidFill>
+                <a:schemeClr val="accent3">
+                  <a:lumMod val="75000"/>
+                </a:schemeClr>
+              </a:solidFill>
+            </a:rPr>
+            <a:t>Interaction with other conributors</a:t>
+          </a:r>
+          <a:endParaRPr lang="fr-FR" sz="1050" kern="1200">
+            <a:solidFill>
+              <a:schemeClr val="accent3">
+                <a:lumMod val="75000"/>
+              </a:schemeClr>
+            </a:solidFill>
+          </a:endParaRPr>
+        </a:p>
+      </dsp:txBody>
+      <dsp:txXfrm rot="5400000">
+        <a:off x="4507710" y="541526"/>
+        <a:ext cx="2095616" cy="1624583"/>
+      </dsp:txXfrm>
+    </dsp:sp>
+    <dsp:sp modelId="{F1E2BDB2-0BA9-4FD2-86F9-2CAEA5A63A20}">
+      <dsp:nvSpPr>
+        <dsp:cNvPr id="0" name=""/>
+        <dsp:cNvSpPr/>
+      </dsp:nvSpPr>
+      <dsp:spPr>
+        <a:xfrm rot="16200000">
+          <a:off x="6454487" y="306010"/>
+          <a:ext cx="2707637" cy="2095616"/>
+        </a:xfrm>
+        <a:prstGeom prst="flowChartManualOperation">
+          <a:avLst/>
+        </a:prstGeom>
+        <a:solidFill>
+          <a:schemeClr val="lt1">
+            <a:hueOff val="0"/>
+            <a:satOff val="0"/>
+            <a:lumOff val="0"/>
+            <a:alphaOff val="0"/>
+          </a:schemeClr>
+        </a:solidFill>
+        <a:ln w="15875" cap="flat" cmpd="sng" algn="ctr">
+          <a:solidFill>
+            <a:schemeClr val="accent3">
+              <a:shade val="80000"/>
+              <a:hueOff val="0"/>
+              <a:satOff val="0"/>
+              <a:lumOff val="0"/>
+              <a:alphaOff val="0"/>
+            </a:schemeClr>
+          </a:solidFill>
+          <a:prstDash val="solid"/>
+        </a:ln>
+        <a:effectLst/>
+      </dsp:spPr>
+      <dsp:style>
+        <a:lnRef idx="2">
+          <a:scrgbClr r="0" g="0" b="0"/>
+        </a:lnRef>
+        <a:fillRef idx="1">
+          <a:scrgbClr r="0" g="0" b="0"/>
+        </a:fillRef>
+        <a:effectRef idx="0">
+          <a:scrgbClr r="0" g="0" b="0"/>
+        </a:effectRef>
+        <a:fontRef idx="minor">
+          <a:schemeClr val="lt1"/>
+        </a:fontRef>
+      </dsp:style>
+      <dsp:txBody>
+        <a:bodyPr spcFirstLastPara="0" vert="horz" wrap="square" lIns="88900" tIns="0" rIns="88900" bIns="0" numCol="1" spcCol="1270" anchor="t" anchorCtr="0">
+          <a:noAutofit/>
+        </a:bodyPr>
+        <a:lstStyle/>
+        <a:p>
+          <a:pPr lvl="0" algn="l" defTabSz="622300">
+            <a:lnSpc>
+              <a:spcPct val="90000"/>
+            </a:lnSpc>
+            <a:spcBef>
+              <a:spcPct val="0"/>
+            </a:spcBef>
+            <a:spcAft>
+              <a:spcPct val="35000"/>
+            </a:spcAft>
+          </a:pPr>
+          <a:r>
+            <a:rPr lang="fr-FR" sz="1400" kern="1200" smtClean="0">
+              <a:solidFill>
+                <a:schemeClr val="accent3">
+                  <a:lumMod val="75000"/>
+                </a:schemeClr>
+              </a:solidFill>
+            </a:rPr>
+            <a:t>OUTPUTS</a:t>
+          </a:r>
+          <a:endParaRPr lang="fr-FR" sz="1400" kern="1200">
+            <a:solidFill>
+              <a:schemeClr val="accent3">
+                <a:lumMod val="75000"/>
+              </a:schemeClr>
+            </a:solidFill>
+          </a:endParaRPr>
+        </a:p>
+        <a:p>
+          <a:pPr marL="57150" lvl="1" indent="-57150" algn="l" defTabSz="466725">
+            <a:lnSpc>
+              <a:spcPct val="90000"/>
+            </a:lnSpc>
+            <a:spcBef>
+              <a:spcPct val="0"/>
+            </a:spcBef>
+            <a:spcAft>
+              <a:spcPct val="15000"/>
+            </a:spcAft>
+            <a:buChar char="••"/>
+          </a:pPr>
+          <a:r>
+            <a:rPr lang="fr-FR" sz="1050" kern="1200" smtClean="0">
+              <a:solidFill>
+                <a:schemeClr val="accent3">
+                  <a:lumMod val="75000"/>
+                </a:schemeClr>
+              </a:solidFill>
+            </a:rPr>
+            <a:t>Know about the fuel cell industry</a:t>
+          </a:r>
+          <a:endParaRPr lang="fr-FR" sz="1050" kern="1200">
+            <a:solidFill>
+              <a:schemeClr val="accent3">
+                <a:lumMod val="75000"/>
+              </a:schemeClr>
+            </a:solidFill>
+          </a:endParaRPr>
+        </a:p>
+        <a:p>
+          <a:pPr marL="114300" lvl="2" indent="-57150" algn="l" defTabSz="466725">
+            <a:lnSpc>
+              <a:spcPct val="90000"/>
+            </a:lnSpc>
+            <a:spcBef>
+              <a:spcPct val="0"/>
+            </a:spcBef>
+            <a:spcAft>
+              <a:spcPct val="15000"/>
+            </a:spcAft>
+            <a:buChar char="••"/>
+          </a:pPr>
+          <a:r>
+            <a:rPr lang="fr-FR" sz="1050" kern="1200" smtClean="0">
+              <a:solidFill>
+                <a:schemeClr val="accent3">
+                  <a:lumMod val="75000"/>
+                </a:schemeClr>
+              </a:solidFill>
+            </a:rPr>
+            <a:t>Know the state and needs of the market</a:t>
+          </a:r>
+          <a:endParaRPr lang="fr-FR" sz="1050" kern="1200">
+            <a:solidFill>
+              <a:schemeClr val="accent3">
+                <a:lumMod val="75000"/>
+              </a:schemeClr>
+            </a:solidFill>
+          </a:endParaRPr>
+        </a:p>
+        <a:p>
+          <a:pPr marL="57150" lvl="1" indent="-57150" algn="l" defTabSz="466725">
+            <a:lnSpc>
+              <a:spcPct val="90000"/>
+            </a:lnSpc>
+            <a:spcBef>
+              <a:spcPct val="0"/>
+            </a:spcBef>
+            <a:spcAft>
+              <a:spcPct val="15000"/>
+            </a:spcAft>
+            <a:buChar char="••"/>
+          </a:pPr>
+          <a:r>
+            <a:rPr lang="fr-FR" sz="1050" kern="1200" smtClean="0">
+              <a:solidFill>
+                <a:schemeClr val="accent3">
+                  <a:lumMod val="75000"/>
+                </a:schemeClr>
+              </a:solidFill>
+            </a:rPr>
+            <a:t>IAR available to everyone</a:t>
+          </a:r>
+          <a:endParaRPr lang="fr-FR" sz="1050" kern="1200">
+            <a:solidFill>
+              <a:schemeClr val="accent3">
+                <a:lumMod val="75000"/>
+              </a:schemeClr>
+            </a:solidFill>
+          </a:endParaRPr>
+        </a:p>
+        <a:p>
+          <a:pPr marL="57150" lvl="1" indent="-57150" algn="l" defTabSz="466725">
+            <a:lnSpc>
+              <a:spcPct val="90000"/>
+            </a:lnSpc>
+            <a:spcBef>
+              <a:spcPct val="0"/>
+            </a:spcBef>
+            <a:spcAft>
+              <a:spcPct val="15000"/>
+            </a:spcAft>
+            <a:buChar char="••"/>
+          </a:pPr>
+          <a:r>
+            <a:rPr lang="fr-FR" sz="1050" kern="1200" smtClean="0">
+              <a:solidFill>
+                <a:schemeClr val="accent3">
+                  <a:lumMod val="75000"/>
+                </a:schemeClr>
+              </a:solidFill>
+            </a:rPr>
+            <a:t>IAR understandable by everyone</a:t>
+          </a:r>
+          <a:endParaRPr lang="fr-FR" sz="1050" kern="1200">
+            <a:solidFill>
+              <a:schemeClr val="accent3">
+                <a:lumMod val="75000"/>
+              </a:schemeClr>
+            </a:solidFill>
+          </a:endParaRPr>
+        </a:p>
+        <a:p>
+          <a:pPr marL="57150" lvl="1" indent="-57150" algn="l" defTabSz="466725">
+            <a:lnSpc>
+              <a:spcPct val="90000"/>
+            </a:lnSpc>
+            <a:spcBef>
+              <a:spcPct val="0"/>
+            </a:spcBef>
+            <a:spcAft>
+              <a:spcPct val="15000"/>
+            </a:spcAft>
+            <a:buChar char="••"/>
+          </a:pPr>
+          <a:endParaRPr lang="fr-FR" sz="1050" kern="1200">
+            <a:solidFill>
+              <a:schemeClr val="accent3">
+                <a:lumMod val="75000"/>
+              </a:schemeClr>
+            </a:solidFill>
+          </a:endParaRPr>
+        </a:p>
+      </dsp:txBody>
+      <dsp:txXfrm rot="5400000">
+        <a:off x="6760498" y="541526"/>
+        <a:ext cx="2095616" cy="1624583"/>
+      </dsp:txXfrm>
+    </dsp:sp>
   </dsp:spTree>
 </dsp:drawing>
 </file>
@@ -3880,7 +4840,7 @@
           <a:p>
             <a:fld id="{DDCCA47B-3C97-470F-9E92-6634E455912F}" type="datetimeFigureOut">
               <a:rPr lang="en-US" smtClean="0"/>
-              <a:t>5/19/2015</a:t>
+              <a:t>5/20/2015</a:t>
             </a:fld>
             <a:endParaRPr lang="en-US"/>
           </a:p>
@@ -4458,7 +5418,7 @@
           <a:p>
             <a:fld id="{02594452-2088-46C7-8121-271356E8511E}" type="datetime1">
               <a:rPr lang="fr-FR" smtClean="0"/>
-              <a:t>19/05/2015</a:t>
+              <a:t>20/05/2015</a:t>
             </a:fld>
             <a:endParaRPr lang="fr-FR"/>
           </a:p>
@@ -4670,7 +5630,7 @@
           <a:p>
             <a:fld id="{FF739EE9-E6DE-4CFF-9ECE-0F54FDE20F4B}" type="datetime1">
               <a:rPr lang="fr-FR" smtClean="0"/>
-              <a:t>19/05/2015</a:t>
+              <a:t>20/05/2015</a:t>
             </a:fld>
             <a:endParaRPr lang="fr-FR"/>
           </a:p>
@@ -4930,7 +5890,7 @@
           <a:p>
             <a:fld id="{058B513E-FE9D-418D-A202-255A4E4C6AC5}" type="datetime1">
               <a:rPr lang="fr-FR" smtClean="0"/>
-              <a:t>19/05/2015</a:t>
+              <a:t>20/05/2015</a:t>
             </a:fld>
             <a:endParaRPr lang="fr-FR"/>
           </a:p>
@@ -5104,7 +6064,7 @@
           <a:p>
             <a:fld id="{B3951D82-E167-4565-95B5-D8341A5A6D5B}" type="datetime1">
               <a:rPr lang="fr-FR" smtClean="0"/>
-              <a:t>19/05/2015</a:t>
+              <a:t>20/05/2015</a:t>
             </a:fld>
             <a:endParaRPr lang="fr-FR"/>
           </a:p>
@@ -5451,7 +6411,7 @@
           <a:p>
             <a:fld id="{6F395423-CF2A-41A1-B998-779941211E29}" type="datetime1">
               <a:rPr lang="fr-FR" smtClean="0"/>
-              <a:t>19/05/2015</a:t>
+              <a:t>20/05/2015</a:t>
             </a:fld>
             <a:endParaRPr lang="fr-FR"/>
           </a:p>
@@ -5730,7 +6690,7 @@
           <a:p>
             <a:fld id="{7B31CB30-7913-4FD5-8453-6D9FF22AA427}" type="datetime1">
               <a:rPr lang="fr-FR" smtClean="0"/>
-              <a:t>19/05/2015</a:t>
+              <a:t>20/05/2015</a:t>
             </a:fld>
             <a:endParaRPr lang="fr-FR"/>
           </a:p>
@@ -6113,7 +7073,7 @@
           <a:p>
             <a:fld id="{8F14C0EE-E481-43F3-94DA-D1A25CEC40DE}" type="datetime1">
               <a:rPr lang="fr-FR" smtClean="0"/>
-              <a:t>19/05/2015</a:t>
+              <a:t>20/05/2015</a:t>
             </a:fld>
             <a:endParaRPr lang="fr-FR"/>
           </a:p>
@@ -6235,7 +7195,7 @@
           <a:p>
             <a:fld id="{531EB399-98EB-4874-922C-FD316CDCF690}" type="datetime1">
               <a:rPr lang="fr-FR" smtClean="0"/>
-              <a:t>19/05/2015</a:t>
+              <a:t>20/05/2015</a:t>
             </a:fld>
             <a:endParaRPr lang="fr-FR"/>
           </a:p>
@@ -6410,7 +7370,7 @@
           <a:p>
             <a:fld id="{3ECF0B9D-8152-464B-A496-6DA29EB38900}" type="datetime1">
               <a:rPr lang="fr-FR" smtClean="0"/>
-              <a:t>19/05/2015</a:t>
+              <a:t>20/05/2015</a:t>
             </a:fld>
             <a:endParaRPr lang="fr-FR"/>
           </a:p>
@@ -6768,7 +7728,7 @@
           <a:p>
             <a:fld id="{EB72BB81-321C-47C9-8EF1-F64E7E3280BC}" type="datetime1">
               <a:rPr lang="fr-FR" smtClean="0"/>
-              <a:t>19/05/2015</a:t>
+              <a:t>20/05/2015</a:t>
             </a:fld>
             <a:endParaRPr lang="fr-FR"/>
           </a:p>
@@ -7149,7 +8109,7 @@
           <a:p>
             <a:fld id="{310F2307-685A-4E72-8E0A-45F85857C52E}" type="datetime1">
               <a:rPr lang="fr-FR" smtClean="0"/>
-              <a:t>19/05/2015</a:t>
+              <a:t>20/05/2015</a:t>
             </a:fld>
             <a:endParaRPr lang="fr-FR"/>
           </a:p>
@@ -7440,7 +8400,7 @@
           <a:p>
             <a:fld id="{B82A1CD3-8443-43C6-8EE4-FA26CE5A5F83}" type="datetime1">
               <a:rPr lang="fr-FR" smtClean="0"/>
-              <a:t>19/05/2015</a:t>
+              <a:t>20/05/2015</a:t>
             </a:fld>
             <a:endParaRPr lang="fr-FR"/>
           </a:p>
@@ -9739,14 +10699,14 @@
           <p:nvPr>
             <p:extLst>
               <p:ext uri="{D42A27DB-BD31-4B8C-83A1-F6EECF244321}">
-                <p14:modId xmlns:p14="http://schemas.microsoft.com/office/powerpoint/2010/main" val="2356598327"/>
+                <p14:modId xmlns:p14="http://schemas.microsoft.com/office/powerpoint/2010/main" val="1036280830"/>
               </p:ext>
             </p:extLst>
           </p:nvPr>
         </p:nvGraphicFramePr>
         <p:xfrm>
           <a:off x="1346200" y="1964266"/>
-          <a:ext cx="8915401" cy="4129024"/>
+          <a:ext cx="9809480" cy="4129024"/>
         </p:xfrm>
         <a:graphic>
           <a:graphicData uri="http://schemas.openxmlformats.org/drawingml/2006/table">
@@ -9755,9 +10715,9 @@
                 <a:tableStyleId>{5C22544A-7EE6-4342-B048-85BDC9FD1C3A}</a:tableStyleId>
               </a:tblPr>
               <a:tblGrid>
-                <a:gridCol w="3251200"/>
-                <a:gridCol w="3149600"/>
-                <a:gridCol w="2514601"/>
+                <a:gridCol w="3577246"/>
+                <a:gridCol w="3465457"/>
+                <a:gridCol w="2766777"/>
               </a:tblGrid>
               <a:tr h="370840">
                 <a:tc>
@@ -10039,14 +10999,14 @@
                         <a:buNone/>
                       </a:pPr>
                       <a:r>
-                        <a:rPr lang="en-US" dirty="0" smtClean="0"/>
+                        <a:rPr lang="en-US" b="1" dirty="0" smtClean="0"/>
                         <a:t>Governmental</a:t>
                       </a:r>
                       <a:r>
-                        <a:rPr lang="en-US" baseline="0" dirty="0" smtClean="0"/>
+                        <a:rPr lang="en-US" b="1" baseline="0" dirty="0" smtClean="0"/>
                         <a:t> Incentives</a:t>
                       </a:r>
-                      <a:endParaRPr lang="en-US" dirty="0"/>
+                      <a:endParaRPr lang="en-US" b="1" dirty="0"/>
                     </a:p>
                   </a:txBody>
                   <a:tcPr>
@@ -10076,10 +11036,10 @@
                         <a:buNone/>
                       </a:pPr>
                       <a:r>
-                        <a:rPr lang="en-US" dirty="0" smtClean="0"/>
+                        <a:rPr lang="en-US" b="1" dirty="0" smtClean="0"/>
                         <a:t>Power Output</a:t>
                       </a:r>
-                      <a:endParaRPr lang="en-US" dirty="0"/>
+                      <a:endParaRPr lang="en-US" b="1" dirty="0"/>
                     </a:p>
                   </a:txBody>
                   <a:tcPr>
@@ -10098,10 +11058,10 @@
                         <a:buNone/>
                       </a:pPr>
                       <a:r>
-                        <a:rPr lang="en-US" dirty="0" smtClean="0"/>
+                        <a:rPr lang="en-US" b="1" dirty="0" smtClean="0"/>
                         <a:t>Region</a:t>
                       </a:r>
-                      <a:endParaRPr lang="en-US" dirty="0"/>
+                      <a:endParaRPr lang="en-US" b="1" dirty="0"/>
                     </a:p>
                   </a:txBody>
                   <a:tcPr>
@@ -10120,10 +11080,10 @@
                         <a:buNone/>
                       </a:pPr>
                       <a:r>
-                        <a:rPr lang="en-US" dirty="0" smtClean="0"/>
+                        <a:rPr lang="en-US" b="1" dirty="0" smtClean="0"/>
                         <a:t>Access to Institutions</a:t>
                       </a:r>
-                      <a:endParaRPr lang="en-US" dirty="0"/>
+                      <a:endParaRPr lang="en-US" b="1" dirty="0"/>
                     </a:p>
                   </a:txBody>
                   <a:tcPr>
@@ -10212,10 +11172,10 @@
                         <a:buNone/>
                       </a:pPr>
                       <a:r>
-                        <a:rPr lang="en-US" dirty="0" smtClean="0"/>
+                        <a:rPr lang="en-US" b="1" dirty="0" smtClean="0"/>
                         <a:t>Applications</a:t>
                       </a:r>
-                      <a:endParaRPr lang="en-US" dirty="0"/>
+                      <a:endParaRPr lang="en-US" b="1" dirty="0"/>
                     </a:p>
                   </a:txBody>
                   <a:tcPr>
@@ -10392,10 +11352,10 @@
                         <a:buNone/>
                       </a:pPr>
                       <a:r>
-                        <a:rPr lang="en-US" dirty="0" smtClean="0"/>
+                        <a:rPr lang="en-US" b="1" dirty="0" smtClean="0"/>
                         <a:t>Global Awareness</a:t>
                       </a:r>
-                      <a:endParaRPr lang="en-US" dirty="0"/>
+                      <a:endParaRPr lang="en-US" b="1" dirty="0"/>
                     </a:p>
                   </a:txBody>
                   <a:tcPr>
@@ -10514,14 +11474,14 @@
                         <a:buNone/>
                       </a:pPr>
                       <a:r>
-                        <a:rPr lang="en-US" dirty="0" smtClean="0"/>
+                        <a:rPr lang="en-US" b="1" dirty="0" smtClean="0"/>
                         <a:t>Market</a:t>
                       </a:r>
                       <a:r>
-                        <a:rPr lang="en-US" baseline="0" dirty="0" smtClean="0"/>
+                        <a:rPr lang="en-US" b="1" baseline="0" dirty="0" smtClean="0"/>
                         <a:t> Size</a:t>
                       </a:r>
-                      <a:endParaRPr lang="en-US" dirty="0"/>
+                      <a:endParaRPr lang="en-US" b="1" dirty="0"/>
                     </a:p>
                   </a:txBody>
                   <a:tcPr>
@@ -10646,10 +11606,10 @@
                         <a:buNone/>
                       </a:pPr>
                       <a:r>
-                        <a:rPr lang="en-US" dirty="0" smtClean="0"/>
+                        <a:rPr lang="en-US" b="1" dirty="0" smtClean="0"/>
                         <a:t>Law and Regulations</a:t>
                       </a:r>
-                      <a:endParaRPr lang="en-US" dirty="0"/>
+                      <a:endParaRPr lang="en-US" b="1" dirty="0"/>
                     </a:p>
                   </a:txBody>
                   <a:tcPr>
@@ -11171,7 +12131,11 @@
           <a:p>
             <a:r>
               <a:rPr lang="en-US" dirty="0" smtClean="0"/>
-              <a:t>‘Completed Tasks’ And ‘Work-in-progress’</a:t>
+              <a:t>‘LM ACTIVITIES’ </a:t>
+            </a:r>
+            <a:r>
+              <a:rPr lang="en-US" dirty="0" smtClean="0"/>
+              <a:t>And ‘Work-in-progress’</a:t>
             </a:r>
             <a:endParaRPr lang="en-US" dirty="0"/>
           </a:p>
@@ -11308,7 +12272,7 @@
           <a:p>
             <a:r>
               <a:rPr lang="en-US" dirty="0" smtClean="0"/>
-              <a:t>IAR Progress : Completed Tasks</a:t>
+              <a:t>IAR Progress : LM Activities</a:t>
             </a:r>
             <a:endParaRPr lang="en-US" dirty="0"/>
           </a:p>
@@ -11324,14 +12288,14 @@
             <p:ph idx="1"/>
             <p:extLst>
               <p:ext uri="{D42A27DB-BD31-4B8C-83A1-F6EECF244321}">
-                <p14:modId xmlns:p14="http://schemas.microsoft.com/office/powerpoint/2010/main" val="817248743"/>
+                <p14:modId xmlns:p14="http://schemas.microsoft.com/office/powerpoint/2010/main" val="2467249358"/>
               </p:ext>
             </p:extLst>
           </p:nvPr>
         </p:nvGraphicFramePr>
         <p:xfrm>
           <a:off x="1097280" y="2305907"/>
-          <a:ext cx="9613900" cy="2590800"/>
+          <a:ext cx="9613900" cy="3703320"/>
         </p:xfrm>
         <a:graphic>
           <a:graphicData uri="http://schemas.openxmlformats.org/drawingml/2006/table">
@@ -11546,8 +12510,13 @@
                       </a:pPr>
                       <a:r>
                         <a:rPr lang="en-US" sz="1400" dirty="0" smtClean="0"/>
-                        <a:t>Collect data </a:t>
+                        <a:t>Collect </a:t>
                       </a:r>
+                      <a:r>
+                        <a:rPr lang="en-US" sz="1400" dirty="0" smtClean="0"/>
+                        <a:t>data</a:t>
+                      </a:r>
+                      <a:endParaRPr lang="en-US" sz="1400" dirty="0" smtClean="0"/>
                     </a:p>
                   </a:txBody>
                   <a:tcPr/>
@@ -11559,7 +12528,7 @@
                     <a:p>
                       <a:r>
                         <a:rPr lang="en-US" sz="1400" dirty="0" smtClean="0"/>
-                        <a:t>COMPLETED</a:t>
+                        <a:t>IN PROGRESS</a:t>
                       </a:r>
                       <a:endParaRPr lang="en-US" sz="1400" dirty="0"/>
                     </a:p>
@@ -11574,13 +12543,10 @@
                     <a:lstStyle/>
                     <a:p>
                       <a:r>
-                        <a:rPr lang="en-US" sz="1400" dirty="0" smtClean="0"/>
-                        <a:t>IAR:</a:t>
+                        <a:rPr lang="en-US" sz="1400" baseline="0" dirty="0" smtClean="0"/>
+                        <a:t>Write IAR</a:t>
                       </a:r>
-                      <a:r>
-                        <a:rPr lang="en-US" sz="1400" baseline="0" dirty="0" smtClean="0"/>
-                        <a:t> Introduction</a:t>
-                      </a:r>
+                      <a:endParaRPr lang="en-US" sz="1400" baseline="0" dirty="0" smtClean="0"/>
                     </a:p>
                   </a:txBody>
                   <a:tcPr/>
@@ -11592,7 +12558,97 @@
                     <a:p>
                       <a:r>
                         <a:rPr lang="en-US" sz="1400" dirty="0" smtClean="0"/>
-                        <a:t>COMPLETED </a:t>
+                        <a:t>IN PROGRESS</a:t>
+                      </a:r>
+                      <a:endParaRPr lang="en-US" sz="1400" dirty="0"/>
+                    </a:p>
+                  </a:txBody>
+                  <a:tcPr/>
+                </a:tc>
+              </a:tr>
+              <a:tr h="370840">
+                <a:tc>
+                  <a:txBody>
+                    <a:bodyPr/>
+                    <a:lstStyle/>
+                    <a:p>
+                      <a:r>
+                        <a:rPr lang="en-US" sz="1400" baseline="0" dirty="0" smtClean="0"/>
+                        <a:t>Design IAR</a:t>
+                      </a:r>
+                      <a:endParaRPr lang="en-US" sz="1400" baseline="0" dirty="0" smtClean="0"/>
+                    </a:p>
+                  </a:txBody>
+                  <a:tcPr/>
+                </a:tc>
+                <a:tc>
+                  <a:txBody>
+                    <a:bodyPr/>
+                    <a:lstStyle/>
+                    <a:p>
+                      <a:r>
+                        <a:rPr lang="en-US" sz="1400" dirty="0" smtClean="0"/>
+                        <a:t>IN PROGRESS</a:t>
+                      </a:r>
+                      <a:endParaRPr lang="en-US" sz="1400" dirty="0"/>
+                    </a:p>
+                  </a:txBody>
+                  <a:tcPr/>
+                </a:tc>
+              </a:tr>
+              <a:tr h="370840">
+                <a:tc>
+                  <a:txBody>
+                    <a:bodyPr/>
+                    <a:lstStyle/>
+                    <a:p>
+                      <a:r>
+                        <a:rPr lang="en-US" sz="1400" baseline="0" dirty="0" smtClean="0"/>
+                        <a:t>Review and Edit IAR</a:t>
+                      </a:r>
+                      <a:endParaRPr lang="en-US" sz="1400" baseline="0" dirty="0" smtClean="0"/>
+                    </a:p>
+                  </a:txBody>
+                  <a:tcPr/>
+                </a:tc>
+                <a:tc>
+                  <a:txBody>
+                    <a:bodyPr/>
+                    <a:lstStyle/>
+                    <a:p>
+                      <a:r>
+                        <a:rPr lang="en-US" sz="1400" dirty="0" smtClean="0"/>
+                        <a:t>AWAITING</a:t>
+                      </a:r>
+                      <a:endParaRPr lang="en-US" sz="1400" dirty="0"/>
+                    </a:p>
+                  </a:txBody>
+                  <a:tcPr/>
+                </a:tc>
+              </a:tr>
+              <a:tr h="370840">
+                <a:tc>
+                  <a:txBody>
+                    <a:bodyPr/>
+                    <a:lstStyle/>
+                    <a:p>
+                      <a:r>
+                        <a:rPr lang="en-US" sz="1400" baseline="0" dirty="0" smtClean="0"/>
+                        <a:t>Present IAR</a:t>
+                      </a:r>
+                      <a:endParaRPr lang="en-US" sz="1400" baseline="0" dirty="0" smtClean="0"/>
+                    </a:p>
+                  </a:txBody>
+                  <a:tcPr/>
+                </a:tc>
+                <a:tc>
+                  <a:txBody>
+                    <a:bodyPr/>
+                    <a:lstStyle/>
+                    <a:p>
+                      <a:r>
+                        <a:rPr lang="en-US" sz="1400" dirty="0" smtClean="0"/>
+                        <a:t>AWAITING</a:t>
                       </a:r>
                       <a:endParaRPr lang="en-US" sz="1400" dirty="0"/>
                     </a:p>
